--- a/cmake_practice/预备讲-Cmake_潘胜利20101026.pptx
+++ b/cmake_practice/预备讲-Cmake_潘胜利20101026.pptx
@@ -22,6 +22,9 @@
     <p:sldId id="265" r:id="rId15"/>
     <p:sldId id="266" r:id="rId16"/>
     <p:sldId id="267" r:id="rId17"/>
+    <p:sldId id="268" r:id="rId18"/>
+    <p:sldId id="269" r:id="rId19"/>
+    <p:sldId id="270" r:id="rId20"/>
   </p:sldIdLst>
   <p:sldSz cx="9144000" cy="5143500"/>
   <p:notesSz cx="7104062" cy="10234612"/>
@@ -129,7 +132,7 @@
                 </a:uFill>
                 <a:latin typeface="Times New Roman"/>
               </a:rPr>
-              <a:t> </a:t>
+              <a:t>&lt;header&gt;</a:t>
             </a:r>
             <a:endParaRPr b="0" lang="en-US" sz="1400" spc="-1" strike="noStrike">
               <a:solidFill>
@@ -180,7 +183,7 @@
                 </a:uFill>
                 <a:latin typeface="Times New Roman"/>
               </a:rPr>
-              <a:t> </a:t>
+              <a:t>&lt;date/time&gt;</a:t>
             </a:r>
             <a:endParaRPr b="0" lang="en-US" sz="1400" spc="-1" strike="noStrike">
               <a:solidFill>
@@ -230,7 +233,7 @@
                 </a:uFill>
                 <a:latin typeface="Times New Roman"/>
               </a:rPr>
-              <a:t> </a:t>
+              <a:t>&lt;footer&gt;</a:t>
             </a:r>
             <a:endParaRPr b="0" lang="en-US" sz="1400" spc="-1" strike="noStrike">
               <a:solidFill>
@@ -269,7 +272,7 @@
           <a:bodyPr lIns="0" rIns="0" tIns="0" bIns="0" anchor="b"/>
           <a:p>
             <a:pPr algn="r"/>
-            <a:fld id="{69E0018F-DDEC-43FB-80F9-7D5C5CFF285E}" type="slidenum">
+            <a:fld id="{B98245E2-C8DD-4166-B06E-D45FCECC0C4A}" type="slidenum">
               <a:rPr b="0" lang="en-US" sz="1400" spc="-1" strike="noStrike">
                 <a:solidFill>
                   <a:srgbClr val="000000"/>
@@ -281,7 +284,7 @@
                 </a:uFill>
                 <a:latin typeface="Times New Roman"/>
               </a:rPr>
-              <a:t>1</a:t>
+              <a:t>&lt;number&gt;</a:t>
             </a:fld>
             <a:endParaRPr b="0" lang="en-US" sz="1400" spc="-1" strike="noStrike">
               <a:solidFill>
@@ -322,7 +325,7 @@
       </p:grpSpPr>
       <p:sp>
         <p:nvSpPr>
-          <p:cNvPr id="161" name="PlaceHolder 1"/>
+          <p:cNvPr id="176" name="PlaceHolder 1"/>
           <p:cNvSpPr>
             <a:spLocks noGrp="1"/>
           </p:cNvSpPr>
@@ -333,7 +336,7 @@
         <p:spPr>
           <a:xfrm>
             <a:off x="710280" y="4925160"/>
-            <a:ext cx="5682240" cy="4029120"/>
+            <a:ext cx="5681880" cy="4028760"/>
           </a:xfrm>
           <a:prstGeom prst="rect">
             <a:avLst/>
@@ -358,14 +361,14 @@
       </p:sp>
       <p:sp>
         <p:nvSpPr>
-          <p:cNvPr id="162" name="CustomShape 2"/>
+          <p:cNvPr id="177" name="CustomShape 2"/>
           <p:cNvSpPr/>
           <p:nvPr/>
         </p:nvSpPr>
         <p:spPr>
           <a:xfrm>
             <a:off x="4023720" y="9720720"/>
-            <a:ext cx="3077640" cy="512640"/>
+            <a:ext cx="3077280" cy="512280"/>
           </a:xfrm>
           <a:prstGeom prst="rect">
             <a:avLst/>
@@ -389,7 +392,7 @@
                 <a:spcPct val="100000"/>
               </a:lnSpc>
             </a:pPr>
-            <a:fld id="{24C758E5-7F72-4A79-A2DB-DDDDB07BC058}" type="slidenum">
+            <a:fld id="{D1BDAD97-8675-41E4-B751-E336D46B8F8E}" type="slidenum">
               <a:rPr b="0" lang="en-US" sz="1200" spc="-1" strike="noStrike">
                 <a:solidFill>
                   <a:srgbClr val="000000"/>
@@ -423,7 +426,7 @@
 </p:notes>
 </file>
 
-<file path=ppt/notesSlides/notesSlide11.xml><?xml version="1.0" encoding="utf-8"?>
+<file path=ppt/notesSlides/notesSlide14.xml><?xml version="1.0" encoding="utf-8"?>
 <p:notes xmlns:a="http://schemas.openxmlformats.org/drawingml/2006/main" xmlns:p="http://schemas.openxmlformats.org/presentationml/2006/main" xmlns:r="http://schemas.openxmlformats.org/officeDocument/2006/relationships" xmlns:p14="http://schemas.microsoft.com/office/powerpoint/2010/main" xmlns:p15="http://schemas.microsoft.com/office/powerpoint/2012/main" xmlns:mc="http://schemas.openxmlformats.org/markup-compatibility/2006">
   <p:cSld>
     <p:spTree>
@@ -442,7 +445,7 @@
       </p:grpSpPr>
       <p:sp>
         <p:nvSpPr>
-          <p:cNvPr id="163" name="PlaceHolder 1"/>
+          <p:cNvPr id="178" name="PlaceHolder 1"/>
           <p:cNvSpPr>
             <a:spLocks noGrp="1"/>
           </p:cNvSpPr>
@@ -453,7 +456,7 @@
         <p:spPr>
           <a:xfrm>
             <a:off x="710280" y="4925160"/>
-            <a:ext cx="5682240" cy="4029120"/>
+            <a:ext cx="5681880" cy="4028760"/>
           </a:xfrm>
           <a:prstGeom prst="rect">
             <a:avLst/>
@@ -478,14 +481,14 @@
       </p:sp>
       <p:sp>
         <p:nvSpPr>
-          <p:cNvPr id="164" name="CustomShape 2"/>
+          <p:cNvPr id="179" name="CustomShape 2"/>
           <p:cNvSpPr/>
           <p:nvPr/>
         </p:nvSpPr>
         <p:spPr>
           <a:xfrm>
             <a:off x="4023720" y="9720720"/>
-            <a:ext cx="3077640" cy="512640"/>
+            <a:ext cx="3077280" cy="512280"/>
           </a:xfrm>
           <a:prstGeom prst="rect">
             <a:avLst/>
@@ -509,7 +512,7 @@
                 <a:spcPct val="100000"/>
               </a:lnSpc>
             </a:pPr>
-            <a:fld id="{9ED457CE-D6D3-4C14-A427-94A671B8B992}" type="slidenum">
+            <a:fld id="{7AF65685-FB99-447A-A2FC-605E03EE9009}" type="slidenum">
               <a:rPr b="0" lang="en-US" sz="1200" spc="-1" strike="noStrike">
                 <a:solidFill>
                   <a:srgbClr val="000000"/>
@@ -604,8 +607,7 @@
         <p:txBody>
           <a:bodyPr lIns="0" rIns="0" tIns="0" bIns="0" anchor="ctr"/>
           <a:p>
-            <a:pPr algn="ctr"/>
-            <a:endParaRPr b="0" lang="en-US" sz="4400" spc="-1" strike="noStrike">
+            <a:endParaRPr b="0" lang="zh-CN" sz="1800" spc="-1" strike="noStrike">
               <a:solidFill>
                 <a:srgbClr val="000000"/>
               </a:solidFill>
@@ -641,7 +643,7 @@
         <p:txBody>
           <a:bodyPr lIns="0" rIns="0" tIns="0" bIns="0"/>
           <a:p>
-            <a:endParaRPr b="0" lang="en-US" sz="3200" spc="-1" strike="noStrike">
+            <a:endParaRPr b="0" lang="zh-CN" sz="2800" spc="-1" strike="noStrike">
               <a:solidFill>
                 <a:srgbClr val="000000"/>
               </a:solidFill>
@@ -677,7 +679,7 @@
         <p:txBody>
           <a:bodyPr lIns="0" rIns="0" tIns="0" bIns="0"/>
           <a:p>
-            <a:endParaRPr b="0" lang="en-US" sz="3200" spc="-1" strike="noStrike">
+            <a:endParaRPr b="0" lang="zh-CN" sz="2800" spc="-1" strike="noStrike">
               <a:solidFill>
                 <a:srgbClr val="000000"/>
               </a:solidFill>
@@ -735,8 +737,7 @@
         <p:txBody>
           <a:bodyPr lIns="0" rIns="0" tIns="0" bIns="0" anchor="ctr"/>
           <a:p>
-            <a:pPr algn="ctr"/>
-            <a:endParaRPr b="0" lang="en-US" sz="4400" spc="-1" strike="noStrike">
+            <a:endParaRPr b="0" lang="zh-CN" sz="1800" spc="-1" strike="noStrike">
               <a:solidFill>
                 <a:srgbClr val="000000"/>
               </a:solidFill>
@@ -772,7 +773,7 @@
         <p:txBody>
           <a:bodyPr lIns="0" rIns="0" tIns="0" bIns="0"/>
           <a:p>
-            <a:endParaRPr b="0" lang="en-US" sz="3200" spc="-1" strike="noStrike">
+            <a:endParaRPr b="0" lang="zh-CN" sz="2800" spc="-1" strike="noStrike">
               <a:solidFill>
                 <a:srgbClr val="000000"/>
               </a:solidFill>
@@ -808,7 +809,7 @@
         <p:txBody>
           <a:bodyPr lIns="0" rIns="0" tIns="0" bIns="0"/>
           <a:p>
-            <a:endParaRPr b="0" lang="en-US" sz="3200" spc="-1" strike="noStrike">
+            <a:endParaRPr b="0" lang="zh-CN" sz="2800" spc="-1" strike="noStrike">
               <a:solidFill>
                 <a:srgbClr val="000000"/>
               </a:solidFill>
@@ -844,7 +845,7 @@
         <p:txBody>
           <a:bodyPr lIns="0" rIns="0" tIns="0" bIns="0"/>
           <a:p>
-            <a:endParaRPr b="0" lang="en-US" sz="3200" spc="-1" strike="noStrike">
+            <a:endParaRPr b="0" lang="zh-CN" sz="2800" spc="-1" strike="noStrike">
               <a:solidFill>
                 <a:srgbClr val="000000"/>
               </a:solidFill>
@@ -880,7 +881,7 @@
         <p:txBody>
           <a:bodyPr lIns="0" rIns="0" tIns="0" bIns="0"/>
           <a:p>
-            <a:endParaRPr b="0" lang="en-US" sz="3200" spc="-1" strike="noStrike">
+            <a:endParaRPr b="0" lang="zh-CN" sz="2800" spc="-1" strike="noStrike">
               <a:solidFill>
                 <a:srgbClr val="000000"/>
               </a:solidFill>
@@ -938,8 +939,7 @@
         <p:txBody>
           <a:bodyPr lIns="0" rIns="0" tIns="0" bIns="0" anchor="ctr"/>
           <a:p>
-            <a:pPr algn="ctr"/>
-            <a:endParaRPr b="0" lang="en-US" sz="4400" spc="-1" strike="noStrike">
+            <a:endParaRPr b="0" lang="zh-CN" sz="1800" spc="-1" strike="noStrike">
               <a:solidFill>
                 <a:srgbClr val="000000"/>
               </a:solidFill>
@@ -975,7 +975,7 @@
         <p:txBody>
           <a:bodyPr lIns="0" rIns="0" tIns="0" bIns="0"/>
           <a:p>
-            <a:endParaRPr b="0" lang="en-US" sz="3200" spc="-1" strike="noStrike">
+            <a:endParaRPr b="0" lang="zh-CN" sz="2800" spc="-1" strike="noStrike">
               <a:solidFill>
                 <a:srgbClr val="000000"/>
               </a:solidFill>
@@ -1011,7 +1011,7 @@
         <p:txBody>
           <a:bodyPr lIns="0" rIns="0" tIns="0" bIns="0"/>
           <a:p>
-            <a:endParaRPr b="0" lang="en-US" sz="3200" spc="-1" strike="noStrike">
+            <a:endParaRPr b="0" lang="zh-CN" sz="2800" spc="-1" strike="noStrike">
               <a:solidFill>
                 <a:srgbClr val="000000"/>
               </a:solidFill>
@@ -1137,8 +1137,7 @@
         <p:txBody>
           <a:bodyPr lIns="0" rIns="0" tIns="0" bIns="0" anchor="ctr"/>
           <a:p>
-            <a:pPr algn="ctr"/>
-            <a:endParaRPr b="0" lang="en-US" sz="4400" spc="-1" strike="noStrike">
+            <a:endParaRPr b="0" lang="zh-CN" sz="1800" spc="-1" strike="noStrike">
               <a:solidFill>
                 <a:srgbClr val="000000"/>
               </a:solidFill>
@@ -1233,8 +1232,7 @@
         <p:txBody>
           <a:bodyPr lIns="0" rIns="0" tIns="0" bIns="0" anchor="ctr"/>
           <a:p>
-            <a:pPr algn="ctr"/>
-            <a:endParaRPr b="0" lang="en-US" sz="4400" spc="-1" strike="noStrike">
+            <a:endParaRPr b="0" lang="zh-CN" sz="1800" spc="-1" strike="noStrike">
               <a:solidFill>
                 <a:srgbClr val="000000"/>
               </a:solidFill>
@@ -1270,7 +1268,7 @@
         <p:txBody>
           <a:bodyPr lIns="0" rIns="0" tIns="0" bIns="0"/>
           <a:p>
-            <a:endParaRPr b="0" lang="en-US" sz="3200" spc="-1" strike="noStrike">
+            <a:endParaRPr b="0" lang="zh-CN" sz="2800" spc="-1" strike="noStrike">
               <a:solidFill>
                 <a:srgbClr val="000000"/>
               </a:solidFill>
@@ -1328,8 +1326,7 @@
         <p:txBody>
           <a:bodyPr lIns="0" rIns="0" tIns="0" bIns="0" anchor="ctr"/>
           <a:p>
-            <a:pPr algn="ctr"/>
-            <a:endParaRPr b="0" lang="en-US" sz="4400" spc="-1" strike="noStrike">
+            <a:endParaRPr b="0" lang="zh-CN" sz="1800" spc="-1" strike="noStrike">
               <a:solidFill>
                 <a:srgbClr val="000000"/>
               </a:solidFill>
@@ -1365,7 +1362,7 @@
         <p:txBody>
           <a:bodyPr lIns="0" rIns="0" tIns="0" bIns="0"/>
           <a:p>
-            <a:endParaRPr b="0" lang="en-US" sz="3200" spc="-1" strike="noStrike">
+            <a:endParaRPr b="0" lang="zh-CN" sz="2800" spc="-1" strike="noStrike">
               <a:solidFill>
                 <a:srgbClr val="000000"/>
               </a:solidFill>
@@ -1401,7 +1398,7 @@
         <p:txBody>
           <a:bodyPr lIns="0" rIns="0" tIns="0" bIns="0"/>
           <a:p>
-            <a:endParaRPr b="0" lang="en-US" sz="3200" spc="-1" strike="noStrike">
+            <a:endParaRPr b="0" lang="zh-CN" sz="2800" spc="-1" strike="noStrike">
               <a:solidFill>
                 <a:srgbClr val="000000"/>
               </a:solidFill>
@@ -1459,8 +1456,7 @@
         <p:txBody>
           <a:bodyPr lIns="0" rIns="0" tIns="0" bIns="0" anchor="ctr"/>
           <a:p>
-            <a:pPr algn="ctr"/>
-            <a:endParaRPr b="0" lang="en-US" sz="4400" spc="-1" strike="noStrike">
+            <a:endParaRPr b="0" lang="zh-CN" sz="1800" spc="-1" strike="noStrike">
               <a:solidFill>
                 <a:srgbClr val="000000"/>
               </a:solidFill>
@@ -1577,8 +1573,7 @@
         <p:txBody>
           <a:bodyPr lIns="0" rIns="0" tIns="0" bIns="0" anchor="ctr"/>
           <a:p>
-            <a:pPr algn="ctr"/>
-            <a:endParaRPr b="0" lang="en-US" sz="4400" spc="-1" strike="noStrike">
+            <a:endParaRPr b="0" lang="zh-CN" sz="1800" spc="-1" strike="noStrike">
               <a:solidFill>
                 <a:srgbClr val="000000"/>
               </a:solidFill>
@@ -1614,7 +1609,7 @@
         <p:txBody>
           <a:bodyPr lIns="0" rIns="0" tIns="0" bIns="0"/>
           <a:p>
-            <a:endParaRPr b="0" lang="en-US" sz="3200" spc="-1" strike="noStrike">
+            <a:endParaRPr b="0" lang="zh-CN" sz="2800" spc="-1" strike="noStrike">
               <a:solidFill>
                 <a:srgbClr val="000000"/>
               </a:solidFill>
@@ -1650,7 +1645,7 @@
         <p:txBody>
           <a:bodyPr lIns="0" rIns="0" tIns="0" bIns="0"/>
           <a:p>
-            <a:endParaRPr b="0" lang="en-US" sz="3200" spc="-1" strike="noStrike">
+            <a:endParaRPr b="0" lang="zh-CN" sz="2800" spc="-1" strike="noStrike">
               <a:solidFill>
                 <a:srgbClr val="000000"/>
               </a:solidFill>
@@ -1686,7 +1681,7 @@
         <p:txBody>
           <a:bodyPr lIns="0" rIns="0" tIns="0" bIns="0"/>
           <a:p>
-            <a:endParaRPr b="0" lang="en-US" sz="3200" spc="-1" strike="noStrike">
+            <a:endParaRPr b="0" lang="zh-CN" sz="2800" spc="-1" strike="noStrike">
               <a:solidFill>
                 <a:srgbClr val="000000"/>
               </a:solidFill>
@@ -1744,8 +1739,7 @@
         <p:txBody>
           <a:bodyPr lIns="0" rIns="0" tIns="0" bIns="0" anchor="ctr"/>
           <a:p>
-            <a:pPr algn="ctr"/>
-            <a:endParaRPr b="0" lang="en-US" sz="4400" spc="-1" strike="noStrike">
+            <a:endParaRPr b="0" lang="zh-CN" sz="1800" spc="-1" strike="noStrike">
               <a:solidFill>
                 <a:srgbClr val="000000"/>
               </a:solidFill>
@@ -1840,8 +1834,7 @@
         <p:txBody>
           <a:bodyPr lIns="0" rIns="0" tIns="0" bIns="0" anchor="ctr"/>
           <a:p>
-            <a:pPr algn="ctr"/>
-            <a:endParaRPr b="0" lang="en-US" sz="4400" spc="-1" strike="noStrike">
+            <a:endParaRPr b="0" lang="zh-CN" sz="1800" spc="-1" strike="noStrike">
               <a:solidFill>
                 <a:srgbClr val="000000"/>
               </a:solidFill>
@@ -1877,7 +1870,7 @@
         <p:txBody>
           <a:bodyPr lIns="0" rIns="0" tIns="0" bIns="0"/>
           <a:p>
-            <a:endParaRPr b="0" lang="en-US" sz="3200" spc="-1" strike="noStrike">
+            <a:endParaRPr b="0" lang="zh-CN" sz="2800" spc="-1" strike="noStrike">
               <a:solidFill>
                 <a:srgbClr val="000000"/>
               </a:solidFill>
@@ -1913,7 +1906,7 @@
         <p:txBody>
           <a:bodyPr lIns="0" rIns="0" tIns="0" bIns="0"/>
           <a:p>
-            <a:endParaRPr b="0" lang="en-US" sz="3200" spc="-1" strike="noStrike">
+            <a:endParaRPr b="0" lang="zh-CN" sz="2800" spc="-1" strike="noStrike">
               <a:solidFill>
                 <a:srgbClr val="000000"/>
               </a:solidFill>
@@ -1949,7 +1942,7 @@
         <p:txBody>
           <a:bodyPr lIns="0" rIns="0" tIns="0" bIns="0"/>
           <a:p>
-            <a:endParaRPr b="0" lang="en-US" sz="3200" spc="-1" strike="noStrike">
+            <a:endParaRPr b="0" lang="zh-CN" sz="2800" spc="-1" strike="noStrike">
               <a:solidFill>
                 <a:srgbClr val="000000"/>
               </a:solidFill>
@@ -2007,8 +2000,7 @@
         <p:txBody>
           <a:bodyPr lIns="0" rIns="0" tIns="0" bIns="0" anchor="ctr"/>
           <a:p>
-            <a:pPr algn="ctr"/>
-            <a:endParaRPr b="0" lang="en-US" sz="4400" spc="-1" strike="noStrike">
+            <a:endParaRPr b="0" lang="zh-CN" sz="1800" spc="-1" strike="noStrike">
               <a:solidFill>
                 <a:srgbClr val="000000"/>
               </a:solidFill>
@@ -2044,7 +2036,7 @@
         <p:txBody>
           <a:bodyPr lIns="0" rIns="0" tIns="0" bIns="0"/>
           <a:p>
-            <a:endParaRPr b="0" lang="en-US" sz="3200" spc="-1" strike="noStrike">
+            <a:endParaRPr b="0" lang="zh-CN" sz="2800" spc="-1" strike="noStrike">
               <a:solidFill>
                 <a:srgbClr val="000000"/>
               </a:solidFill>
@@ -2080,7 +2072,7 @@
         <p:txBody>
           <a:bodyPr lIns="0" rIns="0" tIns="0" bIns="0"/>
           <a:p>
-            <a:endParaRPr b="0" lang="en-US" sz="3200" spc="-1" strike="noStrike">
+            <a:endParaRPr b="0" lang="zh-CN" sz="2800" spc="-1" strike="noStrike">
               <a:solidFill>
                 <a:srgbClr val="000000"/>
               </a:solidFill>
@@ -2116,7 +2108,7 @@
         <p:txBody>
           <a:bodyPr lIns="0" rIns="0" tIns="0" bIns="0"/>
           <a:p>
-            <a:endParaRPr b="0" lang="en-US" sz="3200" spc="-1" strike="noStrike">
+            <a:endParaRPr b="0" lang="zh-CN" sz="2800" spc="-1" strike="noStrike">
               <a:solidFill>
                 <a:srgbClr val="000000"/>
               </a:solidFill>
@@ -2174,8 +2166,7 @@
         <p:txBody>
           <a:bodyPr lIns="0" rIns="0" tIns="0" bIns="0" anchor="ctr"/>
           <a:p>
-            <a:pPr algn="ctr"/>
-            <a:endParaRPr b="0" lang="en-US" sz="4400" spc="-1" strike="noStrike">
+            <a:endParaRPr b="0" lang="zh-CN" sz="1800" spc="-1" strike="noStrike">
               <a:solidFill>
                 <a:srgbClr val="000000"/>
               </a:solidFill>
@@ -2211,7 +2202,7 @@
         <p:txBody>
           <a:bodyPr lIns="0" rIns="0" tIns="0" bIns="0"/>
           <a:p>
-            <a:endParaRPr b="0" lang="en-US" sz="3200" spc="-1" strike="noStrike">
+            <a:endParaRPr b="0" lang="zh-CN" sz="2800" spc="-1" strike="noStrike">
               <a:solidFill>
                 <a:srgbClr val="000000"/>
               </a:solidFill>
@@ -2247,7 +2238,7 @@
         <p:txBody>
           <a:bodyPr lIns="0" rIns="0" tIns="0" bIns="0"/>
           <a:p>
-            <a:endParaRPr b="0" lang="en-US" sz="3200" spc="-1" strike="noStrike">
+            <a:endParaRPr b="0" lang="zh-CN" sz="2800" spc="-1" strike="noStrike">
               <a:solidFill>
                 <a:srgbClr val="000000"/>
               </a:solidFill>
@@ -2305,8 +2296,7 @@
         <p:txBody>
           <a:bodyPr lIns="0" rIns="0" tIns="0" bIns="0" anchor="ctr"/>
           <a:p>
-            <a:pPr algn="ctr"/>
-            <a:endParaRPr b="0" lang="en-US" sz="4400" spc="-1" strike="noStrike">
+            <a:endParaRPr b="0" lang="zh-CN" sz="1800" spc="-1" strike="noStrike">
               <a:solidFill>
                 <a:srgbClr val="000000"/>
               </a:solidFill>
@@ -2342,7 +2332,7 @@
         <p:txBody>
           <a:bodyPr lIns="0" rIns="0" tIns="0" bIns="0"/>
           <a:p>
-            <a:endParaRPr b="0" lang="en-US" sz="3200" spc="-1" strike="noStrike">
+            <a:endParaRPr b="0" lang="zh-CN" sz="2800" spc="-1" strike="noStrike">
               <a:solidFill>
                 <a:srgbClr val="000000"/>
               </a:solidFill>
@@ -2378,7 +2368,7 @@
         <p:txBody>
           <a:bodyPr lIns="0" rIns="0" tIns="0" bIns="0"/>
           <a:p>
-            <a:endParaRPr b="0" lang="en-US" sz="3200" spc="-1" strike="noStrike">
+            <a:endParaRPr b="0" lang="zh-CN" sz="2800" spc="-1" strike="noStrike">
               <a:solidFill>
                 <a:srgbClr val="000000"/>
               </a:solidFill>
@@ -2414,7 +2404,7 @@
         <p:txBody>
           <a:bodyPr lIns="0" rIns="0" tIns="0" bIns="0"/>
           <a:p>
-            <a:endParaRPr b="0" lang="en-US" sz="3200" spc="-1" strike="noStrike">
+            <a:endParaRPr b="0" lang="zh-CN" sz="2800" spc="-1" strike="noStrike">
               <a:solidFill>
                 <a:srgbClr val="000000"/>
               </a:solidFill>
@@ -2450,7 +2440,7 @@
         <p:txBody>
           <a:bodyPr lIns="0" rIns="0" tIns="0" bIns="0"/>
           <a:p>
-            <a:endParaRPr b="0" lang="en-US" sz="3200" spc="-1" strike="noStrike">
+            <a:endParaRPr b="0" lang="zh-CN" sz="2800" spc="-1" strike="noStrike">
               <a:solidFill>
                 <a:srgbClr val="000000"/>
               </a:solidFill>
@@ -2508,8 +2498,7 @@
         <p:txBody>
           <a:bodyPr lIns="0" rIns="0" tIns="0" bIns="0" anchor="ctr"/>
           <a:p>
-            <a:pPr algn="ctr"/>
-            <a:endParaRPr b="0" lang="en-US" sz="4400" spc="-1" strike="noStrike">
+            <a:endParaRPr b="0" lang="zh-CN" sz="1800" spc="-1" strike="noStrike">
               <a:solidFill>
                 <a:srgbClr val="000000"/>
               </a:solidFill>
@@ -2545,7 +2534,7 @@
         <p:txBody>
           <a:bodyPr lIns="0" rIns="0" tIns="0" bIns="0"/>
           <a:p>
-            <a:endParaRPr b="0" lang="en-US" sz="3200" spc="-1" strike="noStrike">
+            <a:endParaRPr b="0" lang="zh-CN" sz="2800" spc="-1" strike="noStrike">
               <a:solidFill>
                 <a:srgbClr val="000000"/>
               </a:solidFill>
@@ -2581,7 +2570,7 @@
         <p:txBody>
           <a:bodyPr lIns="0" rIns="0" tIns="0" bIns="0"/>
           <a:p>
-            <a:endParaRPr b="0" lang="en-US" sz="3200" spc="-1" strike="noStrike">
+            <a:endParaRPr b="0" lang="zh-CN" sz="2800" spc="-1" strike="noStrike">
               <a:solidFill>
                 <a:srgbClr val="000000"/>
               </a:solidFill>
@@ -2707,8 +2696,7 @@
         <p:txBody>
           <a:bodyPr lIns="0" rIns="0" tIns="0" bIns="0" anchor="ctr"/>
           <a:p>
-            <a:pPr algn="ctr"/>
-            <a:endParaRPr b="0" lang="en-US" sz="4400" spc="-1" strike="noStrike">
+            <a:endParaRPr b="0" lang="zh-CN" sz="1800" spc="-1" strike="noStrike">
               <a:solidFill>
                 <a:srgbClr val="000000"/>
               </a:solidFill>
@@ -2803,8 +2791,7 @@
         <p:txBody>
           <a:bodyPr lIns="0" rIns="0" tIns="0" bIns="0" anchor="ctr"/>
           <a:p>
-            <a:pPr algn="ctr"/>
-            <a:endParaRPr b="0" lang="en-US" sz="4400" spc="-1" strike="noStrike">
+            <a:endParaRPr b="0" lang="zh-CN" sz="1800" spc="-1" strike="noStrike">
               <a:solidFill>
                 <a:srgbClr val="000000"/>
               </a:solidFill>
@@ -2840,7 +2827,7 @@
         <p:txBody>
           <a:bodyPr lIns="0" rIns="0" tIns="0" bIns="0"/>
           <a:p>
-            <a:endParaRPr b="0" lang="en-US" sz="3200" spc="-1" strike="noStrike">
+            <a:endParaRPr b="0" lang="zh-CN" sz="2800" spc="-1" strike="noStrike">
               <a:solidFill>
                 <a:srgbClr val="000000"/>
               </a:solidFill>
@@ -2898,8 +2885,7 @@
         <p:txBody>
           <a:bodyPr lIns="0" rIns="0" tIns="0" bIns="0" anchor="ctr"/>
           <a:p>
-            <a:pPr algn="ctr"/>
-            <a:endParaRPr b="0" lang="en-US" sz="4400" spc="-1" strike="noStrike">
+            <a:endParaRPr b="0" lang="zh-CN" sz="1800" spc="-1" strike="noStrike">
               <a:solidFill>
                 <a:srgbClr val="000000"/>
               </a:solidFill>
@@ -2935,7 +2921,7 @@
         <p:txBody>
           <a:bodyPr lIns="0" rIns="0" tIns="0" bIns="0"/>
           <a:p>
-            <a:endParaRPr b="0" lang="en-US" sz="3200" spc="-1" strike="noStrike">
+            <a:endParaRPr b="0" lang="zh-CN" sz="2800" spc="-1" strike="noStrike">
               <a:solidFill>
                 <a:srgbClr val="000000"/>
               </a:solidFill>
@@ -2971,7 +2957,7 @@
         <p:txBody>
           <a:bodyPr lIns="0" rIns="0" tIns="0" bIns="0"/>
           <a:p>
-            <a:endParaRPr b="0" lang="en-US" sz="3200" spc="-1" strike="noStrike">
+            <a:endParaRPr b="0" lang="zh-CN" sz="2800" spc="-1" strike="noStrike">
               <a:solidFill>
                 <a:srgbClr val="000000"/>
               </a:solidFill>
@@ -3029,8 +3015,7 @@
         <p:txBody>
           <a:bodyPr lIns="0" rIns="0" tIns="0" bIns="0" anchor="ctr"/>
           <a:p>
-            <a:pPr algn="ctr"/>
-            <a:endParaRPr b="0" lang="en-US" sz="4400" spc="-1" strike="noStrike">
+            <a:endParaRPr b="0" lang="zh-CN" sz="1800" spc="-1" strike="noStrike">
               <a:solidFill>
                 <a:srgbClr val="000000"/>
               </a:solidFill>
@@ -3088,8 +3073,7 @@
         <p:txBody>
           <a:bodyPr lIns="0" rIns="0" tIns="0" bIns="0" anchor="ctr"/>
           <a:p>
-            <a:pPr algn="ctr"/>
-            <a:endParaRPr b="0" lang="en-US" sz="4400" spc="-1" strike="noStrike">
+            <a:endParaRPr b="0" lang="zh-CN" sz="1800" spc="-1" strike="noStrike">
               <a:solidFill>
                 <a:srgbClr val="000000"/>
               </a:solidFill>
@@ -3125,7 +3109,7 @@
         <p:txBody>
           <a:bodyPr lIns="0" rIns="0" tIns="0" bIns="0"/>
           <a:p>
-            <a:endParaRPr b="0" lang="en-US" sz="3200" spc="-1" strike="noStrike">
+            <a:endParaRPr b="0" lang="zh-CN" sz="2800" spc="-1" strike="noStrike">
               <a:solidFill>
                 <a:srgbClr val="000000"/>
               </a:solidFill>
@@ -3242,8 +3226,7 @@
         <p:txBody>
           <a:bodyPr lIns="0" rIns="0" tIns="0" bIns="0" anchor="ctr"/>
           <a:p>
-            <a:pPr algn="ctr"/>
-            <a:endParaRPr b="0" lang="en-US" sz="4400" spc="-1" strike="noStrike">
+            <a:endParaRPr b="0" lang="zh-CN" sz="1800" spc="-1" strike="noStrike">
               <a:solidFill>
                 <a:srgbClr val="000000"/>
               </a:solidFill>
@@ -3279,7 +3262,7 @@
         <p:txBody>
           <a:bodyPr lIns="0" rIns="0" tIns="0" bIns="0"/>
           <a:p>
-            <a:endParaRPr b="0" lang="en-US" sz="3200" spc="-1" strike="noStrike">
+            <a:endParaRPr b="0" lang="zh-CN" sz="2800" spc="-1" strike="noStrike">
               <a:solidFill>
                 <a:srgbClr val="000000"/>
               </a:solidFill>
@@ -3315,7 +3298,7 @@
         <p:txBody>
           <a:bodyPr lIns="0" rIns="0" tIns="0" bIns="0"/>
           <a:p>
-            <a:endParaRPr b="0" lang="en-US" sz="3200" spc="-1" strike="noStrike">
+            <a:endParaRPr b="0" lang="zh-CN" sz="2800" spc="-1" strike="noStrike">
               <a:solidFill>
                 <a:srgbClr val="000000"/>
               </a:solidFill>
@@ -3351,7 +3334,7 @@
         <p:txBody>
           <a:bodyPr lIns="0" rIns="0" tIns="0" bIns="0"/>
           <a:p>
-            <a:endParaRPr b="0" lang="en-US" sz="3200" spc="-1" strike="noStrike">
+            <a:endParaRPr b="0" lang="zh-CN" sz="2800" spc="-1" strike="noStrike">
               <a:solidFill>
                 <a:srgbClr val="000000"/>
               </a:solidFill>
@@ -3409,8 +3392,7 @@
         <p:txBody>
           <a:bodyPr lIns="0" rIns="0" tIns="0" bIns="0" anchor="ctr"/>
           <a:p>
-            <a:pPr algn="ctr"/>
-            <a:endParaRPr b="0" lang="en-US" sz="4400" spc="-1" strike="noStrike">
+            <a:endParaRPr b="0" lang="zh-CN" sz="1800" spc="-1" strike="noStrike">
               <a:solidFill>
                 <a:srgbClr val="000000"/>
               </a:solidFill>
@@ -3446,7 +3428,7 @@
         <p:txBody>
           <a:bodyPr lIns="0" rIns="0" tIns="0" bIns="0"/>
           <a:p>
-            <a:endParaRPr b="0" lang="en-US" sz="3200" spc="-1" strike="noStrike">
+            <a:endParaRPr b="0" lang="zh-CN" sz="2800" spc="-1" strike="noStrike">
               <a:solidFill>
                 <a:srgbClr val="000000"/>
               </a:solidFill>
@@ -3482,7 +3464,7 @@
         <p:txBody>
           <a:bodyPr lIns="0" rIns="0" tIns="0" bIns="0"/>
           <a:p>
-            <a:endParaRPr b="0" lang="en-US" sz="3200" spc="-1" strike="noStrike">
+            <a:endParaRPr b="0" lang="zh-CN" sz="2800" spc="-1" strike="noStrike">
               <a:solidFill>
                 <a:srgbClr val="000000"/>
               </a:solidFill>
@@ -3518,7 +3500,7 @@
         <p:txBody>
           <a:bodyPr lIns="0" rIns="0" tIns="0" bIns="0"/>
           <a:p>
-            <a:endParaRPr b="0" lang="en-US" sz="3200" spc="-1" strike="noStrike">
+            <a:endParaRPr b="0" lang="zh-CN" sz="2800" spc="-1" strike="noStrike">
               <a:solidFill>
                 <a:srgbClr val="000000"/>
               </a:solidFill>
@@ -3576,8 +3558,7 @@
         <p:txBody>
           <a:bodyPr lIns="0" rIns="0" tIns="0" bIns="0" anchor="ctr"/>
           <a:p>
-            <a:pPr algn="ctr"/>
-            <a:endParaRPr b="0" lang="en-US" sz="4400" spc="-1" strike="noStrike">
+            <a:endParaRPr b="0" lang="zh-CN" sz="1800" spc="-1" strike="noStrike">
               <a:solidFill>
                 <a:srgbClr val="000000"/>
               </a:solidFill>
@@ -3613,7 +3594,7 @@
         <p:txBody>
           <a:bodyPr lIns="0" rIns="0" tIns="0" bIns="0"/>
           <a:p>
-            <a:endParaRPr b="0" lang="en-US" sz="3200" spc="-1" strike="noStrike">
+            <a:endParaRPr b="0" lang="zh-CN" sz="2800" spc="-1" strike="noStrike">
               <a:solidFill>
                 <a:srgbClr val="000000"/>
               </a:solidFill>
@@ -3649,7 +3630,7 @@
         <p:txBody>
           <a:bodyPr lIns="0" rIns="0" tIns="0" bIns="0"/>
           <a:p>
-            <a:endParaRPr b="0" lang="en-US" sz="3200" spc="-1" strike="noStrike">
+            <a:endParaRPr b="0" lang="zh-CN" sz="2800" spc="-1" strike="noStrike">
               <a:solidFill>
                 <a:srgbClr val="000000"/>
               </a:solidFill>
@@ -3685,7 +3666,7 @@
         <p:txBody>
           <a:bodyPr lIns="0" rIns="0" tIns="0" bIns="0"/>
           <a:p>
-            <a:endParaRPr b="0" lang="en-US" sz="3200" spc="-1" strike="noStrike">
+            <a:endParaRPr b="0" lang="zh-CN" sz="2800" spc="-1" strike="noStrike">
               <a:solidFill>
                 <a:srgbClr val="000000"/>
               </a:solidFill>
@@ -3743,8 +3724,7 @@
         <p:txBody>
           <a:bodyPr lIns="0" rIns="0" tIns="0" bIns="0" anchor="ctr"/>
           <a:p>
-            <a:pPr algn="ctr"/>
-            <a:endParaRPr b="0" lang="en-US" sz="4400" spc="-1" strike="noStrike">
+            <a:endParaRPr b="0" lang="zh-CN" sz="1800" spc="-1" strike="noStrike">
               <a:solidFill>
                 <a:srgbClr val="000000"/>
               </a:solidFill>
@@ -3780,7 +3760,7 @@
         <p:txBody>
           <a:bodyPr lIns="0" rIns="0" tIns="0" bIns="0"/>
           <a:p>
-            <a:endParaRPr b="0" lang="en-US" sz="3200" spc="-1" strike="noStrike">
+            <a:endParaRPr b="0" lang="zh-CN" sz="2800" spc="-1" strike="noStrike">
               <a:solidFill>
                 <a:srgbClr val="000000"/>
               </a:solidFill>
@@ -3816,7 +3796,7 @@
         <p:txBody>
           <a:bodyPr lIns="0" rIns="0" tIns="0" bIns="0"/>
           <a:p>
-            <a:endParaRPr b="0" lang="en-US" sz="3200" spc="-1" strike="noStrike">
+            <a:endParaRPr b="0" lang="zh-CN" sz="2800" spc="-1" strike="noStrike">
               <a:solidFill>
                 <a:srgbClr val="000000"/>
               </a:solidFill>
@@ -3874,8 +3854,7 @@
         <p:txBody>
           <a:bodyPr lIns="0" rIns="0" tIns="0" bIns="0" anchor="ctr"/>
           <a:p>
-            <a:pPr algn="ctr"/>
-            <a:endParaRPr b="0" lang="en-US" sz="4400" spc="-1" strike="noStrike">
+            <a:endParaRPr b="0" lang="zh-CN" sz="1800" spc="-1" strike="noStrike">
               <a:solidFill>
                 <a:srgbClr val="000000"/>
               </a:solidFill>
@@ -3911,7 +3890,7 @@
         <p:txBody>
           <a:bodyPr lIns="0" rIns="0" tIns="0" bIns="0"/>
           <a:p>
-            <a:endParaRPr b="0" lang="en-US" sz="3200" spc="-1" strike="noStrike">
+            <a:endParaRPr b="0" lang="zh-CN" sz="2800" spc="-1" strike="noStrike">
               <a:solidFill>
                 <a:srgbClr val="000000"/>
               </a:solidFill>
@@ -3947,7 +3926,7 @@
         <p:txBody>
           <a:bodyPr lIns="0" rIns="0" tIns="0" bIns="0"/>
           <a:p>
-            <a:endParaRPr b="0" lang="en-US" sz="3200" spc="-1" strike="noStrike">
+            <a:endParaRPr b="0" lang="zh-CN" sz="2800" spc="-1" strike="noStrike">
               <a:solidFill>
                 <a:srgbClr val="000000"/>
               </a:solidFill>
@@ -3983,7 +3962,7 @@
         <p:txBody>
           <a:bodyPr lIns="0" rIns="0" tIns="0" bIns="0"/>
           <a:p>
-            <a:endParaRPr b="0" lang="en-US" sz="3200" spc="-1" strike="noStrike">
+            <a:endParaRPr b="0" lang="zh-CN" sz="2800" spc="-1" strike="noStrike">
               <a:solidFill>
                 <a:srgbClr val="000000"/>
               </a:solidFill>
@@ -4019,7 +3998,7 @@
         <p:txBody>
           <a:bodyPr lIns="0" rIns="0" tIns="0" bIns="0"/>
           <a:p>
-            <a:endParaRPr b="0" lang="en-US" sz="3200" spc="-1" strike="noStrike">
+            <a:endParaRPr b="0" lang="zh-CN" sz="2800" spc="-1" strike="noStrike">
               <a:solidFill>
                 <a:srgbClr val="000000"/>
               </a:solidFill>
@@ -4077,8 +4056,7 @@
         <p:txBody>
           <a:bodyPr lIns="0" rIns="0" tIns="0" bIns="0" anchor="ctr"/>
           <a:p>
-            <a:pPr algn="ctr"/>
-            <a:endParaRPr b="0" lang="en-US" sz="4400" spc="-1" strike="noStrike">
+            <a:endParaRPr b="0" lang="zh-CN" sz="1800" spc="-1" strike="noStrike">
               <a:solidFill>
                 <a:srgbClr val="000000"/>
               </a:solidFill>
@@ -4114,7 +4092,7 @@
         <p:txBody>
           <a:bodyPr lIns="0" rIns="0" tIns="0" bIns="0"/>
           <a:p>
-            <a:endParaRPr b="0" lang="en-US" sz="3200" spc="-1" strike="noStrike">
+            <a:endParaRPr b="0" lang="zh-CN" sz="2800" spc="-1" strike="noStrike">
               <a:solidFill>
                 <a:srgbClr val="000000"/>
               </a:solidFill>
@@ -4150,7 +4128,7 @@
         <p:txBody>
           <a:bodyPr lIns="0" rIns="0" tIns="0" bIns="0"/>
           <a:p>
-            <a:endParaRPr b="0" lang="en-US" sz="3200" spc="-1" strike="noStrike">
+            <a:endParaRPr b="0" lang="zh-CN" sz="2800" spc="-1" strike="noStrike">
               <a:solidFill>
                 <a:srgbClr val="000000"/>
               </a:solidFill>
@@ -4254,8 +4232,7 @@
         <p:txBody>
           <a:bodyPr lIns="0" rIns="0" tIns="0" bIns="0" anchor="ctr"/>
           <a:p>
-            <a:pPr algn="ctr"/>
-            <a:endParaRPr b="0" lang="en-US" sz="4400" spc="-1" strike="noStrike">
+            <a:endParaRPr b="0" lang="zh-CN" sz="1800" spc="-1" strike="noStrike">
               <a:solidFill>
                 <a:srgbClr val="000000"/>
               </a:solidFill>
@@ -4291,7 +4268,7 @@
         <p:txBody>
           <a:bodyPr lIns="0" rIns="0" tIns="0" bIns="0"/>
           <a:p>
-            <a:endParaRPr b="0" lang="en-US" sz="3200" spc="-1" strike="noStrike">
+            <a:endParaRPr b="0" lang="zh-CN" sz="2800" spc="-1" strike="noStrike">
               <a:solidFill>
                 <a:srgbClr val="000000"/>
               </a:solidFill>
@@ -4327,7 +4304,7 @@
         <p:txBody>
           <a:bodyPr lIns="0" rIns="0" tIns="0" bIns="0"/>
           <a:p>
-            <a:endParaRPr b="0" lang="en-US" sz="3200" spc="-1" strike="noStrike">
+            <a:endParaRPr b="0" lang="zh-CN" sz="2800" spc="-1" strike="noStrike">
               <a:solidFill>
                 <a:srgbClr val="000000"/>
               </a:solidFill>
@@ -4385,8 +4362,7 @@
         <p:txBody>
           <a:bodyPr lIns="0" rIns="0" tIns="0" bIns="0" anchor="ctr"/>
           <a:p>
-            <a:pPr algn="ctr"/>
-            <a:endParaRPr b="0" lang="en-US" sz="4400" spc="-1" strike="noStrike">
+            <a:endParaRPr b="0" lang="zh-CN" sz="1800" spc="-1" strike="noStrike">
               <a:solidFill>
                 <a:srgbClr val="000000"/>
               </a:solidFill>
@@ -4503,8 +4479,7 @@
         <p:txBody>
           <a:bodyPr lIns="0" rIns="0" tIns="0" bIns="0" anchor="ctr"/>
           <a:p>
-            <a:pPr algn="ctr"/>
-            <a:endParaRPr b="0" lang="en-US" sz="4400" spc="-1" strike="noStrike">
+            <a:endParaRPr b="0" lang="zh-CN" sz="1800" spc="-1" strike="noStrike">
               <a:solidFill>
                 <a:srgbClr val="000000"/>
               </a:solidFill>
@@ -4540,7 +4515,7 @@
         <p:txBody>
           <a:bodyPr lIns="0" rIns="0" tIns="0" bIns="0"/>
           <a:p>
-            <a:endParaRPr b="0" lang="en-US" sz="3200" spc="-1" strike="noStrike">
+            <a:endParaRPr b="0" lang="zh-CN" sz="2800" spc="-1" strike="noStrike">
               <a:solidFill>
                 <a:srgbClr val="000000"/>
               </a:solidFill>
@@ -4576,7 +4551,7 @@
         <p:txBody>
           <a:bodyPr lIns="0" rIns="0" tIns="0" bIns="0"/>
           <a:p>
-            <a:endParaRPr b="0" lang="en-US" sz="3200" spc="-1" strike="noStrike">
+            <a:endParaRPr b="0" lang="zh-CN" sz="2800" spc="-1" strike="noStrike">
               <a:solidFill>
                 <a:srgbClr val="000000"/>
               </a:solidFill>
@@ -4612,7 +4587,7 @@
         <p:txBody>
           <a:bodyPr lIns="0" rIns="0" tIns="0" bIns="0"/>
           <a:p>
-            <a:endParaRPr b="0" lang="en-US" sz="3200" spc="-1" strike="noStrike">
+            <a:endParaRPr b="0" lang="zh-CN" sz="2800" spc="-1" strike="noStrike">
               <a:solidFill>
                 <a:srgbClr val="000000"/>
               </a:solidFill>
@@ -4670,8 +4645,7 @@
         <p:txBody>
           <a:bodyPr lIns="0" rIns="0" tIns="0" bIns="0" anchor="ctr"/>
           <a:p>
-            <a:pPr algn="ctr"/>
-            <a:endParaRPr b="0" lang="en-US" sz="4400" spc="-1" strike="noStrike">
+            <a:endParaRPr b="0" lang="zh-CN" sz="1800" spc="-1" strike="noStrike">
               <a:solidFill>
                 <a:srgbClr val="000000"/>
               </a:solidFill>
@@ -4707,7 +4681,7 @@
         <p:txBody>
           <a:bodyPr lIns="0" rIns="0" tIns="0" bIns="0"/>
           <a:p>
-            <a:endParaRPr b="0" lang="en-US" sz="3200" spc="-1" strike="noStrike">
+            <a:endParaRPr b="0" lang="zh-CN" sz="2800" spc="-1" strike="noStrike">
               <a:solidFill>
                 <a:srgbClr val="000000"/>
               </a:solidFill>
@@ -4743,7 +4717,7 @@
         <p:txBody>
           <a:bodyPr lIns="0" rIns="0" tIns="0" bIns="0"/>
           <a:p>
-            <a:endParaRPr b="0" lang="en-US" sz="3200" spc="-1" strike="noStrike">
+            <a:endParaRPr b="0" lang="zh-CN" sz="2800" spc="-1" strike="noStrike">
               <a:solidFill>
                 <a:srgbClr val="000000"/>
               </a:solidFill>
@@ -4779,7 +4753,7 @@
         <p:txBody>
           <a:bodyPr lIns="0" rIns="0" tIns="0" bIns="0"/>
           <a:p>
-            <a:endParaRPr b="0" lang="en-US" sz="3200" spc="-1" strike="noStrike">
+            <a:endParaRPr b="0" lang="zh-CN" sz="2800" spc="-1" strike="noStrike">
               <a:solidFill>
                 <a:srgbClr val="000000"/>
               </a:solidFill>
@@ -4837,8 +4811,7 @@
         <p:txBody>
           <a:bodyPr lIns="0" rIns="0" tIns="0" bIns="0" anchor="ctr"/>
           <a:p>
-            <a:pPr algn="ctr"/>
-            <a:endParaRPr b="0" lang="en-US" sz="4400" spc="-1" strike="noStrike">
+            <a:endParaRPr b="0" lang="zh-CN" sz="1800" spc="-1" strike="noStrike">
               <a:solidFill>
                 <a:srgbClr val="000000"/>
               </a:solidFill>
@@ -4874,7 +4847,7 @@
         <p:txBody>
           <a:bodyPr lIns="0" rIns="0" tIns="0" bIns="0"/>
           <a:p>
-            <a:endParaRPr b="0" lang="en-US" sz="3200" spc="-1" strike="noStrike">
+            <a:endParaRPr b="0" lang="zh-CN" sz="2800" spc="-1" strike="noStrike">
               <a:solidFill>
                 <a:srgbClr val="000000"/>
               </a:solidFill>
@@ -4910,7 +4883,7 @@
         <p:txBody>
           <a:bodyPr lIns="0" rIns="0" tIns="0" bIns="0"/>
           <a:p>
-            <a:endParaRPr b="0" lang="en-US" sz="3200" spc="-1" strike="noStrike">
+            <a:endParaRPr b="0" lang="zh-CN" sz="2800" spc="-1" strike="noStrike">
               <a:solidFill>
                 <a:srgbClr val="000000"/>
               </a:solidFill>
@@ -4946,7 +4919,7 @@
         <p:txBody>
           <a:bodyPr lIns="0" rIns="0" tIns="0" bIns="0"/>
           <a:p>
-            <a:endParaRPr b="0" lang="en-US" sz="3200" spc="-1" strike="noStrike">
+            <a:endParaRPr b="0" lang="zh-CN" sz="2800" spc="-1" strike="noStrike">
               <a:solidFill>
                 <a:srgbClr val="000000"/>
               </a:solidFill>
@@ -5001,8 +4974,8 @@
         </p:nvSpPr>
         <p:spPr>
           <a:xfrm>
-            <a:off x="628560" y="273960"/>
-            <a:ext cx="7886160" cy="993600"/>
+            <a:off x="457200" y="205200"/>
+            <a:ext cx="8228880" cy="858240"/>
           </a:xfrm>
           <a:prstGeom prst="rect">
             <a:avLst/>
@@ -5011,8 +4984,7 @@
         <p:txBody>
           <a:bodyPr lIns="0" rIns="0" tIns="0" bIns="0" anchor="ctr"/>
           <a:p>
-            <a:pPr algn="ctr"/>
-            <a:endParaRPr b="0" lang="en-US" sz="4400" spc="-1" strike="noStrike">
+            <a:endParaRPr b="0" lang="zh-CN" sz="1800" spc="-1" strike="noStrike">
               <a:solidFill>
                 <a:srgbClr val="000000"/>
               </a:solidFill>
@@ -5039,7 +5011,7 @@
         <p:spPr>
           <a:xfrm>
             <a:off x="457200" y="1203480"/>
-            <a:ext cx="8229240" cy="2982960"/>
+            <a:ext cx="8228880" cy="2982600"/>
           </a:xfrm>
           <a:prstGeom prst="rect">
             <a:avLst/>
@@ -5057,7 +5029,7 @@
               <a:buChar char=""/>
             </a:pPr>
             <a:r>
-              <a:rPr b="0" lang="en-US" sz="3200" spc="-1" strike="noStrike">
+              <a:rPr b="0" lang="zh-CN" sz="2800" spc="-1" strike="noStrike">
                 <a:solidFill>
                   <a:srgbClr val="000000"/>
                 </a:solidFill>
@@ -5070,7 +5042,7 @@
               </a:rPr>
               <a:t>Click to edit the outline text format</a:t>
             </a:r>
-            <a:endParaRPr b="0" lang="en-US" sz="3200" spc="-1" strike="noStrike">
+            <a:endParaRPr b="0" lang="zh-CN" sz="2800" spc="-1" strike="noStrike">
               <a:solidFill>
                 <a:srgbClr val="000000"/>
               </a:solidFill>
@@ -5092,7 +5064,7 @@
               <a:buChar char=""/>
             </a:pPr>
             <a:r>
-              <a:rPr b="0" lang="en-US" sz="2800" spc="-1" strike="noStrike">
+              <a:rPr b="0" lang="zh-CN" sz="2800" spc="-1" strike="noStrike">
                 <a:solidFill>
                   <a:srgbClr val="000000"/>
                 </a:solidFill>
@@ -5105,7 +5077,7 @@
               </a:rPr>
               <a:t>Second Outline Level</a:t>
             </a:r>
-            <a:endParaRPr b="0" lang="en-US" sz="2800" spc="-1" strike="noStrike">
+            <a:endParaRPr b="0" lang="zh-CN" sz="2800" spc="-1" strike="noStrike">
               <a:solidFill>
                 <a:srgbClr val="000000"/>
               </a:solidFill>
@@ -5127,7 +5099,7 @@
               <a:buChar char=""/>
             </a:pPr>
             <a:r>
-              <a:rPr b="0" lang="en-US" sz="2400" spc="-1" strike="noStrike">
+              <a:rPr b="0" lang="zh-CN" sz="2800" spc="-1" strike="noStrike">
                 <a:solidFill>
                   <a:srgbClr val="000000"/>
                 </a:solidFill>
@@ -5140,7 +5112,7 @@
               </a:rPr>
               <a:t>Third Outline Level</a:t>
             </a:r>
-            <a:endParaRPr b="0" lang="en-US" sz="2400" spc="-1" strike="noStrike">
+            <a:endParaRPr b="0" lang="zh-CN" sz="2800" spc="-1" strike="noStrike">
               <a:solidFill>
                 <a:srgbClr val="000000"/>
               </a:solidFill>
@@ -5162,7 +5134,7 @@
               <a:buChar char=""/>
             </a:pPr>
             <a:r>
-              <a:rPr b="0" lang="en-US" sz="2000" spc="-1" strike="noStrike">
+              <a:rPr b="0" lang="zh-CN" sz="2800" spc="-1" strike="noStrike">
                 <a:solidFill>
                   <a:srgbClr val="000000"/>
                 </a:solidFill>
@@ -5175,7 +5147,7 @@
               </a:rPr>
               <a:t>Fourth Outline Level</a:t>
             </a:r>
-            <a:endParaRPr b="0" lang="en-US" sz="2000" spc="-1" strike="noStrike">
+            <a:endParaRPr b="0" lang="zh-CN" sz="2800" spc="-1" strike="noStrike">
               <a:solidFill>
                 <a:srgbClr val="000000"/>
               </a:solidFill>
@@ -5197,7 +5169,7 @@
               <a:buChar char=""/>
             </a:pPr>
             <a:r>
-              <a:rPr b="0" lang="en-US" sz="2000" spc="-1" strike="noStrike">
+              <a:rPr b="0" lang="zh-CN" sz="2800" spc="-1" strike="noStrike">
                 <a:solidFill>
                   <a:srgbClr val="000000"/>
                 </a:solidFill>
@@ -5210,7 +5182,7 @@
               </a:rPr>
               <a:t>Fifth Outline Level</a:t>
             </a:r>
-            <a:endParaRPr b="0" lang="en-US" sz="2000" spc="-1" strike="noStrike">
+            <a:endParaRPr b="0" lang="zh-CN" sz="2800" spc="-1" strike="noStrike">
               <a:solidFill>
                 <a:srgbClr val="000000"/>
               </a:solidFill>
@@ -5232,7 +5204,7 @@
               <a:buChar char=""/>
             </a:pPr>
             <a:r>
-              <a:rPr b="0" lang="en-US" sz="2000" spc="-1" strike="noStrike">
+              <a:rPr b="0" lang="zh-CN" sz="2800" spc="-1" strike="noStrike">
                 <a:solidFill>
                   <a:srgbClr val="000000"/>
                 </a:solidFill>
@@ -5245,7 +5217,7 @@
               </a:rPr>
               <a:t>Sixth Outline Level</a:t>
             </a:r>
-            <a:endParaRPr b="0" lang="en-US" sz="2000" spc="-1" strike="noStrike">
+            <a:endParaRPr b="0" lang="zh-CN" sz="2800" spc="-1" strike="noStrike">
               <a:solidFill>
                 <a:srgbClr val="000000"/>
               </a:solidFill>
@@ -5267,7 +5239,7 @@
               <a:buChar char=""/>
             </a:pPr>
             <a:r>
-              <a:rPr b="0" lang="en-US" sz="2000" spc="-1" strike="noStrike">
+              <a:rPr b="0" lang="zh-CN" sz="2800" spc="-1" strike="noStrike">
                 <a:solidFill>
                   <a:srgbClr val="000000"/>
                 </a:solidFill>
@@ -5280,7 +5252,7 @@
               </a:rPr>
               <a:t>Seventh Outline Level</a:t>
             </a:r>
-            <a:endParaRPr b="0" lang="en-US" sz="2000" spc="-1" strike="noStrike">
+            <a:endParaRPr b="0" lang="zh-CN" sz="2800" spc="-1" strike="noStrike">
               <a:solidFill>
                 <a:srgbClr val="000000"/>
               </a:solidFill>
@@ -5360,9 +5332,8 @@
         <p:txBody>
           <a:bodyPr lIns="0" rIns="0" tIns="0" bIns="0" anchor="ctr"/>
           <a:p>
-            <a:pPr algn="ctr"/>
-            <a:r>
-              <a:rPr b="0" lang="en-US" sz="4400" spc="-1" strike="noStrike">
+            <a:r>
+              <a:rPr b="0" lang="zh-CN" sz="1800" spc="-1" strike="noStrike">
                 <a:solidFill>
                   <a:srgbClr val="000000"/>
                 </a:solidFill>
@@ -5375,7 +5346,7 @@
               </a:rPr>
               <a:t>Click to edit the title text format</a:t>
             </a:r>
-            <a:endParaRPr b="0" lang="en-US" sz="4400" spc="-1" strike="noStrike">
+            <a:endParaRPr b="0" lang="zh-CN" sz="1800" spc="-1" strike="noStrike">
               <a:solidFill>
                 <a:srgbClr val="000000"/>
               </a:solidFill>
@@ -5420,7 +5391,7 @@
               <a:buChar char=""/>
             </a:pPr>
             <a:r>
-              <a:rPr b="0" lang="en-US" sz="3200" spc="-1" strike="noStrike">
+              <a:rPr b="0" lang="zh-CN" sz="2800" spc="-1" strike="noStrike">
                 <a:solidFill>
                   <a:srgbClr val="000000"/>
                 </a:solidFill>
@@ -5433,7 +5404,7 @@
               </a:rPr>
               <a:t>Click to edit the outline text format</a:t>
             </a:r>
-            <a:endParaRPr b="0" lang="en-US" sz="3200" spc="-1" strike="noStrike">
+            <a:endParaRPr b="0" lang="zh-CN" sz="2800" spc="-1" strike="noStrike">
               <a:solidFill>
                 <a:srgbClr val="000000"/>
               </a:solidFill>
@@ -5455,7 +5426,7 @@
               <a:buChar char=""/>
             </a:pPr>
             <a:r>
-              <a:rPr b="0" lang="en-US" sz="2800" spc="-1" strike="noStrike">
+              <a:rPr b="0" lang="zh-CN" sz="2000" spc="-1" strike="noStrike">
                 <a:solidFill>
                   <a:srgbClr val="000000"/>
                 </a:solidFill>
@@ -5468,7 +5439,7 @@
               </a:rPr>
               <a:t>Second Outline Level</a:t>
             </a:r>
-            <a:endParaRPr b="0" lang="en-US" sz="2800" spc="-1" strike="noStrike">
+            <a:endParaRPr b="0" lang="zh-CN" sz="2000" spc="-1" strike="noStrike">
               <a:solidFill>
                 <a:srgbClr val="000000"/>
               </a:solidFill>
@@ -5490,7 +5461,7 @@
               <a:buChar char=""/>
             </a:pPr>
             <a:r>
-              <a:rPr b="0" lang="en-US" sz="2400" spc="-1" strike="noStrike">
+              <a:rPr b="0" lang="zh-CN" sz="1800" spc="-1" strike="noStrike">
                 <a:solidFill>
                   <a:srgbClr val="000000"/>
                 </a:solidFill>
@@ -5503,7 +5474,7 @@
               </a:rPr>
               <a:t>Third Outline Level</a:t>
             </a:r>
-            <a:endParaRPr b="0" lang="en-US" sz="2400" spc="-1" strike="noStrike">
+            <a:endParaRPr b="0" lang="zh-CN" sz="1800" spc="-1" strike="noStrike">
               <a:solidFill>
                 <a:srgbClr val="000000"/>
               </a:solidFill>
@@ -5525,7 +5496,7 @@
               <a:buChar char=""/>
             </a:pPr>
             <a:r>
-              <a:rPr b="0" lang="en-US" sz="2000" spc="-1" strike="noStrike">
+              <a:rPr b="0" lang="zh-CN" sz="1800" spc="-1" strike="noStrike">
                 <a:solidFill>
                   <a:srgbClr val="000000"/>
                 </a:solidFill>
@@ -5538,7 +5509,7 @@
               </a:rPr>
               <a:t>Fourth Outline Level</a:t>
             </a:r>
-            <a:endParaRPr b="0" lang="en-US" sz="2000" spc="-1" strike="noStrike">
+            <a:endParaRPr b="0" lang="zh-CN" sz="1800" spc="-1" strike="noStrike">
               <a:solidFill>
                 <a:srgbClr val="000000"/>
               </a:solidFill>
@@ -5560,7 +5531,7 @@
               <a:buChar char=""/>
             </a:pPr>
             <a:r>
-              <a:rPr b="0" lang="en-US" sz="2000" spc="-1" strike="noStrike">
+              <a:rPr b="0" lang="zh-CN" sz="2000" spc="-1" strike="noStrike">
                 <a:solidFill>
                   <a:srgbClr val="000000"/>
                 </a:solidFill>
@@ -5573,7 +5544,7 @@
               </a:rPr>
               <a:t>Fifth Outline Level</a:t>
             </a:r>
-            <a:endParaRPr b="0" lang="en-US" sz="2000" spc="-1" strike="noStrike">
+            <a:endParaRPr b="0" lang="zh-CN" sz="2000" spc="-1" strike="noStrike">
               <a:solidFill>
                 <a:srgbClr val="000000"/>
               </a:solidFill>
@@ -5595,7 +5566,7 @@
               <a:buChar char=""/>
             </a:pPr>
             <a:r>
-              <a:rPr b="0" lang="en-US" sz="2000" spc="-1" strike="noStrike">
+              <a:rPr b="0" lang="zh-CN" sz="2000" spc="-1" strike="noStrike">
                 <a:solidFill>
                   <a:srgbClr val="000000"/>
                 </a:solidFill>
@@ -5608,7 +5579,7 @@
               </a:rPr>
               <a:t>Sixth Outline Level</a:t>
             </a:r>
-            <a:endParaRPr b="0" lang="en-US" sz="2000" spc="-1" strike="noStrike">
+            <a:endParaRPr b="0" lang="zh-CN" sz="2000" spc="-1" strike="noStrike">
               <a:solidFill>
                 <a:srgbClr val="000000"/>
               </a:solidFill>
@@ -5630,7 +5601,7 @@
               <a:buChar char=""/>
             </a:pPr>
             <a:r>
-              <a:rPr b="0" lang="en-US" sz="2000" spc="-1" strike="noStrike">
+              <a:rPr b="0" lang="zh-CN" sz="2000" spc="-1" strike="noStrike">
                 <a:solidFill>
                   <a:srgbClr val="000000"/>
                 </a:solidFill>
@@ -5643,7 +5614,7 @@
               </a:rPr>
               <a:t>Seventh Outline Level</a:t>
             </a:r>
-            <a:endParaRPr b="0" lang="en-US" sz="2000" spc="-1" strike="noStrike">
+            <a:endParaRPr b="0" lang="zh-CN" sz="2000" spc="-1" strike="noStrike">
               <a:solidFill>
                 <a:srgbClr val="000000"/>
               </a:solidFill>
@@ -5723,9 +5694,8 @@
         <p:txBody>
           <a:bodyPr lIns="0" rIns="0" tIns="0" bIns="0" anchor="ctr"/>
           <a:p>
-            <a:pPr algn="ctr"/>
-            <a:r>
-              <a:rPr b="0" lang="en-US" sz="4400" spc="-1" strike="noStrike">
+            <a:r>
+              <a:rPr b="0" lang="zh-CN" sz="1800" spc="-1" strike="noStrike">
                 <a:solidFill>
                   <a:srgbClr val="000000"/>
                 </a:solidFill>
@@ -5738,7 +5708,7 @@
               </a:rPr>
               <a:t>Click to edit the title text format</a:t>
             </a:r>
-            <a:endParaRPr b="0" lang="en-US" sz="4400" spc="-1" strike="noStrike">
+            <a:endParaRPr b="0" lang="zh-CN" sz="1800" spc="-1" strike="noStrike">
               <a:solidFill>
                 <a:srgbClr val="000000"/>
               </a:solidFill>
@@ -5783,7 +5753,7 @@
               <a:buChar char=""/>
             </a:pPr>
             <a:r>
-              <a:rPr b="0" lang="en-US" sz="3200" spc="-1" strike="noStrike">
+              <a:rPr b="0" lang="zh-CN" sz="2800" spc="-1" strike="noStrike">
                 <a:solidFill>
                   <a:srgbClr val="000000"/>
                 </a:solidFill>
@@ -5796,7 +5766,7 @@
               </a:rPr>
               <a:t>Click to edit the outline text format</a:t>
             </a:r>
-            <a:endParaRPr b="0" lang="en-US" sz="3200" spc="-1" strike="noStrike">
+            <a:endParaRPr b="0" lang="zh-CN" sz="2800" spc="-1" strike="noStrike">
               <a:solidFill>
                 <a:srgbClr val="000000"/>
               </a:solidFill>
@@ -5818,7 +5788,7 @@
               <a:buChar char=""/>
             </a:pPr>
             <a:r>
-              <a:rPr b="0" lang="en-US" sz="2800" spc="-1" strike="noStrike">
+              <a:rPr b="0" lang="zh-CN" sz="2000" spc="-1" strike="noStrike">
                 <a:solidFill>
                   <a:srgbClr val="000000"/>
                 </a:solidFill>
@@ -5831,7 +5801,7 @@
               </a:rPr>
               <a:t>Second Outline Level</a:t>
             </a:r>
-            <a:endParaRPr b="0" lang="en-US" sz="2800" spc="-1" strike="noStrike">
+            <a:endParaRPr b="0" lang="zh-CN" sz="2000" spc="-1" strike="noStrike">
               <a:solidFill>
                 <a:srgbClr val="000000"/>
               </a:solidFill>
@@ -5853,7 +5823,7 @@
               <a:buChar char=""/>
             </a:pPr>
             <a:r>
-              <a:rPr b="0" lang="en-US" sz="2400" spc="-1" strike="noStrike">
+              <a:rPr b="0" lang="zh-CN" sz="1800" spc="-1" strike="noStrike">
                 <a:solidFill>
                   <a:srgbClr val="000000"/>
                 </a:solidFill>
@@ -5866,7 +5836,7 @@
               </a:rPr>
               <a:t>Third Outline Level</a:t>
             </a:r>
-            <a:endParaRPr b="0" lang="en-US" sz="2400" spc="-1" strike="noStrike">
+            <a:endParaRPr b="0" lang="zh-CN" sz="1800" spc="-1" strike="noStrike">
               <a:solidFill>
                 <a:srgbClr val="000000"/>
               </a:solidFill>
@@ -5888,7 +5858,7 @@
               <a:buChar char=""/>
             </a:pPr>
             <a:r>
-              <a:rPr b="0" lang="en-US" sz="2000" spc="-1" strike="noStrike">
+              <a:rPr b="0" lang="zh-CN" sz="1800" spc="-1" strike="noStrike">
                 <a:solidFill>
                   <a:srgbClr val="000000"/>
                 </a:solidFill>
@@ -5901,7 +5871,7 @@
               </a:rPr>
               <a:t>Fourth Outline Level</a:t>
             </a:r>
-            <a:endParaRPr b="0" lang="en-US" sz="2000" spc="-1" strike="noStrike">
+            <a:endParaRPr b="0" lang="zh-CN" sz="1800" spc="-1" strike="noStrike">
               <a:solidFill>
                 <a:srgbClr val="000000"/>
               </a:solidFill>
@@ -5923,7 +5893,7 @@
               <a:buChar char=""/>
             </a:pPr>
             <a:r>
-              <a:rPr b="0" lang="en-US" sz="2000" spc="-1" strike="noStrike">
+              <a:rPr b="0" lang="zh-CN" sz="2000" spc="-1" strike="noStrike">
                 <a:solidFill>
                   <a:srgbClr val="000000"/>
                 </a:solidFill>
@@ -5936,7 +5906,7 @@
               </a:rPr>
               <a:t>Fifth Outline Level</a:t>
             </a:r>
-            <a:endParaRPr b="0" lang="en-US" sz="2000" spc="-1" strike="noStrike">
+            <a:endParaRPr b="0" lang="zh-CN" sz="2000" spc="-1" strike="noStrike">
               <a:solidFill>
                 <a:srgbClr val="000000"/>
               </a:solidFill>
@@ -5958,7 +5928,7 @@
               <a:buChar char=""/>
             </a:pPr>
             <a:r>
-              <a:rPr b="0" lang="en-US" sz="2000" spc="-1" strike="noStrike">
+              <a:rPr b="0" lang="zh-CN" sz="2000" spc="-1" strike="noStrike">
                 <a:solidFill>
                   <a:srgbClr val="000000"/>
                 </a:solidFill>
@@ -5971,7 +5941,7 @@
               </a:rPr>
               <a:t>Sixth Outline Level</a:t>
             </a:r>
-            <a:endParaRPr b="0" lang="en-US" sz="2000" spc="-1" strike="noStrike">
+            <a:endParaRPr b="0" lang="zh-CN" sz="2000" spc="-1" strike="noStrike">
               <a:solidFill>
                 <a:srgbClr val="000000"/>
               </a:solidFill>
@@ -5993,7 +5963,7 @@
               <a:buChar char=""/>
             </a:pPr>
             <a:r>
-              <a:rPr b="0" lang="en-US" sz="2000" spc="-1" strike="noStrike">
+              <a:rPr b="0" lang="zh-CN" sz="2000" spc="-1" strike="noStrike">
                 <a:solidFill>
                   <a:srgbClr val="000000"/>
                 </a:solidFill>
@@ -6006,7 +5976,7 @@
               </a:rPr>
               <a:t>Seventh Outline Level</a:t>
             </a:r>
-            <a:endParaRPr b="0" lang="en-US" sz="2000" spc="-1" strike="noStrike">
+            <a:endParaRPr b="0" lang="zh-CN" sz="2000" spc="-1" strike="noStrike">
               <a:solidFill>
                 <a:srgbClr val="000000"/>
               </a:solidFill>
@@ -6066,7 +6036,7 @@
         <p:spPr>
           <a:xfrm>
             <a:off x="1060920" y="1501200"/>
-            <a:ext cx="5448240" cy="577440"/>
+            <a:ext cx="5447880" cy="577080"/>
           </a:xfrm>
           <a:prstGeom prst="rect">
             <a:avLst/>
@@ -6143,7 +6113,7 @@
         <p:spPr>
           <a:xfrm>
             <a:off x="2350080" y="3408480"/>
-            <a:ext cx="716760" cy="303120"/>
+            <a:ext cx="716400" cy="302760"/>
           </a:xfrm>
           <a:prstGeom prst="rect">
             <a:avLst/>
@@ -6168,8 +6138,8 @@
         </p:nvSpPr>
         <p:spPr>
           <a:xfrm>
-            <a:off x="1148040" y="3386160"/>
-            <a:ext cx="2326320" cy="1366920"/>
+            <a:off x="1149120" y="3204000"/>
+            <a:ext cx="2325960" cy="1366560"/>
           </a:xfrm>
           <a:prstGeom prst="rect">
             <a:avLst/>
@@ -6221,7 +6191,7 @@
                 <a:latin typeface="Arial"/>
                 <a:ea typeface="DejaVu Sans"/>
               </a:rPr>
-              <a:t>|</a:t>
+              <a:t>| </a:t>
             </a:r>
             <a:r>
               <a:rPr b="0" lang="en-US" sz="1200" spc="-1" strike="noStrike">
@@ -6519,7 +6489,7 @@
         <p:spPr>
           <a:xfrm>
             <a:off x="4190760" y="2492640"/>
-            <a:ext cx="2666880" cy="1896120"/>
+            <a:ext cx="2666520" cy="1895760"/>
           </a:xfrm>
           <a:prstGeom prst="rect">
             <a:avLst/>
@@ -6538,7 +6508,7 @@
       </p:sp>
       <p:pic>
         <p:nvPicPr>
-          <p:cNvPr id="117" name="" descr=""/>
+          <p:cNvPr id="117" name="图片 116" descr=""/>
           <p:cNvPicPr/>
           <p:nvPr/>
         </p:nvPicPr>
@@ -6549,7 +6519,7 @@
         <p:spPr>
           <a:xfrm>
             <a:off x="5115600" y="457200"/>
-            <a:ext cx="3313080" cy="3291480"/>
+            <a:ext cx="3312720" cy="3291120"/>
           </a:xfrm>
           <a:prstGeom prst="rect">
             <a:avLst/>
@@ -6568,7 +6538,7 @@
         <p:spPr>
           <a:xfrm>
             <a:off x="1188720" y="2194560"/>
-            <a:ext cx="4389120" cy="360"/>
+            <a:ext cx="4388760" cy="360"/>
           </a:xfrm>
           <a:custGeom>
             <a:avLst/>
@@ -6612,7 +6582,7 @@
         <p:spPr>
           <a:xfrm>
             <a:off x="7955280" y="2194560"/>
-            <a:ext cx="1188720" cy="360"/>
+            <a:ext cx="1188360" cy="360"/>
           </a:xfrm>
           <a:custGeom>
             <a:avLst/>
@@ -6698,14 +6668,70 @@
       </p:grpSpPr>
       <p:sp>
         <p:nvSpPr>
-          <p:cNvPr id="151" name="CustomShape 1"/>
+          <p:cNvPr id="154" name="Line 1"/>
           <p:cNvSpPr/>
           <p:nvPr/>
         </p:nvSpPr>
         <p:spPr>
           <a:xfrm>
-            <a:off x="623880" y="637920"/>
-            <a:ext cx="7886160" cy="2139120"/>
+            <a:off x="342000" y="1018080"/>
+            <a:ext cx="8304120" cy="360"/>
+          </a:xfrm>
+          <a:prstGeom prst="line">
+            <a:avLst/>
+          </a:prstGeom>
+          <a:ln w="19080">
+            <a:solidFill>
+              <a:srgbClr val="5b9bd5"/>
+            </a:solidFill>
+            <a:miter/>
+          </a:ln>
+        </p:spPr>
+        <p:style>
+          <a:lnRef idx="0"/>
+          <a:fillRef idx="0"/>
+          <a:effectRef idx="0"/>
+          <a:fontRef idx="minor"/>
+        </p:style>
+      </p:sp>
+      <p:sp>
+        <p:nvSpPr>
+          <p:cNvPr id="155" name="Line 2"/>
+          <p:cNvSpPr/>
+          <p:nvPr/>
+        </p:nvSpPr>
+        <p:spPr>
+          <a:xfrm>
+            <a:off x="342000" y="1055520"/>
+            <a:ext cx="5249880" cy="360"/>
+          </a:xfrm>
+          <a:prstGeom prst="line">
+            <a:avLst/>
+          </a:prstGeom>
+          <a:ln w="76320">
+            <a:solidFill>
+              <a:srgbClr val="5b9bd5"/>
+            </a:solidFill>
+            <a:miter/>
+          </a:ln>
+        </p:spPr>
+        <p:style>
+          <a:lnRef idx="0"/>
+          <a:fillRef idx="0"/>
+          <a:effectRef idx="0"/>
+          <a:fontRef idx="minor"/>
+        </p:style>
+      </p:sp>
+      <p:sp>
+        <p:nvSpPr>
+          <p:cNvPr id="156" name="CustomShape 3"/>
+          <p:cNvSpPr/>
+          <p:nvPr/>
+        </p:nvSpPr>
+        <p:spPr>
+          <a:xfrm>
+            <a:off x="342000" y="174240"/>
+            <a:ext cx="4435560" cy="975600"/>
           </a:xfrm>
           <a:prstGeom prst="rect">
             <a:avLst/>
@@ -6722,96 +6748,42 @@
           <a:fontRef idx="minor"/>
         </p:style>
         <p:txBody>
-          <a:bodyPr lIns="90000" rIns="90000" tIns="45000" bIns="45000" anchor="b"/>
+          <a:bodyPr lIns="90000" rIns="90000" tIns="45000" bIns="45000" anchor="ctr"/>
           <a:p>
             <a:pPr>
               <a:lnSpc>
-                <a:spcPct val="100000"/>
+                <a:spcPct val="125000"/>
               </a:lnSpc>
             </a:pPr>
             <a:r>
-              <a:rPr b="0" lang="en-US" sz="4500" spc="-1" strike="noStrike">
-                <a:solidFill>
-                  <a:srgbClr val="5b9bd5"/>
-                </a:solidFill>
-                <a:uFill>
-                  <a:solidFill>
-                    <a:srgbClr val="ffffff"/>
-                  </a:solidFill>
-                </a:uFill>
-                <a:latin typeface="Arial"/>
-              </a:rPr>
-              <a:t>4.</a:t>
-            </a:r>
-            <a:r>
-              <a:rPr b="0" lang="en-US" sz="4500" spc="-1" strike="noStrike">
-                <a:solidFill>
-                  <a:srgbClr val="000000"/>
-                </a:solidFill>
-                <a:uFill>
-                  <a:solidFill>
-                    <a:srgbClr val="ffffff"/>
-                  </a:solidFill>
-                </a:uFill>
-                <a:latin typeface="Arial"/>
-              </a:rPr>
-              <a:t>实践</a:t>
-            </a:r>
-            <a:r>
-              <a:rPr b="0" lang="en-US" sz="4500" spc="-1" strike="noStrike">
-                <a:solidFill>
-                  <a:srgbClr val="000000"/>
-                </a:solidFill>
-                <a:uFill>
-                  <a:solidFill>
-                    <a:srgbClr val="ffffff"/>
-                  </a:solidFill>
-                </a:uFill>
-                <a:latin typeface="Arial"/>
-              </a:rPr>
-              <a:t>:</a:t>
-            </a:r>
-            <a:r>
-              <a:rPr b="0" lang="en-US" sz="4500" spc="-1" strike="noStrike">
-                <a:solidFill>
-                  <a:srgbClr val="000000"/>
-                </a:solidFill>
-                <a:uFill>
-                  <a:solidFill>
-                    <a:srgbClr val="ffffff"/>
-                  </a:solidFill>
-                </a:uFill>
-                <a:latin typeface="Arial"/>
-              </a:rPr>
-              <a:t>从简单</a:t>
-            </a:r>
-            <a:r>
-              <a:rPr b="0" lang="en-US" sz="4500" spc="-1" strike="noStrike">
-                <a:solidFill>
-                  <a:srgbClr val="000000"/>
-                </a:solidFill>
-                <a:uFill>
-                  <a:solidFill>
-                    <a:srgbClr val="ffffff"/>
-                  </a:solidFill>
-                </a:uFill>
-                <a:latin typeface="Arial"/>
-              </a:rPr>
-              <a:t>CMake</a:t>
-            </a:r>
-            <a:r>
-              <a:rPr b="0" lang="en-US" sz="4500" spc="-1" strike="noStrike">
-                <a:solidFill>
-                  <a:srgbClr val="000000"/>
-                </a:solidFill>
-                <a:uFill>
-                  <a:solidFill>
-                    <a:srgbClr val="ffffff"/>
-                  </a:solidFill>
-                </a:uFill>
-                <a:latin typeface="Arial"/>
-              </a:rPr>
-              <a:t>说起</a:t>
+              <a:rPr b="0" lang="en-US" sz="2800" spc="-1" strike="noStrike">
+                <a:solidFill>
+                  <a:srgbClr val="000000"/>
+                </a:solidFill>
+                <a:uFill>
+                  <a:solidFill>
+                    <a:srgbClr val="ffffff"/>
+                  </a:solidFill>
+                </a:uFill>
+                <a:latin typeface="Arial"/>
+                <a:ea typeface="DejaVu Sans"/>
+              </a:rPr>
+              <a:t>2. CMake</a:t>
+            </a:r>
+            <a:r>
+              <a:rPr b="0" lang="en-US" sz="2800" spc="-1" strike="noStrike">
+                <a:solidFill>
+                  <a:srgbClr val="000000"/>
+                </a:solidFill>
+                <a:uFill>
+                  <a:solidFill>
+                    <a:srgbClr val="ffffff"/>
+                  </a:solidFill>
+                </a:uFill>
+                <a:latin typeface="Arial"/>
+                <a:ea typeface="DejaVu Sans"/>
+              </a:rPr>
+              <a:t>语法的主体框架</a:t>
             </a:r>
             <a:endParaRPr b="0" lang="en-US" sz="1800" spc="-1" strike="noStrike">
               <a:solidFill>
@@ -6827,43 +6799,289 @@
           </a:p>
         </p:txBody>
       </p:sp>
-      <p:sp>
-        <p:nvSpPr>
-          <p:cNvPr id="152" name="CustomShape 2"/>
-          <p:cNvSpPr/>
+      <p:pic>
+        <p:nvPicPr>
+          <p:cNvPr id="157" name="图片 142" descr=""/>
+          <p:cNvPicPr/>
           <p:nvPr/>
-        </p:nvSpPr>
-        <p:spPr>
-          <a:xfrm>
-            <a:off x="623880" y="2772360"/>
-            <a:ext cx="7886160" cy="57240"/>
-          </a:xfrm>
-          <a:prstGeom prst="rect">
-            <a:avLst/>
-          </a:prstGeom>
-          <a:solidFill>
-            <a:srgbClr val="5b9bd5"/>
-          </a:solidFill>
-          <a:ln w="12600">
+        </p:nvPicPr>
+        <p:blipFill>
+          <a:blip r:embed="rId1"/>
+          <a:stretch/>
+        </p:blipFill>
+        <p:spPr>
+          <a:xfrm>
+            <a:off x="7132680" y="174240"/>
+            <a:ext cx="1855080" cy="730800"/>
+          </a:xfrm>
+          <a:prstGeom prst="rect">
+            <a:avLst/>
+          </a:prstGeom>
+          <a:ln>
             <a:noFill/>
           </a:ln>
         </p:spPr>
-        <p:style>
-          <a:lnRef idx="0"/>
-          <a:fillRef idx="0"/>
-          <a:effectRef idx="0"/>
-          <a:fontRef idx="minor"/>
-        </p:style>
+      </p:pic>
+      <p:sp>
+        <p:nvSpPr>
+          <p:cNvPr id="158" name="TextShape 4"/>
+          <p:cNvSpPr txBox="1"/>
+          <p:nvPr/>
+        </p:nvSpPr>
+        <p:spPr>
+          <a:xfrm>
+            <a:off x="2854080" y="2720520"/>
+            <a:ext cx="3446640" cy="925560"/>
+          </a:xfrm>
+          <a:prstGeom prst="rect">
+            <a:avLst/>
+          </a:prstGeom>
+          <a:noFill/>
+          <a:ln>
+            <a:noFill/>
+          </a:ln>
+        </p:spPr>
+        <p:txBody>
+          <a:bodyPr lIns="90000" rIns="90000" tIns="45000" bIns="45000"/>
+          <a:p>
+            <a:pPr>
+              <a:lnSpc>
+                <a:spcPct val="150000"/>
+              </a:lnSpc>
+            </a:pPr>
+            <a:r>
+              <a:rPr b="0" lang="en-US" sz="1400" spc="-1" strike="noStrike">
+                <a:solidFill>
+                  <a:srgbClr val="000000"/>
+                </a:solidFill>
+                <a:uFill>
+                  <a:solidFill>
+                    <a:srgbClr val="ffffff"/>
+                  </a:solidFill>
+                </a:uFill>
+                <a:latin typeface="Arial"/>
+                <a:ea typeface="DejaVu Sans"/>
+              </a:rPr>
+              <a:t>Windows </a:t>
+            </a:r>
+            <a:r>
+              <a:rPr b="0" lang="en-US" sz="1400" spc="-1" strike="noStrike">
+                <a:solidFill>
+                  <a:srgbClr val="000000"/>
+                </a:solidFill>
+                <a:uFill>
+                  <a:solidFill>
+                    <a:srgbClr val="ffffff"/>
+                  </a:solidFill>
+                </a:uFill>
+                <a:latin typeface="Arial"/>
+                <a:ea typeface="DejaVu Sans"/>
+              </a:rPr>
+              <a:t>中静态库</a:t>
+            </a:r>
+            <a:r>
+              <a:rPr b="0" lang="en-US" sz="1400" spc="-1" strike="noStrike">
+                <a:solidFill>
+                  <a:srgbClr val="000000"/>
+                </a:solidFill>
+                <a:uFill>
+                  <a:solidFill>
+                    <a:srgbClr val="ffffff"/>
+                  </a:solidFill>
+                </a:uFill>
+                <a:latin typeface="Arial"/>
+                <a:ea typeface="DejaVu Sans"/>
+              </a:rPr>
+              <a:t>.lib</a:t>
+            </a:r>
+            <a:r>
+              <a:rPr b="0" lang="en-US" sz="1400" spc="-1" strike="noStrike">
+                <a:solidFill>
+                  <a:srgbClr val="000000"/>
+                </a:solidFill>
+                <a:uFill>
+                  <a:solidFill>
+                    <a:srgbClr val="ffffff"/>
+                  </a:solidFill>
+                </a:uFill>
+                <a:latin typeface="Arial"/>
+                <a:ea typeface="DejaVu Sans"/>
+              </a:rPr>
+              <a:t>后缀</a:t>
+            </a:r>
+            <a:r>
+              <a:rPr b="0" lang="en-US" sz="1400" spc="-1" strike="noStrike">
+                <a:solidFill>
+                  <a:srgbClr val="000000"/>
+                </a:solidFill>
+                <a:uFill>
+                  <a:solidFill>
+                    <a:srgbClr val="ffffff"/>
+                  </a:solidFill>
+                </a:uFill>
+                <a:latin typeface="Arial"/>
+                <a:ea typeface="DejaVu Sans"/>
+              </a:rPr>
+              <a:t>,</a:t>
+            </a:r>
+            <a:r>
+              <a:rPr b="0" lang="en-US" sz="1400" spc="-1" strike="noStrike">
+                <a:solidFill>
+                  <a:srgbClr val="000000"/>
+                </a:solidFill>
+                <a:uFill>
+                  <a:solidFill>
+                    <a:srgbClr val="ffffff"/>
+                  </a:solidFill>
+                </a:uFill>
+                <a:latin typeface="Arial"/>
+                <a:ea typeface="DejaVu Sans"/>
+              </a:rPr>
+              <a:t>共享库为</a:t>
+            </a:r>
+            <a:r>
+              <a:rPr b="0" lang="en-US" sz="1400" spc="-1" strike="noStrike">
+                <a:solidFill>
+                  <a:srgbClr val="000000"/>
+                </a:solidFill>
+                <a:uFill>
+                  <a:solidFill>
+                    <a:srgbClr val="ffffff"/>
+                  </a:solidFill>
+                </a:uFill>
+                <a:latin typeface="Arial"/>
+                <a:ea typeface="DejaVu Sans"/>
+              </a:rPr>
+              <a:t>.dll   linux</a:t>
+            </a:r>
+            <a:r>
+              <a:rPr b="0" lang="en-US" sz="1400" spc="-1" strike="noStrike">
+                <a:solidFill>
+                  <a:srgbClr val="000000"/>
+                </a:solidFill>
+                <a:uFill>
+                  <a:solidFill>
+                    <a:srgbClr val="ffffff"/>
+                  </a:solidFill>
+                </a:uFill>
+                <a:latin typeface="Arial"/>
+                <a:ea typeface="DejaVu Sans"/>
+              </a:rPr>
+              <a:t>中静态库</a:t>
+            </a:r>
+            <a:r>
+              <a:rPr b="0" lang="en-US" sz="1400" spc="-1" strike="noStrike">
+                <a:solidFill>
+                  <a:srgbClr val="000000"/>
+                </a:solidFill>
+                <a:uFill>
+                  <a:solidFill>
+                    <a:srgbClr val="ffffff"/>
+                  </a:solidFill>
+                </a:uFill>
+                <a:latin typeface="Arial"/>
+                <a:ea typeface="DejaVu Sans"/>
+              </a:rPr>
+              <a:t>.a</a:t>
+            </a:r>
+            <a:r>
+              <a:rPr b="0" lang="en-US" sz="1400" spc="-1" strike="noStrike">
+                <a:solidFill>
+                  <a:srgbClr val="000000"/>
+                </a:solidFill>
+                <a:uFill>
+                  <a:solidFill>
+                    <a:srgbClr val="ffffff"/>
+                  </a:solidFill>
+                </a:uFill>
+                <a:latin typeface="Arial"/>
+                <a:ea typeface="DejaVu Sans"/>
+              </a:rPr>
+              <a:t>后缀</a:t>
+            </a:r>
+            <a:r>
+              <a:rPr b="0" lang="en-US" sz="1400" spc="-1" strike="noStrike">
+                <a:solidFill>
+                  <a:srgbClr val="000000"/>
+                </a:solidFill>
+                <a:uFill>
+                  <a:solidFill>
+                    <a:srgbClr val="ffffff"/>
+                  </a:solidFill>
+                </a:uFill>
+                <a:latin typeface="Arial"/>
+                <a:ea typeface="DejaVu Sans"/>
+              </a:rPr>
+              <a:t>, </a:t>
+            </a:r>
+            <a:r>
+              <a:rPr b="0" lang="en-US" sz="1400" spc="-1" strike="noStrike">
+                <a:solidFill>
+                  <a:srgbClr val="000000"/>
+                </a:solidFill>
+                <a:uFill>
+                  <a:solidFill>
+                    <a:srgbClr val="ffffff"/>
+                  </a:solidFill>
+                </a:uFill>
+                <a:latin typeface="Arial"/>
+                <a:ea typeface="DejaVu Sans"/>
+              </a:rPr>
+              <a:t>共享库</a:t>
+            </a:r>
+            <a:r>
+              <a:rPr b="0" lang="en-US" sz="1400" spc="-1" strike="noStrike">
+                <a:solidFill>
+                  <a:srgbClr val="000000"/>
+                </a:solidFill>
+                <a:uFill>
+                  <a:solidFill>
+                    <a:srgbClr val="ffffff"/>
+                  </a:solidFill>
+                </a:uFill>
+                <a:latin typeface="Arial"/>
+                <a:ea typeface="DejaVu Sans"/>
+              </a:rPr>
+              <a:t>.so</a:t>
+            </a:r>
+            <a:r>
+              <a:rPr b="0" lang="en-US" sz="1400" spc="-1" strike="noStrike">
+                <a:solidFill>
+                  <a:srgbClr val="000000"/>
+                </a:solidFill>
+                <a:uFill>
+                  <a:solidFill>
+                    <a:srgbClr val="ffffff"/>
+                  </a:solidFill>
+                </a:uFill>
+                <a:latin typeface="Arial"/>
+                <a:ea typeface="DejaVu Sans"/>
+              </a:rPr>
+              <a:t>后缀</a:t>
+            </a:r>
+            <a:endParaRPr b="0" lang="en-US" sz="1800" spc="-1" strike="noStrike">
+              <a:solidFill>
+                <a:srgbClr val="000000"/>
+              </a:solidFill>
+              <a:uFill>
+                <a:solidFill>
+                  <a:srgbClr val="ffffff"/>
+                </a:solidFill>
+              </a:uFill>
+              <a:latin typeface="Arial"/>
+            </a:endParaRPr>
+          </a:p>
+        </p:txBody>
       </p:sp>
     </p:spTree>
   </p:cSld>
   <p:timing>
     <p:tnLst>
       <p:par>
-        <p:cTn id="35" dur="indefinite" restart="never" nodeType="tmRoot">
+        <p:cTn id="19" dur="indefinite" restart="never" nodeType="tmRoot">
           <p:childTnLst>
             <p:seq>
-              <p:cTn id="36" nodeType="mainSeq"/>
+              <p:cTn id="20" nodeType="mainSeq"/>
               <p:prevCondLst>
                 <p:cond delay="0" evt="onPrev">
                   <p:tgtEl>
@@ -6906,14 +7124,14 @@
       </p:grpSpPr>
       <p:sp>
         <p:nvSpPr>
-          <p:cNvPr id="153" name="CustomShape 1"/>
+          <p:cNvPr id="159" name="CustomShape 1"/>
           <p:cNvSpPr/>
           <p:nvPr/>
         </p:nvSpPr>
         <p:spPr>
           <a:xfrm>
-            <a:off x="2433240" y="731520"/>
-            <a:ext cx="4276080" cy="3442680"/>
+            <a:off x="623880" y="637920"/>
+            <a:ext cx="7885800" cy="2138760"/>
           </a:xfrm>
           <a:prstGeom prst="rect">
             <a:avLst/>
@@ -6930,27 +7148,57 @@
           <a:fontRef idx="minor"/>
         </p:style>
         <p:txBody>
-          <a:bodyPr lIns="90000" rIns="90000" tIns="45000" bIns="45000"/>
-          <a:p>
-            <a:pPr algn="ctr">
+          <a:bodyPr lIns="90000" rIns="90000" tIns="45000" bIns="45000" anchor="b"/>
+          <a:p>
+            <a:pPr>
               <a:lnSpc>
                 <a:spcPct val="100000"/>
               </a:lnSpc>
             </a:pPr>
             <a:r>
-              <a:rPr b="1" lang="en-US" sz="22000" spc="-1" strike="noStrike">
-                <a:solidFill>
-                  <a:srgbClr val="f2f2f2"/>
-                </a:solidFill>
-                <a:uFill>
-                  <a:solidFill>
-                    <a:srgbClr val="ffffff"/>
-                  </a:solidFill>
-                </a:uFill>
-                <a:latin typeface="微软雅黑"/>
-                <a:ea typeface="微软雅黑"/>
-              </a:rPr>
-              <a:t>？</a:t>
+              <a:rPr b="0" lang="en-US" sz="4500" spc="-1" strike="noStrike">
+                <a:solidFill>
+                  <a:srgbClr val="5b9bd5"/>
+                </a:solidFill>
+                <a:uFill>
+                  <a:solidFill>
+                    <a:srgbClr val="ffffff"/>
+                  </a:solidFill>
+                </a:uFill>
+                <a:latin typeface="Arial"/>
+                <a:ea typeface="DejaVu Sans"/>
+              </a:rPr>
+              <a:t>3.</a:t>
+            </a:r>
+            <a:r>
+              <a:rPr b="0" lang="en-US" sz="4500" spc="-1" strike="noStrike">
+                <a:solidFill>
+                  <a:srgbClr val="000000"/>
+                </a:solidFill>
+                <a:uFill>
+                  <a:solidFill>
+                    <a:srgbClr val="ffffff"/>
+                  </a:solidFill>
+                </a:uFill>
+                <a:latin typeface="Arial"/>
+                <a:ea typeface="DejaVu Sans"/>
+              </a:rPr>
+              <a:t>CMake</a:t>
+            </a:r>
+            <a:r>
+              <a:rPr b="0" lang="en-US" sz="4500" spc="-1" strike="noStrike">
+                <a:solidFill>
+                  <a:srgbClr val="000000"/>
+                </a:solidFill>
+                <a:uFill>
+                  <a:solidFill>
+                    <a:srgbClr val="ffffff"/>
+                  </a:solidFill>
+                </a:uFill>
+                <a:latin typeface="Arial"/>
+                <a:ea typeface="DejaVu Sans"/>
+              </a:rPr>
+              <a:t>的常用指令</a:t>
             </a:r>
             <a:endParaRPr b="0" lang="en-US" sz="1800" spc="-1" strike="noStrike">
               <a:solidFill>
@@ -6968,20 +7216,22 @@
       </p:sp>
       <p:sp>
         <p:nvSpPr>
-          <p:cNvPr id="154" name="CustomShape 2"/>
+          <p:cNvPr id="160" name="CustomShape 2"/>
           <p:cNvSpPr/>
           <p:nvPr/>
         </p:nvSpPr>
         <p:spPr>
           <a:xfrm>
-            <a:off x="2433240" y="1873080"/>
-            <a:ext cx="4276080" cy="1308960"/>
-          </a:xfrm>
-          <a:prstGeom prst="rect">
-            <a:avLst/>
-          </a:prstGeom>
-          <a:noFill/>
-          <a:ln>
+            <a:off x="623880" y="2772360"/>
+            <a:ext cx="7885800" cy="56880"/>
+          </a:xfrm>
+          <a:prstGeom prst="rect">
+            <a:avLst/>
+          </a:prstGeom>
+          <a:solidFill>
+            <a:srgbClr val="5b9bd5"/>
+          </a:solidFill>
+          <a:ln w="12600">
             <a:noFill/>
           </a:ln>
         </p:spPr>
@@ -6991,199 +7241,16 @@
           <a:effectRef idx="0"/>
           <a:fontRef idx="minor"/>
         </p:style>
-        <p:txBody>
-          <a:bodyPr lIns="90000" rIns="90000" tIns="45000" bIns="45000"/>
-          <a:p>
-            <a:pPr algn="ctr">
-              <a:lnSpc>
-                <a:spcPct val="100000"/>
-              </a:lnSpc>
-            </a:pPr>
-            <a:r>
-              <a:rPr b="1" lang="en-US" sz="8000" spc="-1" strike="noStrike">
-                <a:solidFill>
-                  <a:srgbClr val="666666"/>
-                </a:solidFill>
-                <a:uFill>
-                  <a:solidFill>
-                    <a:srgbClr val="ffffff"/>
-                  </a:solidFill>
-                </a:uFill>
-                <a:latin typeface="微软雅黑"/>
-                <a:ea typeface="微软雅黑"/>
-              </a:rPr>
-              <a:t>Q</a:t>
-            </a:r>
-            <a:r>
-              <a:rPr b="1" lang="en-US" sz="7200" spc="-1" strike="noStrike">
-                <a:solidFill>
-                  <a:srgbClr val="666666"/>
-                </a:solidFill>
-                <a:uFill>
-                  <a:solidFill>
-                    <a:srgbClr val="ffffff"/>
-                  </a:solidFill>
-                </a:uFill>
-                <a:latin typeface="微软雅黑"/>
-                <a:ea typeface="微软雅黑"/>
-              </a:rPr>
-              <a:t>&amp;</a:t>
-            </a:r>
-            <a:r>
-              <a:rPr b="1" lang="en-US" sz="8000" spc="-1" strike="noStrike">
-                <a:solidFill>
-                  <a:srgbClr val="666666"/>
-                </a:solidFill>
-                <a:uFill>
-                  <a:solidFill>
-                    <a:srgbClr val="ffffff"/>
-                  </a:solidFill>
-                </a:uFill>
-                <a:latin typeface="微软雅黑"/>
-                <a:ea typeface="微软雅黑"/>
-              </a:rPr>
-              <a:t>A</a:t>
-            </a:r>
-            <a:endParaRPr b="0" lang="en-US" sz="1800" spc="-1" strike="noStrike">
-              <a:solidFill>
-                <a:srgbClr val="000000"/>
-              </a:solidFill>
-              <a:uFill>
-                <a:solidFill>
-                  <a:srgbClr val="ffffff"/>
-                </a:solidFill>
-              </a:uFill>
-              <a:latin typeface="Arial"/>
-            </a:endParaRPr>
-          </a:p>
-        </p:txBody>
-      </p:sp>
-      <p:sp>
-        <p:nvSpPr>
-          <p:cNvPr id="155" name="Line 3"/>
-          <p:cNvSpPr/>
-          <p:nvPr/>
-        </p:nvSpPr>
-        <p:spPr>
-          <a:xfrm>
-            <a:off x="342000" y="1018080"/>
-            <a:ext cx="8304120" cy="360"/>
-          </a:xfrm>
-          <a:prstGeom prst="line">
-            <a:avLst/>
-          </a:prstGeom>
-          <a:ln w="19080">
-            <a:solidFill>
-              <a:srgbClr val="843c0b"/>
-            </a:solidFill>
-            <a:miter/>
-          </a:ln>
-        </p:spPr>
-        <p:style>
-          <a:lnRef idx="0"/>
-          <a:fillRef idx="0"/>
-          <a:effectRef idx="0"/>
-          <a:fontRef idx="minor"/>
-        </p:style>
-      </p:sp>
-      <p:sp>
-        <p:nvSpPr>
-          <p:cNvPr id="156" name="Line 4"/>
-          <p:cNvSpPr/>
-          <p:nvPr/>
-        </p:nvSpPr>
-        <p:spPr>
-          <a:xfrm>
-            <a:off x="342000" y="1055520"/>
-            <a:ext cx="5249880" cy="360"/>
-          </a:xfrm>
-          <a:prstGeom prst="line">
-            <a:avLst/>
-          </a:prstGeom>
-          <a:ln w="76320">
-            <a:solidFill>
-              <a:srgbClr val="6f1b1b"/>
-            </a:solidFill>
-            <a:miter/>
-          </a:ln>
-        </p:spPr>
-        <p:style>
-          <a:lnRef idx="0"/>
-          <a:fillRef idx="0"/>
-          <a:effectRef idx="0"/>
-          <a:fontRef idx="minor"/>
-        </p:style>
-      </p:sp>
-      <p:sp>
-        <p:nvSpPr>
-          <p:cNvPr id="157" name="CustomShape 5"/>
-          <p:cNvSpPr/>
-          <p:nvPr/>
-        </p:nvSpPr>
-        <p:spPr>
-          <a:xfrm>
-            <a:off x="342000" y="174240"/>
-            <a:ext cx="8228880" cy="975960"/>
-          </a:xfrm>
-          <a:prstGeom prst="rect">
-            <a:avLst/>
-          </a:prstGeom>
-          <a:noFill/>
-          <a:ln>
-            <a:noFill/>
-          </a:ln>
-        </p:spPr>
-        <p:style>
-          <a:lnRef idx="0"/>
-          <a:fillRef idx="0"/>
-          <a:effectRef idx="0"/>
-          <a:fontRef idx="minor"/>
-        </p:style>
-        <p:txBody>
-          <a:bodyPr lIns="90000" rIns="90000" tIns="45000" bIns="45000" anchor="ctr"/>
-          <a:p>
-            <a:pPr>
-              <a:lnSpc>
-                <a:spcPct val="100000"/>
-              </a:lnSpc>
-            </a:pPr>
-            <a:r>
-              <a:rPr b="1" lang="en-US" sz="3600" spc="-1" strike="noStrike">
-                <a:solidFill>
-                  <a:srgbClr val="000000"/>
-                </a:solidFill>
-                <a:uFill>
-                  <a:solidFill>
-                    <a:srgbClr val="ffffff"/>
-                  </a:solidFill>
-                </a:uFill>
-                <a:latin typeface="Arial"/>
-              </a:rPr>
-              <a:t>在线问答</a:t>
-            </a:r>
-            <a:endParaRPr b="0" lang="en-US" sz="1800" spc="-1" strike="noStrike">
-              <a:solidFill>
-                <a:srgbClr val="000000"/>
-              </a:solidFill>
-              <a:uFill>
-                <a:solidFill>
-                  <a:srgbClr val="ffffff"/>
-                </a:solidFill>
-              </a:uFill>
-              <a:latin typeface="Arial"/>
-            </a:endParaRPr>
-          </a:p>
-        </p:txBody>
       </p:sp>
     </p:spTree>
   </p:cSld>
   <p:timing>
     <p:tnLst>
       <p:par>
-        <p:cTn id="37" dur="indefinite" restart="never" nodeType="tmRoot">
+        <p:cTn id="21" dur="indefinite" restart="never" nodeType="tmRoot">
           <p:childTnLst>
             <p:seq>
-              <p:cTn id="38" nodeType="mainSeq"/>
+              <p:cTn id="22" nodeType="mainSeq"/>
               <p:prevCondLst>
                 <p:cond delay="0" evt="onPrev">
                   <p:tgtEl>
@@ -7226,14 +7293,147 @@
       </p:grpSpPr>
       <p:sp>
         <p:nvSpPr>
-          <p:cNvPr id="158" name="CustomShape 1"/>
+          <p:cNvPr id="161" name="Line 1"/>
           <p:cNvSpPr/>
           <p:nvPr/>
         </p:nvSpPr>
         <p:spPr>
           <a:xfrm>
-            <a:off x="3031560" y="2038320"/>
-            <a:ext cx="3321720" cy="607680"/>
+            <a:off x="342000" y="1018080"/>
+            <a:ext cx="8304120" cy="360"/>
+          </a:xfrm>
+          <a:prstGeom prst="line">
+            <a:avLst/>
+          </a:prstGeom>
+          <a:ln w="19080">
+            <a:solidFill>
+              <a:srgbClr val="5b9bd5"/>
+            </a:solidFill>
+            <a:miter/>
+          </a:ln>
+        </p:spPr>
+        <p:style>
+          <a:lnRef idx="0"/>
+          <a:fillRef idx="0"/>
+          <a:effectRef idx="0"/>
+          <a:fontRef idx="minor"/>
+        </p:style>
+      </p:sp>
+      <p:sp>
+        <p:nvSpPr>
+          <p:cNvPr id="162" name="Line 2"/>
+          <p:cNvSpPr/>
+          <p:nvPr/>
+        </p:nvSpPr>
+        <p:spPr>
+          <a:xfrm>
+            <a:off x="342000" y="1055520"/>
+            <a:ext cx="5249880" cy="360"/>
+          </a:xfrm>
+          <a:prstGeom prst="line">
+            <a:avLst/>
+          </a:prstGeom>
+          <a:ln w="76320">
+            <a:solidFill>
+              <a:srgbClr val="5b9bd5"/>
+            </a:solidFill>
+            <a:miter/>
+          </a:ln>
+        </p:spPr>
+        <p:style>
+          <a:lnRef idx="0"/>
+          <a:fillRef idx="0"/>
+          <a:effectRef idx="0"/>
+          <a:fontRef idx="minor"/>
+        </p:style>
+      </p:sp>
+      <p:sp>
+        <p:nvSpPr>
+          <p:cNvPr id="163" name="CustomShape 3"/>
+          <p:cNvSpPr/>
+          <p:nvPr/>
+        </p:nvSpPr>
+        <p:spPr>
+          <a:xfrm>
+            <a:off x="342000" y="174240"/>
+            <a:ext cx="8228520" cy="975600"/>
+          </a:xfrm>
+          <a:prstGeom prst="rect">
+            <a:avLst/>
+          </a:prstGeom>
+          <a:noFill/>
+          <a:ln>
+            <a:noFill/>
+          </a:ln>
+        </p:spPr>
+        <p:style>
+          <a:lnRef idx="0"/>
+          <a:fillRef idx="0"/>
+          <a:effectRef idx="0"/>
+          <a:fontRef idx="minor"/>
+        </p:style>
+        <p:txBody>
+          <a:bodyPr lIns="90000" rIns="90000" tIns="45000" bIns="45000" anchor="ctr"/>
+          <a:p>
+            <a:pPr>
+              <a:lnSpc>
+                <a:spcPct val="125000"/>
+              </a:lnSpc>
+            </a:pPr>
+            <a:r>
+              <a:rPr b="0" lang="en-US" sz="2800" spc="-1" strike="noStrike">
+                <a:solidFill>
+                  <a:srgbClr val="000000"/>
+                </a:solidFill>
+                <a:uFill>
+                  <a:solidFill>
+                    <a:srgbClr val="ffffff"/>
+                  </a:solidFill>
+                </a:uFill>
+                <a:latin typeface="Arial"/>
+                <a:ea typeface="DejaVu Sans"/>
+              </a:rPr>
+              <a:t>CMake</a:t>
+            </a:r>
+            <a:r>
+              <a:rPr b="0" lang="en-US" sz="2800" spc="-1" strike="noStrike">
+                <a:solidFill>
+                  <a:srgbClr val="000000"/>
+                </a:solidFill>
+                <a:uFill>
+                  <a:solidFill>
+                    <a:srgbClr val="ffffff"/>
+                  </a:solidFill>
+                </a:uFill>
+                <a:latin typeface="Arial"/>
+                <a:ea typeface="DejaVu Sans"/>
+              </a:rPr>
+              <a:t>的常用指令</a:t>
+            </a:r>
+            <a:endParaRPr b="0" lang="en-US" sz="1800" spc="-1" strike="noStrike">
+              <a:solidFill>
+                <a:srgbClr val="000000"/>
+              </a:solidFill>
+              <a:uFill>
+                <a:solidFill>
+                  <a:srgbClr val="ffffff"/>
+                </a:solidFill>
+              </a:uFill>
+              <a:latin typeface="Arial"/>
+            </a:endParaRPr>
+          </a:p>
+        </p:txBody>
+      </p:sp>
+      <p:sp>
+        <p:nvSpPr>
+          <p:cNvPr id="164" name="CustomShape 4"/>
+          <p:cNvSpPr/>
+          <p:nvPr/>
+        </p:nvSpPr>
+        <p:spPr>
+          <a:xfrm>
+            <a:off x="202320" y="1357560"/>
+            <a:ext cx="8228520" cy="3784680"/>
           </a:xfrm>
           <a:prstGeom prst="rect">
             <a:avLst/>
@@ -7252,25 +7452,239 @@
         <p:txBody>
           <a:bodyPr lIns="90000" rIns="90000" tIns="45000" bIns="45000"/>
           <a:p>
+            <a:pPr marL="514440" indent="-513360">
+              <a:lnSpc>
+                <a:spcPct val="125000"/>
+              </a:lnSpc>
+              <a:buClr>
+                <a:srgbClr val="6f1b1b"/>
+              </a:buClr>
+              <a:buFont typeface="Arial"/>
+              <a:buChar char="•"/>
+            </a:pPr>
+            <a:r>
+              <a:rPr b="0" lang="en-US" sz="2000" spc="-1" strike="noStrike">
+                <a:solidFill>
+                  <a:srgbClr val="000000"/>
+                </a:solidFill>
+                <a:uFill>
+                  <a:solidFill>
+                    <a:srgbClr val="ffffff"/>
+                  </a:solidFill>
+                </a:uFill>
+                <a:latin typeface="Arial"/>
+                <a:ea typeface="DejaVu Sans"/>
+              </a:rPr>
+              <a:t>计算机视觉</a:t>
+            </a:r>
+            <a:endParaRPr b="0" lang="en-US" sz="1800" spc="-1" strike="noStrike">
+              <a:solidFill>
+                <a:srgbClr val="000000"/>
+              </a:solidFill>
+              <a:uFill>
+                <a:solidFill>
+                  <a:srgbClr val="ffffff"/>
+                </a:solidFill>
+              </a:uFill>
+              <a:latin typeface="Arial"/>
+            </a:endParaRPr>
+          </a:p>
+        </p:txBody>
+      </p:sp>
+      <p:pic>
+        <p:nvPicPr>
+          <p:cNvPr id="165" name="图片 149" descr=""/>
+          <p:cNvPicPr/>
+          <p:nvPr/>
+        </p:nvPicPr>
+        <p:blipFill>
+          <a:blip r:embed="rId1"/>
+          <a:stretch/>
+        </p:blipFill>
+        <p:spPr>
+          <a:xfrm>
+            <a:off x="7132680" y="174240"/>
+            <a:ext cx="1855080" cy="730800"/>
+          </a:xfrm>
+          <a:prstGeom prst="rect">
+            <a:avLst/>
+          </a:prstGeom>
+          <a:ln>
+            <a:noFill/>
+          </a:ln>
+        </p:spPr>
+      </p:pic>
+    </p:spTree>
+  </p:cSld>
+  <p:timing>
+    <p:tnLst>
+      <p:par>
+        <p:cTn id="23" dur="indefinite" restart="never" nodeType="tmRoot">
+          <p:childTnLst>
+            <p:seq>
+              <p:cTn id="24" nodeType="mainSeq"/>
+              <p:prevCondLst>
+                <p:cond delay="0" evt="onPrev">
+                  <p:tgtEl>
+                    <p:sldTgt/>
+                  </p:tgtEl>
+                </p:cond>
+              </p:prevCondLst>
+              <p:nextCondLst>
+                <p:cond delay="0" evt="onNext">
+                  <p:tgtEl>
+                    <p:sldTgt/>
+                  </p:tgtEl>
+                </p:cond>
+              </p:nextCondLst>
+            </p:seq>
+          </p:childTnLst>
+        </p:cTn>
+      </p:par>
+    </p:tnLst>
+  </p:timing>
+</p:sld>
+</file>
+
+<file path=ppt/slides/slide13.xml><?xml version="1.0" encoding="utf-8"?>
+<p:sld xmlns:a="http://schemas.openxmlformats.org/drawingml/2006/main" xmlns:p="http://schemas.openxmlformats.org/presentationml/2006/main" xmlns:r="http://schemas.openxmlformats.org/officeDocument/2006/relationships" xmlns:p14="http://schemas.microsoft.com/office/powerpoint/2010/main" xmlns:p15="http://schemas.microsoft.com/office/powerpoint/2012/main" xmlns:mc="http://schemas.openxmlformats.org/markup-compatibility/2006">
+  <p:cSld>
+    <p:spTree>
+      <p:nvGrpSpPr>
+        <p:cNvPr id="1" name=""/>
+        <p:cNvGrpSpPr/>
+        <p:nvPr/>
+      </p:nvGrpSpPr>
+      <p:grpSpPr>
+        <a:xfrm>
+          <a:off x="0" y="0"/>
+          <a:ext cx="0" cy="0"/>
+          <a:chOff x="0" y="0"/>
+          <a:chExt cx="0" cy="0"/>
+        </a:xfrm>
+      </p:grpSpPr>
+      <p:sp>
+        <p:nvSpPr>
+          <p:cNvPr id="166" name="CustomShape 1"/>
+          <p:cNvSpPr/>
+          <p:nvPr/>
+        </p:nvSpPr>
+        <p:spPr>
+          <a:xfrm>
+            <a:off x="623880" y="637920"/>
+            <a:ext cx="7885800" cy="2138760"/>
+          </a:xfrm>
+          <a:prstGeom prst="rect">
+            <a:avLst/>
+          </a:prstGeom>
+          <a:noFill/>
+          <a:ln>
+            <a:noFill/>
+          </a:ln>
+        </p:spPr>
+        <p:style>
+          <a:lnRef idx="0"/>
+          <a:fillRef idx="0"/>
+          <a:effectRef idx="0"/>
+          <a:fontRef idx="minor"/>
+        </p:style>
+        <p:txBody>
+          <a:bodyPr lIns="90000" rIns="90000" tIns="45000" bIns="45000" anchor="b"/>
+          <a:p>
             <a:pPr>
               <a:lnSpc>
                 <a:spcPct val="100000"/>
               </a:lnSpc>
             </a:pPr>
             <a:r>
-              <a:rPr b="1" lang="en-US" sz="3400" spc="-1" strike="noStrike">
-                <a:solidFill>
-                  <a:srgbClr val="464646"/>
-                </a:solidFill>
-                <a:uFill>
-                  <a:solidFill>
-                    <a:srgbClr val="ffffff"/>
-                  </a:solidFill>
-                </a:uFill>
-                <a:latin typeface="微软雅黑"/>
-                <a:ea typeface="微软雅黑"/>
-              </a:rPr>
-              <a:t>感谢各位聆听</a:t>
+              <a:rPr b="0" lang="en-US" sz="4500" spc="-1" strike="noStrike">
+                <a:solidFill>
+                  <a:srgbClr val="5b9bd5"/>
+                </a:solidFill>
+                <a:uFill>
+                  <a:solidFill>
+                    <a:srgbClr val="ffffff"/>
+                  </a:solidFill>
+                </a:uFill>
+                <a:latin typeface="Arial"/>
+                <a:ea typeface="DejaVu Sans"/>
+              </a:rPr>
+              <a:t>4.</a:t>
+            </a:r>
+            <a:r>
+              <a:rPr b="0" lang="en-US" sz="4500" spc="-1" strike="noStrike">
+                <a:solidFill>
+                  <a:srgbClr val="000000"/>
+                </a:solidFill>
+                <a:uFill>
+                  <a:solidFill>
+                    <a:srgbClr val="ffffff"/>
+                  </a:solidFill>
+                </a:uFill>
+                <a:latin typeface="Arial"/>
+                <a:ea typeface="DejaVu Sans"/>
+              </a:rPr>
+              <a:t>实践</a:t>
+            </a:r>
+            <a:r>
+              <a:rPr b="0" lang="en-US" sz="4500" spc="-1" strike="noStrike">
+                <a:solidFill>
+                  <a:srgbClr val="000000"/>
+                </a:solidFill>
+                <a:uFill>
+                  <a:solidFill>
+                    <a:srgbClr val="ffffff"/>
+                  </a:solidFill>
+                </a:uFill>
+                <a:latin typeface="Arial"/>
+                <a:ea typeface="DejaVu Sans"/>
+              </a:rPr>
+              <a:t>:</a:t>
+            </a:r>
+            <a:r>
+              <a:rPr b="0" lang="en-US" sz="4500" spc="-1" strike="noStrike">
+                <a:solidFill>
+                  <a:srgbClr val="000000"/>
+                </a:solidFill>
+                <a:uFill>
+                  <a:solidFill>
+                    <a:srgbClr val="ffffff"/>
+                  </a:solidFill>
+                </a:uFill>
+                <a:latin typeface="Arial"/>
+                <a:ea typeface="DejaVu Sans"/>
+              </a:rPr>
+              <a:t>从简单</a:t>
+            </a:r>
+            <a:r>
+              <a:rPr b="0" lang="en-US" sz="4500" spc="-1" strike="noStrike">
+                <a:solidFill>
+                  <a:srgbClr val="000000"/>
+                </a:solidFill>
+                <a:uFill>
+                  <a:solidFill>
+                    <a:srgbClr val="ffffff"/>
+                  </a:solidFill>
+                </a:uFill>
+                <a:latin typeface="Arial"/>
+                <a:ea typeface="DejaVu Sans"/>
+              </a:rPr>
+              <a:t>CMake</a:t>
+            </a:r>
+            <a:r>
+              <a:rPr b="0" lang="en-US" sz="4500" spc="-1" strike="noStrike">
+                <a:solidFill>
+                  <a:srgbClr val="000000"/>
+                </a:solidFill>
+                <a:uFill>
+                  <a:solidFill>
+                    <a:srgbClr val="ffffff"/>
+                  </a:solidFill>
+                </a:uFill>
+                <a:latin typeface="Arial"/>
+                <a:ea typeface="DejaVu Sans"/>
+              </a:rPr>
+              <a:t>说起</a:t>
             </a:r>
             <a:endParaRPr b="0" lang="en-US" sz="1800" spc="-1" strike="noStrike">
               <a:solidFill>
@@ -7288,14 +7702,91 @@
       </p:sp>
       <p:sp>
         <p:nvSpPr>
-          <p:cNvPr id="159" name="CustomShape 2"/>
+          <p:cNvPr id="167" name="CustomShape 2"/>
           <p:cNvSpPr/>
           <p:nvPr/>
         </p:nvSpPr>
         <p:spPr>
           <a:xfrm>
-            <a:off x="3108240" y="2615400"/>
-            <a:ext cx="3451320" cy="394920"/>
+            <a:off x="623880" y="2772360"/>
+            <a:ext cx="7885800" cy="56880"/>
+          </a:xfrm>
+          <a:prstGeom prst="rect">
+            <a:avLst/>
+          </a:prstGeom>
+          <a:solidFill>
+            <a:srgbClr val="5b9bd5"/>
+          </a:solidFill>
+          <a:ln w="12600">
+            <a:noFill/>
+          </a:ln>
+        </p:spPr>
+        <p:style>
+          <a:lnRef idx="0"/>
+          <a:fillRef idx="0"/>
+          <a:effectRef idx="0"/>
+          <a:fontRef idx="minor"/>
+        </p:style>
+      </p:sp>
+    </p:spTree>
+  </p:cSld>
+  <p:timing>
+    <p:tnLst>
+      <p:par>
+        <p:cTn id="25" dur="indefinite" restart="never" nodeType="tmRoot">
+          <p:childTnLst>
+            <p:seq>
+              <p:cTn id="26" nodeType="mainSeq"/>
+              <p:prevCondLst>
+                <p:cond delay="0" evt="onPrev">
+                  <p:tgtEl>
+                    <p:sldTgt/>
+                  </p:tgtEl>
+                </p:cond>
+              </p:prevCondLst>
+              <p:nextCondLst>
+                <p:cond delay="0" evt="onNext">
+                  <p:tgtEl>
+                    <p:sldTgt/>
+                  </p:tgtEl>
+                </p:cond>
+              </p:nextCondLst>
+            </p:seq>
+          </p:childTnLst>
+        </p:cTn>
+      </p:par>
+    </p:tnLst>
+  </p:timing>
+</p:sld>
+</file>
+
+<file path=ppt/slides/slide14.xml><?xml version="1.0" encoding="utf-8"?>
+<p:sld xmlns:a="http://schemas.openxmlformats.org/drawingml/2006/main" xmlns:p="http://schemas.openxmlformats.org/presentationml/2006/main" xmlns:r="http://schemas.openxmlformats.org/officeDocument/2006/relationships" xmlns:p14="http://schemas.microsoft.com/office/powerpoint/2010/main" xmlns:p15="http://schemas.microsoft.com/office/powerpoint/2012/main" xmlns:mc="http://schemas.openxmlformats.org/markup-compatibility/2006">
+  <p:cSld>
+    <p:spTree>
+      <p:nvGrpSpPr>
+        <p:cNvPr id="1" name=""/>
+        <p:cNvGrpSpPr/>
+        <p:nvPr/>
+      </p:nvGrpSpPr>
+      <p:grpSpPr>
+        <a:xfrm>
+          <a:off x="0" y="0"/>
+          <a:ext cx="0" cy="0"/>
+          <a:chOff x="0" y="0"/>
+          <a:chExt cx="0" cy="0"/>
+        </a:xfrm>
+      </p:grpSpPr>
+      <p:sp>
+        <p:nvSpPr>
+          <p:cNvPr id="168" name="CustomShape 1"/>
+          <p:cNvSpPr/>
+          <p:nvPr/>
+        </p:nvSpPr>
+        <p:spPr>
+          <a:xfrm>
+            <a:off x="2433240" y="731520"/>
+            <a:ext cx="4275720" cy="3442320"/>
           </a:xfrm>
           <a:prstGeom prst="rect">
             <a:avLst/>
@@ -7314,25 +7805,25 @@
         <p:txBody>
           <a:bodyPr lIns="90000" rIns="90000" tIns="45000" bIns="45000"/>
           <a:p>
-            <a:pPr>
+            <a:pPr algn="ctr">
               <a:lnSpc>
                 <a:spcPct val="100000"/>
               </a:lnSpc>
             </a:pPr>
             <a:r>
-              <a:rPr b="1" lang="en-US" sz="2000" spc="-1" strike="noStrike">
-                <a:solidFill>
-                  <a:srgbClr val="464646"/>
-                </a:solidFill>
-                <a:uFill>
-                  <a:solidFill>
-                    <a:srgbClr val="ffffff"/>
-                  </a:solidFill>
-                </a:uFill>
-                <a:latin typeface="Arial"/>
-                <a:ea typeface="DejaVu Sans"/>
-              </a:rPr>
-              <a:t>Thanks for Listening</a:t>
+              <a:rPr b="1" lang="en-US" sz="22000" spc="-1" strike="noStrike">
+                <a:solidFill>
+                  <a:srgbClr val="f2f2f2"/>
+                </a:solidFill>
+                <a:uFill>
+                  <a:solidFill>
+                    <a:srgbClr val="ffffff"/>
+                  </a:solidFill>
+                </a:uFill>
+                <a:latin typeface="微软雅黑"/>
+                <a:ea typeface="微软雅黑"/>
+              </a:rPr>
+              <a:t>？</a:t>
             </a:r>
             <a:endParaRPr b="0" lang="en-US" sz="1800" spc="-1" strike="noStrike">
               <a:solidFill>
@@ -7350,14 +7841,14 @@
       </p:sp>
       <p:sp>
         <p:nvSpPr>
-          <p:cNvPr id="160" name="CustomShape 3"/>
+          <p:cNvPr id="169" name="CustomShape 2"/>
           <p:cNvSpPr/>
           <p:nvPr/>
         </p:nvSpPr>
         <p:spPr>
-          <a:xfrm rot="840000">
-            <a:off x="5421600" y="1953360"/>
-            <a:ext cx="1894680" cy="1308960"/>
+          <a:xfrm>
+            <a:off x="2433240" y="1873080"/>
+            <a:ext cx="4275720" cy="1308600"/>
           </a:xfrm>
           <a:prstGeom prst="rect">
             <a:avLst/>
@@ -7376,25 +7867,173 @@
         <p:txBody>
           <a:bodyPr lIns="90000" rIns="90000" tIns="45000" bIns="45000"/>
           <a:p>
+            <a:pPr algn="ctr">
+              <a:lnSpc>
+                <a:spcPct val="100000"/>
+              </a:lnSpc>
+            </a:pPr>
+            <a:r>
+              <a:rPr b="1" lang="en-US" sz="8000" spc="-1" strike="noStrike">
+                <a:solidFill>
+                  <a:srgbClr val="666666"/>
+                </a:solidFill>
+                <a:uFill>
+                  <a:solidFill>
+                    <a:srgbClr val="ffffff"/>
+                  </a:solidFill>
+                </a:uFill>
+                <a:latin typeface="微软雅黑"/>
+                <a:ea typeface="微软雅黑"/>
+              </a:rPr>
+              <a:t>Q</a:t>
+            </a:r>
+            <a:r>
+              <a:rPr b="1" lang="en-US" sz="7200" spc="-1" strike="noStrike">
+                <a:solidFill>
+                  <a:srgbClr val="666666"/>
+                </a:solidFill>
+                <a:uFill>
+                  <a:solidFill>
+                    <a:srgbClr val="ffffff"/>
+                  </a:solidFill>
+                </a:uFill>
+                <a:latin typeface="微软雅黑"/>
+                <a:ea typeface="微软雅黑"/>
+              </a:rPr>
+              <a:t>&amp;</a:t>
+            </a:r>
+            <a:r>
+              <a:rPr b="1" lang="en-US" sz="8000" spc="-1" strike="noStrike">
+                <a:solidFill>
+                  <a:srgbClr val="666666"/>
+                </a:solidFill>
+                <a:uFill>
+                  <a:solidFill>
+                    <a:srgbClr val="ffffff"/>
+                  </a:solidFill>
+                </a:uFill>
+                <a:latin typeface="微软雅黑"/>
+                <a:ea typeface="微软雅黑"/>
+              </a:rPr>
+              <a:t>A</a:t>
+            </a:r>
+            <a:endParaRPr b="0" lang="en-US" sz="1800" spc="-1" strike="noStrike">
+              <a:solidFill>
+                <a:srgbClr val="000000"/>
+              </a:solidFill>
+              <a:uFill>
+                <a:solidFill>
+                  <a:srgbClr val="ffffff"/>
+                </a:solidFill>
+              </a:uFill>
+              <a:latin typeface="Arial"/>
+            </a:endParaRPr>
+          </a:p>
+        </p:txBody>
+      </p:sp>
+      <p:sp>
+        <p:nvSpPr>
+          <p:cNvPr id="170" name="Line 3"/>
+          <p:cNvSpPr/>
+          <p:nvPr/>
+        </p:nvSpPr>
+        <p:spPr>
+          <a:xfrm>
+            <a:off x="342000" y="1018080"/>
+            <a:ext cx="8304120" cy="360"/>
+          </a:xfrm>
+          <a:prstGeom prst="line">
+            <a:avLst/>
+          </a:prstGeom>
+          <a:ln w="19080">
+            <a:solidFill>
+              <a:srgbClr val="843c0b"/>
+            </a:solidFill>
+            <a:miter/>
+          </a:ln>
+        </p:spPr>
+        <p:style>
+          <a:lnRef idx="0"/>
+          <a:fillRef idx="0"/>
+          <a:effectRef idx="0"/>
+          <a:fontRef idx="minor"/>
+        </p:style>
+      </p:sp>
+      <p:sp>
+        <p:nvSpPr>
+          <p:cNvPr id="171" name="Line 4"/>
+          <p:cNvSpPr/>
+          <p:nvPr/>
+        </p:nvSpPr>
+        <p:spPr>
+          <a:xfrm>
+            <a:off x="342000" y="1055520"/>
+            <a:ext cx="5249880" cy="360"/>
+          </a:xfrm>
+          <a:prstGeom prst="line">
+            <a:avLst/>
+          </a:prstGeom>
+          <a:ln w="76320">
+            <a:solidFill>
+              <a:srgbClr val="6f1b1b"/>
+            </a:solidFill>
+            <a:miter/>
+          </a:ln>
+        </p:spPr>
+        <p:style>
+          <a:lnRef idx="0"/>
+          <a:fillRef idx="0"/>
+          <a:effectRef idx="0"/>
+          <a:fontRef idx="minor"/>
+        </p:style>
+      </p:sp>
+      <p:sp>
+        <p:nvSpPr>
+          <p:cNvPr id="172" name="CustomShape 5"/>
+          <p:cNvSpPr/>
+          <p:nvPr/>
+        </p:nvSpPr>
+        <p:spPr>
+          <a:xfrm>
+            <a:off x="342000" y="174240"/>
+            <a:ext cx="8228520" cy="975600"/>
+          </a:xfrm>
+          <a:prstGeom prst="rect">
+            <a:avLst/>
+          </a:prstGeom>
+          <a:noFill/>
+          <a:ln>
+            <a:noFill/>
+          </a:ln>
+        </p:spPr>
+        <p:style>
+          <a:lnRef idx="0"/>
+          <a:fillRef idx="0"/>
+          <a:effectRef idx="0"/>
+          <a:fontRef idx="minor"/>
+        </p:style>
+        <p:txBody>
+          <a:bodyPr lIns="90000" rIns="90000" tIns="45000" bIns="45000" anchor="ctr"/>
+          <a:p>
             <a:pPr>
               <a:lnSpc>
                 <a:spcPct val="100000"/>
               </a:lnSpc>
             </a:pPr>
             <a:r>
-              <a:rPr b="1" lang="en-US" sz="8000" spc="-1" strike="noStrike">
-                <a:solidFill>
-                  <a:srgbClr val="005bac"/>
-                </a:solidFill>
-                <a:uFill>
-                  <a:solidFill>
-                    <a:srgbClr val="ffffff"/>
-                  </a:solidFill>
-                </a:uFill>
-                <a:latin typeface="微软雅黑"/>
-                <a:ea typeface="微软雅黑"/>
-              </a:rPr>
-              <a:t>！</a:t>
+              <a:rPr b="1" lang="en-US" sz="3600" spc="-1" strike="noStrike">
+                <a:solidFill>
+                  <a:srgbClr val="000000"/>
+                </a:solidFill>
+                <a:uFill>
+                  <a:solidFill>
+                    <a:srgbClr val="ffffff"/>
+                  </a:solidFill>
+                </a:uFill>
+                <a:latin typeface="Arial"/>
+                <a:ea typeface="DejaVu Sans"/>
+              </a:rPr>
+              <a:t>在线问答</a:t>
             </a:r>
             <a:endParaRPr b="0" lang="en-US" sz="1800" spc="-1" strike="noStrike">
               <a:solidFill>
@@ -7415,10 +8054,245 @@
   <p:timing>
     <p:tnLst>
       <p:par>
-        <p:cTn id="39" dur="indefinite" restart="never" nodeType="tmRoot">
+        <p:cTn id="27" dur="indefinite" restart="never" nodeType="tmRoot">
           <p:childTnLst>
             <p:seq>
-              <p:cTn id="40" nodeType="mainSeq"/>
+              <p:cTn id="28" nodeType="mainSeq"/>
+              <p:prevCondLst>
+                <p:cond delay="0" evt="onPrev">
+                  <p:tgtEl>
+                    <p:sldTgt/>
+                  </p:tgtEl>
+                </p:cond>
+              </p:prevCondLst>
+              <p:nextCondLst>
+                <p:cond delay="0" evt="onNext">
+                  <p:tgtEl>
+                    <p:sldTgt/>
+                  </p:tgtEl>
+                </p:cond>
+              </p:nextCondLst>
+            </p:seq>
+          </p:childTnLst>
+        </p:cTn>
+      </p:par>
+    </p:tnLst>
+  </p:timing>
+</p:sld>
+</file>
+
+<file path=ppt/slides/slide15.xml><?xml version="1.0" encoding="utf-8"?>
+<p:sld xmlns:a="http://schemas.openxmlformats.org/drawingml/2006/main" xmlns:p="http://schemas.openxmlformats.org/presentationml/2006/main" xmlns:r="http://schemas.openxmlformats.org/officeDocument/2006/relationships" xmlns:p14="http://schemas.microsoft.com/office/powerpoint/2010/main" xmlns:p15="http://schemas.microsoft.com/office/powerpoint/2012/main" xmlns:mc="http://schemas.openxmlformats.org/markup-compatibility/2006">
+  <p:cSld>
+    <p:spTree>
+      <p:nvGrpSpPr>
+        <p:cNvPr id="1" name=""/>
+        <p:cNvGrpSpPr/>
+        <p:nvPr/>
+      </p:nvGrpSpPr>
+      <p:grpSpPr>
+        <a:xfrm>
+          <a:off x="0" y="0"/>
+          <a:ext cx="0" cy="0"/>
+          <a:chOff x="0" y="0"/>
+          <a:chExt cx="0" cy="0"/>
+        </a:xfrm>
+      </p:grpSpPr>
+      <p:sp>
+        <p:nvSpPr>
+          <p:cNvPr id="173" name="CustomShape 1"/>
+          <p:cNvSpPr/>
+          <p:nvPr/>
+        </p:nvSpPr>
+        <p:spPr>
+          <a:xfrm>
+            <a:off x="3031560" y="2038320"/>
+            <a:ext cx="3321360" cy="607320"/>
+          </a:xfrm>
+          <a:prstGeom prst="rect">
+            <a:avLst/>
+          </a:prstGeom>
+          <a:noFill/>
+          <a:ln>
+            <a:noFill/>
+          </a:ln>
+        </p:spPr>
+        <p:style>
+          <a:lnRef idx="0"/>
+          <a:fillRef idx="0"/>
+          <a:effectRef idx="0"/>
+          <a:fontRef idx="minor"/>
+        </p:style>
+        <p:txBody>
+          <a:bodyPr lIns="90000" rIns="90000" tIns="45000" bIns="45000"/>
+          <a:p>
+            <a:pPr>
+              <a:lnSpc>
+                <a:spcPct val="100000"/>
+              </a:lnSpc>
+            </a:pPr>
+            <a:r>
+              <a:rPr b="1" lang="en-US" sz="3400" spc="-1" strike="noStrike">
+                <a:solidFill>
+                  <a:srgbClr val="464646"/>
+                </a:solidFill>
+                <a:uFill>
+                  <a:solidFill>
+                    <a:srgbClr val="ffffff"/>
+                  </a:solidFill>
+                </a:uFill>
+                <a:latin typeface="微软雅黑"/>
+                <a:ea typeface="微软雅黑"/>
+              </a:rPr>
+              <a:t>感谢各位聆听</a:t>
+            </a:r>
+            <a:endParaRPr b="0" lang="en-US" sz="1800" spc="-1" strike="noStrike">
+              <a:solidFill>
+                <a:srgbClr val="000000"/>
+              </a:solidFill>
+              <a:uFill>
+                <a:solidFill>
+                  <a:srgbClr val="ffffff"/>
+                </a:solidFill>
+              </a:uFill>
+              <a:latin typeface="Arial"/>
+            </a:endParaRPr>
+          </a:p>
+        </p:txBody>
+      </p:sp>
+      <p:sp>
+        <p:nvSpPr>
+          <p:cNvPr id="174" name="CustomShape 2"/>
+          <p:cNvSpPr/>
+          <p:nvPr/>
+        </p:nvSpPr>
+        <p:spPr>
+          <a:xfrm>
+            <a:off x="3108240" y="2615400"/>
+            <a:ext cx="3450960" cy="394560"/>
+          </a:xfrm>
+          <a:prstGeom prst="rect">
+            <a:avLst/>
+          </a:prstGeom>
+          <a:noFill/>
+          <a:ln>
+            <a:noFill/>
+          </a:ln>
+        </p:spPr>
+        <p:style>
+          <a:lnRef idx="0"/>
+          <a:fillRef idx="0"/>
+          <a:effectRef idx="0"/>
+          <a:fontRef idx="minor"/>
+        </p:style>
+        <p:txBody>
+          <a:bodyPr lIns="90000" rIns="90000" tIns="45000" bIns="45000"/>
+          <a:p>
+            <a:pPr>
+              <a:lnSpc>
+                <a:spcPct val="100000"/>
+              </a:lnSpc>
+            </a:pPr>
+            <a:r>
+              <a:rPr b="1" lang="en-US" sz="2000" spc="-1" strike="noStrike">
+                <a:solidFill>
+                  <a:srgbClr val="464646"/>
+                </a:solidFill>
+                <a:uFill>
+                  <a:solidFill>
+                    <a:srgbClr val="ffffff"/>
+                  </a:solidFill>
+                </a:uFill>
+                <a:latin typeface="Arial"/>
+                <a:ea typeface="DejaVu Sans"/>
+              </a:rPr>
+              <a:t>Thanks for Listening</a:t>
+            </a:r>
+            <a:endParaRPr b="0" lang="en-US" sz="1800" spc="-1" strike="noStrike">
+              <a:solidFill>
+                <a:srgbClr val="000000"/>
+              </a:solidFill>
+              <a:uFill>
+                <a:solidFill>
+                  <a:srgbClr val="ffffff"/>
+                </a:solidFill>
+              </a:uFill>
+              <a:latin typeface="Arial"/>
+            </a:endParaRPr>
+          </a:p>
+        </p:txBody>
+      </p:sp>
+      <p:sp>
+        <p:nvSpPr>
+          <p:cNvPr id="175" name="CustomShape 3"/>
+          <p:cNvSpPr/>
+          <p:nvPr/>
+        </p:nvSpPr>
+        <p:spPr>
+          <a:xfrm rot="840000">
+            <a:off x="5421600" y="1953000"/>
+            <a:ext cx="1894320" cy="1308600"/>
+          </a:xfrm>
+          <a:prstGeom prst="rect">
+            <a:avLst/>
+          </a:prstGeom>
+          <a:noFill/>
+          <a:ln>
+            <a:noFill/>
+          </a:ln>
+        </p:spPr>
+        <p:style>
+          <a:lnRef idx="0"/>
+          <a:fillRef idx="0"/>
+          <a:effectRef idx="0"/>
+          <a:fontRef idx="minor"/>
+        </p:style>
+        <p:txBody>
+          <a:bodyPr lIns="90000" rIns="90000" tIns="45000" bIns="45000"/>
+          <a:p>
+            <a:pPr>
+              <a:lnSpc>
+                <a:spcPct val="100000"/>
+              </a:lnSpc>
+            </a:pPr>
+            <a:r>
+              <a:rPr b="1" lang="en-US" sz="8000" spc="-1" strike="noStrike">
+                <a:solidFill>
+                  <a:srgbClr val="005bac"/>
+                </a:solidFill>
+                <a:uFill>
+                  <a:solidFill>
+                    <a:srgbClr val="ffffff"/>
+                  </a:solidFill>
+                </a:uFill>
+                <a:latin typeface="微软雅黑"/>
+                <a:ea typeface="微软雅黑"/>
+              </a:rPr>
+              <a:t>！</a:t>
+            </a:r>
+            <a:endParaRPr b="0" lang="en-US" sz="1800" spc="-1" strike="noStrike">
+              <a:solidFill>
+                <a:srgbClr val="000000"/>
+              </a:solidFill>
+              <a:uFill>
+                <a:solidFill>
+                  <a:srgbClr val="ffffff"/>
+                </a:solidFill>
+              </a:uFill>
+              <a:latin typeface="Arial"/>
+            </a:endParaRPr>
+          </a:p>
+        </p:txBody>
+      </p:sp>
+    </p:spTree>
+  </p:cSld>
+  <p:timing>
+    <p:tnLst>
+      <p:par>
+        <p:cTn id="29" dur="indefinite" restart="never" nodeType="tmRoot">
+          <p:childTnLst>
+            <p:seq>
+              <p:cTn id="30" nodeType="mainSeq"/>
               <p:prevCondLst>
                 <p:cond delay="0" evt="onPrev">
                   <p:tgtEl>
@@ -7524,7 +8398,7 @@
         <p:spPr>
           <a:xfrm>
             <a:off x="342000" y="174240"/>
-            <a:ext cx="8228880" cy="975960"/>
+            <a:ext cx="8228520" cy="975600"/>
           </a:xfrm>
           <a:prstGeom prst="rect">
             <a:avLst/>
@@ -7559,6 +8433,7 @@
                   </a:solidFill>
                 </a:uFill>
                 <a:latin typeface="Arial"/>
+                <a:ea typeface="DejaVu Sans"/>
               </a:rPr>
               <a:t>内容概要</a:t>
             </a:r>
@@ -7584,15 +8459,17 @@
         </p:nvSpPr>
         <p:spPr>
           <a:xfrm>
-            <a:off x="202320" y="1357560"/>
-            <a:ext cx="8228880" cy="3785040"/>
+            <a:off x="342000" y="1228680"/>
+            <a:ext cx="8228520" cy="3784680"/>
           </a:xfrm>
           <a:prstGeom prst="rect">
             <a:avLst/>
           </a:prstGeom>
           <a:noFill/>
           <a:ln>
-            <a:noFill/>
+            <a:solidFill>
+              <a:srgbClr val="6f1b1b"/>
+            </a:solidFill>
           </a:ln>
         </p:spPr>
         <p:style>
@@ -7604,9 +8481,9 @@
         <p:txBody>
           <a:bodyPr lIns="90000" rIns="90000" tIns="45000" bIns="45000"/>
           <a:p>
-            <a:pPr marL="514440" indent="-513720">
+            <a:pPr marL="514440" indent="-513360">
               <a:lnSpc>
-                <a:spcPct val="125000"/>
+                <a:spcPts val="1129"/>
               </a:lnSpc>
               <a:buClr>
                 <a:srgbClr val="6f1b1b"/>
@@ -7659,6 +8536,24 @@
               </a:rPr>
               <a:t>及应用</a:t>
             </a:r>
+            <a:endParaRPr b="0" lang="en-US" sz="1800" spc="-1" strike="noStrike">
+              <a:solidFill>
+                <a:srgbClr val="000000"/>
+              </a:solidFill>
+              <a:uFill>
+                <a:solidFill>
+                  <a:srgbClr val="ffffff"/>
+                </a:solidFill>
+              </a:uFill>
+              <a:latin typeface="Arial"/>
+            </a:endParaRPr>
+          </a:p>
+          <a:p>
+            <a:pPr>
+              <a:lnSpc>
+                <a:spcPts val="1129"/>
+              </a:lnSpc>
+            </a:pPr>
             <a:r>
               <a:rPr b="1" lang="en-US" sz="2000" spc="-1" strike="noStrike">
                 <a:solidFill>
@@ -7672,7 +8567,298 @@
                 <a:latin typeface="黑体"/>
                 <a:ea typeface="黑体"/>
               </a:rPr>
+              <a:t>    </a:t>
+            </a:r>
+            <a:r>
+              <a:rPr b="0" lang="en-US" sz="1800" spc="-1" strike="noStrike">
+                <a:solidFill>
+                  <a:srgbClr val="000000"/>
+                </a:solidFill>
+                <a:uFill>
+                  <a:solidFill>
+                    <a:srgbClr val="ffffff"/>
+                  </a:solidFill>
+                </a:uFill>
+                <a:latin typeface="Arial"/>
+                <a:ea typeface="黑体"/>
+              </a:rPr>
+              <a:t>优势</a:t>
+            </a:r>
+            <a:r>
+              <a:rPr b="0" lang="en-US" sz="1800" spc="-1" strike="noStrike">
+                <a:solidFill>
+                  <a:srgbClr val="000000"/>
+                </a:solidFill>
+                <a:uFill>
+                  <a:solidFill>
+                    <a:srgbClr val="ffffff"/>
+                  </a:solidFill>
+                </a:uFill>
+                <a:latin typeface="Arial"/>
+                <a:ea typeface="黑体"/>
+              </a:rPr>
+              <a:t>,</a:t>
+            </a:r>
+            <a:r>
+              <a:rPr b="0" lang="en-US" sz="1800" spc="-1" strike="noStrike">
+                <a:solidFill>
+                  <a:srgbClr val="000000"/>
+                </a:solidFill>
+                <a:uFill>
+                  <a:solidFill>
+                    <a:srgbClr val="ffffff"/>
+                  </a:solidFill>
+                </a:uFill>
+                <a:latin typeface="Arial"/>
+                <a:ea typeface="黑体"/>
+              </a:rPr>
+              <a:t>与</a:t>
+            </a:r>
+            <a:r>
+              <a:rPr b="0" lang="en-US" sz="1800" spc="-1" strike="noStrike">
+                <a:solidFill>
+                  <a:srgbClr val="000000"/>
+                </a:solidFill>
+                <a:uFill>
+                  <a:solidFill>
+                    <a:srgbClr val="ffffff"/>
+                  </a:solidFill>
+                </a:uFill>
+                <a:latin typeface="Arial"/>
+                <a:ea typeface="黑体"/>
+              </a:rPr>
+              <a:t>Gcc, Makefile, Autotools</a:t>
+            </a:r>
+            <a:r>
+              <a:rPr b="0" lang="en-US" sz="1800" spc="-1" strike="noStrike">
+                <a:solidFill>
+                  <a:srgbClr val="000000"/>
+                </a:solidFill>
+                <a:uFill>
+                  <a:solidFill>
+                    <a:srgbClr val="ffffff"/>
+                  </a:solidFill>
+                </a:uFill>
+                <a:latin typeface="Arial"/>
+                <a:ea typeface="黑体"/>
+              </a:rPr>
+              <a:t>比较的优势</a:t>
+            </a:r>
+            <a:r>
+              <a:rPr b="0" lang="en-US" sz="1800" spc="-1" strike="noStrike">
+                <a:solidFill>
+                  <a:srgbClr val="000000"/>
+                </a:solidFill>
+                <a:uFill>
+                  <a:solidFill>
+                    <a:srgbClr val="ffffff"/>
+                  </a:solidFill>
+                </a:uFill>
+                <a:latin typeface="Arial"/>
+                <a:ea typeface="黑体"/>
+              </a:rPr>
               <a:t>?</a:t>
+            </a:r>
+            <a:endParaRPr b="0" lang="en-US" sz="1800" spc="-1" strike="noStrike">
+              <a:solidFill>
+                <a:srgbClr val="000000"/>
+              </a:solidFill>
+              <a:uFill>
+                <a:solidFill>
+                  <a:srgbClr val="ffffff"/>
+                </a:solidFill>
+              </a:uFill>
+              <a:latin typeface="Arial"/>
+            </a:endParaRPr>
+          </a:p>
+          <a:p>
+            <a:pPr marL="720">
+              <a:lnSpc>
+                <a:spcPts val="1129"/>
+              </a:lnSpc>
+            </a:pPr>
+            <a:r>
+              <a:rPr b="1" lang="en-US" sz="2000" spc="-1" strike="noStrike">
+                <a:solidFill>
+                  <a:srgbClr val="6f1b1b"/>
+                </a:solidFill>
+                <a:uFill>
+                  <a:solidFill>
+                    <a:srgbClr val="ffffff"/>
+                  </a:solidFill>
+                </a:uFill>
+                <a:latin typeface="黑体"/>
+                <a:ea typeface="黑体"/>
+              </a:rPr>
+              <a:t>2.  </a:t>
+            </a:r>
+            <a:r>
+              <a:rPr b="1" lang="en-US" sz="2000" spc="-1" strike="noStrike">
+                <a:solidFill>
+                  <a:srgbClr val="000000"/>
+                </a:solidFill>
+                <a:uFill>
+                  <a:solidFill>
+                    <a:srgbClr val="ffffff"/>
+                  </a:solidFill>
+                </a:uFill>
+                <a:latin typeface="黑体"/>
+                <a:ea typeface="黑体"/>
+              </a:rPr>
+              <a:t>CMake</a:t>
+            </a:r>
+            <a:r>
+              <a:rPr b="1" lang="en-US" sz="2000" spc="-1" strike="noStrike">
+                <a:solidFill>
+                  <a:srgbClr val="000000"/>
+                </a:solidFill>
+                <a:uFill>
+                  <a:solidFill>
+                    <a:srgbClr val="ffffff"/>
+                  </a:solidFill>
+                </a:uFill>
+                <a:latin typeface="黑体"/>
+                <a:ea typeface="黑体"/>
+              </a:rPr>
+              <a:t>语句的主体框架</a:t>
+            </a:r>
+            <a:endParaRPr b="0" lang="en-US" sz="1800" spc="-1" strike="noStrike">
+              <a:solidFill>
+                <a:srgbClr val="000000"/>
+              </a:solidFill>
+              <a:uFill>
+                <a:solidFill>
+                  <a:srgbClr val="ffffff"/>
+                </a:solidFill>
+              </a:uFill>
+              <a:latin typeface="Arial"/>
+            </a:endParaRPr>
+          </a:p>
+          <a:p>
+            <a:pPr marL="720">
+              <a:lnSpc>
+                <a:spcPts val="1129"/>
+              </a:lnSpc>
+            </a:pPr>
+            <a:r>
+              <a:rPr b="0" i="1" lang="en-US" sz="1800" spc="-1" strike="noStrike">
+                <a:solidFill>
+                  <a:srgbClr val="000000"/>
+                </a:solidFill>
+                <a:uFill>
+                  <a:solidFill>
+                    <a:srgbClr val="ffffff"/>
+                  </a:solidFill>
+                </a:uFill>
+                <a:latin typeface="黑体"/>
+                <a:ea typeface="黑体"/>
+              </a:rPr>
+              <a:t>     </a:t>
+            </a:r>
+            <a:r>
+              <a:rPr b="0" lang="en-US" sz="1800" spc="-1" strike="noStrike">
+                <a:solidFill>
+                  <a:srgbClr val="000000"/>
+                </a:solidFill>
+                <a:uFill>
+                  <a:solidFill>
+                    <a:srgbClr val="ffffff"/>
+                  </a:solidFill>
+                </a:uFill>
+                <a:latin typeface="Arial"/>
+                <a:ea typeface="黑体"/>
+              </a:rPr>
+              <a:t>结构</a:t>
+            </a:r>
+            <a:r>
+              <a:rPr b="0" lang="en-US" sz="1800" spc="-1" strike="noStrike">
+                <a:solidFill>
+                  <a:srgbClr val="000000"/>
+                </a:solidFill>
+                <a:uFill>
+                  <a:solidFill>
+                    <a:srgbClr val="ffffff"/>
+                  </a:solidFill>
+                </a:uFill>
+                <a:latin typeface="Arial"/>
+                <a:ea typeface="黑体"/>
+              </a:rPr>
+              <a:t>,</a:t>
+            </a:r>
+            <a:r>
+              <a:rPr b="0" lang="en-US" sz="1800" spc="-1" strike="noStrike">
+                <a:solidFill>
+                  <a:srgbClr val="000000"/>
+                </a:solidFill>
+                <a:uFill>
+                  <a:solidFill>
+                    <a:srgbClr val="ffffff"/>
+                  </a:solidFill>
+                </a:uFill>
+                <a:latin typeface="Arial"/>
+                <a:ea typeface="黑体"/>
+              </a:rPr>
+              <a:t>常用语法</a:t>
+            </a:r>
+            <a:r>
+              <a:rPr b="0" lang="en-US" sz="1800" spc="-1" strike="noStrike">
+                <a:solidFill>
+                  <a:srgbClr val="000000"/>
+                </a:solidFill>
+                <a:uFill>
+                  <a:solidFill>
+                    <a:srgbClr val="ffffff"/>
+                  </a:solidFill>
+                </a:uFill>
+                <a:latin typeface="Arial"/>
+                <a:ea typeface="黑体"/>
+              </a:rPr>
+              <a:t>,</a:t>
+            </a:r>
+            <a:r>
+              <a:rPr b="0" lang="en-US" sz="1800" spc="-1" strike="noStrike">
+                <a:solidFill>
+                  <a:srgbClr val="000000"/>
+                </a:solidFill>
+                <a:uFill>
+                  <a:solidFill>
+                    <a:srgbClr val="ffffff"/>
+                  </a:solidFill>
+                </a:uFill>
+                <a:latin typeface="Arial"/>
+                <a:ea typeface="黑体"/>
+              </a:rPr>
+              <a:t>相对路径的添加</a:t>
+            </a:r>
+            <a:r>
+              <a:rPr b="0" lang="en-US" sz="1800" spc="-1" strike="noStrike">
+                <a:solidFill>
+                  <a:srgbClr val="000000"/>
+                </a:solidFill>
+                <a:uFill>
+                  <a:solidFill>
+                    <a:srgbClr val="ffffff"/>
+                  </a:solidFill>
+                </a:uFill>
+                <a:latin typeface="Arial"/>
+                <a:ea typeface="黑体"/>
+              </a:rPr>
+              <a:t>,</a:t>
+            </a:r>
+            <a:r>
+              <a:rPr b="0" lang="en-US" sz="1800" spc="-1" strike="noStrike">
+                <a:solidFill>
+                  <a:srgbClr val="000000"/>
+                </a:solidFill>
+                <a:uFill>
+                  <a:solidFill>
+                    <a:srgbClr val="ffffff"/>
+                  </a:solidFill>
+                </a:uFill>
+                <a:latin typeface="Arial"/>
+                <a:ea typeface="黑体"/>
+              </a:rPr>
+              <a:t>及调试阶段的输出打印等</a:t>
             </a:r>
             <a:endParaRPr b="0" lang="en-US" sz="1800" spc="-1" strike="noStrike">
               <a:solidFill>
@@ -7689,13 +8875,13 @@
           <a:p>
             <a:pPr>
               <a:lnSpc>
-                <a:spcPct val="125000"/>
+                <a:spcPts val="1129"/>
               </a:lnSpc>
             </a:pPr>
             <a:r>
               <a:rPr b="1" lang="en-US" sz="2000" spc="-1" strike="noStrike">
                 <a:solidFill>
-                  <a:srgbClr val="000000"/>
+                  <a:srgbClr val="800000"/>
                 </a:solidFill>
                 <a:uFill>
                   <a:solidFill>
@@ -7705,10 +8891,10 @@
                 <a:latin typeface="黑体"/>
                 <a:ea typeface="黑体"/>
               </a:rPr>
-              <a:t>        </a:t>
-            </a:r>
-            <a:r>
-              <a:rPr b="0" i="1" lang="en-US" sz="1800" spc="-1" strike="noStrike">
+              <a:t>3.  </a:t>
+            </a:r>
+            <a:r>
+              <a:rPr b="1" lang="en-US" sz="2000" spc="-1" strike="noStrike">
                 <a:solidFill>
                   <a:srgbClr val="000000"/>
                 </a:solidFill>
@@ -7720,10 +8906,10 @@
                 <a:latin typeface="黑体"/>
                 <a:ea typeface="黑体"/>
               </a:rPr>
-              <a:t>优势</a:t>
-            </a:r>
-            <a:r>
-              <a:rPr b="0" i="1" lang="en-US" sz="1800" spc="-1" strike="noStrike">
+              <a:t>CMake</a:t>
+            </a:r>
+            <a:r>
+              <a:rPr b="1" lang="en-US" sz="2000" spc="-1" strike="noStrike">
                 <a:solidFill>
                   <a:srgbClr val="000000"/>
                 </a:solidFill>
@@ -7735,10 +8921,28 @@
                 <a:latin typeface="黑体"/>
                 <a:ea typeface="黑体"/>
               </a:rPr>
-              <a:t>,</a:t>
-            </a:r>
-            <a:r>
-              <a:rPr b="0" i="1" lang="en-US" sz="1800" spc="-1" strike="noStrike">
+              <a:t>的常用指令</a:t>
+            </a:r>
+            <a:endParaRPr b="0" lang="en-US" sz="1800" spc="-1" strike="noStrike">
+              <a:solidFill>
+                <a:srgbClr val="000000"/>
+              </a:solidFill>
+              <a:uFill>
+                <a:solidFill>
+                  <a:srgbClr val="ffffff"/>
+                </a:solidFill>
+              </a:uFill>
+              <a:latin typeface="Arial"/>
+            </a:endParaRPr>
+          </a:p>
+          <a:p>
+            <a:pPr>
+              <a:lnSpc>
+                <a:spcPts val="1129"/>
+              </a:lnSpc>
+            </a:pPr>
+            <a:r>
+              <a:rPr b="1" lang="en-US" sz="2000" spc="-1" strike="noStrike">
                 <a:solidFill>
                   <a:srgbClr val="000000"/>
                 </a:solidFill>
@@ -7750,12 +8954,135 @@
                 <a:latin typeface="黑体"/>
                 <a:ea typeface="黑体"/>
               </a:rPr>
-              <a:t>与</a:t>
-            </a:r>
-            <a:r>
-              <a:rPr b="0" i="1" lang="en-US" sz="1800" spc="-1" strike="noStrike">
-                <a:solidFill>
-                  <a:srgbClr val="000000"/>
+              <a:t>    </a:t>
+            </a:r>
+            <a:r>
+              <a:rPr b="0" lang="en-US" sz="1800" spc="-1" strike="noStrike">
+                <a:solidFill>
+                  <a:srgbClr val="000000"/>
+                </a:solidFill>
+                <a:uFill>
+                  <a:solidFill>
+                    <a:srgbClr val="ffffff"/>
+                  </a:solidFill>
+                </a:uFill>
+                <a:latin typeface="Arial"/>
+                <a:ea typeface="黑体"/>
+              </a:rPr>
+              <a:t>基本常用指令</a:t>
+            </a:r>
+            <a:r>
+              <a:rPr b="0" lang="en-US" sz="1800" spc="-1" strike="noStrike">
+                <a:solidFill>
+                  <a:srgbClr val="000000"/>
+                </a:solidFill>
+                <a:uFill>
+                  <a:solidFill>
+                    <a:srgbClr val="ffffff"/>
+                  </a:solidFill>
+                </a:uFill>
+                <a:latin typeface="Arial"/>
+                <a:ea typeface="黑体"/>
+              </a:rPr>
+              <a:t>,</a:t>
+            </a:r>
+            <a:r>
+              <a:rPr b="0" lang="en-US" sz="1800" spc="-1" strike="noStrike">
+                <a:solidFill>
+                  <a:srgbClr val="000000"/>
+                </a:solidFill>
+                <a:uFill>
+                  <a:solidFill>
+                    <a:srgbClr val="ffffff"/>
+                  </a:solidFill>
+                </a:uFill>
+                <a:latin typeface="Arial"/>
+                <a:ea typeface="黑体"/>
+              </a:rPr>
+              <a:t>安装</a:t>
+            </a:r>
+            <a:r>
+              <a:rPr b="0" lang="en-US" sz="1800" spc="-1" strike="noStrike">
+                <a:solidFill>
+                  <a:srgbClr val="000000"/>
+                </a:solidFill>
+                <a:uFill>
+                  <a:solidFill>
+                    <a:srgbClr val="ffffff"/>
+                  </a:solidFill>
+                </a:uFill>
+                <a:latin typeface="Arial"/>
+                <a:ea typeface="黑体"/>
+              </a:rPr>
+              <a:t>,</a:t>
+            </a:r>
+            <a:r>
+              <a:rPr b="0" lang="en-US" sz="1800" spc="-1" strike="noStrike">
+                <a:solidFill>
+                  <a:srgbClr val="000000"/>
+                </a:solidFill>
+                <a:uFill>
+                  <a:solidFill>
+                    <a:srgbClr val="ffffff"/>
+                  </a:solidFill>
+                </a:uFill>
+                <a:latin typeface="Arial"/>
+                <a:ea typeface="黑体"/>
+              </a:rPr>
+              <a:t>测试</a:t>
+            </a:r>
+            <a:r>
+              <a:rPr b="0" lang="en-US" sz="1800" spc="-1" strike="noStrike">
+                <a:solidFill>
+                  <a:srgbClr val="000000"/>
+                </a:solidFill>
+                <a:uFill>
+                  <a:solidFill>
+                    <a:srgbClr val="ffffff"/>
+                  </a:solidFill>
+                </a:uFill>
+                <a:latin typeface="Arial"/>
+                <a:ea typeface="黑体"/>
+              </a:rPr>
+              <a:t>,</a:t>
+            </a:r>
+            <a:r>
+              <a:rPr b="0" lang="en-US" sz="1800" spc="-1" strike="noStrike">
+                <a:solidFill>
+                  <a:srgbClr val="000000"/>
+                </a:solidFill>
+                <a:uFill>
+                  <a:solidFill>
+                    <a:srgbClr val="ffffff"/>
+                  </a:solidFill>
+                </a:uFill>
+                <a:latin typeface="Arial"/>
+                <a:ea typeface="黑体"/>
+              </a:rPr>
+              <a:t>调试等</a:t>
+            </a:r>
+            <a:endParaRPr b="0" lang="en-US" sz="1800" spc="-1" strike="noStrike">
+              <a:solidFill>
+                <a:srgbClr val="000000"/>
+              </a:solidFill>
+              <a:uFill>
+                <a:solidFill>
+                  <a:srgbClr val="ffffff"/>
+                </a:solidFill>
+              </a:uFill>
+              <a:latin typeface="Arial"/>
+            </a:endParaRPr>
+          </a:p>
+          <a:p>
+            <a:pPr>
+              <a:lnSpc>
+                <a:spcPts val="1129"/>
+              </a:lnSpc>
+            </a:pPr>
+            <a:r>
+              <a:rPr b="1" lang="en-US" sz="2000" spc="-1" strike="noStrike">
+                <a:solidFill>
+                  <a:srgbClr val="800000"/>
                 </a:solidFill>
                 <a:uFill>
                   <a:solidFill>
@@ -7765,10 +9092,10 @@
                 <a:latin typeface="黑体"/>
                 <a:ea typeface="黑体"/>
               </a:rPr>
-              <a:t>Autotools, Makefile, Gcc</a:t>
-            </a:r>
-            <a:r>
-              <a:rPr b="0" i="1" lang="en-US" sz="1800" spc="-1" strike="noStrike">
+              <a:t>4.</a:t>
+            </a:r>
+            <a:r>
+              <a:rPr b="0" lang="en-US" sz="1800" spc="-1" strike="noStrike">
                 <a:solidFill>
                   <a:srgbClr val="000000"/>
                 </a:solidFill>
@@ -7780,10 +9107,10 @@
                 <a:latin typeface="黑体"/>
                 <a:ea typeface="黑体"/>
               </a:rPr>
-              <a:t>或</a:t>
-            </a:r>
-            <a:r>
-              <a:rPr b="0" i="1" lang="en-US" sz="1800" spc="-1" strike="noStrike">
+              <a:t>  </a:t>
+            </a:r>
+            <a:r>
+              <a:rPr b="1" lang="en-US" sz="2000" spc="-1" strike="noStrike">
                 <a:solidFill>
                   <a:srgbClr val="000000"/>
                 </a:solidFill>
@@ -7795,10 +9122,10 @@
                 <a:latin typeface="黑体"/>
                 <a:ea typeface="黑体"/>
               </a:rPr>
-              <a:t>G++</a:t>
-            </a:r>
-            <a:r>
-              <a:rPr b="0" i="1" lang="en-US" sz="1800" spc="-1" strike="noStrike">
+              <a:t>CMake</a:t>
+            </a:r>
+            <a:r>
+              <a:rPr b="1" lang="en-US" sz="2000" spc="-1" strike="noStrike">
                 <a:solidFill>
                   <a:srgbClr val="000000"/>
                 </a:solidFill>
@@ -7810,8 +9137,26 @@
                 <a:latin typeface="黑体"/>
                 <a:ea typeface="黑体"/>
               </a:rPr>
-              <a:t>比较的优势</a:t>
-            </a:r>
+              <a:t>的实践应用</a:t>
+            </a:r>
+            <a:endParaRPr b="0" lang="en-US" sz="1800" spc="-1" strike="noStrike">
+              <a:solidFill>
+                <a:srgbClr val="000000"/>
+              </a:solidFill>
+              <a:uFill>
+                <a:solidFill>
+                  <a:srgbClr val="ffffff"/>
+                </a:solidFill>
+              </a:uFill>
+              <a:latin typeface="Arial"/>
+            </a:endParaRPr>
+          </a:p>
+          <a:p>
+            <a:pPr marL="720">
+              <a:lnSpc>
+                <a:spcPts val="1129"/>
+              </a:lnSpc>
+            </a:pPr>
             <a:r>
               <a:rPr b="0" i="1" lang="en-US" sz="1800" spc="-1" strike="noStrike">
                 <a:solidFill>
@@ -7825,188 +9170,97 @@
                 <a:latin typeface="黑体"/>
                 <a:ea typeface="黑体"/>
               </a:rPr>
-              <a:t>?</a:t>
-            </a:r>
-            <a:endParaRPr b="0" lang="en-US" sz="1800" spc="-1" strike="noStrike">
-              <a:solidFill>
-                <a:srgbClr val="000000"/>
-              </a:solidFill>
-              <a:uFill>
-                <a:solidFill>
-                  <a:srgbClr val="ffffff"/>
-                </a:solidFill>
-              </a:uFill>
-              <a:latin typeface="Arial"/>
-            </a:endParaRPr>
-          </a:p>
-          <a:p>
-            <a:pPr marL="514440" indent="-513720">
-              <a:lnSpc>
-                <a:spcPct val="125000"/>
-              </a:lnSpc>
-              <a:buClr>
-                <a:srgbClr val="6f1b1b"/>
-              </a:buClr>
-              <a:buFont typeface="StarSymbol"/>
-              <a:buAutoNum type="arabicPeriod"/>
-            </a:pPr>
-            <a:r>
-              <a:rPr b="1" lang="en-US" sz="2000" spc="-1" strike="noStrike">
-                <a:solidFill>
-                  <a:srgbClr val="000000"/>
-                </a:solidFill>
-                <a:uFill>
-                  <a:solidFill>
-                    <a:srgbClr val="ffffff"/>
-                  </a:solidFill>
-                </a:uFill>
-                <a:latin typeface="黑体"/>
+              <a:t>    </a:t>
+            </a:r>
+            <a:r>
+              <a:rPr b="0" lang="en-US" sz="1800" spc="-1" strike="noStrike">
+                <a:solidFill>
+                  <a:srgbClr val="000000"/>
+                </a:solidFill>
+                <a:uFill>
+                  <a:solidFill>
+                    <a:srgbClr val="ffffff"/>
+                  </a:solidFill>
+                </a:uFill>
+                <a:latin typeface="Arial"/>
                 <a:ea typeface="黑体"/>
               </a:rPr>
+              <a:t>从简单的</a:t>
+            </a:r>
+            <a:r>
+              <a:rPr b="0" lang="en-US" sz="1800" spc="-1" strike="noStrike">
+                <a:solidFill>
+                  <a:srgbClr val="000000"/>
+                </a:solidFill>
+                <a:uFill>
+                  <a:solidFill>
+                    <a:srgbClr val="ffffff"/>
+                  </a:solidFill>
+                </a:uFill>
+                <a:latin typeface="Arial"/>
+                <a:ea typeface="黑体"/>
+              </a:rPr>
               <a:t>CMake</a:t>
             </a:r>
             <a:r>
-              <a:rPr b="1" lang="en-US" sz="2000" spc="-1" strike="noStrike">
-                <a:solidFill>
-                  <a:srgbClr val="000000"/>
-                </a:solidFill>
-                <a:uFill>
-                  <a:solidFill>
-                    <a:srgbClr val="ffffff"/>
-                  </a:solidFill>
-                </a:uFill>
-                <a:latin typeface="黑体"/>
+              <a:rPr b="0" lang="en-US" sz="1800" spc="-1" strike="noStrike">
+                <a:solidFill>
+                  <a:srgbClr val="000000"/>
+                </a:solidFill>
+                <a:uFill>
+                  <a:solidFill>
+                    <a:srgbClr val="ffffff"/>
+                  </a:solidFill>
+                </a:uFill>
+                <a:latin typeface="Arial"/>
                 <a:ea typeface="黑体"/>
               </a:rPr>
-              <a:t>的主体框架</a:t>
-            </a:r>
-            <a:endParaRPr b="0" lang="en-US" sz="1800" spc="-1" strike="noStrike">
-              <a:solidFill>
-                <a:srgbClr val="000000"/>
-              </a:solidFill>
-              <a:uFill>
-                <a:solidFill>
-                  <a:srgbClr val="ffffff"/>
-                </a:solidFill>
-              </a:uFill>
-              <a:latin typeface="Arial"/>
-            </a:endParaRPr>
-          </a:p>
-          <a:p>
-            <a:pPr marL="514440" indent="-513720">
-              <a:lnSpc>
-                <a:spcPct val="125000"/>
-              </a:lnSpc>
-              <a:buClr>
-                <a:srgbClr val="6f1b1b"/>
-              </a:buClr>
-              <a:buFont typeface="StarSymbol"/>
-              <a:buAutoNum type="arabicPeriod"/>
-            </a:pPr>
-            <a:r>
-              <a:rPr b="0" i="1" lang="en-US" sz="1800" spc="-1" strike="noStrike">
-                <a:solidFill>
-                  <a:srgbClr val="000000"/>
-                </a:solidFill>
-                <a:uFill>
-                  <a:solidFill>
-                    <a:srgbClr val="ffffff"/>
-                  </a:solidFill>
-                </a:uFill>
-                <a:latin typeface="黑体"/>
+              <a:t>文件说起</a:t>
+            </a:r>
+            <a:r>
+              <a:rPr b="0" lang="en-US" sz="1800" spc="-1" strike="noStrike">
+                <a:solidFill>
+                  <a:srgbClr val="000000"/>
+                </a:solidFill>
+                <a:uFill>
+                  <a:solidFill>
+                    <a:srgbClr val="ffffff"/>
+                  </a:solidFill>
+                </a:uFill>
+                <a:latin typeface="Arial"/>
                 <a:ea typeface="黑体"/>
               </a:rPr>
-              <a:t>结构</a:t>
-            </a:r>
-            <a:r>
-              <a:rPr b="0" i="1" lang="en-US" sz="1800" spc="-1" strike="noStrike">
-                <a:solidFill>
-                  <a:srgbClr val="000000"/>
-                </a:solidFill>
-                <a:uFill>
-                  <a:solidFill>
-                    <a:srgbClr val="ffffff"/>
-                  </a:solidFill>
-                </a:uFill>
-                <a:latin typeface="黑体"/>
+              <a:t>----&gt;</a:t>
+            </a:r>
+            <a:r>
+              <a:rPr b="0" lang="en-US" sz="1800" spc="-1" strike="noStrike">
+                <a:solidFill>
+                  <a:srgbClr val="000000"/>
+                </a:solidFill>
+                <a:uFill>
+                  <a:solidFill>
+                    <a:srgbClr val="ffffff"/>
+                  </a:solidFill>
+                </a:uFill>
+                <a:latin typeface="Arial"/>
                 <a:ea typeface="黑体"/>
               </a:rPr>
-              <a:t>,</a:t>
-            </a:r>
-            <a:r>
-              <a:rPr b="0" i="1" lang="en-US" sz="1800" spc="-1" strike="noStrike">
-                <a:solidFill>
-                  <a:srgbClr val="000000"/>
-                </a:solidFill>
-                <a:uFill>
-                  <a:solidFill>
-                    <a:srgbClr val="ffffff"/>
-                  </a:solidFill>
-                </a:uFill>
-                <a:latin typeface="黑体"/>
+              <a:t>到指定输出位置</a:t>
+            </a:r>
+            <a:r>
+              <a:rPr b="0" lang="en-US" sz="1800" spc="-1" strike="noStrike">
+                <a:solidFill>
+                  <a:srgbClr val="000000"/>
+                </a:solidFill>
+                <a:uFill>
+                  <a:solidFill>
+                    <a:srgbClr val="ffffff"/>
+                  </a:solidFill>
+                </a:uFill>
+                <a:latin typeface="Arial"/>
                 <a:ea typeface="黑体"/>
               </a:rPr>
-              <a:t>常用语法</a:t>
-            </a:r>
-            <a:r>
-              <a:rPr b="0" i="1" lang="en-US" sz="1800" spc="-1" strike="noStrike">
-                <a:solidFill>
-                  <a:srgbClr val="000000"/>
-                </a:solidFill>
-                <a:uFill>
-                  <a:solidFill>
-                    <a:srgbClr val="ffffff"/>
-                  </a:solidFill>
-                </a:uFill>
-                <a:latin typeface="黑体"/>
-                <a:ea typeface="黑体"/>
-              </a:rPr>
-              <a:t>,</a:t>
-            </a:r>
-            <a:r>
-              <a:rPr b="0" i="1" lang="en-US" sz="1800" spc="-1" strike="noStrike">
-                <a:solidFill>
-                  <a:srgbClr val="000000"/>
-                </a:solidFill>
-                <a:uFill>
-                  <a:solidFill>
-                    <a:srgbClr val="ffffff"/>
-                  </a:solidFill>
-                </a:uFill>
-                <a:latin typeface="黑体"/>
-                <a:ea typeface="黑体"/>
-              </a:rPr>
-              <a:t>路径添加</a:t>
-            </a:r>
-            <a:r>
-              <a:rPr b="0" i="1" lang="en-US" sz="1800" spc="-1" strike="noStrike">
-                <a:solidFill>
-                  <a:srgbClr val="000000"/>
-                </a:solidFill>
-                <a:uFill>
-                  <a:solidFill>
-                    <a:srgbClr val="ffffff"/>
-                  </a:solidFill>
-                </a:uFill>
-                <a:latin typeface="黑体"/>
-                <a:ea typeface="黑体"/>
-              </a:rPr>
-              <a:t>,CMake</a:t>
-            </a:r>
-            <a:r>
-              <a:rPr b="0" i="1" lang="en-US" sz="1800" spc="-1" strike="noStrike">
-                <a:solidFill>
-                  <a:srgbClr val="000000"/>
-                </a:solidFill>
-                <a:uFill>
-                  <a:solidFill>
-                    <a:srgbClr val="ffffff"/>
-                  </a:solidFill>
-                </a:uFill>
-                <a:latin typeface="黑体"/>
-                <a:ea typeface="黑体"/>
-              </a:rPr>
-              <a:t>显示等</a:t>
+              <a:t>----&gt;</a:t>
             </a:r>
             <a:endParaRPr b="0" lang="en-US" sz="1800" spc="-1" strike="noStrike">
               <a:solidFill>
@@ -8023,607 +9277,200 @@
           <a:p>
             <a:pPr>
               <a:lnSpc>
-                <a:spcPct val="125000"/>
+                <a:spcPts val="1129"/>
               </a:lnSpc>
             </a:pPr>
             <a:r>
-              <a:rPr b="1" lang="en-US" sz="2000" spc="-1" strike="noStrike">
-                <a:solidFill>
-                  <a:srgbClr val="800000"/>
-                </a:solidFill>
-                <a:uFill>
-                  <a:solidFill>
-                    <a:srgbClr val="ffffff"/>
-                  </a:solidFill>
-                </a:uFill>
-                <a:latin typeface="黑体"/>
+              <a:rPr b="0" lang="en-US" sz="1800" spc="-1" strike="noStrike">
+                <a:solidFill>
+                  <a:srgbClr val="000000"/>
+                </a:solidFill>
+                <a:uFill>
+                  <a:solidFill>
+                    <a:srgbClr val="ffffff"/>
+                  </a:solidFill>
+                </a:uFill>
+                <a:latin typeface="Arial"/>
                 <a:ea typeface="黑体"/>
               </a:rPr>
-              <a:t>3.</a:t>
-            </a:r>
-            <a:r>
-              <a:rPr b="1" lang="en-US" sz="2000" spc="-1" strike="noStrike">
-                <a:solidFill>
-                  <a:srgbClr val="000000"/>
-                </a:solidFill>
-                <a:uFill>
-                  <a:solidFill>
-                    <a:srgbClr val="ffffff"/>
-                  </a:solidFill>
-                </a:uFill>
-                <a:latin typeface="黑体"/>
+              <a:t>       </a:t>
+            </a:r>
+            <a:r>
+              <a:rPr b="0" lang="en-US" sz="1800" spc="-1" strike="noStrike">
+                <a:solidFill>
+                  <a:srgbClr val="000000"/>
+                </a:solidFill>
+                <a:uFill>
+                  <a:solidFill>
+                    <a:srgbClr val="ffffff"/>
+                  </a:solidFill>
+                </a:uFill>
+                <a:latin typeface="Arial"/>
                 <a:ea typeface="黑体"/>
               </a:rPr>
-              <a:t> CMake</a:t>
-            </a:r>
-            <a:r>
-              <a:rPr b="1" lang="en-US" sz="2000" spc="-1" strike="noStrike">
-                <a:solidFill>
-                  <a:srgbClr val="000000"/>
-                </a:solidFill>
-                <a:uFill>
-                  <a:solidFill>
-                    <a:srgbClr val="ffffff"/>
-                  </a:solidFill>
-                </a:uFill>
-                <a:latin typeface="黑体"/>
+              <a:t>生成链接库</a:t>
+            </a:r>
+            <a:r>
+              <a:rPr b="0" lang="en-US" sz="1800" spc="-1" strike="noStrike">
+                <a:solidFill>
+                  <a:srgbClr val="000000"/>
+                </a:solidFill>
+                <a:uFill>
+                  <a:solidFill>
+                    <a:srgbClr val="ffffff"/>
+                  </a:solidFill>
+                </a:uFill>
+                <a:latin typeface="Arial"/>
                 <a:ea typeface="黑体"/>
               </a:rPr>
-              <a:t>的常用指令</a:t>
-            </a:r>
-            <a:endParaRPr b="0" lang="en-US" sz="1800" spc="-1" strike="noStrike">
-              <a:solidFill>
-                <a:srgbClr val="000000"/>
-              </a:solidFill>
-              <a:uFill>
-                <a:solidFill>
-                  <a:srgbClr val="ffffff"/>
-                </a:solidFill>
-              </a:uFill>
-              <a:latin typeface="Arial"/>
-            </a:endParaRPr>
-          </a:p>
-          <a:p>
-            <a:pPr>
-              <a:lnSpc>
-                <a:spcPct val="125000"/>
-              </a:lnSpc>
-            </a:pPr>
-            <a:r>
-              <a:rPr b="1" lang="en-US" sz="2000" spc="-1" strike="noStrike">
-                <a:solidFill>
-                  <a:srgbClr val="000000"/>
-                </a:solidFill>
-                <a:uFill>
-                  <a:solidFill>
-                    <a:srgbClr val="ffffff"/>
-                  </a:solidFill>
-                </a:uFill>
-                <a:latin typeface="黑体"/>
+              <a:t>(</a:t>
+            </a:r>
+            <a:r>
+              <a:rPr b="0" lang="en-US" sz="1800" spc="-1" strike="noStrike">
+                <a:solidFill>
+                  <a:srgbClr val="000000"/>
+                </a:solidFill>
+                <a:uFill>
+                  <a:solidFill>
+                    <a:srgbClr val="ffffff"/>
+                  </a:solidFill>
+                </a:uFill>
+                <a:latin typeface="Arial"/>
                 <a:ea typeface="黑体"/>
               </a:rPr>
-              <a:t>        </a:t>
-            </a:r>
-            <a:r>
-              <a:rPr b="0" i="1" lang="en-US" sz="1800" spc="-1" strike="noStrike">
-                <a:solidFill>
-                  <a:srgbClr val="000000"/>
-                </a:solidFill>
-                <a:uFill>
-                  <a:solidFill>
-                    <a:srgbClr val="ffffff"/>
-                  </a:solidFill>
-                </a:uFill>
-                <a:latin typeface="黑体"/>
+              <a:t>静态</a:t>
+            </a:r>
+            <a:r>
+              <a:rPr b="0" lang="en-US" sz="1800" spc="-1" strike="noStrike">
+                <a:solidFill>
+                  <a:srgbClr val="000000"/>
+                </a:solidFill>
+                <a:uFill>
+                  <a:solidFill>
+                    <a:srgbClr val="ffffff"/>
+                  </a:solidFill>
+                </a:uFill>
+                <a:latin typeface="Arial"/>
                 <a:ea typeface="黑体"/>
               </a:rPr>
-              <a:t>基本常用指令</a:t>
-            </a:r>
-            <a:r>
-              <a:rPr b="0" i="1" lang="en-US" sz="1800" spc="-1" strike="noStrike">
-                <a:solidFill>
-                  <a:srgbClr val="000000"/>
-                </a:solidFill>
-                <a:uFill>
-                  <a:solidFill>
-                    <a:srgbClr val="ffffff"/>
-                  </a:solidFill>
-                </a:uFill>
-                <a:latin typeface="黑体"/>
+              <a:t>&amp;</a:t>
+            </a:r>
+            <a:r>
+              <a:rPr b="0" lang="en-US" sz="1800" spc="-1" strike="noStrike">
+                <a:solidFill>
+                  <a:srgbClr val="000000"/>
+                </a:solidFill>
+                <a:uFill>
+                  <a:solidFill>
+                    <a:srgbClr val="ffffff"/>
+                  </a:solidFill>
+                </a:uFill>
+                <a:latin typeface="Arial"/>
                 <a:ea typeface="黑体"/>
               </a:rPr>
-              <a:t>,</a:t>
-            </a:r>
-            <a:r>
-              <a:rPr b="0" i="1" lang="en-US" sz="1800" spc="-1" strike="noStrike">
-                <a:solidFill>
-                  <a:srgbClr val="000000"/>
-                </a:solidFill>
-                <a:uFill>
-                  <a:solidFill>
-                    <a:srgbClr val="ffffff"/>
-                  </a:solidFill>
-                </a:uFill>
-                <a:latin typeface="黑体"/>
+              <a:t>动态</a:t>
+            </a:r>
+            <a:r>
+              <a:rPr b="0" lang="en-US" sz="1800" spc="-1" strike="noStrike">
+                <a:solidFill>
+                  <a:srgbClr val="000000"/>
+                </a:solidFill>
+                <a:uFill>
+                  <a:solidFill>
+                    <a:srgbClr val="ffffff"/>
+                  </a:solidFill>
+                </a:uFill>
+                <a:latin typeface="Arial"/>
                 <a:ea typeface="黑体"/>
               </a:rPr>
-              <a:t>安装</a:t>
-            </a:r>
-            <a:r>
-              <a:rPr b="0" i="1" lang="en-US" sz="1800" spc="-1" strike="noStrike">
-                <a:solidFill>
-                  <a:srgbClr val="000000"/>
-                </a:solidFill>
-                <a:uFill>
-                  <a:solidFill>
-                    <a:srgbClr val="ffffff"/>
-                  </a:solidFill>
-                </a:uFill>
-                <a:latin typeface="黑体"/>
+              <a:t>)----&gt;</a:t>
+            </a:r>
+            <a:r>
+              <a:rPr b="0" lang="en-US" sz="1800" spc="-1" strike="noStrike">
+                <a:solidFill>
+                  <a:srgbClr val="000000"/>
+                </a:solidFill>
+                <a:uFill>
+                  <a:solidFill>
+                    <a:srgbClr val="ffffff"/>
+                  </a:solidFill>
+                </a:uFill>
+                <a:latin typeface="Arial"/>
                 <a:ea typeface="黑体"/>
               </a:rPr>
-              <a:t>,</a:t>
-            </a:r>
-            <a:r>
-              <a:rPr b="0" i="1" lang="en-US" sz="1800" spc="-1" strike="noStrike">
-                <a:solidFill>
-                  <a:srgbClr val="000000"/>
-                </a:solidFill>
-                <a:uFill>
-                  <a:solidFill>
-                    <a:srgbClr val="ffffff"/>
-                  </a:solidFill>
-                </a:uFill>
-                <a:latin typeface="黑体"/>
+              <a:t>如何引用链接库</a:t>
+            </a:r>
+            <a:r>
+              <a:rPr b="0" lang="en-US" sz="1800" spc="-1" strike="noStrike">
+                <a:solidFill>
+                  <a:srgbClr val="000000"/>
+                </a:solidFill>
+                <a:uFill>
+                  <a:solidFill>
+                    <a:srgbClr val="ffffff"/>
+                  </a:solidFill>
+                </a:uFill>
+                <a:latin typeface="Arial"/>
                 <a:ea typeface="黑体"/>
               </a:rPr>
-              <a:t>测试</a:t>
-            </a:r>
-            <a:r>
-              <a:rPr b="0" i="1" lang="en-US" sz="1800" spc="-1" strike="noStrike">
-                <a:solidFill>
-                  <a:srgbClr val="000000"/>
-                </a:solidFill>
-                <a:uFill>
-                  <a:solidFill>
-                    <a:srgbClr val="ffffff"/>
-                  </a:solidFill>
-                </a:uFill>
-                <a:latin typeface="黑体"/>
+              <a:t>(</a:t>
+            </a:r>
+            <a:r>
+              <a:rPr b="0" lang="en-US" sz="1800" spc="-1" strike="noStrike">
+                <a:solidFill>
+                  <a:srgbClr val="000000"/>
+                </a:solidFill>
+                <a:uFill>
+                  <a:solidFill>
+                    <a:srgbClr val="ffffff"/>
+                  </a:solidFill>
+                </a:uFill>
+                <a:latin typeface="Arial"/>
                 <a:ea typeface="黑体"/>
               </a:rPr>
-              <a:t>,</a:t>
-            </a:r>
-            <a:r>
-              <a:rPr b="0" i="1" lang="en-US" sz="1800" spc="-1" strike="noStrike">
-                <a:solidFill>
-                  <a:srgbClr val="000000"/>
-                </a:solidFill>
-                <a:uFill>
-                  <a:solidFill>
-                    <a:srgbClr val="ffffff"/>
-                  </a:solidFill>
-                </a:uFill>
-                <a:latin typeface="黑体"/>
+              <a:t>内部</a:t>
+            </a:r>
+            <a:r>
+              <a:rPr b="0" lang="en-US" sz="1800" spc="-1" strike="noStrike">
+                <a:solidFill>
+                  <a:srgbClr val="000000"/>
+                </a:solidFill>
+                <a:uFill>
+                  <a:solidFill>
+                    <a:srgbClr val="ffffff"/>
+                  </a:solidFill>
+                </a:uFill>
+                <a:latin typeface="Arial"/>
                 <a:ea typeface="黑体"/>
               </a:rPr>
-              <a:t>调试等</a:t>
-            </a:r>
-            <a:endParaRPr b="0" lang="en-US" sz="1800" spc="-1" strike="noStrike">
-              <a:solidFill>
-                <a:srgbClr val="000000"/>
-              </a:solidFill>
-              <a:uFill>
-                <a:solidFill>
-                  <a:srgbClr val="ffffff"/>
-                </a:solidFill>
-              </a:uFill>
-              <a:latin typeface="Arial"/>
-            </a:endParaRPr>
-          </a:p>
-          <a:p>
-            <a:pPr>
-              <a:lnSpc>
-                <a:spcPct val="125000"/>
-              </a:lnSpc>
-            </a:pPr>
-            <a:r>
-              <a:rPr b="1" i="1" lang="en-US" sz="2000" spc="-1" strike="noStrike">
-                <a:solidFill>
-                  <a:srgbClr val="800000"/>
-                </a:solidFill>
-                <a:uFill>
-                  <a:solidFill>
-                    <a:srgbClr val="ffffff"/>
-                  </a:solidFill>
-                </a:uFill>
-                <a:latin typeface="黑体"/>
+              <a:t>&amp;</a:t>
+            </a:r>
+            <a:r>
+              <a:rPr b="0" lang="en-US" sz="1800" spc="-1" strike="noStrike">
+                <a:solidFill>
+                  <a:srgbClr val="000000"/>
+                </a:solidFill>
+                <a:uFill>
+                  <a:solidFill>
+                    <a:srgbClr val="ffffff"/>
+                  </a:solidFill>
+                </a:uFill>
+                <a:latin typeface="Arial"/>
                 <a:ea typeface="黑体"/>
               </a:rPr>
-              <a:t>4.</a:t>
-            </a:r>
-            <a:r>
-              <a:rPr b="0" i="1" lang="en-US" sz="1800" spc="-1" strike="noStrike">
-                <a:solidFill>
-                  <a:srgbClr val="000000"/>
-                </a:solidFill>
-                <a:uFill>
-                  <a:solidFill>
-                    <a:srgbClr val="ffffff"/>
-                  </a:solidFill>
-                </a:uFill>
-                <a:latin typeface="黑体"/>
-                <a:ea typeface="黑体"/>
-              </a:rPr>
-              <a:t> </a:t>
-            </a:r>
-            <a:r>
-              <a:rPr b="1" lang="en-US" sz="1800" spc="-1" strike="noStrike">
-                <a:solidFill>
-                  <a:srgbClr val="000000"/>
-                </a:solidFill>
-                <a:uFill>
-                  <a:solidFill>
-                    <a:srgbClr val="ffffff"/>
-                  </a:solidFill>
-                </a:uFill>
-                <a:latin typeface="黑体"/>
-                <a:ea typeface="黑体"/>
-              </a:rPr>
-              <a:t>CM</a:t>
-            </a:r>
-            <a:r>
-              <a:rPr b="1" lang="en-US" sz="2000" spc="-1" strike="noStrike">
-                <a:solidFill>
-                  <a:srgbClr val="000000"/>
-                </a:solidFill>
-                <a:uFill>
-                  <a:solidFill>
-                    <a:srgbClr val="ffffff"/>
-                  </a:solidFill>
-                </a:uFill>
-                <a:latin typeface="黑体"/>
-                <a:ea typeface="黑体"/>
-              </a:rPr>
-              <a:t>ake</a:t>
-            </a:r>
-            <a:r>
-              <a:rPr b="1" lang="en-US" sz="2000" spc="-1" strike="noStrike">
-                <a:solidFill>
-                  <a:srgbClr val="000000"/>
-                </a:solidFill>
-                <a:uFill>
-                  <a:solidFill>
-                    <a:srgbClr val="ffffff"/>
-                  </a:solidFill>
-                </a:uFill>
-                <a:latin typeface="黑体"/>
-                <a:ea typeface="黑体"/>
-              </a:rPr>
-              <a:t>的实践应用</a:t>
-            </a:r>
-            <a:endParaRPr b="0" lang="en-US" sz="1800" spc="-1" strike="noStrike">
-              <a:solidFill>
-                <a:srgbClr val="000000"/>
-              </a:solidFill>
-              <a:uFill>
-                <a:solidFill>
-                  <a:srgbClr val="ffffff"/>
-                </a:solidFill>
-              </a:uFill>
-              <a:latin typeface="Arial"/>
-            </a:endParaRPr>
-          </a:p>
-          <a:p>
-            <a:pPr marL="514440" indent="-513720">
-              <a:lnSpc>
-                <a:spcPct val="125000"/>
-              </a:lnSpc>
-              <a:buClr>
-                <a:srgbClr val="6f1b1b"/>
-              </a:buClr>
-              <a:buFont typeface="StarSymbol"/>
-              <a:buAutoNum type="arabicPeriod"/>
-            </a:pPr>
-            <a:r>
-              <a:rPr b="0" i="1" lang="en-US" sz="1800" spc="-1" strike="noStrike">
-                <a:solidFill>
-                  <a:srgbClr val="000000"/>
-                </a:solidFill>
-                <a:uFill>
-                  <a:solidFill>
-                    <a:srgbClr val="ffffff"/>
-                  </a:solidFill>
-                </a:uFill>
-                <a:latin typeface="黑体"/>
-                <a:ea typeface="黑体"/>
-              </a:rPr>
-              <a:t>从简单的</a:t>
-            </a:r>
-            <a:r>
-              <a:rPr b="0" i="1" lang="en-US" sz="1800" spc="-1" strike="noStrike">
-                <a:solidFill>
-                  <a:srgbClr val="000000"/>
-                </a:solidFill>
-                <a:uFill>
-                  <a:solidFill>
-                    <a:srgbClr val="ffffff"/>
-                  </a:solidFill>
-                </a:uFill>
-                <a:latin typeface="黑体"/>
-                <a:ea typeface="黑体"/>
-              </a:rPr>
-              <a:t>CMake</a:t>
-            </a:r>
-            <a:r>
-              <a:rPr b="0" i="1" lang="en-US" sz="1800" spc="-1" strike="noStrike">
-                <a:solidFill>
-                  <a:srgbClr val="000000"/>
-                </a:solidFill>
-                <a:uFill>
-                  <a:solidFill>
-                    <a:srgbClr val="ffffff"/>
-                  </a:solidFill>
-                </a:uFill>
-                <a:latin typeface="黑体"/>
-                <a:ea typeface="黑体"/>
-              </a:rPr>
-              <a:t>文件说起</a:t>
-            </a:r>
-            <a:r>
-              <a:rPr b="0" i="1" lang="en-US" sz="1800" spc="-1" strike="noStrike">
-                <a:solidFill>
-                  <a:srgbClr val="000000"/>
-                </a:solidFill>
-                <a:uFill>
-                  <a:solidFill>
-                    <a:srgbClr val="ffffff"/>
-                  </a:solidFill>
-                </a:uFill>
-                <a:latin typeface="黑体"/>
-                <a:ea typeface="黑体"/>
-              </a:rPr>
-              <a:t>----&gt;</a:t>
-            </a:r>
-            <a:r>
-              <a:rPr b="0" i="1" lang="en-US" sz="1800" spc="-1" strike="noStrike">
-                <a:solidFill>
-                  <a:srgbClr val="000000"/>
-                </a:solidFill>
-                <a:uFill>
-                  <a:solidFill>
-                    <a:srgbClr val="ffffff"/>
-                  </a:solidFill>
-                </a:uFill>
-                <a:latin typeface="黑体"/>
-                <a:ea typeface="黑体"/>
-              </a:rPr>
-              <a:t>到指定输出位置</a:t>
-            </a:r>
-            <a:r>
-              <a:rPr b="0" i="1" lang="en-US" sz="1800" spc="-1" strike="noStrike">
-                <a:solidFill>
-                  <a:srgbClr val="000000"/>
-                </a:solidFill>
-                <a:uFill>
-                  <a:solidFill>
-                    <a:srgbClr val="ffffff"/>
-                  </a:solidFill>
-                </a:uFill>
-                <a:latin typeface="黑体"/>
-                <a:ea typeface="黑体"/>
-              </a:rPr>
-              <a:t>----&gt;</a:t>
-            </a:r>
-            <a:endParaRPr b="0" lang="en-US" sz="1800" spc="-1" strike="noStrike">
-              <a:solidFill>
-                <a:srgbClr val="000000"/>
-              </a:solidFill>
-              <a:uFill>
-                <a:solidFill>
-                  <a:srgbClr val="ffffff"/>
-                </a:solidFill>
-              </a:uFill>
-              <a:latin typeface="Arial"/>
-            </a:endParaRPr>
-          </a:p>
-          <a:p>
-            <a:pPr>
-              <a:lnSpc>
-                <a:spcPct val="125000"/>
-              </a:lnSpc>
-            </a:pPr>
-            <a:r>
-              <a:rPr b="0" i="1" lang="en-US" sz="1800" spc="-1" strike="noStrike">
-                <a:solidFill>
-                  <a:srgbClr val="000000"/>
-                </a:solidFill>
-                <a:uFill>
-                  <a:solidFill>
-                    <a:srgbClr val="ffffff"/>
-                  </a:solidFill>
-                </a:uFill>
-                <a:latin typeface="黑体"/>
-                <a:ea typeface="黑体"/>
-              </a:rPr>
-              <a:t>         </a:t>
-            </a:r>
-            <a:r>
-              <a:rPr b="0" i="1" lang="en-US" sz="1800" spc="-1" strike="noStrike">
-                <a:solidFill>
-                  <a:srgbClr val="000000"/>
-                </a:solidFill>
-                <a:uFill>
-                  <a:solidFill>
-                    <a:srgbClr val="ffffff"/>
-                  </a:solidFill>
-                </a:uFill>
-                <a:latin typeface="黑体"/>
-                <a:ea typeface="黑体"/>
-              </a:rPr>
-              <a:t>生成链接库</a:t>
-            </a:r>
-            <a:r>
-              <a:rPr b="0" i="1" lang="en-US" sz="1800" spc="-1" strike="noStrike">
-                <a:solidFill>
-                  <a:srgbClr val="000000"/>
-                </a:solidFill>
-                <a:uFill>
-                  <a:solidFill>
-                    <a:srgbClr val="ffffff"/>
-                  </a:solidFill>
-                </a:uFill>
-                <a:latin typeface="黑体"/>
-                <a:ea typeface="黑体"/>
-              </a:rPr>
-              <a:t>(</a:t>
-            </a:r>
-            <a:r>
-              <a:rPr b="0" i="1" lang="en-US" sz="1800" spc="-1" strike="noStrike">
-                <a:solidFill>
-                  <a:srgbClr val="000000"/>
-                </a:solidFill>
-                <a:uFill>
-                  <a:solidFill>
-                    <a:srgbClr val="ffffff"/>
-                  </a:solidFill>
-                </a:uFill>
-                <a:latin typeface="黑体"/>
-                <a:ea typeface="黑体"/>
-              </a:rPr>
-              <a:t>静态</a:t>
-            </a:r>
-            <a:r>
-              <a:rPr b="0" i="1" lang="en-US" sz="1800" spc="-1" strike="noStrike">
-                <a:solidFill>
-                  <a:srgbClr val="000000"/>
-                </a:solidFill>
-                <a:uFill>
-                  <a:solidFill>
-                    <a:srgbClr val="ffffff"/>
-                  </a:solidFill>
-                </a:uFill>
-                <a:latin typeface="黑体"/>
-                <a:ea typeface="黑体"/>
-              </a:rPr>
-              <a:t>&amp;</a:t>
-            </a:r>
-            <a:r>
-              <a:rPr b="0" i="1" lang="en-US" sz="1800" spc="-1" strike="noStrike">
-                <a:solidFill>
-                  <a:srgbClr val="000000"/>
-                </a:solidFill>
-                <a:uFill>
-                  <a:solidFill>
-                    <a:srgbClr val="ffffff"/>
-                  </a:solidFill>
-                </a:uFill>
-                <a:latin typeface="黑体"/>
-                <a:ea typeface="黑体"/>
-              </a:rPr>
-              <a:t>动态</a:t>
-            </a:r>
-            <a:r>
-              <a:rPr b="0" i="1" lang="en-US" sz="1800" spc="-1" strike="noStrike">
-                <a:solidFill>
-                  <a:srgbClr val="000000"/>
-                </a:solidFill>
-                <a:uFill>
-                  <a:solidFill>
-                    <a:srgbClr val="ffffff"/>
-                  </a:solidFill>
-                </a:uFill>
-                <a:latin typeface="黑体"/>
-                <a:ea typeface="黑体"/>
-              </a:rPr>
-              <a:t>)----&gt;</a:t>
-            </a:r>
-            <a:r>
-              <a:rPr b="0" i="1" lang="en-US" sz="1800" spc="-1" strike="noStrike">
-                <a:solidFill>
-                  <a:srgbClr val="000000"/>
-                </a:solidFill>
-                <a:uFill>
-                  <a:solidFill>
-                    <a:srgbClr val="ffffff"/>
-                  </a:solidFill>
-                </a:uFill>
-                <a:latin typeface="黑体"/>
-                <a:ea typeface="黑体"/>
-              </a:rPr>
-              <a:t>如何引用链接库</a:t>
-            </a:r>
-            <a:r>
-              <a:rPr b="0" i="1" lang="en-US" sz="1800" spc="-1" strike="noStrike">
-                <a:solidFill>
-                  <a:srgbClr val="000000"/>
-                </a:solidFill>
-                <a:uFill>
-                  <a:solidFill>
-                    <a:srgbClr val="ffffff"/>
-                  </a:solidFill>
-                </a:uFill>
-                <a:latin typeface="黑体"/>
-                <a:ea typeface="黑体"/>
-              </a:rPr>
-              <a:t>(</a:t>
-            </a:r>
-            <a:r>
-              <a:rPr b="0" i="1" lang="en-US" sz="1800" spc="-1" strike="noStrike">
-                <a:solidFill>
-                  <a:srgbClr val="000000"/>
-                </a:solidFill>
-                <a:uFill>
-                  <a:solidFill>
-                    <a:srgbClr val="ffffff"/>
-                  </a:solidFill>
-                </a:uFill>
-                <a:latin typeface="黑体"/>
-                <a:ea typeface="黑体"/>
-              </a:rPr>
-              <a:t>内部</a:t>
-            </a:r>
-            <a:r>
-              <a:rPr b="0" i="1" lang="en-US" sz="1800" spc="-1" strike="noStrike">
-                <a:solidFill>
-                  <a:srgbClr val="000000"/>
-                </a:solidFill>
-                <a:uFill>
-                  <a:solidFill>
-                    <a:srgbClr val="ffffff"/>
-                  </a:solidFill>
-                </a:uFill>
-                <a:latin typeface="黑体"/>
-                <a:ea typeface="黑体"/>
-              </a:rPr>
-              <a:t>&amp;</a:t>
-            </a:r>
-            <a:r>
-              <a:rPr b="0" i="1" lang="en-US" sz="1800" spc="-1" strike="noStrike">
-                <a:solidFill>
-                  <a:srgbClr val="000000"/>
-                </a:solidFill>
-                <a:uFill>
-                  <a:solidFill>
-                    <a:srgbClr val="ffffff"/>
-                  </a:solidFill>
-                </a:uFill>
-                <a:latin typeface="黑体"/>
-                <a:ea typeface="黑体"/>
-              </a:rPr>
               <a:t>引用</a:t>
             </a:r>
             <a:r>
-              <a:rPr b="0" i="1" lang="en-US" sz="1800" spc="-1" strike="noStrike">
-                <a:solidFill>
-                  <a:srgbClr val="000000"/>
-                </a:solidFill>
-                <a:uFill>
-                  <a:solidFill>
-                    <a:srgbClr val="ffffff"/>
-                  </a:solidFill>
-                </a:uFill>
-                <a:latin typeface="黑体"/>
+              <a:rPr b="0" lang="en-US" sz="1800" spc="-1" strike="noStrike">
+                <a:solidFill>
+                  <a:srgbClr val="000000"/>
+                </a:solidFill>
+                <a:uFill>
+                  <a:solidFill>
+                    <a:srgbClr val="ffffff"/>
+                  </a:solidFill>
+                </a:uFill>
+                <a:latin typeface="Arial"/>
                 <a:ea typeface="黑体"/>
               </a:rPr>
               <a:t>)----&gt;</a:t>
@@ -8644,7 +9491,7 @@
       </p:sp>
       <p:pic>
         <p:nvPicPr>
-          <p:cNvPr id="124" name="" descr=""/>
+          <p:cNvPr id="124" name="图片 123" descr=""/>
           <p:cNvPicPr/>
           <p:nvPr/>
         </p:nvPicPr>
@@ -8655,7 +9502,7 @@
         <p:spPr>
           <a:xfrm>
             <a:off x="7132320" y="174240"/>
-            <a:ext cx="1855440" cy="731160"/>
+            <a:ext cx="1855080" cy="730800"/>
           </a:xfrm>
           <a:prstGeom prst="rect">
             <a:avLst/>
@@ -8723,7 +9570,7 @@
         <p:spPr>
           <a:xfrm>
             <a:off x="623880" y="637920"/>
-            <a:ext cx="7886160" cy="2139120"/>
+            <a:ext cx="7885800" cy="2138760"/>
           </a:xfrm>
           <a:prstGeom prst="rect">
             <a:avLst/>
@@ -8758,6 +9605,7 @@
                   </a:solidFill>
                 </a:uFill>
                 <a:latin typeface="Arial"/>
+                <a:ea typeface="DejaVu Sans"/>
               </a:rPr>
               <a:t>1.</a:t>
             </a:r>
@@ -8772,6 +9620,7 @@
                   </a:solidFill>
                 </a:uFill>
                 <a:latin typeface="Arial"/>
+                <a:ea typeface="DejaVu Sans"/>
               </a:rPr>
               <a:t>认识</a:t>
             </a:r>
@@ -8786,6 +9635,7 @@
                   </a:solidFill>
                 </a:uFill>
                 <a:latin typeface="Arial"/>
+                <a:ea typeface="DejaVu Sans"/>
               </a:rPr>
               <a:t>CMake</a:t>
             </a:r>
@@ -8800,6 +9650,7 @@
                   </a:solidFill>
                 </a:uFill>
                 <a:latin typeface="Arial"/>
+                <a:ea typeface="DejaVu Sans"/>
               </a:rPr>
               <a:t>及应用</a:t>
             </a:r>
@@ -8826,7 +9677,7 @@
         <p:spPr>
           <a:xfrm>
             <a:off x="623880" y="2772360"/>
-            <a:ext cx="7886160" cy="57240"/>
+            <a:ext cx="7885800" cy="56880"/>
           </a:xfrm>
           <a:prstGeom prst="rect">
             <a:avLst/>
@@ -8959,7 +9810,7 @@
         <p:spPr>
           <a:xfrm>
             <a:off x="342000" y="174240"/>
-            <a:ext cx="8228880" cy="975960"/>
+            <a:ext cx="8228520" cy="975600"/>
           </a:xfrm>
           <a:prstGeom prst="rect">
             <a:avLst/>
@@ -8994,6 +9845,22 @@
                   </a:solidFill>
                 </a:uFill>
                 <a:latin typeface="Arial"/>
+                <a:ea typeface="DejaVu Sans"/>
+              </a:rPr>
+              <a:t>1. </a:t>
+            </a:r>
+            <a:r>
+              <a:rPr b="0" lang="en-US" sz="2800" spc="-1" strike="noStrike">
+                <a:solidFill>
+                  <a:srgbClr val="000000"/>
+                </a:solidFill>
+                <a:uFill>
+                  <a:solidFill>
+                    <a:srgbClr val="ffffff"/>
+                  </a:solidFill>
+                </a:uFill>
+                <a:latin typeface="Arial"/>
+                <a:ea typeface="DejaVu Sans"/>
               </a:rPr>
               <a:t>认识</a:t>
             </a:r>
@@ -9008,6 +9875,7 @@
                   </a:solidFill>
                 </a:uFill>
                 <a:latin typeface="Arial"/>
+                <a:ea typeface="DejaVu Sans"/>
               </a:rPr>
               <a:t>CMake</a:t>
             </a:r>
@@ -9022,6 +9890,7 @@
                   </a:solidFill>
                 </a:uFill>
                 <a:latin typeface="Arial"/>
+                <a:ea typeface="DejaVu Sans"/>
               </a:rPr>
               <a:t>及应用</a:t>
             </a:r>
@@ -9048,7 +9917,7 @@
         <p:spPr>
           <a:xfrm>
             <a:off x="202320" y="1357560"/>
-            <a:ext cx="8228880" cy="3785040"/>
+            <a:ext cx="8228520" cy="3784680"/>
           </a:xfrm>
           <a:prstGeom prst="rect">
             <a:avLst/>
@@ -9067,70 +9936,243 @@
         <p:txBody>
           <a:bodyPr lIns="90000" rIns="90000" tIns="45000" bIns="45000"/>
           <a:p>
+            <a:pPr marL="343080" indent="-342720">
+              <a:lnSpc>
+                <a:spcPct val="150000"/>
+              </a:lnSpc>
+              <a:buClr>
+                <a:srgbClr val="000000"/>
+              </a:buClr>
+              <a:buFont typeface="Wingdings" charset="2"/>
+              <a:buChar char=""/>
+            </a:pPr>
+            <a:r>
+              <a:rPr b="1" lang="en-US" sz="1800" spc="-1" strike="noStrike">
+                <a:solidFill>
+                  <a:srgbClr val="000000"/>
+                </a:solidFill>
+                <a:uFill>
+                  <a:solidFill>
+                    <a:srgbClr val="ffffff"/>
+                  </a:solidFill>
+                </a:uFill>
+                <a:latin typeface="Arial"/>
+                <a:ea typeface="DejaVu Sans"/>
+              </a:rPr>
+              <a:t>CMake </a:t>
+            </a:r>
+            <a:r>
+              <a:rPr b="1" lang="en-US" sz="1800" spc="-1" strike="noStrike">
+                <a:solidFill>
+                  <a:srgbClr val="000000"/>
+                </a:solidFill>
+                <a:uFill>
+                  <a:solidFill>
+                    <a:srgbClr val="ffffff"/>
+                  </a:solidFill>
+                </a:uFill>
+                <a:latin typeface="Arial"/>
+                <a:ea typeface="DejaVu Sans"/>
+              </a:rPr>
+              <a:t>是什么</a:t>
+            </a:r>
+            <a:r>
+              <a:rPr b="1" lang="en-US" sz="1800" spc="-1" strike="noStrike">
+                <a:solidFill>
+                  <a:srgbClr val="000000"/>
+                </a:solidFill>
+                <a:uFill>
+                  <a:solidFill>
+                    <a:srgbClr val="ffffff"/>
+                  </a:solidFill>
+                </a:uFill>
+                <a:latin typeface="Arial"/>
+                <a:ea typeface="DejaVu Sans"/>
+              </a:rPr>
+              <a:t>?    </a:t>
+            </a:r>
+            <a:endParaRPr b="0" lang="en-US" sz="1800" spc="-1" strike="noStrike">
+              <a:solidFill>
+                <a:srgbClr val="000000"/>
+              </a:solidFill>
+              <a:uFill>
+                <a:solidFill>
+                  <a:srgbClr val="ffffff"/>
+                </a:solidFill>
+              </a:uFill>
+              <a:latin typeface="Arial"/>
+            </a:endParaRPr>
+          </a:p>
+          <a:p>
             <a:pPr>
               <a:lnSpc>
-                <a:spcPct val="125000"/>
+                <a:spcPct val="150000"/>
               </a:lnSpc>
             </a:pPr>
             <a:r>
-              <a:rPr b="1" lang="en-US" sz="2000" spc="-1" strike="noStrike">
-                <a:solidFill>
-                  <a:srgbClr val="000000"/>
-                </a:solidFill>
-                <a:uFill>
-                  <a:solidFill>
-                    <a:srgbClr val="ffffff"/>
-                  </a:solidFill>
-                </a:uFill>
-                <a:latin typeface="Arial"/>
-                <a:ea typeface="DejaVu Sans"/>
-              </a:rPr>
-              <a:t>CMake </a:t>
-            </a:r>
-            <a:r>
-              <a:rPr b="1" lang="en-US" sz="2000" spc="-1" strike="noStrike">
-                <a:solidFill>
-                  <a:srgbClr val="000000"/>
-                </a:solidFill>
-                <a:uFill>
-                  <a:solidFill>
-                    <a:srgbClr val="ffffff"/>
-                  </a:solidFill>
-                </a:uFill>
-                <a:latin typeface="Arial"/>
-                <a:ea typeface="DejaVu Sans"/>
-              </a:rPr>
-              <a:t>是什么</a:t>
-            </a:r>
-            <a:r>
-              <a:rPr b="1" lang="en-US" sz="2000" spc="-1" strike="noStrike">
-                <a:solidFill>
-                  <a:srgbClr val="000000"/>
-                </a:solidFill>
-                <a:uFill>
-                  <a:solidFill>
-                    <a:srgbClr val="ffffff"/>
-                  </a:solidFill>
-                </a:uFill>
-                <a:latin typeface="Arial"/>
-                <a:ea typeface="DejaVu Sans"/>
-              </a:rPr>
-              <a:t>?</a:t>
-            </a:r>
-            <a:r>
-              <a:rPr b="1" lang="en-US" sz="2000" spc="-1" strike="noStrike">
-                <a:solidFill>
-                  <a:srgbClr val="000000"/>
-                </a:solidFill>
-                <a:uFill>
-                  <a:solidFill>
-                    <a:srgbClr val="ffffff"/>
-                  </a:solidFill>
-                </a:uFill>
-                <a:latin typeface="Arial"/>
-                <a:ea typeface="DejaVu Sans"/>
-              </a:rPr>
-              <a:t>    </a:t>
+              <a:rPr b="0" i="1" lang="en-US" sz="1600" spc="-1" strike="noStrike">
+                <a:solidFill>
+                  <a:srgbClr val="000000"/>
+                </a:solidFill>
+                <a:uFill>
+                  <a:solidFill>
+                    <a:srgbClr val="ffffff"/>
+                  </a:solidFill>
+                </a:uFill>
+                <a:latin typeface="Arial"/>
+                <a:ea typeface="DejaVu Sans"/>
+              </a:rPr>
+              <a:t>      </a:t>
+            </a:r>
+            <a:r>
+              <a:rPr b="0" lang="en-US" sz="1600" spc="-1" strike="noStrike">
+                <a:solidFill>
+                  <a:srgbClr val="000000"/>
+                </a:solidFill>
+                <a:uFill>
+                  <a:solidFill>
+                    <a:srgbClr val="ffffff"/>
+                  </a:solidFill>
+                </a:uFill>
+                <a:latin typeface="Arial"/>
+                <a:ea typeface="DejaVu Sans"/>
+              </a:rPr>
+              <a:t>一款优秀的</a:t>
+            </a:r>
+            <a:r>
+              <a:rPr b="1" lang="en-US" sz="1600" spc="-1" strike="noStrike">
+                <a:solidFill>
+                  <a:srgbClr val="000000"/>
+                </a:solidFill>
+                <a:uFill>
+                  <a:solidFill>
+                    <a:srgbClr val="ffffff"/>
+                  </a:solidFill>
+                </a:uFill>
+                <a:latin typeface="Arial"/>
+                <a:ea typeface="DejaVu Sans"/>
+              </a:rPr>
+              <a:t>工程构建工具</a:t>
+            </a:r>
+            <a:r>
+              <a:rPr b="0" lang="en-US" sz="1600" spc="-1" strike="noStrike">
+                <a:solidFill>
+                  <a:srgbClr val="000000"/>
+                </a:solidFill>
+                <a:uFill>
+                  <a:solidFill>
+                    <a:srgbClr val="ffffff"/>
+                  </a:solidFill>
+                </a:uFill>
+                <a:latin typeface="Arial"/>
+                <a:ea typeface="DejaVu Sans"/>
+              </a:rPr>
+              <a:t>,KDE</a:t>
+            </a:r>
+            <a:r>
+              <a:rPr b="0" lang="en-US" sz="1600" spc="-1" strike="noStrike">
+                <a:solidFill>
+                  <a:srgbClr val="000000"/>
+                </a:solidFill>
+                <a:uFill>
+                  <a:solidFill>
+                    <a:srgbClr val="ffffff"/>
+                  </a:solidFill>
+                </a:uFill>
+                <a:latin typeface="Arial"/>
+                <a:ea typeface="DejaVu Sans"/>
+              </a:rPr>
+              <a:t>开发者在使用了近</a:t>
+            </a:r>
+            <a:r>
+              <a:rPr b="0" lang="en-US" sz="1600" spc="-1" strike="noStrike">
+                <a:solidFill>
+                  <a:srgbClr val="000000"/>
+                </a:solidFill>
+                <a:uFill>
+                  <a:solidFill>
+                    <a:srgbClr val="ffffff"/>
+                  </a:solidFill>
+                </a:uFill>
+                <a:latin typeface="Arial"/>
+                <a:ea typeface="DejaVu Sans"/>
+              </a:rPr>
+              <a:t>10</a:t>
+            </a:r>
+            <a:r>
+              <a:rPr b="0" lang="en-US" sz="1600" spc="-1" strike="noStrike">
+                <a:solidFill>
+                  <a:srgbClr val="000000"/>
+                </a:solidFill>
+                <a:uFill>
+                  <a:solidFill>
+                    <a:srgbClr val="ffffff"/>
+                  </a:solidFill>
+                </a:uFill>
+                <a:latin typeface="Arial"/>
+                <a:ea typeface="DejaVu Sans"/>
+              </a:rPr>
+              <a:t>年</a:t>
+            </a:r>
+            <a:r>
+              <a:rPr b="0" lang="en-US" sz="1600" spc="-1" strike="noStrike">
+                <a:solidFill>
+                  <a:srgbClr val="000000"/>
+                </a:solidFill>
+                <a:uFill>
+                  <a:solidFill>
+                    <a:srgbClr val="ffffff"/>
+                  </a:solidFill>
+                </a:uFill>
+                <a:latin typeface="Arial"/>
+                <a:ea typeface="DejaVu Sans"/>
+              </a:rPr>
+              <a:t>autotools</a:t>
+            </a:r>
+            <a:r>
+              <a:rPr b="0" lang="en-US" sz="1600" spc="-1" strike="noStrike">
+                <a:solidFill>
+                  <a:srgbClr val="000000"/>
+                </a:solidFill>
+                <a:uFill>
+                  <a:solidFill>
+                    <a:srgbClr val="ffffff"/>
+                  </a:solidFill>
+                </a:uFill>
+                <a:latin typeface="Arial"/>
+                <a:ea typeface="DejaVu Sans"/>
+              </a:rPr>
+              <a:t>之后，终于决定为</a:t>
+            </a:r>
+            <a:r>
+              <a:rPr b="0" lang="en-US" sz="1600" spc="-1" strike="noStrike">
+                <a:solidFill>
+                  <a:srgbClr val="000000"/>
+                </a:solidFill>
+                <a:uFill>
+                  <a:solidFill>
+                    <a:srgbClr val="ffffff"/>
+                  </a:solidFill>
+                </a:uFill>
+                <a:latin typeface="Arial"/>
+                <a:ea typeface="DejaVu Sans"/>
+              </a:rPr>
+              <a:t>KDE4</a:t>
+            </a:r>
+            <a:r>
+              <a:rPr b="0" lang="en-US" sz="1600" spc="-1" strike="noStrike">
+                <a:solidFill>
+                  <a:srgbClr val="000000"/>
+                </a:solidFill>
+                <a:uFill>
+                  <a:solidFill>
+                    <a:srgbClr val="ffffff"/>
+                  </a:solidFill>
+                </a:uFill>
+                <a:latin typeface="Arial"/>
+                <a:ea typeface="DejaVu Sans"/>
+              </a:rPr>
+              <a:t>选择一个新的工程构建工具</a:t>
             </a:r>
             <a:endParaRPr b="0" lang="en-US" sz="1800" spc="-1" strike="noStrike">
               <a:solidFill>
@@ -9145,103 +10187,440 @@
             </a:endParaRPr>
           </a:p>
           <a:p>
-            <a:pPr>
+            <a:pPr marL="343080" indent="-342720">
               <a:lnSpc>
-                <a:spcPct val="125000"/>
+                <a:spcPct val="150000"/>
               </a:lnSpc>
+              <a:buClr>
+                <a:srgbClr val="000000"/>
+              </a:buClr>
+              <a:buFont typeface="Wingdings" charset="2"/>
+              <a:buChar char=""/>
             </a:pPr>
             <a:r>
-              <a:rPr b="0" i="1" lang="en-US" sz="1600" spc="-1" strike="noStrike">
-                <a:solidFill>
-                  <a:srgbClr val="000000"/>
-                </a:solidFill>
-                <a:uFill>
-                  <a:solidFill>
-                    <a:srgbClr val="ffffff"/>
-                  </a:solidFill>
-                </a:uFill>
-                <a:latin typeface="Arial"/>
-                <a:ea typeface="DejaVu Sans"/>
-              </a:rPr>
-              <a:t>一款优秀的</a:t>
-            </a:r>
-            <a:r>
-              <a:rPr b="1" i="1" lang="en-US" sz="1600" spc="-1" strike="noStrike">
-                <a:solidFill>
-                  <a:srgbClr val="000000"/>
-                </a:solidFill>
-                <a:uFill>
-                  <a:solidFill>
-                    <a:srgbClr val="ffffff"/>
-                  </a:solidFill>
-                </a:uFill>
-                <a:latin typeface="Arial"/>
-                <a:ea typeface="DejaVu Sans"/>
-              </a:rPr>
-              <a:t>工程构建工具</a:t>
-            </a:r>
-            <a:r>
-              <a:rPr b="0" i="1" lang="en-US" sz="1600" spc="-1" strike="noStrike">
-                <a:solidFill>
-                  <a:srgbClr val="000000"/>
-                </a:solidFill>
-                <a:uFill>
-                  <a:solidFill>
-                    <a:srgbClr val="ffffff"/>
-                  </a:solidFill>
-                </a:uFill>
-                <a:latin typeface="Arial"/>
-                <a:ea typeface="DejaVu Sans"/>
-              </a:rPr>
-              <a:t>,KDE</a:t>
-            </a:r>
-            <a:r>
-              <a:rPr b="0" i="1" lang="en-US" sz="1600" spc="-1" strike="noStrike">
-                <a:solidFill>
-                  <a:srgbClr val="000000"/>
-                </a:solidFill>
-                <a:uFill>
-                  <a:solidFill>
-                    <a:srgbClr val="ffffff"/>
-                  </a:solidFill>
-                </a:uFill>
-                <a:latin typeface="Arial"/>
-                <a:ea typeface="DejaVu Sans"/>
-              </a:rPr>
-              <a:t>开发者在使用了近</a:t>
-            </a:r>
-            <a:r>
-              <a:rPr b="0" i="1" lang="en-US" sz="1600" spc="-1" strike="noStrike">
-                <a:solidFill>
-                  <a:srgbClr val="000000"/>
-                </a:solidFill>
-                <a:uFill>
-                  <a:solidFill>
-                    <a:srgbClr val="ffffff"/>
-                  </a:solidFill>
-                </a:uFill>
-                <a:latin typeface="Arial"/>
-                <a:ea typeface="DejaVu Sans"/>
-              </a:rPr>
-              <a:t>10</a:t>
-            </a:r>
-            <a:r>
-              <a:rPr b="0" i="1" lang="en-US" sz="1600" spc="-1" strike="noStrike">
-                <a:solidFill>
-                  <a:srgbClr val="000000"/>
-                </a:solidFill>
-                <a:uFill>
-                  <a:solidFill>
-                    <a:srgbClr val="ffffff"/>
-                  </a:solidFill>
-                </a:uFill>
-                <a:latin typeface="Arial"/>
-                <a:ea typeface="DejaVu Sans"/>
-              </a:rPr>
-              <a:t>年</a:t>
-            </a:r>
-            <a:r>
-              <a:rPr b="0" i="1" lang="en-US" sz="1600" spc="-1" strike="noStrike">
+              <a:rPr b="1" lang="en-US" sz="1800" spc="-1" strike="noStrike">
+                <a:solidFill>
+                  <a:srgbClr val="000000"/>
+                </a:solidFill>
+                <a:uFill>
+                  <a:solidFill>
+                    <a:srgbClr val="ffffff"/>
+                  </a:solidFill>
+                </a:uFill>
+                <a:latin typeface="Arial"/>
+                <a:ea typeface="DejaVu Sans"/>
+              </a:rPr>
+              <a:t>特点及优势</a:t>
+            </a:r>
+            <a:r>
+              <a:rPr b="1" lang="en-US" sz="1800" spc="-1" strike="noStrike">
+                <a:solidFill>
+                  <a:srgbClr val="000000"/>
+                </a:solidFill>
+                <a:uFill>
+                  <a:solidFill>
+                    <a:srgbClr val="ffffff"/>
+                  </a:solidFill>
+                </a:uFill>
+                <a:latin typeface="Arial"/>
+                <a:ea typeface="DejaVu Sans"/>
+              </a:rPr>
+              <a:t>:</a:t>
+            </a:r>
+            <a:endParaRPr b="0" lang="en-US" sz="1800" spc="-1" strike="noStrike">
+              <a:solidFill>
+                <a:srgbClr val="000000"/>
+              </a:solidFill>
+              <a:uFill>
+                <a:solidFill>
+                  <a:srgbClr val="ffffff"/>
+                </a:solidFill>
+              </a:uFill>
+              <a:latin typeface="Arial"/>
+            </a:endParaRPr>
+          </a:p>
+          <a:p>
+            <a:pPr marL="285840" indent="-285480">
+              <a:lnSpc>
+                <a:spcPct val="150000"/>
+              </a:lnSpc>
+              <a:buClr>
+                <a:srgbClr val="000000"/>
+              </a:buClr>
+              <a:buFont typeface="Wingdings" charset="2"/>
+              <a:buChar char=""/>
+            </a:pPr>
+            <a:r>
+              <a:rPr b="0" lang="en-US" sz="1600" spc="-1" strike="noStrike">
+                <a:solidFill>
+                  <a:srgbClr val="000000"/>
+                </a:solidFill>
+                <a:uFill>
+                  <a:solidFill>
+                    <a:srgbClr val="ffffff"/>
+                  </a:solidFill>
+                </a:uFill>
+                <a:latin typeface="Arial"/>
+                <a:ea typeface="DejaVu Sans"/>
+              </a:rPr>
+              <a:t>开放源代码</a:t>
+            </a:r>
+            <a:r>
+              <a:rPr b="0" lang="en-US" sz="1600" spc="-1" strike="noStrike">
+                <a:solidFill>
+                  <a:srgbClr val="000000"/>
+                </a:solidFill>
+                <a:uFill>
+                  <a:solidFill>
+                    <a:srgbClr val="ffffff"/>
+                  </a:solidFill>
+                </a:uFill>
+                <a:latin typeface="Arial"/>
+                <a:ea typeface="DejaVu Sans"/>
+              </a:rPr>
+              <a:t>,</a:t>
+            </a:r>
+            <a:r>
+              <a:rPr b="0" lang="en-US" sz="1600" spc="-1" strike="noStrike">
+                <a:solidFill>
+                  <a:srgbClr val="000000"/>
+                </a:solidFill>
+                <a:uFill>
+                  <a:solidFill>
+                    <a:srgbClr val="ffffff"/>
+                  </a:solidFill>
+                </a:uFill>
+                <a:latin typeface="Arial"/>
+                <a:ea typeface="DejaVu Sans"/>
+              </a:rPr>
+              <a:t>具有</a:t>
+            </a:r>
+            <a:r>
+              <a:rPr b="0" lang="en-US" sz="1600" spc="-1" strike="noStrike">
+                <a:solidFill>
+                  <a:srgbClr val="000000"/>
+                </a:solidFill>
+                <a:uFill>
+                  <a:solidFill>
+                    <a:srgbClr val="ffffff"/>
+                  </a:solidFill>
+                </a:uFill>
+                <a:latin typeface="Arial"/>
+                <a:ea typeface="DejaVu Sans"/>
+              </a:rPr>
+              <a:t>BSD</a:t>
+            </a:r>
+            <a:r>
+              <a:rPr b="0" lang="en-US" sz="1600" spc="-1" strike="noStrike">
+                <a:solidFill>
+                  <a:srgbClr val="000000"/>
+                </a:solidFill>
+                <a:uFill>
+                  <a:solidFill>
+                    <a:srgbClr val="ffffff"/>
+                  </a:solidFill>
+                </a:uFill>
+                <a:latin typeface="Arial"/>
+                <a:ea typeface="DejaVu Sans"/>
+              </a:rPr>
+              <a:t>许可</a:t>
+            </a:r>
+            <a:endParaRPr b="0" lang="en-US" sz="1800" spc="-1" strike="noStrike">
+              <a:solidFill>
+                <a:srgbClr val="000000"/>
+              </a:solidFill>
+              <a:uFill>
+                <a:solidFill>
+                  <a:srgbClr val="ffffff"/>
+                </a:solidFill>
+              </a:uFill>
+              <a:latin typeface="Arial"/>
+            </a:endParaRPr>
+          </a:p>
+          <a:p>
+            <a:pPr marL="285840" indent="-285480">
+              <a:lnSpc>
+                <a:spcPct val="150000"/>
+              </a:lnSpc>
+              <a:buClr>
+                <a:srgbClr val="000000"/>
+              </a:buClr>
+              <a:buFont typeface="Wingdings" charset="2"/>
+              <a:buChar char=""/>
+            </a:pPr>
+            <a:r>
+              <a:rPr b="0" lang="en-US" sz="1600" spc="-1" strike="noStrike">
+                <a:solidFill>
+                  <a:srgbClr val="000000"/>
+                </a:solidFill>
+                <a:uFill>
+                  <a:solidFill>
+                    <a:srgbClr val="ffffff"/>
+                  </a:solidFill>
+                </a:uFill>
+                <a:latin typeface="Arial"/>
+                <a:ea typeface="DejaVu Sans"/>
+              </a:rPr>
+              <a:t>跨平台</a:t>
+            </a:r>
+            <a:r>
+              <a:rPr b="0" lang="en-US" sz="1600" spc="-1" strike="noStrike">
+                <a:solidFill>
+                  <a:srgbClr val="000000"/>
+                </a:solidFill>
+                <a:uFill>
+                  <a:solidFill>
+                    <a:srgbClr val="ffffff"/>
+                  </a:solidFill>
+                </a:uFill>
+                <a:latin typeface="Arial"/>
+                <a:ea typeface="DejaVu Sans"/>
+              </a:rPr>
+              <a:t>,</a:t>
+            </a:r>
+            <a:r>
+              <a:rPr b="0" lang="en-US" sz="1600" spc="-1" strike="noStrike">
+                <a:solidFill>
+                  <a:srgbClr val="000000"/>
+                </a:solidFill>
+                <a:uFill>
+                  <a:solidFill>
+                    <a:srgbClr val="ffffff"/>
+                  </a:solidFill>
+                </a:uFill>
+                <a:latin typeface="Arial"/>
+                <a:ea typeface="DejaVu Sans"/>
+              </a:rPr>
+              <a:t>支持</a:t>
+            </a:r>
+            <a:r>
+              <a:rPr b="0" lang="en-US" sz="1600" spc="-1" strike="noStrike">
+                <a:solidFill>
+                  <a:srgbClr val="000000"/>
+                </a:solidFill>
+                <a:uFill>
+                  <a:solidFill>
+                    <a:srgbClr val="ffffff"/>
+                  </a:solidFill>
+                </a:uFill>
+                <a:latin typeface="Arial"/>
+                <a:ea typeface="DejaVu Sans"/>
+              </a:rPr>
+              <a:t>Linux, Mac</a:t>
+            </a:r>
+            <a:r>
+              <a:rPr b="0" lang="en-US" sz="1600" spc="-1" strike="noStrike">
+                <a:solidFill>
+                  <a:srgbClr val="000000"/>
+                </a:solidFill>
+                <a:uFill>
+                  <a:solidFill>
+                    <a:srgbClr val="ffffff"/>
+                  </a:solidFill>
+                </a:uFill>
+                <a:latin typeface="Arial"/>
+                <a:ea typeface="DejaVu Sans"/>
+              </a:rPr>
+              <a:t>和</a:t>
+            </a:r>
+            <a:r>
+              <a:rPr b="0" lang="en-US" sz="1600" spc="-1" strike="noStrike">
+                <a:solidFill>
+                  <a:srgbClr val="000000"/>
+                </a:solidFill>
+                <a:uFill>
+                  <a:solidFill>
+                    <a:srgbClr val="ffffff"/>
+                  </a:solidFill>
+                </a:uFill>
+                <a:latin typeface="Arial"/>
+                <a:ea typeface="DejaVu Sans"/>
+              </a:rPr>
+              <a:t>Windows</a:t>
+            </a:r>
+            <a:r>
+              <a:rPr b="0" lang="en-US" sz="1600" spc="-1" strike="noStrike">
+                <a:solidFill>
+                  <a:srgbClr val="000000"/>
+                </a:solidFill>
+                <a:uFill>
+                  <a:solidFill>
+                    <a:srgbClr val="ffffff"/>
+                  </a:solidFill>
+                </a:uFill>
+                <a:latin typeface="Arial"/>
+                <a:ea typeface="DejaVu Sans"/>
+              </a:rPr>
+              <a:t>等不同操作系统</a:t>
+            </a:r>
+            <a:endParaRPr b="0" lang="en-US" sz="1800" spc="-1" strike="noStrike">
+              <a:solidFill>
+                <a:srgbClr val="000000"/>
+              </a:solidFill>
+              <a:uFill>
+                <a:solidFill>
+                  <a:srgbClr val="ffffff"/>
+                </a:solidFill>
+              </a:uFill>
+              <a:latin typeface="Arial"/>
+            </a:endParaRPr>
+          </a:p>
+          <a:p>
+            <a:pPr marL="285840" indent="-285480">
+              <a:lnSpc>
+                <a:spcPct val="150000"/>
+              </a:lnSpc>
+              <a:buClr>
+                <a:srgbClr val="000000"/>
+              </a:buClr>
+              <a:buFont typeface="Wingdings" charset="2"/>
+              <a:buChar char=""/>
+            </a:pPr>
+            <a:r>
+              <a:rPr b="0" lang="en-US" sz="1600" spc="-1" strike="noStrike">
+                <a:solidFill>
+                  <a:srgbClr val="000000"/>
+                </a:solidFill>
+                <a:uFill>
+                  <a:solidFill>
+                    <a:srgbClr val="ffffff"/>
+                  </a:solidFill>
+                </a:uFill>
+                <a:latin typeface="Arial"/>
+                <a:ea typeface="DejaVu Sans"/>
+              </a:rPr>
+              <a:t>编译语言简单</a:t>
+            </a:r>
+            <a:r>
+              <a:rPr b="0" lang="en-US" sz="1600" spc="-1" strike="noStrike">
+                <a:solidFill>
+                  <a:srgbClr val="000000"/>
+                </a:solidFill>
+                <a:uFill>
+                  <a:solidFill>
+                    <a:srgbClr val="ffffff"/>
+                  </a:solidFill>
+                </a:uFill>
+                <a:latin typeface="Arial"/>
+                <a:ea typeface="DejaVu Sans"/>
+              </a:rPr>
+              <a:t>,</a:t>
+            </a:r>
+            <a:r>
+              <a:rPr b="0" lang="en-US" sz="1600" spc="-1" strike="noStrike">
+                <a:solidFill>
+                  <a:srgbClr val="000000"/>
+                </a:solidFill>
+                <a:uFill>
+                  <a:solidFill>
+                    <a:srgbClr val="ffffff"/>
+                  </a:solidFill>
+                </a:uFill>
+                <a:latin typeface="Arial"/>
+                <a:ea typeface="DejaVu Sans"/>
+              </a:rPr>
+              <a:t>易用</a:t>
+            </a:r>
+            <a:r>
+              <a:rPr b="0" lang="en-US" sz="1600" spc="-1" strike="noStrike">
+                <a:solidFill>
+                  <a:srgbClr val="000000"/>
+                </a:solidFill>
+                <a:uFill>
+                  <a:solidFill>
+                    <a:srgbClr val="ffffff"/>
+                  </a:solidFill>
+                </a:uFill>
+                <a:latin typeface="Arial"/>
+                <a:ea typeface="DejaVu Sans"/>
+              </a:rPr>
+              <a:t>,</a:t>
+            </a:r>
+            <a:r>
+              <a:rPr b="0" lang="en-US" sz="1600" spc="-1" strike="noStrike">
+                <a:solidFill>
+                  <a:srgbClr val="000000"/>
+                </a:solidFill>
+                <a:uFill>
+                  <a:solidFill>
+                    <a:srgbClr val="ffffff"/>
+                  </a:solidFill>
+                </a:uFill>
+                <a:latin typeface="Arial"/>
+                <a:ea typeface="DejaVu Sans"/>
+              </a:rPr>
+              <a:t>简化编译构建过程和编译过程</a:t>
+            </a:r>
+            <a:endParaRPr b="0" lang="en-US" sz="1800" spc="-1" strike="noStrike">
+              <a:solidFill>
+                <a:srgbClr val="000000"/>
+              </a:solidFill>
+              <a:uFill>
+                <a:solidFill>
+                  <a:srgbClr val="ffffff"/>
+                </a:solidFill>
+              </a:uFill>
+              <a:latin typeface="Arial"/>
+            </a:endParaRPr>
+          </a:p>
+          <a:p>
+            <a:pPr marL="285840" indent="-285480">
+              <a:lnSpc>
+                <a:spcPct val="150000"/>
+              </a:lnSpc>
+              <a:buClr>
+                <a:srgbClr val="000000"/>
+              </a:buClr>
+              <a:buFont typeface="Wingdings" charset="2"/>
+              <a:buChar char=""/>
+            </a:pPr>
+            <a:r>
+              <a:rPr b="0" lang="en-US" sz="1600" spc="-1" strike="noStrike">
+                <a:solidFill>
+                  <a:srgbClr val="000000"/>
+                </a:solidFill>
+                <a:uFill>
+                  <a:solidFill>
+                    <a:srgbClr val="ffffff"/>
+                  </a:solidFill>
+                </a:uFill>
+                <a:latin typeface="Arial"/>
+                <a:ea typeface="DejaVu Sans"/>
+              </a:rPr>
+              <a:t>编程高效</a:t>
+            </a:r>
+            <a:r>
+              <a:rPr b="0" lang="en-US" sz="1400" spc="-1" strike="noStrike">
+                <a:solidFill>
+                  <a:srgbClr val="000000"/>
+                </a:solidFill>
+                <a:uFill>
+                  <a:solidFill>
+                    <a:srgbClr val="ffffff"/>
+                  </a:solidFill>
+                </a:uFill>
+                <a:latin typeface="Arial"/>
+                <a:ea typeface="DejaVu Sans"/>
+              </a:rPr>
+              <a:t>(</a:t>
+            </a:r>
+            <a:r>
+              <a:rPr b="0" lang="en-US" sz="1400" spc="-1" strike="noStrike">
+                <a:solidFill>
+                  <a:srgbClr val="000000"/>
+                </a:solidFill>
+                <a:uFill>
+                  <a:solidFill>
+                    <a:srgbClr val="ffffff"/>
+                  </a:solidFill>
+                </a:uFill>
+                <a:latin typeface="Arial"/>
+                <a:ea typeface="DejaVu Sans"/>
+              </a:rPr>
+              <a:t>比</a:t>
+            </a:r>
+            <a:r>
+              <a:rPr b="0" lang="en-US" sz="1400" spc="-1" strike="noStrike">
                 <a:solidFill>
                   <a:srgbClr val="000000"/>
                 </a:solidFill>
@@ -9256,148 +10635,37 @@
               <a:t>autotools</a:t>
             </a:r>
             <a:r>
-              <a:rPr b="0" i="1" lang="en-US" sz="1600" spc="-1" strike="noStrike">
-                <a:solidFill>
-                  <a:srgbClr val="000000"/>
-                </a:solidFill>
-                <a:uFill>
-                  <a:solidFill>
-                    <a:srgbClr val="ffffff"/>
-                  </a:solidFill>
-                </a:uFill>
-                <a:latin typeface="Arial"/>
-                <a:ea typeface="DejaVu Sans"/>
-              </a:rPr>
-              <a:t>之后，终于决定为</a:t>
-            </a:r>
-            <a:r>
-              <a:rPr b="0" i="1" lang="en-US" sz="1600" spc="-1" strike="noStrike">
-                <a:solidFill>
-                  <a:srgbClr val="000000"/>
-                </a:solidFill>
-                <a:uFill>
-                  <a:solidFill>
-                    <a:srgbClr val="ffffff"/>
-                  </a:solidFill>
-                </a:uFill>
-                <a:latin typeface="Arial"/>
-                <a:ea typeface="DejaVu Sans"/>
-              </a:rPr>
-              <a:t>KDE4</a:t>
-            </a:r>
-            <a:r>
-              <a:rPr b="0" i="1" lang="en-US" sz="1600" spc="-1" strike="noStrike">
-                <a:solidFill>
-                  <a:srgbClr val="000000"/>
-                </a:solidFill>
-                <a:uFill>
-                  <a:solidFill>
-                    <a:srgbClr val="ffffff"/>
-                  </a:solidFill>
-                </a:uFill>
-                <a:latin typeface="Arial"/>
-                <a:ea typeface="DejaVu Sans"/>
-              </a:rPr>
-              <a:t>选择一个新的工程构建工具</a:t>
-            </a:r>
-            <a:r>
-              <a:rPr b="0" lang="en-US" sz="2000" spc="-1" strike="noStrike">
-                <a:solidFill>
-                  <a:srgbClr val="000000"/>
-                </a:solidFill>
-                <a:uFill>
-                  <a:solidFill>
-                    <a:srgbClr val="ffffff"/>
-                  </a:solidFill>
-                </a:uFill>
-                <a:latin typeface="Arial"/>
-                <a:ea typeface="DejaVu Sans"/>
-              </a:rPr>
-              <a:t>。</a:t>
-            </a:r>
-            <a:endParaRPr b="0" lang="en-US" sz="1800" spc="-1" strike="noStrike">
-              <a:solidFill>
-                <a:srgbClr val="000000"/>
-              </a:solidFill>
-              <a:uFill>
-                <a:solidFill>
-                  <a:srgbClr val="ffffff"/>
-                </a:solidFill>
-              </a:uFill>
-              <a:latin typeface="Arial"/>
-            </a:endParaRPr>
-          </a:p>
-          <a:p>
-            <a:pPr>
-              <a:lnSpc>
-                <a:spcPct val="125000"/>
-              </a:lnSpc>
-            </a:pPr>
-            <a:r>
-              <a:rPr b="1" lang="en-US" sz="2000" spc="-1" strike="noStrike">
-                <a:solidFill>
-                  <a:srgbClr val="000000"/>
-                </a:solidFill>
-                <a:uFill>
-                  <a:solidFill>
-                    <a:srgbClr val="ffffff"/>
-                  </a:solidFill>
-                </a:uFill>
-                <a:latin typeface="Arial"/>
-                <a:ea typeface="DejaVu Sans"/>
-              </a:rPr>
-              <a:t>特点</a:t>
-            </a:r>
-            <a:r>
-              <a:rPr b="1" lang="en-US" sz="2000" spc="-1" strike="noStrike">
-                <a:solidFill>
-                  <a:srgbClr val="000000"/>
-                </a:solidFill>
-                <a:uFill>
-                  <a:solidFill>
-                    <a:srgbClr val="ffffff"/>
-                  </a:solidFill>
-                </a:uFill>
-                <a:latin typeface="Arial"/>
-                <a:ea typeface="DejaVu Sans"/>
-              </a:rPr>
-              <a:t>:</a:t>
-            </a:r>
-            <a:endParaRPr b="0" lang="en-US" sz="1800" spc="-1" strike="noStrike">
-              <a:solidFill>
-                <a:srgbClr val="000000"/>
-              </a:solidFill>
-              <a:uFill>
-                <a:solidFill>
-                  <a:srgbClr val="ffffff"/>
-                </a:solidFill>
-              </a:uFill>
-              <a:latin typeface="Arial"/>
-            </a:endParaRPr>
-          </a:p>
-          <a:p>
-            <a:pPr>
-              <a:lnSpc>
-                <a:spcPct val="125000"/>
-              </a:lnSpc>
-            </a:pPr>
-            <a:r>
-              <a:rPr b="0" i="1" lang="en-US" sz="1600" spc="-1" strike="noStrike">
-                <a:solidFill>
-                  <a:srgbClr val="000000"/>
-                </a:solidFill>
-                <a:uFill>
-                  <a:solidFill>
-                    <a:srgbClr val="ffffff"/>
-                  </a:solidFill>
-                </a:uFill>
-                <a:latin typeface="Arial"/>
-                <a:ea typeface="DejaVu Sans"/>
-              </a:rPr>
-              <a:t>开放源代码</a:t>
-            </a:r>
-            <a:r>
-              <a:rPr b="0" i="1" lang="en-US" sz="1600" spc="-1" strike="noStrike">
+              <a:rPr b="0" lang="en-US" sz="1400" spc="-1" strike="noStrike">
+                <a:solidFill>
+                  <a:srgbClr val="000000"/>
+                </a:solidFill>
+                <a:uFill>
+                  <a:solidFill>
+                    <a:srgbClr val="ffffff"/>
+                  </a:solidFill>
+                </a:uFill>
+                <a:latin typeface="Arial"/>
+                <a:ea typeface="DejaVu Sans"/>
+              </a:rPr>
+              <a:t>快</a:t>
+            </a:r>
+            <a:r>
+              <a:rPr b="0" lang="en-US" sz="1400" spc="-1" strike="noStrike">
+                <a:solidFill>
+                  <a:srgbClr val="000000"/>
+                </a:solidFill>
+                <a:uFill>
+                  <a:solidFill>
+                    <a:srgbClr val="ffffff"/>
+                  </a:solidFill>
+                </a:uFill>
+                <a:latin typeface="Arial"/>
+                <a:ea typeface="DejaVu Sans"/>
+              </a:rPr>
+              <a:t>40%)</a:t>
+            </a:r>
+            <a:r>
+              <a:rPr b="0" lang="en-US" sz="1600" spc="-1" strike="noStrike">
                 <a:solidFill>
                   <a:srgbClr val="000000"/>
                 </a:solidFill>
@@ -9412,301 +10680,22 @@
               <a:t>,</a:t>
             </a:r>
             <a:r>
-              <a:rPr b="0" i="1" lang="en-US" sz="1600" spc="-1" strike="noStrike">
-                <a:solidFill>
-                  <a:srgbClr val="000000"/>
-                </a:solidFill>
-                <a:uFill>
-                  <a:solidFill>
-                    <a:srgbClr val="ffffff"/>
-                  </a:solidFill>
-                </a:uFill>
-                <a:latin typeface="Arial"/>
-                <a:ea typeface="DejaVu Sans"/>
-              </a:rPr>
-              <a:t>具有</a:t>
-            </a:r>
-            <a:r>
-              <a:rPr b="0" i="1" lang="en-US" sz="1600" spc="-1" strike="noStrike">
-                <a:solidFill>
-                  <a:srgbClr val="000000"/>
-                </a:solidFill>
-                <a:uFill>
-                  <a:solidFill>
-                    <a:srgbClr val="ffffff"/>
-                  </a:solidFill>
-                </a:uFill>
-                <a:latin typeface="Arial"/>
-                <a:ea typeface="DejaVu Sans"/>
-              </a:rPr>
-              <a:t>BSD</a:t>
-            </a:r>
-            <a:r>
-              <a:rPr b="0" i="1" lang="en-US" sz="1600" spc="-1" strike="noStrike">
-                <a:solidFill>
-                  <a:srgbClr val="000000"/>
-                </a:solidFill>
-                <a:uFill>
-                  <a:solidFill>
-                    <a:srgbClr val="ffffff"/>
-                  </a:solidFill>
-                </a:uFill>
-                <a:latin typeface="Arial"/>
-                <a:ea typeface="DejaVu Sans"/>
-              </a:rPr>
-              <a:t>许可</a:t>
-            </a:r>
-            <a:endParaRPr b="0" lang="en-US" sz="1800" spc="-1" strike="noStrike">
-              <a:solidFill>
-                <a:srgbClr val="000000"/>
-              </a:solidFill>
-              <a:uFill>
-                <a:solidFill>
-                  <a:srgbClr val="ffffff"/>
-                </a:solidFill>
-              </a:uFill>
-              <a:latin typeface="Arial"/>
-            </a:endParaRPr>
-          </a:p>
-          <a:p>
-            <a:pPr>
-              <a:lnSpc>
-                <a:spcPct val="125000"/>
-              </a:lnSpc>
-            </a:pPr>
-            <a:r>
-              <a:rPr b="0" i="1" lang="en-US" sz="1600" spc="-1" strike="noStrike">
-                <a:solidFill>
-                  <a:srgbClr val="000000"/>
-                </a:solidFill>
-                <a:uFill>
-                  <a:solidFill>
-                    <a:srgbClr val="ffffff"/>
-                  </a:solidFill>
-                </a:uFill>
-                <a:latin typeface="Arial"/>
-                <a:ea typeface="DejaVu Sans"/>
-              </a:rPr>
-              <a:t>跨平台</a:t>
-            </a:r>
-            <a:r>
-              <a:rPr b="0" i="1" lang="en-US" sz="1600" spc="-1" strike="noStrike">
-                <a:solidFill>
-                  <a:srgbClr val="000000"/>
-                </a:solidFill>
-                <a:uFill>
-                  <a:solidFill>
-                    <a:srgbClr val="ffffff"/>
-                  </a:solidFill>
-                </a:uFill>
-                <a:latin typeface="Arial"/>
-                <a:ea typeface="DejaVu Sans"/>
-              </a:rPr>
-              <a:t>,</a:t>
-            </a:r>
-            <a:r>
-              <a:rPr b="0" i="1" lang="en-US" sz="1600" spc="-1" strike="noStrike">
-                <a:solidFill>
-                  <a:srgbClr val="000000"/>
-                </a:solidFill>
-                <a:uFill>
-                  <a:solidFill>
-                    <a:srgbClr val="ffffff"/>
-                  </a:solidFill>
-                </a:uFill>
-                <a:latin typeface="Arial"/>
-                <a:ea typeface="DejaVu Sans"/>
-              </a:rPr>
-              <a:t>支持</a:t>
-            </a:r>
-            <a:r>
-              <a:rPr b="0" i="1" lang="en-US" sz="1600" spc="-1" strike="noStrike">
-                <a:solidFill>
-                  <a:srgbClr val="000000"/>
-                </a:solidFill>
-                <a:uFill>
-                  <a:solidFill>
-                    <a:srgbClr val="ffffff"/>
-                  </a:solidFill>
-                </a:uFill>
-                <a:latin typeface="Arial"/>
-                <a:ea typeface="DejaVu Sans"/>
-              </a:rPr>
-              <a:t>Linux, Mac</a:t>
-            </a:r>
-            <a:r>
-              <a:rPr b="0" i="1" lang="en-US" sz="1600" spc="-1" strike="noStrike">
-                <a:solidFill>
-                  <a:srgbClr val="000000"/>
-                </a:solidFill>
-                <a:uFill>
-                  <a:solidFill>
-                    <a:srgbClr val="ffffff"/>
-                  </a:solidFill>
-                </a:uFill>
-                <a:latin typeface="Arial"/>
-                <a:ea typeface="DejaVu Sans"/>
-              </a:rPr>
-              <a:t>和</a:t>
-            </a:r>
-            <a:r>
-              <a:rPr b="0" i="1" lang="en-US" sz="1600" spc="-1" strike="noStrike">
-                <a:solidFill>
-                  <a:srgbClr val="000000"/>
-                </a:solidFill>
-                <a:uFill>
-                  <a:solidFill>
-                    <a:srgbClr val="ffffff"/>
-                  </a:solidFill>
-                </a:uFill>
-                <a:latin typeface="Arial"/>
-                <a:ea typeface="DejaVu Sans"/>
-              </a:rPr>
-              <a:t>Windows</a:t>
-            </a:r>
-            <a:r>
-              <a:rPr b="0" i="1" lang="en-US" sz="1600" spc="-1" strike="noStrike">
-                <a:solidFill>
-                  <a:srgbClr val="000000"/>
-                </a:solidFill>
-                <a:uFill>
-                  <a:solidFill>
-                    <a:srgbClr val="ffffff"/>
-                  </a:solidFill>
-                </a:uFill>
-                <a:latin typeface="Arial"/>
-                <a:ea typeface="DejaVu Sans"/>
-              </a:rPr>
-              <a:t>等不同操作系统</a:t>
-            </a:r>
-            <a:endParaRPr b="0" lang="en-US" sz="1800" spc="-1" strike="noStrike">
-              <a:solidFill>
-                <a:srgbClr val="000000"/>
-              </a:solidFill>
-              <a:uFill>
-                <a:solidFill>
-                  <a:srgbClr val="ffffff"/>
-                </a:solidFill>
-              </a:uFill>
-              <a:latin typeface="Arial"/>
-            </a:endParaRPr>
-          </a:p>
-          <a:p>
-            <a:pPr>
-              <a:lnSpc>
-                <a:spcPct val="125000"/>
-              </a:lnSpc>
-            </a:pPr>
-            <a:r>
-              <a:rPr b="0" i="1" lang="en-US" sz="1600" spc="-1" strike="noStrike">
-                <a:solidFill>
-                  <a:srgbClr val="000000"/>
-                </a:solidFill>
-                <a:uFill>
-                  <a:solidFill>
-                    <a:srgbClr val="ffffff"/>
-                  </a:solidFill>
-                </a:uFill>
-                <a:latin typeface="Arial"/>
-                <a:ea typeface="DejaVu Sans"/>
-              </a:rPr>
-              <a:t>编译语言简单</a:t>
-            </a:r>
-            <a:r>
-              <a:rPr b="0" i="1" lang="en-US" sz="1600" spc="-1" strike="noStrike">
-                <a:solidFill>
-                  <a:srgbClr val="000000"/>
-                </a:solidFill>
-                <a:uFill>
-                  <a:solidFill>
-                    <a:srgbClr val="ffffff"/>
-                  </a:solidFill>
-                </a:uFill>
-                <a:latin typeface="Arial"/>
-                <a:ea typeface="DejaVu Sans"/>
-              </a:rPr>
-              <a:t>,</a:t>
-            </a:r>
-            <a:r>
-              <a:rPr b="0" i="1" lang="en-US" sz="1600" spc="-1" strike="noStrike">
-                <a:solidFill>
-                  <a:srgbClr val="000000"/>
-                </a:solidFill>
-                <a:uFill>
-                  <a:solidFill>
-                    <a:srgbClr val="ffffff"/>
-                  </a:solidFill>
-                </a:uFill>
-                <a:latin typeface="Arial"/>
-                <a:ea typeface="DejaVu Sans"/>
-              </a:rPr>
-              <a:t>易用</a:t>
-            </a:r>
-            <a:r>
-              <a:rPr b="0" i="1" lang="en-US" sz="1600" spc="-1" strike="noStrike">
-                <a:solidFill>
-                  <a:srgbClr val="000000"/>
-                </a:solidFill>
-                <a:uFill>
-                  <a:solidFill>
-                    <a:srgbClr val="ffffff"/>
-                  </a:solidFill>
-                </a:uFill>
-                <a:latin typeface="Arial"/>
-                <a:ea typeface="DejaVu Sans"/>
-              </a:rPr>
-              <a:t>,</a:t>
-            </a:r>
-            <a:r>
-              <a:rPr b="0" i="1" lang="en-US" sz="1600" spc="-1" strike="noStrike">
-                <a:solidFill>
-                  <a:srgbClr val="000000"/>
-                </a:solidFill>
-                <a:uFill>
-                  <a:solidFill>
-                    <a:srgbClr val="ffffff"/>
-                  </a:solidFill>
-                </a:uFill>
-                <a:latin typeface="Arial"/>
-                <a:ea typeface="DejaVu Sans"/>
-              </a:rPr>
-              <a:t>简化编译构建过程和编译过程</a:t>
-            </a:r>
-            <a:endParaRPr b="0" lang="en-US" sz="1800" spc="-1" strike="noStrike">
-              <a:solidFill>
-                <a:srgbClr val="000000"/>
-              </a:solidFill>
-              <a:uFill>
-                <a:solidFill>
-                  <a:srgbClr val="ffffff"/>
-                </a:solidFill>
-              </a:uFill>
-              <a:latin typeface="Arial"/>
-            </a:endParaRPr>
-          </a:p>
-          <a:p>
-            <a:pPr>
-              <a:lnSpc>
-                <a:spcPct val="125000"/>
-              </a:lnSpc>
-            </a:pPr>
-            <a:r>
-              <a:rPr b="0" i="1" lang="en-US" sz="1600" spc="-1" strike="noStrike">
-                <a:solidFill>
-                  <a:srgbClr val="000000"/>
-                </a:solidFill>
-                <a:uFill>
-                  <a:solidFill>
-                    <a:srgbClr val="ffffff"/>
-                  </a:solidFill>
-                </a:uFill>
-                <a:latin typeface="Arial"/>
-                <a:ea typeface="DejaVu Sans"/>
-              </a:rPr>
-              <a:t>编程高效</a:t>
-            </a:r>
-            <a:r>
-              <a:rPr b="0" i="1" lang="en-US" sz="1600" spc="-1" strike="noStrike">
+              <a:rPr b="0" lang="en-US" sz="1600" spc="-1" strike="noStrike">
+                <a:solidFill>
+                  <a:srgbClr val="000000"/>
+                </a:solidFill>
+                <a:uFill>
+                  <a:solidFill>
+                    <a:srgbClr val="ffffff"/>
+                  </a:solidFill>
+                </a:uFill>
+                <a:latin typeface="Arial"/>
+                <a:ea typeface="DejaVu Sans"/>
+              </a:rPr>
+              <a:t>可扩展</a:t>
+            </a:r>
+            <a:r>
+              <a:rPr b="0" lang="en-US" sz="1400" spc="-1" strike="noStrike">
                 <a:solidFill>
                   <a:srgbClr val="000000"/>
                 </a:solidFill>
@@ -9721,112 +10710,22 @@
               <a:t>(</a:t>
             </a:r>
             <a:r>
-              <a:rPr b="0" i="1" lang="en-US" sz="1600" spc="-1" strike="noStrike">
-                <a:solidFill>
-                  <a:srgbClr val="000000"/>
-                </a:solidFill>
-                <a:uFill>
-                  <a:solidFill>
-                    <a:srgbClr val="ffffff"/>
-                  </a:solidFill>
-                </a:uFill>
-                <a:latin typeface="Arial"/>
-                <a:ea typeface="DejaVu Sans"/>
-              </a:rPr>
-              <a:t>比</a:t>
-            </a:r>
-            <a:r>
-              <a:rPr b="0" i="1" lang="en-US" sz="1600" spc="-1" strike="noStrike">
-                <a:solidFill>
-                  <a:srgbClr val="000000"/>
-                </a:solidFill>
-                <a:uFill>
-                  <a:solidFill>
-                    <a:srgbClr val="ffffff"/>
-                  </a:solidFill>
-                </a:uFill>
-                <a:latin typeface="Arial"/>
-                <a:ea typeface="DejaVu Sans"/>
-              </a:rPr>
-              <a:t>autotools</a:t>
-            </a:r>
-            <a:r>
-              <a:rPr b="0" i="1" lang="en-US" sz="1600" spc="-1" strike="noStrike">
-                <a:solidFill>
-                  <a:srgbClr val="000000"/>
-                </a:solidFill>
-                <a:uFill>
-                  <a:solidFill>
-                    <a:srgbClr val="ffffff"/>
-                  </a:solidFill>
-                </a:uFill>
-                <a:latin typeface="Arial"/>
-                <a:ea typeface="DejaVu Sans"/>
-              </a:rPr>
-              <a:t>快</a:t>
-            </a:r>
-            <a:r>
-              <a:rPr b="0" i="1" lang="en-US" sz="1600" spc="-1" strike="noStrike">
-                <a:solidFill>
-                  <a:srgbClr val="000000"/>
-                </a:solidFill>
-                <a:uFill>
-                  <a:solidFill>
-                    <a:srgbClr val="ffffff"/>
-                  </a:solidFill>
-                </a:uFill>
-                <a:latin typeface="Arial"/>
-                <a:ea typeface="DejaVu Sans"/>
-              </a:rPr>
-              <a:t>40%),</a:t>
-            </a:r>
-            <a:r>
-              <a:rPr b="0" i="1" lang="en-US" sz="1600" spc="-1" strike="noStrike">
-                <a:solidFill>
-                  <a:srgbClr val="000000"/>
-                </a:solidFill>
-                <a:uFill>
-                  <a:solidFill>
-                    <a:srgbClr val="ffffff"/>
-                  </a:solidFill>
-                </a:uFill>
-                <a:latin typeface="Arial"/>
-                <a:ea typeface="DejaVu Sans"/>
-              </a:rPr>
-              <a:t>可扩展</a:t>
-            </a:r>
-            <a:r>
-              <a:rPr b="0" i="1" lang="en-US" sz="1600" spc="-1" strike="noStrike">
-                <a:solidFill>
-                  <a:srgbClr val="000000"/>
-                </a:solidFill>
-                <a:uFill>
-                  <a:solidFill>
-                    <a:srgbClr val="ffffff"/>
-                  </a:solidFill>
-                </a:uFill>
-                <a:latin typeface="Arial"/>
-                <a:ea typeface="DejaVu Sans"/>
-              </a:rPr>
-              <a:t>(</a:t>
-            </a:r>
-            <a:r>
-              <a:rPr b="0" i="1" lang="en-US" sz="1600" spc="-1" strike="noStrike">
-                <a:solidFill>
-                  <a:srgbClr val="000000"/>
-                </a:solidFill>
-                <a:uFill>
-                  <a:solidFill>
-                    <a:srgbClr val="ffffff"/>
-                  </a:solidFill>
-                </a:uFill>
-                <a:latin typeface="Arial"/>
-                <a:ea typeface="DejaVu Sans"/>
-              </a:rPr>
-              <a:t>可以作为</a:t>
-            </a:r>
-            <a:r>
-              <a:rPr b="0" i="1" lang="en-US" sz="1600" spc="-1" strike="noStrike">
+              <a:rPr b="0" lang="en-US" sz="1400" spc="-1" strike="noStrike">
+                <a:solidFill>
+                  <a:srgbClr val="000000"/>
+                </a:solidFill>
+                <a:uFill>
+                  <a:solidFill>
+                    <a:srgbClr val="ffffff"/>
+                  </a:solidFill>
+                </a:uFill>
+                <a:latin typeface="Arial"/>
+                <a:ea typeface="DejaVu Sans"/>
+              </a:rPr>
+              <a:t>例如作为</a:t>
+            </a:r>
+            <a:r>
+              <a:rPr b="0" lang="en-US" sz="1400" spc="-1" strike="noStrike">
                 <a:solidFill>
                   <a:srgbClr val="000000"/>
                 </a:solidFill>
@@ -9841,7 +10740,7 @@
               <a:t>ros</a:t>
             </a:r>
             <a:r>
-              <a:rPr b="0" i="1" lang="en-US" sz="1600" spc="-1" strike="noStrike">
+              <a:rPr b="0" lang="en-US" sz="1400" spc="-1" strike="noStrike">
                 <a:solidFill>
                   <a:srgbClr val="000000"/>
                 </a:solidFill>
@@ -9856,7 +10755,7 @@
               <a:t>等接口扩展工具</a:t>
             </a:r>
             <a:r>
-              <a:rPr b="0" i="1" lang="en-US" sz="1600" spc="-1" strike="noStrike">
+              <a:rPr b="0" lang="en-US" sz="1400" spc="-1" strike="noStrike">
                 <a:solidFill>
                   <a:srgbClr val="000000"/>
                 </a:solidFill>
@@ -9886,7 +10785,7 @@
       </p:sp>
       <p:pic>
         <p:nvPicPr>
-          <p:cNvPr id="131" name="" descr=""/>
+          <p:cNvPr id="131" name="图片 130" descr=""/>
           <p:cNvPicPr/>
           <p:nvPr/>
         </p:nvPicPr>
@@ -9897,7 +10796,7 @@
         <p:spPr>
           <a:xfrm>
             <a:off x="7132680" y="174240"/>
-            <a:ext cx="1855440" cy="731160"/>
+            <a:ext cx="1855080" cy="730800"/>
           </a:xfrm>
           <a:prstGeom prst="rect">
             <a:avLst/>
@@ -9915,49 +10814,7 @@
         <p:cTn id="7" dur="indefinite" restart="never" nodeType="tmRoot">
           <p:childTnLst>
             <p:seq>
-              <p:cTn id="8" restart="whenNotActive" nodeType="interactiveSeq" fill="hold">
-                <p:childTnLst>
-                  <p:par>
-                    <p:cTn id="9" fill="hold">
-                      <p:childTnLst>
-                        <p:par>
-                          <p:cTn id="10" fill="hold">
-                            <p:stCondLst>
-                              <p:cond delay="0"/>
-                            </p:stCondLst>
-                            <p:childTnLst>
-                              <p:par>
-                                <p:cTn id="11" nodeType="clickEffect" fill="hold" presetClass="mediacall">
-                                  <p:stCondLst>
-                                    <p:cond delay="0"/>
-                                  </p:stCondLst>
-                                </p:cTn>
-                              </p:par>
-                            </p:childTnLst>
-                          </p:cTn>
-                        </p:par>
-                      </p:childTnLst>
-                    </p:cTn>
-                  </p:par>
-                </p:childTnLst>
-              </p:cTn>
-              <p:prevCondLst>
-                <p:cond delay="0" evt="onPrev">
-                  <p:tgtEl>
-                    <p:sldTgt/>
-                  </p:tgtEl>
-                </p:cond>
-              </p:prevCondLst>
-              <p:nextCondLst>
-                <p:cond delay="0" evt="onNext">
-                  <p:tgtEl>
-                    <p:sldTgt/>
-                  </p:tgtEl>
-                </p:cond>
-              </p:nextCondLst>
-            </p:seq>
-            <p:seq>
-              <p:cTn id="12" nodeType="mainSeq"/>
+              <p:cTn id="8" nodeType="mainSeq"/>
               <p:prevCondLst>
                 <p:cond delay="0" evt="onPrev">
                   <p:tgtEl>
@@ -10063,7 +10920,7 @@
         <p:spPr>
           <a:xfrm>
             <a:off x="342000" y="174240"/>
-            <a:ext cx="8228880" cy="975960"/>
+            <a:ext cx="8228520" cy="975600"/>
           </a:xfrm>
           <a:prstGeom prst="rect">
             <a:avLst/>
@@ -10098,6 +10955,22 @@
                   </a:solidFill>
                 </a:uFill>
                 <a:latin typeface="Arial"/>
+                <a:ea typeface="DejaVu Sans"/>
+              </a:rPr>
+              <a:t>1. </a:t>
+            </a:r>
+            <a:r>
+              <a:rPr b="0" lang="en-US" sz="2800" spc="-1" strike="noStrike">
+                <a:solidFill>
+                  <a:srgbClr val="000000"/>
+                </a:solidFill>
+                <a:uFill>
+                  <a:solidFill>
+                    <a:srgbClr val="ffffff"/>
+                  </a:solidFill>
+                </a:uFill>
+                <a:latin typeface="Arial"/>
+                <a:ea typeface="DejaVu Sans"/>
               </a:rPr>
               <a:t>认识</a:t>
             </a:r>
@@ -10112,6 +10985,7 @@
                   </a:solidFill>
                 </a:uFill>
                 <a:latin typeface="Arial"/>
+                <a:ea typeface="DejaVu Sans"/>
               </a:rPr>
               <a:t>CMake</a:t>
             </a:r>
@@ -10126,6 +11000,7 @@
                   </a:solidFill>
                 </a:uFill>
                 <a:latin typeface="Arial"/>
+                <a:ea typeface="DejaVu Sans"/>
               </a:rPr>
               <a:t>及应用</a:t>
             </a:r>
@@ -10151,8 +11026,8 @@
         </p:nvSpPr>
         <p:spPr>
           <a:xfrm>
-            <a:off x="202320" y="1357560"/>
-            <a:ext cx="8228880" cy="3785040"/>
+            <a:off x="202320" y="1150200"/>
+            <a:ext cx="8443440" cy="3784680"/>
           </a:xfrm>
           <a:prstGeom prst="rect">
             <a:avLst/>
@@ -10171,13 +11046,18 @@
         <p:txBody>
           <a:bodyPr lIns="90000" rIns="90000" tIns="45000" bIns="45000"/>
           <a:p>
-            <a:pPr>
+            <a:pPr marL="343080" indent="-342720">
               <a:lnSpc>
                 <a:spcPct val="125000"/>
               </a:lnSpc>
+              <a:buClr>
+                <a:srgbClr val="000000"/>
+              </a:buClr>
+              <a:buFont typeface="Wingdings" charset="2"/>
+              <a:buChar char=""/>
             </a:pPr>
             <a:r>
-              <a:rPr b="1" lang="en-US" sz="2000" spc="-1" strike="noStrike">
+              <a:rPr b="1" lang="en-US" sz="1800" spc="-1" strike="noStrike">
                 <a:solidFill>
                   <a:srgbClr val="000000"/>
                 </a:solidFill>
@@ -10192,34 +11072,19 @@
               <a:t>CMake </a:t>
             </a:r>
             <a:r>
-              <a:rPr b="1" lang="en-US" sz="2000" spc="-1" strike="noStrike">
-                <a:solidFill>
-                  <a:srgbClr val="000000"/>
-                </a:solidFill>
-                <a:uFill>
-                  <a:solidFill>
-                    <a:srgbClr val="ffffff"/>
-                  </a:solidFill>
-                </a:uFill>
-                <a:latin typeface="Arial"/>
-                <a:ea typeface="DejaVu Sans"/>
-              </a:rPr>
-              <a:t>与其他编译工具的对比</a:t>
-            </a:r>
-            <a:r>
-              <a:rPr b="1" lang="en-US" sz="2000" spc="-1" strike="noStrike">
-                <a:solidFill>
-                  <a:srgbClr val="000000"/>
-                </a:solidFill>
-                <a:uFill>
-                  <a:solidFill>
-                    <a:srgbClr val="ffffff"/>
-                  </a:solidFill>
-                </a:uFill>
-                <a:latin typeface="Arial"/>
-                <a:ea typeface="DejaVu Sans"/>
-              </a:rPr>
-              <a:t>    </a:t>
+              <a:rPr b="1" lang="en-US" sz="1800" spc="-1" strike="noStrike">
+                <a:solidFill>
+                  <a:srgbClr val="000000"/>
+                </a:solidFill>
+                <a:uFill>
+                  <a:solidFill>
+                    <a:srgbClr val="ffffff"/>
+                  </a:solidFill>
+                </a:uFill>
+                <a:latin typeface="Arial"/>
+                <a:ea typeface="DejaVu Sans"/>
+              </a:rPr>
+              <a:t>与其他编译工具的对比    </a:t>
             </a:r>
             <a:endParaRPr b="0" lang="en-US" sz="1800" spc="-1" strike="noStrike">
               <a:solidFill>
@@ -10234,10 +11099,15 @@
             </a:endParaRPr>
           </a:p>
           <a:p>
-            <a:pPr>
+            <a:pPr marL="343080" indent="-342720">
               <a:lnSpc>
-                <a:spcPct val="125000"/>
+                <a:spcPct val="150000"/>
               </a:lnSpc>
+              <a:buClr>
+                <a:srgbClr val="000000"/>
+              </a:buClr>
+              <a:buFont typeface="Wingdings" charset="2"/>
+              <a:buChar char=""/>
             </a:pPr>
             <a:r>
               <a:rPr b="1" lang="en-US" sz="1600" spc="-1" strike="noStrike">
@@ -10252,6 +11122,451 @@
                 <a:latin typeface="Arial"/>
                 <a:ea typeface="DejaVu Sans"/>
               </a:rPr>
+              <a:t>GCC</a:t>
+            </a:r>
+            <a:endParaRPr b="0" lang="en-US" sz="1800" spc="-1" strike="noStrike">
+              <a:solidFill>
+                <a:srgbClr val="000000"/>
+              </a:solidFill>
+              <a:uFill>
+                <a:solidFill>
+                  <a:srgbClr val="ffffff"/>
+                </a:solidFill>
+              </a:uFill>
+              <a:latin typeface="Arial"/>
+            </a:endParaRPr>
+          </a:p>
+          <a:p>
+            <a:pPr marL="285840" indent="-285480">
+              <a:lnSpc>
+                <a:spcPct val="150000"/>
+              </a:lnSpc>
+              <a:buClr>
+                <a:srgbClr val="000000"/>
+              </a:buClr>
+              <a:buFont typeface="Arial"/>
+              <a:buChar char="•"/>
+            </a:pPr>
+            <a:r>
+              <a:rPr b="0" lang="en-US" sz="1400" spc="-1" strike="noStrike">
+                <a:solidFill>
+                  <a:srgbClr val="000000"/>
+                </a:solidFill>
+                <a:uFill>
+                  <a:solidFill>
+                    <a:srgbClr val="ffffff"/>
+                  </a:solidFill>
+                </a:uFill>
+                <a:latin typeface="Arial"/>
+                <a:ea typeface="DejaVu Sans"/>
+              </a:rPr>
+              <a:t>可以通过</a:t>
+            </a:r>
+            <a:r>
+              <a:rPr b="0" lang="en-US" sz="1400" spc="-1" strike="noStrike">
+                <a:solidFill>
+                  <a:srgbClr val="000000"/>
+                </a:solidFill>
+                <a:uFill>
+                  <a:solidFill>
+                    <a:srgbClr val="ffffff"/>
+                  </a:solidFill>
+                </a:uFill>
+                <a:latin typeface="Arial"/>
+                <a:ea typeface="DejaVu Sans"/>
+              </a:rPr>
+              <a:t>gcc/g++</a:t>
+            </a:r>
+            <a:r>
+              <a:rPr b="0" lang="en-US" sz="1400" spc="-1" strike="noStrike">
+                <a:solidFill>
+                  <a:srgbClr val="000000"/>
+                </a:solidFill>
+                <a:uFill>
+                  <a:solidFill>
+                    <a:srgbClr val="ffffff"/>
+                  </a:solidFill>
+                </a:uFill>
+                <a:latin typeface="Arial"/>
+                <a:ea typeface="DejaVu Sans"/>
+              </a:rPr>
+              <a:t>编译目标和项目，但项目比较复杂时，组织编译架构变得极其复杂；</a:t>
+            </a:r>
+            <a:endParaRPr b="0" lang="en-US" sz="1800" spc="-1" strike="noStrike">
+              <a:solidFill>
+                <a:srgbClr val="000000"/>
+              </a:solidFill>
+              <a:uFill>
+                <a:solidFill>
+                  <a:srgbClr val="ffffff"/>
+                </a:solidFill>
+              </a:uFill>
+              <a:latin typeface="Arial"/>
+            </a:endParaRPr>
+          </a:p>
+          <a:p>
+            <a:pPr marL="343080" indent="-342720">
+              <a:lnSpc>
+                <a:spcPct val="150000"/>
+              </a:lnSpc>
+              <a:buClr>
+                <a:srgbClr val="000000"/>
+              </a:buClr>
+              <a:buFont typeface="Wingdings" charset="2"/>
+              <a:buChar char=""/>
+            </a:pPr>
+            <a:r>
+              <a:rPr b="1" lang="en-US" sz="1600" spc="-1" strike="noStrike">
+                <a:solidFill>
+                  <a:srgbClr val="000000"/>
+                </a:solidFill>
+                <a:uFill>
+                  <a:solidFill>
+                    <a:srgbClr val="ffffff"/>
+                  </a:solidFill>
+                </a:uFill>
+                <a:latin typeface="Arial"/>
+                <a:ea typeface="DejaVu Sans"/>
+              </a:rPr>
+              <a:t>Makefile</a:t>
+            </a:r>
+            <a:endParaRPr b="0" lang="en-US" sz="1800" spc="-1" strike="noStrike">
+              <a:solidFill>
+                <a:srgbClr val="000000"/>
+              </a:solidFill>
+              <a:uFill>
+                <a:solidFill>
+                  <a:srgbClr val="ffffff"/>
+                </a:solidFill>
+              </a:uFill>
+              <a:latin typeface="Arial"/>
+            </a:endParaRPr>
+          </a:p>
+          <a:p>
+            <a:pPr marL="285840" indent="-285480">
+              <a:lnSpc>
+                <a:spcPct val="150000"/>
+              </a:lnSpc>
+              <a:buClr>
+                <a:srgbClr val="000000"/>
+              </a:buClr>
+              <a:buFont typeface="Arial"/>
+              <a:buChar char="•"/>
+            </a:pPr>
+            <a:r>
+              <a:rPr b="0" lang="en-US" sz="1400" spc="-1" strike="noStrike">
+                <a:solidFill>
+                  <a:srgbClr val="000000"/>
+                </a:solidFill>
+                <a:uFill>
+                  <a:solidFill>
+                    <a:srgbClr val="ffffff"/>
+                  </a:solidFill>
+                </a:uFill>
+                <a:latin typeface="Arial"/>
+                <a:ea typeface="DejaVu Sans"/>
+              </a:rPr>
+              <a:t>Makefile</a:t>
+            </a:r>
+            <a:r>
+              <a:rPr b="0" lang="en-US" sz="1400" spc="-1" strike="noStrike">
+                <a:solidFill>
+                  <a:srgbClr val="000000"/>
+                </a:solidFill>
+                <a:uFill>
+                  <a:solidFill>
+                    <a:srgbClr val="ffffff"/>
+                  </a:solidFill>
+                </a:uFill>
+                <a:latin typeface="Arial"/>
+                <a:ea typeface="DejaVu Sans"/>
+              </a:rPr>
+              <a:t>是有条理的</a:t>
+            </a:r>
+            <a:r>
+              <a:rPr b="0" lang="en-US" sz="1400" spc="-1" strike="noStrike">
+                <a:solidFill>
+                  <a:srgbClr val="000000"/>
+                </a:solidFill>
+                <a:uFill>
+                  <a:solidFill>
+                    <a:srgbClr val="ffffff"/>
+                  </a:solidFill>
+                </a:uFill>
+                <a:latin typeface="Arial"/>
+                <a:ea typeface="DejaVu Sans"/>
+              </a:rPr>
+              <a:t>gcc</a:t>
+            </a:r>
+            <a:r>
+              <a:rPr b="0" lang="en-US" sz="1400" spc="-1" strike="noStrike">
+                <a:solidFill>
+                  <a:srgbClr val="000000"/>
+                </a:solidFill>
+                <a:uFill>
+                  <a:solidFill>
+                    <a:srgbClr val="ffffff"/>
+                  </a:solidFill>
+                </a:uFill>
+                <a:latin typeface="Arial"/>
+                <a:ea typeface="DejaVu Sans"/>
+              </a:rPr>
+              <a:t>编译命令的文件，利用</a:t>
+            </a:r>
+            <a:r>
+              <a:rPr b="0" lang="en-US" sz="1400" spc="-1" strike="noStrike">
+                <a:solidFill>
+                  <a:srgbClr val="000000"/>
+                </a:solidFill>
+                <a:uFill>
+                  <a:solidFill>
+                    <a:srgbClr val="ffffff"/>
+                  </a:solidFill>
+                </a:uFill>
+                <a:latin typeface="Arial"/>
+                <a:ea typeface="DejaVu Sans"/>
+              </a:rPr>
+              <a:t>make</a:t>
+            </a:r>
+            <a:r>
+              <a:rPr b="0" lang="en-US" sz="1400" spc="-1" strike="noStrike">
+                <a:solidFill>
+                  <a:srgbClr val="000000"/>
+                </a:solidFill>
+                <a:uFill>
+                  <a:solidFill>
+                    <a:srgbClr val="ffffff"/>
+                  </a:solidFill>
+                </a:uFill>
+                <a:latin typeface="Arial"/>
+                <a:ea typeface="DejaVu Sans"/>
+              </a:rPr>
+              <a:t>工具来执行</a:t>
+            </a:r>
+            <a:r>
+              <a:rPr b="0" lang="en-US" sz="1400" spc="-1" strike="noStrike">
+                <a:solidFill>
+                  <a:srgbClr val="000000"/>
+                </a:solidFill>
+                <a:uFill>
+                  <a:solidFill>
+                    <a:srgbClr val="ffffff"/>
+                  </a:solidFill>
+                </a:uFill>
+                <a:latin typeface="Arial"/>
+                <a:ea typeface="DejaVu Sans"/>
+              </a:rPr>
+              <a:t>Makefile</a:t>
+            </a:r>
+            <a:r>
+              <a:rPr b="0" lang="en-US" sz="1400" spc="-1" strike="noStrike">
+                <a:solidFill>
+                  <a:srgbClr val="000000"/>
+                </a:solidFill>
+                <a:uFill>
+                  <a:solidFill>
+                    <a:srgbClr val="ffffff"/>
+                  </a:solidFill>
+                </a:uFill>
+                <a:latin typeface="Arial"/>
+                <a:ea typeface="DejaVu Sans"/>
+              </a:rPr>
+              <a:t>文件的编译指令；</a:t>
+            </a:r>
+            <a:endParaRPr b="0" lang="en-US" sz="1800" spc="-1" strike="noStrike">
+              <a:solidFill>
+                <a:srgbClr val="000000"/>
+              </a:solidFill>
+              <a:uFill>
+                <a:solidFill>
+                  <a:srgbClr val="ffffff"/>
+                </a:solidFill>
+              </a:uFill>
+              <a:latin typeface="Arial"/>
+            </a:endParaRPr>
+          </a:p>
+          <a:p>
+            <a:pPr marL="285840" indent="-285480">
+              <a:lnSpc>
+                <a:spcPct val="150000"/>
+              </a:lnSpc>
+              <a:buClr>
+                <a:srgbClr val="000000"/>
+              </a:buClr>
+              <a:buFont typeface="Arial"/>
+              <a:buChar char="•"/>
+            </a:pPr>
+            <a:r>
+              <a:rPr b="0" lang="en-US" sz="1400" spc="-1" strike="noStrike">
+                <a:solidFill>
+                  <a:srgbClr val="000000"/>
+                </a:solidFill>
+                <a:uFill>
+                  <a:solidFill>
+                    <a:srgbClr val="ffffff"/>
+                  </a:solidFill>
+                </a:uFill>
+                <a:latin typeface="Arial"/>
+                <a:ea typeface="DejaVu Sans"/>
+              </a:rPr>
+              <a:t>程序简单，可以手写开发</a:t>
+            </a:r>
+            <a:r>
+              <a:rPr b="0" lang="en-US" sz="1400" spc="-1" strike="noStrike">
+                <a:solidFill>
+                  <a:srgbClr val="000000"/>
+                </a:solidFill>
+                <a:uFill>
+                  <a:solidFill>
+                    <a:srgbClr val="ffffff"/>
+                  </a:solidFill>
+                </a:uFill>
+                <a:latin typeface="Arial"/>
+                <a:ea typeface="DejaVu Sans"/>
+              </a:rPr>
+              <a:t>Makefile</a:t>
+            </a:r>
+            <a:r>
+              <a:rPr b="0" lang="en-US" sz="1400" spc="-1" strike="noStrike">
+                <a:solidFill>
+                  <a:srgbClr val="000000"/>
+                </a:solidFill>
+                <a:uFill>
+                  <a:solidFill>
+                    <a:srgbClr val="ffffff"/>
+                  </a:solidFill>
+                </a:uFill>
+                <a:latin typeface="Arial"/>
+                <a:ea typeface="DejaVu Sans"/>
+              </a:rPr>
+              <a:t>；当程序复杂时，可以利用</a:t>
+            </a:r>
+            <a:r>
+              <a:rPr b="0" lang="en-US" sz="1400" spc="-1" strike="noStrike">
+                <a:solidFill>
+                  <a:srgbClr val="000000"/>
+                </a:solidFill>
+                <a:uFill>
+                  <a:solidFill>
+                    <a:srgbClr val="ffffff"/>
+                  </a:solidFill>
+                </a:uFill>
+                <a:latin typeface="Arial"/>
+                <a:ea typeface="DejaVu Sans"/>
+              </a:rPr>
+              <a:t>CMake</a:t>
+            </a:r>
+            <a:r>
+              <a:rPr b="0" lang="en-US" sz="1400" spc="-1" strike="noStrike">
+                <a:solidFill>
+                  <a:srgbClr val="000000"/>
+                </a:solidFill>
+                <a:uFill>
+                  <a:solidFill>
+                    <a:srgbClr val="ffffff"/>
+                  </a:solidFill>
+                </a:uFill>
+                <a:latin typeface="Arial"/>
+                <a:ea typeface="DejaVu Sans"/>
+              </a:rPr>
+              <a:t>和</a:t>
+            </a:r>
+            <a:r>
+              <a:rPr b="0" lang="en-US" sz="1400" spc="-1" strike="noStrike">
+                <a:solidFill>
+                  <a:srgbClr val="000000"/>
+                </a:solidFill>
+                <a:uFill>
+                  <a:solidFill>
+                    <a:srgbClr val="ffffff"/>
+                  </a:solidFill>
+                </a:uFill>
+                <a:latin typeface="Arial"/>
+                <a:ea typeface="DejaVu Sans"/>
+              </a:rPr>
+              <a:t>autotools</a:t>
+            </a:r>
+            <a:r>
+              <a:rPr b="0" lang="en-US" sz="1400" spc="-1" strike="noStrike">
+                <a:solidFill>
+                  <a:srgbClr val="000000"/>
+                </a:solidFill>
+                <a:uFill>
+                  <a:solidFill>
+                    <a:srgbClr val="ffffff"/>
+                  </a:solidFill>
+                </a:uFill>
+                <a:latin typeface="Arial"/>
+                <a:ea typeface="DejaVu Sans"/>
+              </a:rPr>
+              <a:t>来自动生成</a:t>
+            </a:r>
+            <a:r>
+              <a:rPr b="0" lang="en-US" sz="1400" spc="-1" strike="noStrike">
+                <a:solidFill>
+                  <a:srgbClr val="000000"/>
+                </a:solidFill>
+                <a:uFill>
+                  <a:solidFill>
+                    <a:srgbClr val="ffffff"/>
+                  </a:solidFill>
+                </a:uFill>
+                <a:latin typeface="Arial"/>
+                <a:ea typeface="DejaVu Sans"/>
+              </a:rPr>
+              <a:t>Makefile</a:t>
+            </a:r>
+            <a:r>
+              <a:rPr b="0" lang="en-US" sz="1400" spc="-1" strike="noStrike">
+                <a:solidFill>
+                  <a:srgbClr val="000000"/>
+                </a:solidFill>
+                <a:uFill>
+                  <a:solidFill>
+                    <a:srgbClr val="ffffff"/>
+                  </a:solidFill>
+                </a:uFill>
+                <a:latin typeface="Arial"/>
+                <a:ea typeface="DejaVu Sans"/>
+              </a:rPr>
+              <a:t>；</a:t>
+            </a:r>
+            <a:endParaRPr b="0" lang="en-US" sz="1800" spc="-1" strike="noStrike">
+              <a:solidFill>
+                <a:srgbClr val="000000"/>
+              </a:solidFill>
+              <a:uFill>
+                <a:solidFill>
+                  <a:srgbClr val="ffffff"/>
+                </a:solidFill>
+              </a:uFill>
+              <a:latin typeface="Arial"/>
+            </a:endParaRPr>
+          </a:p>
+          <a:p>
+            <a:pPr marL="285840" indent="-285480">
+              <a:lnSpc>
+                <a:spcPct val="150000"/>
+              </a:lnSpc>
+              <a:buClr>
+                <a:srgbClr val="000000"/>
+              </a:buClr>
+              <a:buFont typeface="Wingdings" charset="2"/>
+              <a:buChar char=""/>
+            </a:pPr>
+            <a:r>
+              <a:rPr b="1" lang="en-US" sz="1600" spc="-1" strike="noStrike">
+                <a:solidFill>
+                  <a:srgbClr val="000000"/>
+                </a:solidFill>
+                <a:uFill>
+                  <a:solidFill>
+                    <a:srgbClr val="ffffff"/>
+                  </a:solidFill>
+                </a:uFill>
+                <a:latin typeface="Arial"/>
+                <a:ea typeface="DejaVu Sans"/>
+              </a:rPr>
               <a:t>Autotools</a:t>
             </a:r>
             <a:endParaRPr b="0" lang="en-US" sz="1800" spc="-1" strike="noStrike">
@@ -10267,13 +11582,18 @@
             </a:endParaRPr>
           </a:p>
           <a:p>
-            <a:pPr>
+            <a:pPr marL="285840" indent="-285480">
               <a:lnSpc>
-                <a:spcPct val="125000"/>
+                <a:spcPct val="150000"/>
               </a:lnSpc>
+              <a:buClr>
+                <a:srgbClr val="000000"/>
+              </a:buClr>
+              <a:buFont typeface="Arial"/>
+              <a:buChar char="•"/>
             </a:pPr>
             <a:r>
-              <a:rPr b="0" i="1" lang="en-US" sz="1600" spc="-1" strike="noStrike">
+              <a:rPr b="0" lang="en-US" sz="1400" spc="-1" strike="noStrike">
                 <a:solidFill>
                   <a:srgbClr val="000000"/>
                 </a:solidFill>
@@ -10288,7 +11608,7 @@
               <a:t>autotools</a:t>
             </a:r>
             <a:r>
-              <a:rPr b="0" i="1" lang="en-US" sz="1600" spc="-1" strike="noStrike">
+              <a:rPr b="0" lang="en-US" sz="1400" spc="-1" strike="noStrike">
                 <a:solidFill>
                   <a:srgbClr val="000000"/>
                 </a:solidFill>
@@ -10303,7 +11623,7 @@
               <a:t>是一个工具集</a:t>
             </a:r>
             <a:r>
-              <a:rPr b="0" i="1" lang="en-US" sz="1600" spc="-1" strike="noStrike">
+              <a:rPr b="0" lang="en-US" sz="1400" spc="-1" strike="noStrike">
                 <a:solidFill>
                   <a:srgbClr val="000000"/>
                 </a:solidFill>
@@ -10318,7 +11638,7 @@
               <a:t>,</a:t>
             </a:r>
             <a:r>
-              <a:rPr b="0" i="1" lang="en-US" sz="1600" spc="-1" strike="noStrike">
+              <a:rPr b="0" lang="en-US" sz="1400" spc="-1" strike="noStrike">
                 <a:solidFill>
                   <a:srgbClr val="000000"/>
                 </a:solidFill>
@@ -10333,7 +11653,7 @@
               <a:t>具有灵活性较大</a:t>
             </a:r>
             <a:r>
-              <a:rPr b="0" i="1" lang="en-US" sz="1600" spc="-1" strike="noStrike">
+              <a:rPr b="0" lang="en-US" sz="1400" spc="-1" strike="noStrike">
                 <a:solidFill>
                   <a:srgbClr val="000000"/>
                 </a:solidFill>
@@ -10347,6 +11667,81 @@
               </a:rPr>
               <a:t>,</a:t>
             </a:r>
+            <a:r>
+              <a:rPr b="0" lang="en-US" sz="1400" spc="-1" strike="noStrike">
+                <a:solidFill>
+                  <a:srgbClr val="000000"/>
+                </a:solidFill>
+                <a:uFill>
+                  <a:solidFill>
+                    <a:srgbClr val="ffffff"/>
+                  </a:solidFill>
+                </a:uFill>
+                <a:latin typeface="Arial"/>
+                <a:ea typeface="DejaVu Sans"/>
+              </a:rPr>
+              <a:t>且对用户角度使用较为友好</a:t>
+            </a:r>
+            <a:r>
+              <a:rPr b="0" lang="en-US" sz="1200" spc="-1" strike="noStrike">
+                <a:solidFill>
+                  <a:srgbClr val="000000"/>
+                </a:solidFill>
+                <a:uFill>
+                  <a:solidFill>
+                    <a:srgbClr val="ffffff"/>
+                  </a:solidFill>
+                </a:uFill>
+                <a:latin typeface="Arial"/>
+                <a:ea typeface="DejaVu Sans"/>
+              </a:rPr>
+              <a:t>(cmake</a:t>
+            </a:r>
+            <a:r>
+              <a:rPr b="0" lang="en-US" sz="1200" spc="-1" strike="noStrike">
+                <a:solidFill>
+                  <a:srgbClr val="000000"/>
+                </a:solidFill>
+                <a:uFill>
+                  <a:solidFill>
+                    <a:srgbClr val="ffffff"/>
+                  </a:solidFill>
+                </a:uFill>
+                <a:latin typeface="Arial"/>
+                <a:ea typeface="DejaVu Sans"/>
+              </a:rPr>
+              <a:t>生成文件权限较多</a:t>
+            </a:r>
+            <a:r>
+              <a:rPr b="0" lang="en-US" sz="1200" spc="-1" strike="noStrike">
+                <a:solidFill>
+                  <a:srgbClr val="000000"/>
+                </a:solidFill>
+                <a:uFill>
+                  <a:solidFill>
+                    <a:srgbClr val="ffffff"/>
+                  </a:solidFill>
+                </a:uFill>
+                <a:latin typeface="Arial"/>
+                <a:ea typeface="DejaVu Sans"/>
+              </a:rPr>
+              <a:t>)</a:t>
+            </a:r>
+            <a:r>
+              <a:rPr b="0" lang="en-US" sz="1200" spc="-1" strike="noStrike">
+                <a:solidFill>
+                  <a:srgbClr val="000000"/>
+                </a:solidFill>
+                <a:uFill>
+                  <a:solidFill>
+                    <a:srgbClr val="ffffff"/>
+                  </a:solidFill>
+                </a:uFill>
+                <a:latin typeface="Arial"/>
+                <a:ea typeface="DejaVu Sans"/>
+              </a:rPr>
+              <a:t>；</a:t>
+            </a:r>
             <a:endParaRPr b="0" lang="en-US" sz="1800" spc="-1" strike="noStrike">
               <a:solidFill>
                 <a:srgbClr val="000000"/>
@@ -10360,28 +11755,33 @@
             </a:endParaRPr>
           </a:p>
           <a:p>
-            <a:pPr>
+            <a:pPr marL="285840" indent="-285480">
               <a:lnSpc>
-                <a:spcPct val="125000"/>
+                <a:spcPct val="150000"/>
               </a:lnSpc>
+              <a:buClr>
+                <a:srgbClr val="000000"/>
+              </a:buClr>
+              <a:buFont typeface="Arial"/>
+              <a:buChar char="•"/>
             </a:pPr>
             <a:r>
-              <a:rPr b="0" i="1" lang="en-US" sz="1600" spc="-1" strike="noStrike">
-                <a:solidFill>
-                  <a:srgbClr val="000000"/>
-                </a:solidFill>
-                <a:uFill>
-                  <a:solidFill>
-                    <a:srgbClr val="ffffff"/>
-                  </a:solidFill>
-                </a:uFill>
-                <a:latin typeface="Arial"/>
-                <a:ea typeface="DejaVu Sans"/>
-              </a:rPr>
-              <a:t>但步骤太多，配置繁琐</a:t>
-            </a:r>
-            <a:r>
-              <a:rPr b="0" i="1" lang="en-US" sz="1600" spc="-1" strike="noStrike">
+              <a:rPr b="0" lang="en-US" sz="1400" spc="-1" strike="noStrike">
+                <a:solidFill>
+                  <a:srgbClr val="000000"/>
+                </a:solidFill>
+                <a:uFill>
+                  <a:solidFill>
+                    <a:srgbClr val="ffffff"/>
+                  </a:solidFill>
+                </a:uFill>
+                <a:latin typeface="Arial"/>
+                <a:ea typeface="DejaVu Sans"/>
+              </a:rPr>
+              <a:t>开发步骤太多，配置繁琐 </a:t>
+            </a:r>
+            <a:r>
+              <a:rPr b="0" lang="en-US" sz="1400" spc="-1" strike="noStrike">
                 <a:solidFill>
                   <a:srgbClr val="000000"/>
                 </a:solidFill>
@@ -10396,52 +11796,60 @@
               <a:t>[autoscan + autocconf + automake]</a:t>
             </a:r>
             <a:r>
-              <a:rPr b="0" i="1" lang="en-US" sz="1600" spc="-1" strike="noStrike">
-                <a:solidFill>
-                  <a:srgbClr val="000000"/>
-                </a:solidFill>
-                <a:uFill>
-                  <a:solidFill>
-                    <a:srgbClr val="ffffff"/>
-                  </a:solidFill>
-                </a:uFill>
-                <a:latin typeface="Arial"/>
-                <a:ea typeface="DejaVu Sans"/>
-              </a:rPr>
-              <a:t>等步骤</a:t>
-            </a:r>
-            <a:r>
-              <a:rPr b="0" i="1" lang="en-US" sz="1400" spc="-1" strike="noStrike">
-                <a:solidFill>
-                  <a:srgbClr val="000000"/>
-                </a:solidFill>
-                <a:uFill>
-                  <a:solidFill>
-                    <a:srgbClr val="ffffff"/>
-                  </a:solidFill>
-                </a:uFill>
-                <a:latin typeface="Arial"/>
-                <a:ea typeface="DejaVu Sans"/>
-              </a:rPr>
-              <a:t>(</a:t>
-            </a:r>
-            <a:r>
-              <a:rPr b="0" i="1" lang="en-US" sz="1400" spc="-1" strike="noStrike">
-                <a:solidFill>
-                  <a:srgbClr val="000000"/>
-                </a:solidFill>
-                <a:uFill>
-                  <a:solidFill>
-                    <a:srgbClr val="ffffff"/>
-                  </a:solidFill>
-                </a:uFill>
-                <a:latin typeface="Arial"/>
-                <a:ea typeface="DejaVu Sans"/>
-              </a:rPr>
-              <a:t>比如</a:t>
-            </a:r>
-            <a:r>
-              <a:rPr b="0" i="1" lang="en-US" sz="1400" spc="-1" strike="noStrike">
+              <a:rPr b="0" lang="en-US" sz="1400" spc="-1" strike="noStrike">
+                <a:solidFill>
+                  <a:srgbClr val="000000"/>
+                </a:solidFill>
+                <a:uFill>
+                  <a:solidFill>
+                    <a:srgbClr val="ffffff"/>
+                  </a:solidFill>
+                </a:uFill>
+                <a:latin typeface="Arial"/>
+                <a:ea typeface="DejaVu Sans"/>
+              </a:rPr>
+              <a:t>；</a:t>
+            </a:r>
+            <a:endParaRPr b="0" lang="en-US" sz="1800" spc="-1" strike="noStrike">
+              <a:solidFill>
+                <a:srgbClr val="000000"/>
+              </a:solidFill>
+              <a:uFill>
+                <a:solidFill>
+                  <a:srgbClr val="ffffff"/>
+                </a:solidFill>
+              </a:uFill>
+              <a:latin typeface="Arial"/>
+            </a:endParaRPr>
+          </a:p>
+          <a:p>
+            <a:pPr marL="285840" indent="-285480">
+              <a:lnSpc>
+                <a:spcPct val="150000"/>
+              </a:lnSpc>
+              <a:buClr>
+                <a:srgbClr val="000000"/>
+              </a:buClr>
+              <a:buFont typeface="Arial"/>
+              <a:buChar char="•"/>
+            </a:pPr>
+            <a:r>
+              <a:rPr b="0" lang="en-US" sz="1400" spc="-1" strike="noStrike">
+                <a:solidFill>
+                  <a:srgbClr val="000000"/>
+                </a:solidFill>
+                <a:uFill>
+                  <a:solidFill>
+                    <a:srgbClr val="ffffff"/>
+                  </a:solidFill>
+                </a:uFill>
+                <a:latin typeface="Arial"/>
+                <a:ea typeface="DejaVu Sans"/>
+              </a:rPr>
+              <a:t>通常编译的</a:t>
+            </a:r>
+            <a:r>
+              <a:rPr b="0" lang="en-US" sz="1400" spc="-1" strike="noStrike">
                 <a:solidFill>
                   <a:srgbClr val="000000"/>
                 </a:solidFill>
@@ -10456,55 +11864,52 @@
               <a:t>./configure</a:t>
             </a:r>
             <a:r>
-              <a:rPr b="0" i="1" lang="en-US" sz="1400" spc="-1" strike="noStrike">
-                <a:solidFill>
-                  <a:srgbClr val="000000"/>
-                </a:solidFill>
-                <a:uFill>
-                  <a:solidFill>
-                    <a:srgbClr val="ffffff"/>
-                  </a:solidFill>
-                </a:uFill>
-                <a:latin typeface="Arial"/>
-                <a:ea typeface="DejaVu Sans"/>
-              </a:rPr>
-              <a:t>文件</a:t>
-            </a:r>
-            <a:r>
-              <a:rPr b="0" i="1" lang="en-US" sz="1400" spc="-1" strike="noStrike">
-                <a:solidFill>
-                  <a:srgbClr val="000000"/>
-                </a:solidFill>
-                <a:uFill>
-                  <a:solidFill>
-                    <a:srgbClr val="ffffff"/>
-                  </a:solidFill>
-                </a:uFill>
-                <a:latin typeface="Arial"/>
-                <a:ea typeface="DejaVu Sans"/>
-              </a:rPr>
-              <a:t>)</a:t>
-            </a:r>
-            <a:endParaRPr b="0" lang="en-US" sz="1800" spc="-1" strike="noStrike">
-              <a:solidFill>
-                <a:srgbClr val="000000"/>
-              </a:solidFill>
-              <a:uFill>
-                <a:solidFill>
-                  <a:srgbClr val="ffffff"/>
-                </a:solidFill>
-              </a:uFill>
-              <a:latin typeface="Arial"/>
-            </a:endParaRPr>
-          </a:p>
-          <a:p>
-            <a:pPr>
-              <a:lnSpc>
-                <a:spcPct val="125000"/>
-              </a:lnSpc>
-            </a:pPr>
-            <a:r>
-              <a:rPr b="1" lang="en-US" sz="1600" spc="-1" strike="noStrike">
+              <a:rPr b="0" lang="en-US" sz="1400" spc="-1" strike="noStrike">
+                <a:solidFill>
+                  <a:srgbClr val="000000"/>
+                </a:solidFill>
+                <a:uFill>
+                  <a:solidFill>
+                    <a:srgbClr val="ffffff"/>
+                  </a:solidFill>
+                </a:uFill>
+                <a:latin typeface="Arial"/>
+                <a:ea typeface="DejaVu Sans"/>
+              </a:rPr>
+              <a:t>文件，大多通过由</a:t>
+            </a:r>
+            <a:r>
+              <a:rPr b="0" lang="en-US" sz="1400" spc="-1" strike="noStrike">
+                <a:solidFill>
+                  <a:srgbClr val="000000"/>
+                </a:solidFill>
+                <a:uFill>
+                  <a:solidFill>
+                    <a:srgbClr val="ffffff"/>
+                  </a:solidFill>
+                </a:uFill>
+                <a:latin typeface="Arial"/>
+                <a:ea typeface="DejaVu Sans"/>
+              </a:rPr>
+              <a:t>autotools</a:t>
+            </a:r>
+            <a:r>
+              <a:rPr b="0" lang="en-US" sz="1400" spc="-1" strike="noStrike">
+                <a:solidFill>
+                  <a:srgbClr val="000000"/>
+                </a:solidFill>
+                <a:uFill>
+                  <a:solidFill>
+                    <a:srgbClr val="ffffff"/>
+                  </a:solidFill>
+                </a:uFill>
+                <a:latin typeface="Arial"/>
+                <a:ea typeface="DejaVu Sans"/>
+              </a:rPr>
+              <a:t>构建的，最终生成</a:t>
+            </a:r>
+            <a:r>
+              <a:rPr b="0" lang="en-US" sz="1400" spc="-1" strike="noStrike">
                 <a:solidFill>
                   <a:srgbClr val="000000"/>
                 </a:solidFill>
@@ -10518,56 +11923,8 @@
               </a:rPr>
               <a:t>Makefile</a:t>
             </a:r>
-            <a:endParaRPr b="0" lang="en-US" sz="1800" spc="-1" strike="noStrike">
-              <a:solidFill>
-                <a:srgbClr val="000000"/>
-              </a:solidFill>
-              <a:uFill>
-                <a:solidFill>
-                  <a:srgbClr val="ffffff"/>
-                </a:solidFill>
-              </a:uFill>
-              <a:latin typeface="Arial"/>
-            </a:endParaRPr>
-          </a:p>
-          <a:p>
-            <a:pPr>
-              <a:lnSpc>
-                <a:spcPct val="125000"/>
-              </a:lnSpc>
-            </a:pPr>
-            <a:r>
-              <a:rPr b="0" i="1" lang="en-US" sz="1600" spc="-1" strike="noStrike">
-                <a:solidFill>
-                  <a:srgbClr val="000000"/>
-                </a:solidFill>
-                <a:uFill>
-                  <a:solidFill>
-                    <a:srgbClr val="ffffff"/>
-                  </a:solidFill>
-                </a:uFill>
-                <a:latin typeface="Arial"/>
-                <a:ea typeface="DejaVu Sans"/>
-              </a:rPr>
-              <a:t>是</a:t>
-            </a:r>
-            <a:r>
-              <a:rPr b="0" i="1" lang="en-US" sz="1600" spc="-1" strike="noStrike">
-                <a:solidFill>
-                  <a:srgbClr val="000000"/>
-                </a:solidFill>
-                <a:uFill>
-                  <a:solidFill>
-                    <a:srgbClr val="ffffff"/>
-                  </a:solidFill>
-                </a:uFill>
-                <a:latin typeface="Arial"/>
-                <a:ea typeface="DejaVu Sans"/>
-              </a:rPr>
-              <a:t>CMake</a:t>
-            </a:r>
-            <a:r>
-              <a:rPr b="0" i="1" lang="en-US" sz="1600" spc="-1" strike="noStrike">
+            <a:r>
+              <a:rPr b="0" lang="en-US" sz="1400" spc="-1" strike="noStrike">
                 <a:solidFill>
                   <a:srgbClr val="000000"/>
                 </a:solidFill>
@@ -10582,34 +11939,34 @@
               <a:t>和</a:t>
             </a:r>
             <a:r>
-              <a:rPr b="0" i="1" lang="en-US" sz="1600" spc="-1" strike="noStrike">
-                <a:solidFill>
-                  <a:srgbClr val="000000"/>
-                </a:solidFill>
-                <a:uFill>
-                  <a:solidFill>
-                    <a:srgbClr val="ffffff"/>
-                  </a:solidFill>
-                </a:uFill>
-                <a:latin typeface="Arial"/>
-                <a:ea typeface="DejaVu Sans"/>
-              </a:rPr>
-              <a:t>autotools</a:t>
-            </a:r>
-            <a:r>
-              <a:rPr b="0" i="1" lang="en-US" sz="1600" spc="-1" strike="noStrike">
-                <a:solidFill>
-                  <a:srgbClr val="000000"/>
-                </a:solidFill>
-                <a:uFill>
-                  <a:solidFill>
-                    <a:srgbClr val="ffffff"/>
-                  </a:solidFill>
-                </a:uFill>
-                <a:latin typeface="Arial"/>
-                <a:ea typeface="DejaVu Sans"/>
-              </a:rPr>
-              <a:t>运行后的生成文件</a:t>
+              <a:rPr b="0" lang="en-US" sz="1400" spc="-1" strike="noStrike">
+                <a:solidFill>
+                  <a:srgbClr val="000000"/>
+                </a:solidFill>
+                <a:uFill>
+                  <a:solidFill>
+                    <a:srgbClr val="ffffff"/>
+                  </a:solidFill>
+                </a:uFill>
+                <a:latin typeface="Arial"/>
+                <a:ea typeface="DejaVu Sans"/>
+              </a:rPr>
+              <a:t>config.h</a:t>
+            </a:r>
+            <a:r>
+              <a:rPr b="0" lang="en-US" sz="1400" spc="-1" strike="noStrike">
+                <a:solidFill>
+                  <a:srgbClr val="000000"/>
+                </a:solidFill>
+                <a:uFill>
+                  <a:solidFill>
+                    <a:srgbClr val="ffffff"/>
+                  </a:solidFill>
+                </a:uFill>
+                <a:latin typeface="Arial"/>
+                <a:ea typeface="DejaVu Sans"/>
+              </a:rPr>
+              <a:t>文件；</a:t>
             </a:r>
             <a:endParaRPr b="0" lang="en-US" sz="1800" spc="-1" strike="noStrike">
               <a:solidFill>
@@ -10627,7 +11984,7 @@
       </p:sp>
       <p:pic>
         <p:nvPicPr>
-          <p:cNvPr id="136" name="" descr=""/>
+          <p:cNvPr id="136" name="图片 135" descr=""/>
           <p:cNvPicPr/>
           <p:nvPr/>
         </p:nvPicPr>
@@ -10638,7 +11995,7 @@
         <p:spPr>
           <a:xfrm>
             <a:off x="7132680" y="174240"/>
-            <a:ext cx="1855440" cy="731160"/>
+            <a:ext cx="1855080" cy="730800"/>
           </a:xfrm>
           <a:prstGeom prst="rect">
             <a:avLst/>
@@ -10653,52 +12010,10 @@
   <p:timing>
     <p:tnLst>
       <p:par>
-        <p:cTn id="13" dur="indefinite" restart="never" nodeType="tmRoot">
+        <p:cTn id="9" dur="indefinite" restart="never" nodeType="tmRoot">
           <p:childTnLst>
             <p:seq>
-              <p:cTn id="14" restart="whenNotActive" nodeType="interactiveSeq" fill="hold">
-                <p:childTnLst>
-                  <p:par>
-                    <p:cTn id="15" fill="hold">
-                      <p:childTnLst>
-                        <p:par>
-                          <p:cTn id="16" fill="hold">
-                            <p:stCondLst>
-                              <p:cond delay="0"/>
-                            </p:stCondLst>
-                            <p:childTnLst>
-                              <p:par>
-                                <p:cTn id="17" nodeType="clickEffect" fill="hold" presetClass="mediacall">
-                                  <p:stCondLst>
-                                    <p:cond delay="0"/>
-                                  </p:stCondLst>
-                                </p:cTn>
-                              </p:par>
-                            </p:childTnLst>
-                          </p:cTn>
-                        </p:par>
-                      </p:childTnLst>
-                    </p:cTn>
-                  </p:par>
-                </p:childTnLst>
-              </p:cTn>
-              <p:prevCondLst>
-                <p:cond delay="0" evt="onPrev">
-                  <p:tgtEl>
-                    <p:sldTgt/>
-                  </p:tgtEl>
-                </p:cond>
-              </p:prevCondLst>
-              <p:nextCondLst>
-                <p:cond delay="0" evt="onNext">
-                  <p:tgtEl>
-                    <p:sldTgt/>
-                  </p:tgtEl>
-                </p:cond>
-              </p:nextCondLst>
-            </p:seq>
-            <p:seq>
-              <p:cTn id="18" nodeType="mainSeq"/>
+              <p:cTn id="10" nodeType="mainSeq"/>
               <p:prevCondLst>
                 <p:cond delay="0" evt="onPrev">
                   <p:tgtEl>
@@ -10741,14 +12056,70 @@
       </p:grpSpPr>
       <p:sp>
         <p:nvSpPr>
-          <p:cNvPr id="137" name="CustomShape 1"/>
+          <p:cNvPr id="137" name="Line 1"/>
           <p:cNvSpPr/>
           <p:nvPr/>
         </p:nvSpPr>
         <p:spPr>
           <a:xfrm>
-            <a:off x="623880" y="637920"/>
-            <a:ext cx="7886160" cy="2139120"/>
+            <a:off x="342000" y="1018080"/>
+            <a:ext cx="8304120" cy="360"/>
+          </a:xfrm>
+          <a:prstGeom prst="line">
+            <a:avLst/>
+          </a:prstGeom>
+          <a:ln w="19080">
+            <a:solidFill>
+              <a:srgbClr val="5b9bd5"/>
+            </a:solidFill>
+            <a:miter/>
+          </a:ln>
+        </p:spPr>
+        <p:style>
+          <a:lnRef idx="0"/>
+          <a:fillRef idx="0"/>
+          <a:effectRef idx="0"/>
+          <a:fontRef idx="minor"/>
+        </p:style>
+      </p:sp>
+      <p:sp>
+        <p:nvSpPr>
+          <p:cNvPr id="138" name="Line 2"/>
+          <p:cNvSpPr/>
+          <p:nvPr/>
+        </p:nvSpPr>
+        <p:spPr>
+          <a:xfrm>
+            <a:off x="342000" y="1055520"/>
+            <a:ext cx="5249880" cy="360"/>
+          </a:xfrm>
+          <a:prstGeom prst="line">
+            <a:avLst/>
+          </a:prstGeom>
+          <a:ln w="76320">
+            <a:solidFill>
+              <a:srgbClr val="5b9bd5"/>
+            </a:solidFill>
+            <a:miter/>
+          </a:ln>
+        </p:spPr>
+        <p:style>
+          <a:lnRef idx="0"/>
+          <a:fillRef idx="0"/>
+          <a:effectRef idx="0"/>
+          <a:fontRef idx="minor"/>
+        </p:style>
+      </p:sp>
+      <p:sp>
+        <p:nvSpPr>
+          <p:cNvPr id="139" name="CustomShape 3"/>
+          <p:cNvSpPr/>
+          <p:nvPr/>
+        </p:nvSpPr>
+        <p:spPr>
+          <a:xfrm>
+            <a:off x="342000" y="174240"/>
+            <a:ext cx="8228520" cy="975600"/>
           </a:xfrm>
           <a:prstGeom prst="rect">
             <a:avLst/>
@@ -10765,54 +12136,72 @@
           <a:fontRef idx="minor"/>
         </p:style>
         <p:txBody>
-          <a:bodyPr lIns="90000" rIns="90000" tIns="45000" bIns="45000" anchor="b"/>
+          <a:bodyPr lIns="90000" rIns="90000" tIns="45000" bIns="45000" anchor="ctr"/>
           <a:p>
             <a:pPr>
               <a:lnSpc>
-                <a:spcPct val="100000"/>
+                <a:spcPct val="125000"/>
               </a:lnSpc>
             </a:pPr>
             <a:r>
-              <a:rPr b="0" lang="en-US" sz="4500" spc="-1" strike="noStrike">
-                <a:solidFill>
-                  <a:srgbClr val="5b9bd5"/>
-                </a:solidFill>
-                <a:uFill>
-                  <a:solidFill>
-                    <a:srgbClr val="ffffff"/>
-                  </a:solidFill>
-                </a:uFill>
-                <a:latin typeface="Arial"/>
-              </a:rPr>
-              <a:t>2.</a:t>
-            </a:r>
-            <a:r>
-              <a:rPr b="0" lang="en-US" sz="4500" spc="-1" strike="noStrike">
-                <a:solidFill>
-                  <a:srgbClr val="000000"/>
-                </a:solidFill>
-                <a:uFill>
-                  <a:solidFill>
-                    <a:srgbClr val="ffffff"/>
-                  </a:solidFill>
-                </a:uFill>
-                <a:latin typeface="Arial"/>
+              <a:rPr b="0" lang="en-US" sz="2800" spc="-1" strike="noStrike">
+                <a:solidFill>
+                  <a:srgbClr val="000000"/>
+                </a:solidFill>
+                <a:uFill>
+                  <a:solidFill>
+                    <a:srgbClr val="ffffff"/>
+                  </a:solidFill>
+                </a:uFill>
+                <a:latin typeface="Arial"/>
+                <a:ea typeface="DejaVu Sans"/>
+              </a:rPr>
+              <a:t>1. </a:t>
+            </a:r>
+            <a:r>
+              <a:rPr b="0" lang="en-US" sz="2800" spc="-1" strike="noStrike">
+                <a:solidFill>
+                  <a:srgbClr val="000000"/>
+                </a:solidFill>
+                <a:uFill>
+                  <a:solidFill>
+                    <a:srgbClr val="ffffff"/>
+                  </a:solidFill>
+                </a:uFill>
+                <a:latin typeface="Arial"/>
+                <a:ea typeface="DejaVu Sans"/>
+              </a:rPr>
+              <a:t>认识</a:t>
+            </a:r>
+            <a:r>
+              <a:rPr b="0" lang="en-US" sz="2800" spc="-1" strike="noStrike">
+                <a:solidFill>
+                  <a:srgbClr val="000000"/>
+                </a:solidFill>
+                <a:uFill>
+                  <a:solidFill>
+                    <a:srgbClr val="ffffff"/>
+                  </a:solidFill>
+                </a:uFill>
+                <a:latin typeface="Arial"/>
+                <a:ea typeface="DejaVu Sans"/>
               </a:rPr>
               <a:t>CMake</a:t>
             </a:r>
             <a:r>
-              <a:rPr b="0" lang="en-US" sz="4500" spc="-1" strike="noStrike">
-                <a:solidFill>
-                  <a:srgbClr val="000000"/>
-                </a:solidFill>
-                <a:uFill>
-                  <a:solidFill>
-                    <a:srgbClr val="ffffff"/>
-                  </a:solidFill>
-                </a:uFill>
-                <a:latin typeface="Arial"/>
-              </a:rPr>
-              <a:t>的主体框架</a:t>
+              <a:rPr b="0" lang="en-US" sz="2800" spc="-1" strike="noStrike">
+                <a:solidFill>
+                  <a:srgbClr val="000000"/>
+                </a:solidFill>
+                <a:uFill>
+                  <a:solidFill>
+                    <a:srgbClr val="ffffff"/>
+                  </a:solidFill>
+                </a:uFill>
+                <a:latin typeface="Arial"/>
+                <a:ea typeface="DejaVu Sans"/>
+              </a:rPr>
+              <a:t>及应用</a:t>
             </a:r>
             <a:endParaRPr b="0" lang="en-US" sz="1800" spc="-1" strike="noStrike">
               <a:solidFill>
@@ -10830,22 +12219,20 @@
       </p:sp>
       <p:sp>
         <p:nvSpPr>
-          <p:cNvPr id="138" name="CustomShape 2"/>
+          <p:cNvPr id="140" name="CustomShape 4"/>
           <p:cNvSpPr/>
           <p:nvPr/>
         </p:nvSpPr>
         <p:spPr>
           <a:xfrm>
-            <a:off x="623880" y="2772360"/>
-            <a:ext cx="7886160" cy="57240"/>
-          </a:xfrm>
-          <a:prstGeom prst="rect">
-            <a:avLst/>
-          </a:prstGeom>
-          <a:solidFill>
-            <a:srgbClr val="5b9bd5"/>
-          </a:solidFill>
-          <a:ln w="12600">
+            <a:off x="202320" y="1150200"/>
+            <a:ext cx="8443440" cy="3784680"/>
+          </a:xfrm>
+          <a:prstGeom prst="rect">
+            <a:avLst/>
+          </a:prstGeom>
+          <a:noFill/>
+          <a:ln>
             <a:noFill/>
           </a:ln>
         </p:spPr>
@@ -10855,16 +12242,457 @@
           <a:effectRef idx="0"/>
           <a:fontRef idx="minor"/>
         </p:style>
-      </p:sp>
+        <p:txBody>
+          <a:bodyPr lIns="90000" rIns="90000" tIns="45000" bIns="45000"/>
+          <a:p>
+            <a:pPr marL="343080" indent="-342720">
+              <a:lnSpc>
+                <a:spcPct val="125000"/>
+              </a:lnSpc>
+              <a:buClr>
+                <a:srgbClr val="000000"/>
+              </a:buClr>
+              <a:buFont typeface="Wingdings" charset="2"/>
+              <a:buChar char=""/>
+            </a:pPr>
+            <a:r>
+              <a:rPr b="1" lang="en-US" sz="1800" spc="-1" strike="noStrike">
+                <a:solidFill>
+                  <a:srgbClr val="000000"/>
+                </a:solidFill>
+                <a:uFill>
+                  <a:solidFill>
+                    <a:srgbClr val="ffffff"/>
+                  </a:solidFill>
+                </a:uFill>
+                <a:latin typeface="Arial"/>
+                <a:ea typeface="DejaVu Sans"/>
+              </a:rPr>
+              <a:t>CMake </a:t>
+            </a:r>
+            <a:r>
+              <a:rPr b="1" lang="en-US" sz="1800" spc="-1" strike="noStrike">
+                <a:solidFill>
+                  <a:srgbClr val="000000"/>
+                </a:solidFill>
+                <a:uFill>
+                  <a:solidFill>
+                    <a:srgbClr val="ffffff"/>
+                  </a:solidFill>
+                </a:uFill>
+                <a:latin typeface="Arial"/>
+                <a:ea typeface="DejaVu Sans"/>
+              </a:rPr>
+              <a:t>与其他编译工具的对比    </a:t>
+            </a:r>
+            <a:endParaRPr b="0" lang="en-US" sz="1800" spc="-1" strike="noStrike">
+              <a:solidFill>
+                <a:srgbClr val="000000"/>
+              </a:solidFill>
+              <a:uFill>
+                <a:solidFill>
+                  <a:srgbClr val="ffffff"/>
+                </a:solidFill>
+              </a:uFill>
+              <a:latin typeface="Arial"/>
+            </a:endParaRPr>
+          </a:p>
+          <a:p>
+            <a:pPr marL="343080" indent="-342720">
+              <a:lnSpc>
+                <a:spcPct val="150000"/>
+              </a:lnSpc>
+              <a:buClr>
+                <a:srgbClr val="000000"/>
+              </a:buClr>
+              <a:buFont typeface="Wingdings" charset="2"/>
+              <a:buChar char=""/>
+            </a:pPr>
+            <a:r>
+              <a:rPr b="1" lang="en-US" sz="1600" spc="-1" strike="noStrike">
+                <a:solidFill>
+                  <a:srgbClr val="000000"/>
+                </a:solidFill>
+                <a:uFill>
+                  <a:solidFill>
+                    <a:srgbClr val="ffffff"/>
+                  </a:solidFill>
+                </a:uFill>
+                <a:latin typeface="Arial"/>
+                <a:ea typeface="DejaVu Sans"/>
+              </a:rPr>
+              <a:t>CMake</a:t>
+            </a:r>
+            <a:endParaRPr b="0" lang="en-US" sz="1800" spc="-1" strike="noStrike">
+              <a:solidFill>
+                <a:srgbClr val="000000"/>
+              </a:solidFill>
+              <a:uFill>
+                <a:solidFill>
+                  <a:srgbClr val="ffffff"/>
+                </a:solidFill>
+              </a:uFill>
+              <a:latin typeface="Arial"/>
+            </a:endParaRPr>
+          </a:p>
+          <a:p>
+            <a:pPr marL="285840" indent="-285480">
+              <a:lnSpc>
+                <a:spcPct val="150000"/>
+              </a:lnSpc>
+              <a:buClr>
+                <a:srgbClr val="000000"/>
+              </a:buClr>
+              <a:buFont typeface="Arial"/>
+              <a:buChar char="•"/>
+            </a:pPr>
+            <a:r>
+              <a:rPr b="0" lang="en-US" sz="1400" spc="-1" strike="noStrike">
+                <a:solidFill>
+                  <a:srgbClr val="000000"/>
+                </a:solidFill>
+                <a:uFill>
+                  <a:solidFill>
+                    <a:srgbClr val="ffffff"/>
+                  </a:solidFill>
+                </a:uFill>
+                <a:latin typeface="Arial"/>
+                <a:ea typeface="DejaVu Sans"/>
+              </a:rPr>
+              <a:t>Cmake</a:t>
+            </a:r>
+            <a:r>
+              <a:rPr b="0" lang="en-US" sz="1400" spc="-1" strike="noStrike">
+                <a:solidFill>
+                  <a:srgbClr val="000000"/>
+                </a:solidFill>
+                <a:uFill>
+                  <a:solidFill>
+                    <a:srgbClr val="ffffff"/>
+                  </a:solidFill>
+                </a:uFill>
+                <a:latin typeface="Arial"/>
+                <a:ea typeface="DejaVu Sans"/>
+              </a:rPr>
+              <a:t>类似</a:t>
+            </a:r>
+            <a:r>
+              <a:rPr b="0" lang="en-US" sz="1400" spc="-1" strike="noStrike">
+                <a:solidFill>
+                  <a:srgbClr val="000000"/>
+                </a:solidFill>
+                <a:uFill>
+                  <a:solidFill>
+                    <a:srgbClr val="ffffff"/>
+                  </a:solidFill>
+                </a:uFill>
+                <a:latin typeface="Arial"/>
+                <a:ea typeface="DejaVu Sans"/>
+              </a:rPr>
+              <a:t>Make</a:t>
+            </a:r>
+            <a:r>
+              <a:rPr b="0" lang="en-US" sz="1400" spc="-1" strike="noStrike">
+                <a:solidFill>
+                  <a:srgbClr val="000000"/>
+                </a:solidFill>
+                <a:uFill>
+                  <a:solidFill>
+                    <a:srgbClr val="ffffff"/>
+                  </a:solidFill>
+                </a:uFill>
+                <a:latin typeface="Arial"/>
+                <a:ea typeface="DejaVu Sans"/>
+              </a:rPr>
+              <a:t>工具功能，用来“读取”并执行</a:t>
+            </a:r>
+            <a:r>
+              <a:rPr b="0" lang="en-US" sz="1400" spc="-1" strike="noStrike">
+                <a:solidFill>
+                  <a:srgbClr val="000000"/>
+                </a:solidFill>
+                <a:uFill>
+                  <a:solidFill>
+                    <a:srgbClr val="ffffff"/>
+                  </a:solidFill>
+                </a:uFill>
+                <a:latin typeface="Arial"/>
+                <a:ea typeface="DejaVu Sans"/>
+              </a:rPr>
+              <a:t>CMakeLists.txt</a:t>
+            </a:r>
+            <a:r>
+              <a:rPr b="0" lang="en-US" sz="1400" spc="-1" strike="noStrike">
+                <a:solidFill>
+                  <a:srgbClr val="000000"/>
+                </a:solidFill>
+                <a:uFill>
+                  <a:solidFill>
+                    <a:srgbClr val="ffffff"/>
+                  </a:solidFill>
+                </a:uFill>
+                <a:latin typeface="Arial"/>
+                <a:ea typeface="DejaVu Sans"/>
+              </a:rPr>
+              <a:t>文件的语句最终生成</a:t>
+            </a:r>
+            <a:r>
+              <a:rPr b="0" lang="en-US" sz="1400" spc="-1" strike="noStrike">
+                <a:solidFill>
+                  <a:srgbClr val="000000"/>
+                </a:solidFill>
+                <a:uFill>
+                  <a:solidFill>
+                    <a:srgbClr val="ffffff"/>
+                  </a:solidFill>
+                </a:uFill>
+                <a:latin typeface="Arial"/>
+                <a:ea typeface="DejaVu Sans"/>
+              </a:rPr>
+              <a:t>Makefile</a:t>
+            </a:r>
+            <a:r>
+              <a:rPr b="0" lang="en-US" sz="1400" spc="-1" strike="noStrike">
+                <a:solidFill>
+                  <a:srgbClr val="000000"/>
+                </a:solidFill>
+                <a:uFill>
+                  <a:solidFill>
+                    <a:srgbClr val="ffffff"/>
+                  </a:solidFill>
+                </a:uFill>
+                <a:latin typeface="Arial"/>
+                <a:ea typeface="DejaVu Sans"/>
+              </a:rPr>
+              <a:t>文件；</a:t>
+            </a:r>
+            <a:endParaRPr b="0" lang="en-US" sz="1800" spc="-1" strike="noStrike">
+              <a:solidFill>
+                <a:srgbClr val="000000"/>
+              </a:solidFill>
+              <a:uFill>
+                <a:solidFill>
+                  <a:srgbClr val="ffffff"/>
+                </a:solidFill>
+              </a:uFill>
+              <a:latin typeface="Arial"/>
+            </a:endParaRPr>
+          </a:p>
+          <a:p>
+            <a:pPr marL="285840" indent="-285480">
+              <a:lnSpc>
+                <a:spcPct val="150000"/>
+              </a:lnSpc>
+              <a:buClr>
+                <a:srgbClr val="000000"/>
+              </a:buClr>
+              <a:buFont typeface="Arial"/>
+              <a:buChar char="•"/>
+            </a:pPr>
+            <a:r>
+              <a:rPr b="0" lang="en-US" sz="1400" spc="-1" strike="noStrike">
+                <a:solidFill>
+                  <a:srgbClr val="000000"/>
+                </a:solidFill>
+                <a:uFill>
+                  <a:solidFill>
+                    <a:srgbClr val="ffffff"/>
+                  </a:solidFill>
+                </a:uFill>
+                <a:latin typeface="Arial"/>
+                <a:ea typeface="DejaVu Sans"/>
+              </a:rPr>
+              <a:t>Cmake</a:t>
+            </a:r>
+            <a:r>
+              <a:rPr b="0" lang="en-US" sz="1400" spc="-1" strike="noStrike">
+                <a:solidFill>
+                  <a:srgbClr val="000000"/>
+                </a:solidFill>
+                <a:uFill>
+                  <a:solidFill>
+                    <a:srgbClr val="ffffff"/>
+                  </a:solidFill>
+                </a:uFill>
+                <a:latin typeface="Arial"/>
+                <a:ea typeface="DejaVu Sans"/>
+              </a:rPr>
+              <a:t>语言开发相对简单，易于理解；</a:t>
+            </a:r>
+            <a:endParaRPr b="0" lang="en-US" sz="1800" spc="-1" strike="noStrike">
+              <a:solidFill>
+                <a:srgbClr val="000000"/>
+              </a:solidFill>
+              <a:uFill>
+                <a:solidFill>
+                  <a:srgbClr val="ffffff"/>
+                </a:solidFill>
+              </a:uFill>
+              <a:latin typeface="Arial"/>
+            </a:endParaRPr>
+          </a:p>
+          <a:p>
+            <a:pPr marL="285840" indent="-285480">
+              <a:lnSpc>
+                <a:spcPct val="150000"/>
+              </a:lnSpc>
+              <a:buClr>
+                <a:srgbClr val="000000"/>
+              </a:buClr>
+              <a:buFont typeface="Arial"/>
+              <a:buChar char="•"/>
+            </a:pPr>
+            <a:r>
+              <a:rPr b="0" lang="en-US" sz="1400" spc="-1" strike="noStrike">
+                <a:solidFill>
+                  <a:srgbClr val="000000"/>
+                </a:solidFill>
+                <a:uFill>
+                  <a:solidFill>
+                    <a:srgbClr val="ffffff"/>
+                  </a:solidFill>
+                </a:uFill>
+                <a:latin typeface="Arial"/>
+                <a:ea typeface="DejaVu Sans"/>
+              </a:rPr>
+              <a:t>目前很多项目正在抛弃</a:t>
+            </a:r>
+            <a:r>
+              <a:rPr b="0" lang="en-US" sz="1400" spc="-1" strike="noStrike">
+                <a:solidFill>
+                  <a:srgbClr val="000000"/>
+                </a:solidFill>
+                <a:uFill>
+                  <a:solidFill>
+                    <a:srgbClr val="ffffff"/>
+                  </a:solidFill>
+                </a:uFill>
+                <a:latin typeface="Arial"/>
+                <a:ea typeface="DejaVu Sans"/>
+              </a:rPr>
+              <a:t>Autotools</a:t>
+            </a:r>
+            <a:r>
+              <a:rPr b="0" lang="en-US" sz="1400" spc="-1" strike="noStrike">
+                <a:solidFill>
+                  <a:srgbClr val="000000"/>
+                </a:solidFill>
+                <a:uFill>
+                  <a:solidFill>
+                    <a:srgbClr val="ffffff"/>
+                  </a:solidFill>
+                </a:uFill>
+                <a:latin typeface="Arial"/>
+                <a:ea typeface="DejaVu Sans"/>
+              </a:rPr>
+              <a:t>，</a:t>
+            </a:r>
+            <a:r>
+              <a:rPr b="0" lang="en-US" sz="1400" spc="-1" strike="noStrike">
+                <a:solidFill>
+                  <a:srgbClr val="000000"/>
+                </a:solidFill>
+                <a:uFill>
+                  <a:solidFill>
+                    <a:srgbClr val="ffffff"/>
+                  </a:solidFill>
+                </a:uFill>
+                <a:latin typeface="Arial"/>
+                <a:ea typeface="DejaVu Sans"/>
+              </a:rPr>
+              <a:t>qmake</a:t>
+            </a:r>
+            <a:r>
+              <a:rPr b="0" lang="en-US" sz="1400" spc="-1" strike="noStrike">
+                <a:solidFill>
+                  <a:srgbClr val="000000"/>
+                </a:solidFill>
+                <a:uFill>
+                  <a:solidFill>
+                    <a:srgbClr val="ffffff"/>
+                  </a:solidFill>
+                </a:uFill>
+                <a:latin typeface="Arial"/>
+                <a:ea typeface="DejaVu Sans"/>
+              </a:rPr>
+              <a:t>等，转而采用</a:t>
+            </a:r>
+            <a:r>
+              <a:rPr b="0" lang="en-US" sz="1400" spc="-1" strike="noStrike">
+                <a:solidFill>
+                  <a:srgbClr val="000000"/>
+                </a:solidFill>
+                <a:uFill>
+                  <a:solidFill>
+                    <a:srgbClr val="ffffff"/>
+                  </a:solidFill>
+                </a:uFill>
+                <a:latin typeface="Arial"/>
+                <a:ea typeface="DejaVu Sans"/>
+              </a:rPr>
+              <a:t>Cmake</a:t>
+            </a:r>
+            <a:r>
+              <a:rPr b="0" lang="en-US" sz="1400" spc="-1" strike="noStrike">
+                <a:solidFill>
+                  <a:srgbClr val="000000"/>
+                </a:solidFill>
+                <a:uFill>
+                  <a:solidFill>
+                    <a:srgbClr val="ffffff"/>
+                  </a:solidFill>
+                </a:uFill>
+                <a:latin typeface="Arial"/>
+                <a:ea typeface="DejaVu Sans"/>
+              </a:rPr>
+              <a:t>；</a:t>
+            </a:r>
+            <a:endParaRPr b="0" lang="en-US" sz="1800" spc="-1" strike="noStrike">
+              <a:solidFill>
+                <a:srgbClr val="000000"/>
+              </a:solidFill>
+              <a:uFill>
+                <a:solidFill>
+                  <a:srgbClr val="ffffff"/>
+                </a:solidFill>
+              </a:uFill>
+              <a:latin typeface="Arial"/>
+            </a:endParaRPr>
+          </a:p>
+        </p:txBody>
+      </p:sp>
+      <p:pic>
+        <p:nvPicPr>
+          <p:cNvPr id="141" name="图片 135" descr=""/>
+          <p:cNvPicPr/>
+          <p:nvPr/>
+        </p:nvPicPr>
+        <p:blipFill>
+          <a:blip r:embed="rId1"/>
+          <a:stretch/>
+        </p:blipFill>
+        <p:spPr>
+          <a:xfrm>
+            <a:off x="7132680" y="174240"/>
+            <a:ext cx="1855080" cy="730800"/>
+          </a:xfrm>
+          <a:prstGeom prst="rect">
+            <a:avLst/>
+          </a:prstGeom>
+          <a:ln>
+            <a:noFill/>
+          </a:ln>
+        </p:spPr>
+      </p:pic>
     </p:spTree>
   </p:cSld>
   <p:timing>
     <p:tnLst>
       <p:par>
-        <p:cTn id="19" dur="indefinite" restart="never" nodeType="tmRoot">
+        <p:cTn id="11" dur="indefinite" restart="never" nodeType="tmRoot">
           <p:childTnLst>
             <p:seq>
-              <p:cTn id="20" nodeType="mainSeq"/>
+              <p:cTn id="12" nodeType="mainSeq"/>
               <p:prevCondLst>
                 <p:cond delay="0" evt="onPrev">
                   <p:tgtEl>
@@ -10907,70 +12735,14 @@
       </p:grpSpPr>
       <p:sp>
         <p:nvSpPr>
-          <p:cNvPr id="139" name="Line 1"/>
+          <p:cNvPr id="142" name="CustomShape 1"/>
           <p:cNvSpPr/>
           <p:nvPr/>
         </p:nvSpPr>
         <p:spPr>
           <a:xfrm>
-            <a:off x="342000" y="1018080"/>
-            <a:ext cx="8304120" cy="360"/>
-          </a:xfrm>
-          <a:prstGeom prst="line">
-            <a:avLst/>
-          </a:prstGeom>
-          <a:ln w="19080">
-            <a:solidFill>
-              <a:srgbClr val="5b9bd5"/>
-            </a:solidFill>
-            <a:miter/>
-          </a:ln>
-        </p:spPr>
-        <p:style>
-          <a:lnRef idx="0"/>
-          <a:fillRef idx="0"/>
-          <a:effectRef idx="0"/>
-          <a:fontRef idx="minor"/>
-        </p:style>
-      </p:sp>
-      <p:sp>
-        <p:nvSpPr>
-          <p:cNvPr id="140" name="Line 2"/>
-          <p:cNvSpPr/>
-          <p:nvPr/>
-        </p:nvSpPr>
-        <p:spPr>
-          <a:xfrm>
-            <a:off x="342000" y="1055520"/>
-            <a:ext cx="5249880" cy="360"/>
-          </a:xfrm>
-          <a:prstGeom prst="line">
-            <a:avLst/>
-          </a:prstGeom>
-          <a:ln w="76320">
-            <a:solidFill>
-              <a:srgbClr val="5b9bd5"/>
-            </a:solidFill>
-            <a:miter/>
-          </a:ln>
-        </p:spPr>
-        <p:style>
-          <a:lnRef idx="0"/>
-          <a:fillRef idx="0"/>
-          <a:effectRef idx="0"/>
-          <a:fontRef idx="minor"/>
-        </p:style>
-      </p:sp>
-      <p:sp>
-        <p:nvSpPr>
-          <p:cNvPr id="141" name="CustomShape 3"/>
-          <p:cNvSpPr/>
-          <p:nvPr/>
-        </p:nvSpPr>
-        <p:spPr>
-          <a:xfrm>
-            <a:off x="342000" y="174240"/>
-            <a:ext cx="8228880" cy="975960"/>
+            <a:off x="623880" y="637920"/>
+            <a:ext cx="7885800" cy="2138760"/>
           </a:xfrm>
           <a:prstGeom prst="rect">
             <a:avLst/>
@@ -10987,38 +12759,55 @@
           <a:fontRef idx="minor"/>
         </p:style>
         <p:txBody>
-          <a:bodyPr lIns="90000" rIns="90000" tIns="45000" bIns="45000" anchor="ctr"/>
+          <a:bodyPr lIns="90000" rIns="90000" tIns="45000" bIns="45000" anchor="b"/>
           <a:p>
             <a:pPr>
               <a:lnSpc>
-                <a:spcPct val="125000"/>
+                <a:spcPct val="100000"/>
               </a:lnSpc>
             </a:pPr>
             <a:r>
-              <a:rPr b="0" lang="en-US" sz="2800" spc="-1" strike="noStrike">
-                <a:solidFill>
-                  <a:srgbClr val="000000"/>
-                </a:solidFill>
-                <a:uFill>
-                  <a:solidFill>
-                    <a:srgbClr val="ffffff"/>
-                  </a:solidFill>
-                </a:uFill>
-                <a:latin typeface="Arial"/>
+              <a:rPr b="0" lang="en-US" sz="4500" spc="-1" strike="noStrike">
+                <a:solidFill>
+                  <a:srgbClr val="5b9bd5"/>
+                </a:solidFill>
+                <a:uFill>
+                  <a:solidFill>
+                    <a:srgbClr val="ffffff"/>
+                  </a:solidFill>
+                </a:uFill>
+                <a:latin typeface="Arial"/>
+                <a:ea typeface="DejaVu Sans"/>
+              </a:rPr>
+              <a:t>2.</a:t>
+            </a:r>
+            <a:r>
+              <a:rPr b="0" lang="en-US" sz="4500" spc="-1" strike="noStrike">
+                <a:solidFill>
+                  <a:srgbClr val="000000"/>
+                </a:solidFill>
+                <a:uFill>
+                  <a:solidFill>
+                    <a:srgbClr val="ffffff"/>
+                  </a:solidFill>
+                </a:uFill>
+                <a:latin typeface="Arial"/>
+                <a:ea typeface="DejaVu Sans"/>
               </a:rPr>
               <a:t>CMake</a:t>
             </a:r>
             <a:r>
-              <a:rPr b="0" lang="en-US" sz="2800" spc="-1" strike="noStrike">
-                <a:solidFill>
-                  <a:srgbClr val="000000"/>
-                </a:solidFill>
-                <a:uFill>
-                  <a:solidFill>
-                    <a:srgbClr val="ffffff"/>
-                  </a:solidFill>
-                </a:uFill>
-                <a:latin typeface="Arial"/>
+              <a:rPr b="0" lang="en-US" sz="4500" spc="-1" strike="noStrike">
+                <a:solidFill>
+                  <a:srgbClr val="000000"/>
+                </a:solidFill>
+                <a:uFill>
+                  <a:solidFill>
+                    <a:srgbClr val="ffffff"/>
+                  </a:solidFill>
+                </a:uFill>
+                <a:latin typeface="Arial"/>
+                <a:ea typeface="DejaVu Sans"/>
               </a:rPr>
               <a:t>的主体框架</a:t>
             </a:r>
@@ -11038,20 +12827,22 @@
       </p:sp>
       <p:sp>
         <p:nvSpPr>
-          <p:cNvPr id="142" name="CustomShape 4"/>
+          <p:cNvPr id="143" name="CustomShape 2"/>
           <p:cNvSpPr/>
           <p:nvPr/>
         </p:nvSpPr>
         <p:spPr>
           <a:xfrm>
-            <a:off x="202320" y="1357560"/>
-            <a:ext cx="8228880" cy="3785040"/>
-          </a:xfrm>
-          <a:prstGeom prst="rect">
-            <a:avLst/>
-          </a:prstGeom>
-          <a:noFill/>
-          <a:ln>
+            <a:off x="623880" y="2772360"/>
+            <a:ext cx="7885800" cy="56880"/>
+          </a:xfrm>
+          <a:prstGeom prst="rect">
+            <a:avLst/>
+          </a:prstGeom>
+          <a:solidFill>
+            <a:srgbClr val="5b9bd5"/>
+          </a:solidFill>
+          <a:ln w="12600">
             <a:noFill/>
           </a:ln>
         </p:spPr>
@@ -11061,122 +12852,16 @@
           <a:effectRef idx="0"/>
           <a:fontRef idx="minor"/>
         </p:style>
-        <p:txBody>
-          <a:bodyPr lIns="90000" rIns="90000" tIns="45000" bIns="45000"/>
-          <a:p>
-            <a:pPr marL="514440" indent="-513720">
-              <a:lnSpc>
-                <a:spcPct val="125000"/>
-              </a:lnSpc>
-              <a:buClr>
-                <a:srgbClr val="6f1b1b"/>
-              </a:buClr>
-              <a:buFont typeface="Arial"/>
-              <a:buChar char="•"/>
-            </a:pPr>
-            <a:r>
-              <a:rPr b="0" lang="en-US" sz="2000" spc="-1" strike="noStrike">
-                <a:solidFill>
-                  <a:srgbClr val="000000"/>
-                </a:solidFill>
-                <a:uFill>
-                  <a:solidFill>
-                    <a:srgbClr val="ffffff"/>
-                  </a:solidFill>
-                </a:uFill>
-                <a:latin typeface="Arial"/>
-                <a:ea typeface="DejaVu Sans"/>
-              </a:rPr>
-              <a:t>计算机视觉</a:t>
-            </a:r>
-            <a:endParaRPr b="0" lang="en-US" sz="1800" spc="-1" strike="noStrike">
-              <a:solidFill>
-                <a:srgbClr val="000000"/>
-              </a:solidFill>
-              <a:uFill>
-                <a:solidFill>
-                  <a:srgbClr val="ffffff"/>
-                </a:solidFill>
-              </a:uFill>
-              <a:latin typeface="Arial"/>
-            </a:endParaRPr>
-          </a:p>
-        </p:txBody>
-      </p:sp>
-      <p:pic>
-        <p:nvPicPr>
-          <p:cNvPr id="143" name="" descr=""/>
-          <p:cNvPicPr/>
-          <p:nvPr/>
-        </p:nvPicPr>
-        <p:blipFill>
-          <a:blip r:embed="rId1"/>
-          <a:stretch/>
-        </p:blipFill>
-        <p:spPr>
-          <a:xfrm>
-            <a:off x="7132680" y="174240"/>
-            <a:ext cx="1855440" cy="731160"/>
-          </a:xfrm>
-          <a:prstGeom prst="rect">
-            <a:avLst/>
-          </a:prstGeom>
-          <a:ln>
-            <a:noFill/>
-          </a:ln>
-        </p:spPr>
-      </p:pic>
+      </p:sp>
     </p:spTree>
   </p:cSld>
   <p:timing>
     <p:tnLst>
       <p:par>
-        <p:cTn id="21" dur="indefinite" restart="never" nodeType="tmRoot">
+        <p:cTn id="13" dur="indefinite" restart="never" nodeType="tmRoot">
           <p:childTnLst>
             <p:seq>
-              <p:cTn id="22" restart="whenNotActive" nodeType="interactiveSeq" fill="hold">
-                <p:childTnLst>
-                  <p:par>
-                    <p:cTn id="23" fill="hold">
-                      <p:childTnLst>
-                        <p:par>
-                          <p:cTn id="24" fill="hold">
-                            <p:stCondLst>
-                              <p:cond delay="0"/>
-                            </p:stCondLst>
-                            <p:childTnLst>
-                              <p:par>
-                                <p:cTn id="25" nodeType="clickEffect" fill="hold" presetClass="mediacall">
-                                  <p:stCondLst>
-                                    <p:cond delay="0"/>
-                                  </p:stCondLst>
-                                </p:cTn>
-                              </p:par>
-                            </p:childTnLst>
-                          </p:cTn>
-                        </p:par>
-                      </p:childTnLst>
-                    </p:cTn>
-                  </p:par>
-                </p:childTnLst>
-              </p:cTn>
-              <p:prevCondLst>
-                <p:cond delay="0" evt="onPrev">
-                  <p:tgtEl>
-                    <p:sldTgt/>
-                  </p:tgtEl>
-                </p:cond>
-              </p:prevCondLst>
-              <p:nextCondLst>
-                <p:cond delay="0" evt="onNext">
-                  <p:tgtEl>
-                    <p:sldTgt/>
-                  </p:tgtEl>
-                </p:cond>
-              </p:nextCondLst>
-            </p:seq>
-            <p:seq>
-              <p:cTn id="26" nodeType="mainSeq"/>
+              <p:cTn id="14" nodeType="mainSeq"/>
               <p:prevCondLst>
                 <p:cond delay="0" evt="onPrev">
                   <p:tgtEl>
@@ -11219,14 +12904,70 @@
       </p:grpSpPr>
       <p:sp>
         <p:nvSpPr>
-          <p:cNvPr id="144" name="CustomShape 1"/>
+          <p:cNvPr id="144" name="Line 1"/>
           <p:cNvSpPr/>
           <p:nvPr/>
         </p:nvSpPr>
         <p:spPr>
           <a:xfrm>
-            <a:off x="623880" y="637920"/>
-            <a:ext cx="7886160" cy="2139120"/>
+            <a:off x="342000" y="1018080"/>
+            <a:ext cx="8304120" cy="360"/>
+          </a:xfrm>
+          <a:prstGeom prst="line">
+            <a:avLst/>
+          </a:prstGeom>
+          <a:ln w="19080">
+            <a:solidFill>
+              <a:srgbClr val="5b9bd5"/>
+            </a:solidFill>
+            <a:miter/>
+          </a:ln>
+        </p:spPr>
+        <p:style>
+          <a:lnRef idx="0"/>
+          <a:fillRef idx="0"/>
+          <a:effectRef idx="0"/>
+          <a:fontRef idx="minor"/>
+        </p:style>
+      </p:sp>
+      <p:sp>
+        <p:nvSpPr>
+          <p:cNvPr id="145" name="Line 2"/>
+          <p:cNvSpPr/>
+          <p:nvPr/>
+        </p:nvSpPr>
+        <p:spPr>
+          <a:xfrm>
+            <a:off x="342000" y="1055520"/>
+            <a:ext cx="5249880" cy="360"/>
+          </a:xfrm>
+          <a:prstGeom prst="line">
+            <a:avLst/>
+          </a:prstGeom>
+          <a:ln w="76320">
+            <a:solidFill>
+              <a:srgbClr val="5b9bd5"/>
+            </a:solidFill>
+            <a:miter/>
+          </a:ln>
+        </p:spPr>
+        <p:style>
+          <a:lnRef idx="0"/>
+          <a:fillRef idx="0"/>
+          <a:effectRef idx="0"/>
+          <a:fontRef idx="minor"/>
+        </p:style>
+      </p:sp>
+      <p:sp>
+        <p:nvSpPr>
+          <p:cNvPr id="146" name="CustomShape 3"/>
+          <p:cNvSpPr/>
+          <p:nvPr/>
+        </p:nvSpPr>
+        <p:spPr>
+          <a:xfrm>
+            <a:off x="342000" y="174240"/>
+            <a:ext cx="4435560" cy="975600"/>
           </a:xfrm>
           <a:prstGeom prst="rect">
             <a:avLst/>
@@ -11243,54 +12984,42 @@
           <a:fontRef idx="minor"/>
         </p:style>
         <p:txBody>
-          <a:bodyPr lIns="90000" rIns="90000" tIns="45000" bIns="45000" anchor="b"/>
+          <a:bodyPr lIns="90000" rIns="90000" tIns="45000" bIns="45000" anchor="ctr"/>
           <a:p>
             <a:pPr>
               <a:lnSpc>
-                <a:spcPct val="100000"/>
+                <a:spcPct val="125000"/>
               </a:lnSpc>
             </a:pPr>
             <a:r>
-              <a:rPr b="0" lang="en-US" sz="4500" spc="-1" strike="noStrike">
-                <a:solidFill>
-                  <a:srgbClr val="5b9bd5"/>
-                </a:solidFill>
-                <a:uFill>
-                  <a:solidFill>
-                    <a:srgbClr val="ffffff"/>
-                  </a:solidFill>
-                </a:uFill>
-                <a:latin typeface="Arial"/>
-              </a:rPr>
-              <a:t>3.</a:t>
-            </a:r>
-            <a:r>
-              <a:rPr b="0" lang="en-US" sz="4500" spc="-1" strike="noStrike">
-                <a:solidFill>
-                  <a:srgbClr val="000000"/>
-                </a:solidFill>
-                <a:uFill>
-                  <a:solidFill>
-                    <a:srgbClr val="ffffff"/>
-                  </a:solidFill>
-                </a:uFill>
-                <a:latin typeface="Arial"/>
-              </a:rPr>
-              <a:t>CMake</a:t>
-            </a:r>
-            <a:r>
-              <a:rPr b="0" lang="en-US" sz="4500" spc="-1" strike="noStrike">
-                <a:solidFill>
-                  <a:srgbClr val="000000"/>
-                </a:solidFill>
-                <a:uFill>
-                  <a:solidFill>
-                    <a:srgbClr val="ffffff"/>
-                  </a:solidFill>
-                </a:uFill>
-                <a:latin typeface="Arial"/>
-              </a:rPr>
-              <a:t>的常用指令</a:t>
+              <a:rPr b="0" lang="en-US" sz="2800" spc="-1" strike="noStrike">
+                <a:solidFill>
+                  <a:srgbClr val="000000"/>
+                </a:solidFill>
+                <a:uFill>
+                  <a:solidFill>
+                    <a:srgbClr val="ffffff"/>
+                  </a:solidFill>
+                </a:uFill>
+                <a:latin typeface="Arial"/>
+                <a:ea typeface="DejaVu Sans"/>
+              </a:rPr>
+              <a:t>2. CMake</a:t>
+            </a:r>
+            <a:r>
+              <a:rPr b="0" lang="en-US" sz="2800" spc="-1" strike="noStrike">
+                <a:solidFill>
+                  <a:srgbClr val="000000"/>
+                </a:solidFill>
+                <a:uFill>
+                  <a:solidFill>
+                    <a:srgbClr val="ffffff"/>
+                  </a:solidFill>
+                </a:uFill>
+                <a:latin typeface="Arial"/>
+                <a:ea typeface="DejaVu Sans"/>
+              </a:rPr>
+              <a:t>语法的主体框架</a:t>
             </a:r>
             <a:endParaRPr b="0" lang="en-US" sz="1800" spc="-1" strike="noStrike">
               <a:solidFill>
@@ -11306,43 +13035,61 @@
           </a:p>
         </p:txBody>
       </p:sp>
-      <p:sp>
-        <p:nvSpPr>
-          <p:cNvPr id="145" name="CustomShape 2"/>
-          <p:cNvSpPr/>
+      <p:pic>
+        <p:nvPicPr>
+          <p:cNvPr id="147" name="图片 142" descr=""/>
+          <p:cNvPicPr/>
           <p:nvPr/>
-        </p:nvSpPr>
-        <p:spPr>
-          <a:xfrm>
-            <a:off x="623880" y="2772360"/>
-            <a:ext cx="7886160" cy="57240"/>
-          </a:xfrm>
-          <a:prstGeom prst="rect">
-            <a:avLst/>
-          </a:prstGeom>
-          <a:solidFill>
-            <a:srgbClr val="5b9bd5"/>
-          </a:solidFill>
-          <a:ln w="12600">
+        </p:nvPicPr>
+        <p:blipFill>
+          <a:blip r:embed="rId1"/>
+          <a:stretch/>
+        </p:blipFill>
+        <p:spPr>
+          <a:xfrm>
+            <a:off x="7132680" y="174240"/>
+            <a:ext cx="1855080" cy="730800"/>
+          </a:xfrm>
+          <a:prstGeom prst="rect">
+            <a:avLst/>
+          </a:prstGeom>
+          <a:ln>
             <a:noFill/>
           </a:ln>
         </p:spPr>
-        <p:style>
-          <a:lnRef idx="0"/>
-          <a:fillRef idx="0"/>
-          <a:effectRef idx="0"/>
-          <a:fontRef idx="minor"/>
-        </p:style>
-      </p:sp>
+      </p:pic>
+      <p:pic>
+        <p:nvPicPr>
+          <p:cNvPr id="148" name="图片 5" descr=""/>
+          <p:cNvPicPr/>
+          <p:nvPr/>
+        </p:nvPicPr>
+        <p:blipFill>
+          <a:blip r:embed="rId2"/>
+          <a:stretch/>
+        </p:blipFill>
+        <p:spPr>
+          <a:xfrm>
+            <a:off x="342000" y="1217160"/>
+            <a:ext cx="6752160" cy="3825720"/>
+          </a:xfrm>
+          <a:prstGeom prst="rect">
+            <a:avLst/>
+          </a:prstGeom>
+          <a:ln>
+            <a:noFill/>
+          </a:ln>
+        </p:spPr>
+      </p:pic>
     </p:spTree>
   </p:cSld>
   <p:timing>
     <p:tnLst>
       <p:par>
-        <p:cTn id="27" dur="indefinite" restart="never" nodeType="tmRoot">
+        <p:cTn id="15" dur="indefinite" restart="never" nodeType="tmRoot">
           <p:childTnLst>
             <p:seq>
-              <p:cTn id="28" nodeType="mainSeq"/>
+              <p:cTn id="16" nodeType="mainSeq"/>
               <p:prevCondLst>
                 <p:cond delay="0" evt="onPrev">
                   <p:tgtEl>
@@ -11385,7 +13132,7 @@
       </p:grpSpPr>
       <p:sp>
         <p:nvSpPr>
-          <p:cNvPr id="146" name="Line 1"/>
+          <p:cNvPr id="149" name="Line 1"/>
           <p:cNvSpPr/>
           <p:nvPr/>
         </p:nvSpPr>
@@ -11413,7 +13160,7 @@
       </p:sp>
       <p:sp>
         <p:nvSpPr>
-          <p:cNvPr id="147" name="Line 2"/>
+          <p:cNvPr id="150" name="Line 2"/>
           <p:cNvSpPr/>
           <p:nvPr/>
         </p:nvSpPr>
@@ -11441,14 +13188,14 @@
       </p:sp>
       <p:sp>
         <p:nvSpPr>
-          <p:cNvPr id="148" name="CustomShape 3"/>
+          <p:cNvPr id="151" name="CustomShape 3"/>
           <p:cNvSpPr/>
           <p:nvPr/>
         </p:nvSpPr>
         <p:spPr>
           <a:xfrm>
             <a:off x="342000" y="174240"/>
-            <a:ext cx="8228880" cy="975960"/>
+            <a:ext cx="4435560" cy="975600"/>
           </a:xfrm>
           <a:prstGeom prst="rect">
             <a:avLst/>
@@ -11483,8 +13230,9 @@
                   </a:solidFill>
                 </a:uFill>
                 <a:latin typeface="Arial"/>
-              </a:rPr>
-              <a:t>CMake</a:t>
+                <a:ea typeface="DejaVu Sans"/>
+              </a:rPr>
+              <a:t>2. CMake</a:t>
             </a:r>
             <a:r>
               <a:rPr b="0" lang="en-US" sz="2800" spc="-1" strike="noStrike">
@@ -11497,75 +13245,9 @@
                   </a:solidFill>
                 </a:uFill>
                 <a:latin typeface="Arial"/>
-              </a:rPr>
-              <a:t>的常用指令</a:t>
-            </a:r>
-            <a:endParaRPr b="0" lang="en-US" sz="1800" spc="-1" strike="noStrike">
-              <a:solidFill>
-                <a:srgbClr val="000000"/>
-              </a:solidFill>
-              <a:uFill>
-                <a:solidFill>
-                  <a:srgbClr val="ffffff"/>
-                </a:solidFill>
-              </a:uFill>
-              <a:latin typeface="Arial"/>
-            </a:endParaRPr>
-          </a:p>
-        </p:txBody>
-      </p:sp>
-      <p:sp>
-        <p:nvSpPr>
-          <p:cNvPr id="149" name="CustomShape 4"/>
-          <p:cNvSpPr/>
-          <p:nvPr/>
-        </p:nvSpPr>
-        <p:spPr>
-          <a:xfrm>
-            <a:off x="202320" y="1357560"/>
-            <a:ext cx="8228880" cy="3785040"/>
-          </a:xfrm>
-          <a:prstGeom prst="rect">
-            <a:avLst/>
-          </a:prstGeom>
-          <a:noFill/>
-          <a:ln>
-            <a:noFill/>
-          </a:ln>
-        </p:spPr>
-        <p:style>
-          <a:lnRef idx="0"/>
-          <a:fillRef idx="0"/>
-          <a:effectRef idx="0"/>
-          <a:fontRef idx="minor"/>
-        </p:style>
-        <p:txBody>
-          <a:bodyPr lIns="90000" rIns="90000" tIns="45000" bIns="45000"/>
-          <a:p>
-            <a:pPr marL="514440" indent="-513720">
-              <a:lnSpc>
-                <a:spcPct val="125000"/>
-              </a:lnSpc>
-              <a:buClr>
-                <a:srgbClr val="6f1b1b"/>
-              </a:buClr>
-              <a:buFont typeface="Arial"/>
-              <a:buChar char="•"/>
-            </a:pPr>
-            <a:r>
-              <a:rPr b="0" lang="en-US" sz="2000" spc="-1" strike="noStrike">
-                <a:solidFill>
-                  <a:srgbClr val="000000"/>
-                </a:solidFill>
-                <a:uFill>
-                  <a:solidFill>
-                    <a:srgbClr val="ffffff"/>
-                  </a:solidFill>
-                </a:uFill>
-                <a:latin typeface="Arial"/>
-                <a:ea typeface="DejaVu Sans"/>
-              </a:rPr>
-              <a:t>计算机视觉</a:t>
+                <a:ea typeface="DejaVu Sans"/>
+              </a:rPr>
+              <a:t>语法的主体框架</a:t>
             </a:r>
             <a:endParaRPr b="0" lang="en-US" sz="1800" spc="-1" strike="noStrike">
               <a:solidFill>
@@ -11583,7 +13265,7 @@
       </p:sp>
       <p:pic>
         <p:nvPicPr>
-          <p:cNvPr id="150" name="" descr=""/>
+          <p:cNvPr id="152" name="图片 142" descr=""/>
           <p:cNvPicPr/>
           <p:nvPr/>
         </p:nvPicPr>
@@ -11594,7 +13276,30 @@
         <p:spPr>
           <a:xfrm>
             <a:off x="7132680" y="174240"/>
-            <a:ext cx="1855440" cy="731160"/>
+            <a:ext cx="1855080" cy="730800"/>
+          </a:xfrm>
+          <a:prstGeom prst="rect">
+            <a:avLst/>
+          </a:prstGeom>
+          <a:ln>
+            <a:noFill/>
+          </a:ln>
+        </p:spPr>
+      </p:pic>
+      <p:pic>
+        <p:nvPicPr>
+          <p:cNvPr id="153" name="图片 1" descr=""/>
+          <p:cNvPicPr/>
+          <p:nvPr/>
+        </p:nvPicPr>
+        <p:blipFill>
+          <a:blip r:embed="rId2"/>
+          <a:stretch/>
+        </p:blipFill>
+        <p:spPr>
+          <a:xfrm>
+            <a:off x="342000" y="1262880"/>
+            <a:ext cx="6012720" cy="3645720"/>
           </a:xfrm>
           <a:prstGeom prst="rect">
             <a:avLst/>
@@ -11609,52 +13314,10 @@
   <p:timing>
     <p:tnLst>
       <p:par>
-        <p:cTn id="29" dur="indefinite" restart="never" nodeType="tmRoot">
+        <p:cTn id="17" dur="indefinite" restart="never" nodeType="tmRoot">
           <p:childTnLst>
             <p:seq>
-              <p:cTn id="30" restart="whenNotActive" nodeType="interactiveSeq" fill="hold">
-                <p:childTnLst>
-                  <p:par>
-                    <p:cTn id="31" fill="hold">
-                      <p:childTnLst>
-                        <p:par>
-                          <p:cTn id="32" fill="hold">
-                            <p:stCondLst>
-                              <p:cond delay="0"/>
-                            </p:stCondLst>
-                            <p:childTnLst>
-                              <p:par>
-                                <p:cTn id="33" nodeType="clickEffect" fill="hold" presetClass="mediacall">
-                                  <p:stCondLst>
-                                    <p:cond delay="0"/>
-                                  </p:stCondLst>
-                                </p:cTn>
-                              </p:par>
-                            </p:childTnLst>
-                          </p:cTn>
-                        </p:par>
-                      </p:childTnLst>
-                    </p:cTn>
-                  </p:par>
-                </p:childTnLst>
-              </p:cTn>
-              <p:prevCondLst>
-                <p:cond delay="0" evt="onPrev">
-                  <p:tgtEl>
-                    <p:sldTgt/>
-                  </p:tgtEl>
-                </p:cond>
-              </p:prevCondLst>
-              <p:nextCondLst>
-                <p:cond delay="0" evt="onNext">
-                  <p:tgtEl>
-                    <p:sldTgt/>
-                  </p:tgtEl>
-                </p:cond>
-              </p:nextCondLst>
-            </p:seq>
-            <p:seq>
-              <p:cTn id="34" nodeType="mainSeq"/>
+              <p:cTn id="18" nodeType="mainSeq"/>
               <p:prevCondLst>
                 <p:cond delay="0" evt="onPrev">
                   <p:tgtEl>

--- a/cmake_practice/预备讲-Cmake_潘胜利20101026.pptx
+++ b/cmake_practice/预备讲-Cmake_潘胜利20101026.pptx
@@ -272,7 +272,7 @@
           <a:bodyPr lIns="0" rIns="0" tIns="0" bIns="0" anchor="b"/>
           <a:p>
             <a:pPr algn="r"/>
-            <a:fld id="{B98245E2-C8DD-4166-B06E-D45FCECC0C4A}" type="slidenum">
+            <a:fld id="{44957CEB-4A8E-46F8-A612-A059C92295B5}" type="slidenum">
               <a:rPr b="0" lang="en-US" sz="1400" spc="-1" strike="noStrike">
                 <a:solidFill>
                   <a:srgbClr val="000000"/>
@@ -325,7 +325,7 @@
       </p:grpSpPr>
       <p:sp>
         <p:nvSpPr>
-          <p:cNvPr id="176" name="PlaceHolder 1"/>
+          <p:cNvPr id="177" name="PlaceHolder 1"/>
           <p:cNvSpPr>
             <a:spLocks noGrp="1"/>
           </p:cNvSpPr>
@@ -336,7 +336,7 @@
         <p:spPr>
           <a:xfrm>
             <a:off x="710280" y="4925160"/>
-            <a:ext cx="5681880" cy="4028760"/>
+            <a:ext cx="5681520" cy="4028400"/>
           </a:xfrm>
           <a:prstGeom prst="rect">
             <a:avLst/>
@@ -361,14 +361,14 @@
       </p:sp>
       <p:sp>
         <p:nvSpPr>
-          <p:cNvPr id="177" name="CustomShape 2"/>
+          <p:cNvPr id="178" name="CustomShape 2"/>
           <p:cNvSpPr/>
           <p:nvPr/>
         </p:nvSpPr>
         <p:spPr>
           <a:xfrm>
             <a:off x="4023720" y="9720720"/>
-            <a:ext cx="3077280" cy="512280"/>
+            <a:ext cx="3076920" cy="511920"/>
           </a:xfrm>
           <a:prstGeom prst="rect">
             <a:avLst/>
@@ -392,7 +392,7 @@
                 <a:spcPct val="100000"/>
               </a:lnSpc>
             </a:pPr>
-            <a:fld id="{D1BDAD97-8675-41E4-B751-E336D46B8F8E}" type="slidenum">
+            <a:fld id="{E91B0B12-393A-49B9-809B-1D366412C8F2}" type="slidenum">
               <a:rPr b="0" lang="en-US" sz="1200" spc="-1" strike="noStrike">
                 <a:solidFill>
                   <a:srgbClr val="000000"/>
@@ -445,7 +445,7 @@
       </p:grpSpPr>
       <p:sp>
         <p:nvSpPr>
-          <p:cNvPr id="178" name="PlaceHolder 1"/>
+          <p:cNvPr id="179" name="PlaceHolder 1"/>
           <p:cNvSpPr>
             <a:spLocks noGrp="1"/>
           </p:cNvSpPr>
@@ -456,7 +456,7 @@
         <p:spPr>
           <a:xfrm>
             <a:off x="710280" y="4925160"/>
-            <a:ext cx="5681880" cy="4028760"/>
+            <a:ext cx="5681520" cy="4028400"/>
           </a:xfrm>
           <a:prstGeom prst="rect">
             <a:avLst/>
@@ -481,14 +481,14 @@
       </p:sp>
       <p:sp>
         <p:nvSpPr>
-          <p:cNvPr id="179" name="CustomShape 2"/>
+          <p:cNvPr id="180" name="CustomShape 2"/>
           <p:cNvSpPr/>
           <p:nvPr/>
         </p:nvSpPr>
         <p:spPr>
           <a:xfrm>
             <a:off x="4023720" y="9720720"/>
-            <a:ext cx="3077280" cy="512280"/>
+            <a:ext cx="3076920" cy="511920"/>
           </a:xfrm>
           <a:prstGeom prst="rect">
             <a:avLst/>
@@ -512,7 +512,7 @@
                 <a:spcPct val="100000"/>
               </a:lnSpc>
             </a:pPr>
-            <a:fld id="{7AF65685-FB99-447A-A2FC-605E03EE9009}" type="slidenum">
+            <a:fld id="{67F0D6F0-A612-4E85-A8AE-639A5B70C85E}" type="slidenum">
               <a:rPr b="0" lang="en-US" sz="1200" spc="-1" strike="noStrike">
                 <a:solidFill>
                   <a:srgbClr val="000000"/>
@@ -607,7 +607,8 @@
         <p:txBody>
           <a:bodyPr lIns="0" rIns="0" tIns="0" bIns="0" anchor="ctr"/>
           <a:p>
-            <a:endParaRPr b="0" lang="zh-CN" sz="1800" spc="-1" strike="noStrike">
+            <a:pPr algn="ctr"/>
+            <a:endParaRPr b="0" lang="en-US" sz="4400" spc="-1" strike="noStrike">
               <a:solidFill>
                 <a:srgbClr val="000000"/>
               </a:solidFill>
@@ -643,7 +644,7 @@
         <p:txBody>
           <a:bodyPr lIns="0" rIns="0" tIns="0" bIns="0"/>
           <a:p>
-            <a:endParaRPr b="0" lang="zh-CN" sz="2800" spc="-1" strike="noStrike">
+            <a:endParaRPr b="0" lang="en-US" sz="3200" spc="-1" strike="noStrike">
               <a:solidFill>
                 <a:srgbClr val="000000"/>
               </a:solidFill>
@@ -679,7 +680,7 @@
         <p:txBody>
           <a:bodyPr lIns="0" rIns="0" tIns="0" bIns="0"/>
           <a:p>
-            <a:endParaRPr b="0" lang="zh-CN" sz="2800" spc="-1" strike="noStrike">
+            <a:endParaRPr b="0" lang="en-US" sz="3200" spc="-1" strike="noStrike">
               <a:solidFill>
                 <a:srgbClr val="000000"/>
               </a:solidFill>
@@ -737,7 +738,8 @@
         <p:txBody>
           <a:bodyPr lIns="0" rIns="0" tIns="0" bIns="0" anchor="ctr"/>
           <a:p>
-            <a:endParaRPr b="0" lang="zh-CN" sz="1800" spc="-1" strike="noStrike">
+            <a:pPr algn="ctr"/>
+            <a:endParaRPr b="0" lang="en-US" sz="4400" spc="-1" strike="noStrike">
               <a:solidFill>
                 <a:srgbClr val="000000"/>
               </a:solidFill>
@@ -773,7 +775,7 @@
         <p:txBody>
           <a:bodyPr lIns="0" rIns="0" tIns="0" bIns="0"/>
           <a:p>
-            <a:endParaRPr b="0" lang="zh-CN" sz="2800" spc="-1" strike="noStrike">
+            <a:endParaRPr b="0" lang="en-US" sz="3200" spc="-1" strike="noStrike">
               <a:solidFill>
                 <a:srgbClr val="000000"/>
               </a:solidFill>
@@ -809,7 +811,7 @@
         <p:txBody>
           <a:bodyPr lIns="0" rIns="0" tIns="0" bIns="0"/>
           <a:p>
-            <a:endParaRPr b="0" lang="zh-CN" sz="2800" spc="-1" strike="noStrike">
+            <a:endParaRPr b="0" lang="en-US" sz="3200" spc="-1" strike="noStrike">
               <a:solidFill>
                 <a:srgbClr val="000000"/>
               </a:solidFill>
@@ -845,7 +847,7 @@
         <p:txBody>
           <a:bodyPr lIns="0" rIns="0" tIns="0" bIns="0"/>
           <a:p>
-            <a:endParaRPr b="0" lang="zh-CN" sz="2800" spc="-1" strike="noStrike">
+            <a:endParaRPr b="0" lang="en-US" sz="3200" spc="-1" strike="noStrike">
               <a:solidFill>
                 <a:srgbClr val="000000"/>
               </a:solidFill>
@@ -881,7 +883,7 @@
         <p:txBody>
           <a:bodyPr lIns="0" rIns="0" tIns="0" bIns="0"/>
           <a:p>
-            <a:endParaRPr b="0" lang="zh-CN" sz="2800" spc="-1" strike="noStrike">
+            <a:endParaRPr b="0" lang="en-US" sz="3200" spc="-1" strike="noStrike">
               <a:solidFill>
                 <a:srgbClr val="000000"/>
               </a:solidFill>
@@ -939,7 +941,8 @@
         <p:txBody>
           <a:bodyPr lIns="0" rIns="0" tIns="0" bIns="0" anchor="ctr"/>
           <a:p>
-            <a:endParaRPr b="0" lang="zh-CN" sz="1800" spc="-1" strike="noStrike">
+            <a:pPr algn="ctr"/>
+            <a:endParaRPr b="0" lang="en-US" sz="4400" spc="-1" strike="noStrike">
               <a:solidFill>
                 <a:srgbClr val="000000"/>
               </a:solidFill>
@@ -975,7 +978,7 @@
         <p:txBody>
           <a:bodyPr lIns="0" rIns="0" tIns="0" bIns="0"/>
           <a:p>
-            <a:endParaRPr b="0" lang="zh-CN" sz="2800" spc="-1" strike="noStrike">
+            <a:endParaRPr b="0" lang="en-US" sz="3200" spc="-1" strike="noStrike">
               <a:solidFill>
                 <a:srgbClr val="000000"/>
               </a:solidFill>
@@ -1011,7 +1014,7 @@
         <p:txBody>
           <a:bodyPr lIns="0" rIns="0" tIns="0" bIns="0"/>
           <a:p>
-            <a:endParaRPr b="0" lang="zh-CN" sz="2800" spc="-1" strike="noStrike">
+            <a:endParaRPr b="0" lang="en-US" sz="3200" spc="-1" strike="noStrike">
               <a:solidFill>
                 <a:srgbClr val="000000"/>
               </a:solidFill>
@@ -1137,7 +1140,8 @@
         <p:txBody>
           <a:bodyPr lIns="0" rIns="0" tIns="0" bIns="0" anchor="ctr"/>
           <a:p>
-            <a:endParaRPr b="0" lang="zh-CN" sz="1800" spc="-1" strike="noStrike">
+            <a:pPr algn="ctr"/>
+            <a:endParaRPr b="0" lang="en-US" sz="4400" spc="-1" strike="noStrike">
               <a:solidFill>
                 <a:srgbClr val="000000"/>
               </a:solidFill>
@@ -1232,7 +1236,8 @@
         <p:txBody>
           <a:bodyPr lIns="0" rIns="0" tIns="0" bIns="0" anchor="ctr"/>
           <a:p>
-            <a:endParaRPr b="0" lang="zh-CN" sz="1800" spc="-1" strike="noStrike">
+            <a:pPr algn="ctr"/>
+            <a:endParaRPr b="0" lang="en-US" sz="4400" spc="-1" strike="noStrike">
               <a:solidFill>
                 <a:srgbClr val="000000"/>
               </a:solidFill>
@@ -1268,7 +1273,7 @@
         <p:txBody>
           <a:bodyPr lIns="0" rIns="0" tIns="0" bIns="0"/>
           <a:p>
-            <a:endParaRPr b="0" lang="zh-CN" sz="2800" spc="-1" strike="noStrike">
+            <a:endParaRPr b="0" lang="en-US" sz="3200" spc="-1" strike="noStrike">
               <a:solidFill>
                 <a:srgbClr val="000000"/>
               </a:solidFill>
@@ -1326,7 +1331,8 @@
         <p:txBody>
           <a:bodyPr lIns="0" rIns="0" tIns="0" bIns="0" anchor="ctr"/>
           <a:p>
-            <a:endParaRPr b="0" lang="zh-CN" sz="1800" spc="-1" strike="noStrike">
+            <a:pPr algn="ctr"/>
+            <a:endParaRPr b="0" lang="en-US" sz="4400" spc="-1" strike="noStrike">
               <a:solidFill>
                 <a:srgbClr val="000000"/>
               </a:solidFill>
@@ -1362,7 +1368,7 @@
         <p:txBody>
           <a:bodyPr lIns="0" rIns="0" tIns="0" bIns="0"/>
           <a:p>
-            <a:endParaRPr b="0" lang="zh-CN" sz="2800" spc="-1" strike="noStrike">
+            <a:endParaRPr b="0" lang="en-US" sz="3200" spc="-1" strike="noStrike">
               <a:solidFill>
                 <a:srgbClr val="000000"/>
               </a:solidFill>
@@ -1398,7 +1404,7 @@
         <p:txBody>
           <a:bodyPr lIns="0" rIns="0" tIns="0" bIns="0"/>
           <a:p>
-            <a:endParaRPr b="0" lang="zh-CN" sz="2800" spc="-1" strike="noStrike">
+            <a:endParaRPr b="0" lang="en-US" sz="3200" spc="-1" strike="noStrike">
               <a:solidFill>
                 <a:srgbClr val="000000"/>
               </a:solidFill>
@@ -1456,7 +1462,8 @@
         <p:txBody>
           <a:bodyPr lIns="0" rIns="0" tIns="0" bIns="0" anchor="ctr"/>
           <a:p>
-            <a:endParaRPr b="0" lang="zh-CN" sz="1800" spc="-1" strike="noStrike">
+            <a:pPr algn="ctr"/>
+            <a:endParaRPr b="0" lang="en-US" sz="4400" spc="-1" strike="noStrike">
               <a:solidFill>
                 <a:srgbClr val="000000"/>
               </a:solidFill>
@@ -1573,7 +1580,8 @@
         <p:txBody>
           <a:bodyPr lIns="0" rIns="0" tIns="0" bIns="0" anchor="ctr"/>
           <a:p>
-            <a:endParaRPr b="0" lang="zh-CN" sz="1800" spc="-1" strike="noStrike">
+            <a:pPr algn="ctr"/>
+            <a:endParaRPr b="0" lang="en-US" sz="4400" spc="-1" strike="noStrike">
               <a:solidFill>
                 <a:srgbClr val="000000"/>
               </a:solidFill>
@@ -1609,7 +1617,7 @@
         <p:txBody>
           <a:bodyPr lIns="0" rIns="0" tIns="0" bIns="0"/>
           <a:p>
-            <a:endParaRPr b="0" lang="zh-CN" sz="2800" spc="-1" strike="noStrike">
+            <a:endParaRPr b="0" lang="en-US" sz="3200" spc="-1" strike="noStrike">
               <a:solidFill>
                 <a:srgbClr val="000000"/>
               </a:solidFill>
@@ -1645,7 +1653,7 @@
         <p:txBody>
           <a:bodyPr lIns="0" rIns="0" tIns="0" bIns="0"/>
           <a:p>
-            <a:endParaRPr b="0" lang="zh-CN" sz="2800" spc="-1" strike="noStrike">
+            <a:endParaRPr b="0" lang="en-US" sz="3200" spc="-1" strike="noStrike">
               <a:solidFill>
                 <a:srgbClr val="000000"/>
               </a:solidFill>
@@ -1681,7 +1689,7 @@
         <p:txBody>
           <a:bodyPr lIns="0" rIns="0" tIns="0" bIns="0"/>
           <a:p>
-            <a:endParaRPr b="0" lang="zh-CN" sz="2800" spc="-1" strike="noStrike">
+            <a:endParaRPr b="0" lang="en-US" sz="3200" spc="-1" strike="noStrike">
               <a:solidFill>
                 <a:srgbClr val="000000"/>
               </a:solidFill>
@@ -1739,7 +1747,8 @@
         <p:txBody>
           <a:bodyPr lIns="0" rIns="0" tIns="0" bIns="0" anchor="ctr"/>
           <a:p>
-            <a:endParaRPr b="0" lang="zh-CN" sz="1800" spc="-1" strike="noStrike">
+            <a:pPr algn="ctr"/>
+            <a:endParaRPr b="0" lang="en-US" sz="4400" spc="-1" strike="noStrike">
               <a:solidFill>
                 <a:srgbClr val="000000"/>
               </a:solidFill>
@@ -1834,7 +1843,8 @@
         <p:txBody>
           <a:bodyPr lIns="0" rIns="0" tIns="0" bIns="0" anchor="ctr"/>
           <a:p>
-            <a:endParaRPr b="0" lang="zh-CN" sz="1800" spc="-1" strike="noStrike">
+            <a:pPr algn="ctr"/>
+            <a:endParaRPr b="0" lang="en-US" sz="4400" spc="-1" strike="noStrike">
               <a:solidFill>
                 <a:srgbClr val="000000"/>
               </a:solidFill>
@@ -1870,7 +1880,7 @@
         <p:txBody>
           <a:bodyPr lIns="0" rIns="0" tIns="0" bIns="0"/>
           <a:p>
-            <a:endParaRPr b="0" lang="zh-CN" sz="2800" spc="-1" strike="noStrike">
+            <a:endParaRPr b="0" lang="en-US" sz="3200" spc="-1" strike="noStrike">
               <a:solidFill>
                 <a:srgbClr val="000000"/>
               </a:solidFill>
@@ -1906,7 +1916,7 @@
         <p:txBody>
           <a:bodyPr lIns="0" rIns="0" tIns="0" bIns="0"/>
           <a:p>
-            <a:endParaRPr b="0" lang="zh-CN" sz="2800" spc="-1" strike="noStrike">
+            <a:endParaRPr b="0" lang="en-US" sz="3200" spc="-1" strike="noStrike">
               <a:solidFill>
                 <a:srgbClr val="000000"/>
               </a:solidFill>
@@ -1942,7 +1952,7 @@
         <p:txBody>
           <a:bodyPr lIns="0" rIns="0" tIns="0" bIns="0"/>
           <a:p>
-            <a:endParaRPr b="0" lang="zh-CN" sz="2800" spc="-1" strike="noStrike">
+            <a:endParaRPr b="0" lang="en-US" sz="3200" spc="-1" strike="noStrike">
               <a:solidFill>
                 <a:srgbClr val="000000"/>
               </a:solidFill>
@@ -2000,7 +2010,8 @@
         <p:txBody>
           <a:bodyPr lIns="0" rIns="0" tIns="0" bIns="0" anchor="ctr"/>
           <a:p>
-            <a:endParaRPr b="0" lang="zh-CN" sz="1800" spc="-1" strike="noStrike">
+            <a:pPr algn="ctr"/>
+            <a:endParaRPr b="0" lang="en-US" sz="4400" spc="-1" strike="noStrike">
               <a:solidFill>
                 <a:srgbClr val="000000"/>
               </a:solidFill>
@@ -2036,7 +2047,7 @@
         <p:txBody>
           <a:bodyPr lIns="0" rIns="0" tIns="0" bIns="0"/>
           <a:p>
-            <a:endParaRPr b="0" lang="zh-CN" sz="2800" spc="-1" strike="noStrike">
+            <a:endParaRPr b="0" lang="en-US" sz="3200" spc="-1" strike="noStrike">
               <a:solidFill>
                 <a:srgbClr val="000000"/>
               </a:solidFill>
@@ -2072,7 +2083,7 @@
         <p:txBody>
           <a:bodyPr lIns="0" rIns="0" tIns="0" bIns="0"/>
           <a:p>
-            <a:endParaRPr b="0" lang="zh-CN" sz="2800" spc="-1" strike="noStrike">
+            <a:endParaRPr b="0" lang="en-US" sz="3200" spc="-1" strike="noStrike">
               <a:solidFill>
                 <a:srgbClr val="000000"/>
               </a:solidFill>
@@ -2108,7 +2119,7 @@
         <p:txBody>
           <a:bodyPr lIns="0" rIns="0" tIns="0" bIns="0"/>
           <a:p>
-            <a:endParaRPr b="0" lang="zh-CN" sz="2800" spc="-1" strike="noStrike">
+            <a:endParaRPr b="0" lang="en-US" sz="3200" spc="-1" strike="noStrike">
               <a:solidFill>
                 <a:srgbClr val="000000"/>
               </a:solidFill>
@@ -2166,7 +2177,8 @@
         <p:txBody>
           <a:bodyPr lIns="0" rIns="0" tIns="0" bIns="0" anchor="ctr"/>
           <a:p>
-            <a:endParaRPr b="0" lang="zh-CN" sz="1800" spc="-1" strike="noStrike">
+            <a:pPr algn="ctr"/>
+            <a:endParaRPr b="0" lang="en-US" sz="4400" spc="-1" strike="noStrike">
               <a:solidFill>
                 <a:srgbClr val="000000"/>
               </a:solidFill>
@@ -2202,7 +2214,7 @@
         <p:txBody>
           <a:bodyPr lIns="0" rIns="0" tIns="0" bIns="0"/>
           <a:p>
-            <a:endParaRPr b="0" lang="zh-CN" sz="2800" spc="-1" strike="noStrike">
+            <a:endParaRPr b="0" lang="en-US" sz="3200" spc="-1" strike="noStrike">
               <a:solidFill>
                 <a:srgbClr val="000000"/>
               </a:solidFill>
@@ -2238,7 +2250,7 @@
         <p:txBody>
           <a:bodyPr lIns="0" rIns="0" tIns="0" bIns="0"/>
           <a:p>
-            <a:endParaRPr b="0" lang="zh-CN" sz="2800" spc="-1" strike="noStrike">
+            <a:endParaRPr b="0" lang="en-US" sz="3200" spc="-1" strike="noStrike">
               <a:solidFill>
                 <a:srgbClr val="000000"/>
               </a:solidFill>
@@ -2296,7 +2308,8 @@
         <p:txBody>
           <a:bodyPr lIns="0" rIns="0" tIns="0" bIns="0" anchor="ctr"/>
           <a:p>
-            <a:endParaRPr b="0" lang="zh-CN" sz="1800" spc="-1" strike="noStrike">
+            <a:pPr algn="ctr"/>
+            <a:endParaRPr b="0" lang="en-US" sz="4400" spc="-1" strike="noStrike">
               <a:solidFill>
                 <a:srgbClr val="000000"/>
               </a:solidFill>
@@ -2332,7 +2345,7 @@
         <p:txBody>
           <a:bodyPr lIns="0" rIns="0" tIns="0" bIns="0"/>
           <a:p>
-            <a:endParaRPr b="0" lang="zh-CN" sz="2800" spc="-1" strike="noStrike">
+            <a:endParaRPr b="0" lang="en-US" sz="3200" spc="-1" strike="noStrike">
               <a:solidFill>
                 <a:srgbClr val="000000"/>
               </a:solidFill>
@@ -2368,7 +2381,7 @@
         <p:txBody>
           <a:bodyPr lIns="0" rIns="0" tIns="0" bIns="0"/>
           <a:p>
-            <a:endParaRPr b="0" lang="zh-CN" sz="2800" spc="-1" strike="noStrike">
+            <a:endParaRPr b="0" lang="en-US" sz="3200" spc="-1" strike="noStrike">
               <a:solidFill>
                 <a:srgbClr val="000000"/>
               </a:solidFill>
@@ -2404,7 +2417,7 @@
         <p:txBody>
           <a:bodyPr lIns="0" rIns="0" tIns="0" bIns="0"/>
           <a:p>
-            <a:endParaRPr b="0" lang="zh-CN" sz="2800" spc="-1" strike="noStrike">
+            <a:endParaRPr b="0" lang="en-US" sz="3200" spc="-1" strike="noStrike">
               <a:solidFill>
                 <a:srgbClr val="000000"/>
               </a:solidFill>
@@ -2440,7 +2453,7 @@
         <p:txBody>
           <a:bodyPr lIns="0" rIns="0" tIns="0" bIns="0"/>
           <a:p>
-            <a:endParaRPr b="0" lang="zh-CN" sz="2800" spc="-1" strike="noStrike">
+            <a:endParaRPr b="0" lang="en-US" sz="3200" spc="-1" strike="noStrike">
               <a:solidFill>
                 <a:srgbClr val="000000"/>
               </a:solidFill>
@@ -2498,7 +2511,8 @@
         <p:txBody>
           <a:bodyPr lIns="0" rIns="0" tIns="0" bIns="0" anchor="ctr"/>
           <a:p>
-            <a:endParaRPr b="0" lang="zh-CN" sz="1800" spc="-1" strike="noStrike">
+            <a:pPr algn="ctr"/>
+            <a:endParaRPr b="0" lang="en-US" sz="4400" spc="-1" strike="noStrike">
               <a:solidFill>
                 <a:srgbClr val="000000"/>
               </a:solidFill>
@@ -2534,7 +2548,7 @@
         <p:txBody>
           <a:bodyPr lIns="0" rIns="0" tIns="0" bIns="0"/>
           <a:p>
-            <a:endParaRPr b="0" lang="zh-CN" sz="2800" spc="-1" strike="noStrike">
+            <a:endParaRPr b="0" lang="en-US" sz="3200" spc="-1" strike="noStrike">
               <a:solidFill>
                 <a:srgbClr val="000000"/>
               </a:solidFill>
@@ -2570,7 +2584,7 @@
         <p:txBody>
           <a:bodyPr lIns="0" rIns="0" tIns="0" bIns="0"/>
           <a:p>
-            <a:endParaRPr b="0" lang="zh-CN" sz="2800" spc="-1" strike="noStrike">
+            <a:endParaRPr b="0" lang="en-US" sz="3200" spc="-1" strike="noStrike">
               <a:solidFill>
                 <a:srgbClr val="000000"/>
               </a:solidFill>
@@ -2696,7 +2710,8 @@
         <p:txBody>
           <a:bodyPr lIns="0" rIns="0" tIns="0" bIns="0" anchor="ctr"/>
           <a:p>
-            <a:endParaRPr b="0" lang="zh-CN" sz="1800" spc="-1" strike="noStrike">
+            <a:pPr algn="ctr"/>
+            <a:endParaRPr b="0" lang="en-US" sz="4400" spc="-1" strike="noStrike">
               <a:solidFill>
                 <a:srgbClr val="000000"/>
               </a:solidFill>
@@ -2791,7 +2806,8 @@
         <p:txBody>
           <a:bodyPr lIns="0" rIns="0" tIns="0" bIns="0" anchor="ctr"/>
           <a:p>
-            <a:endParaRPr b="0" lang="zh-CN" sz="1800" spc="-1" strike="noStrike">
+            <a:pPr algn="ctr"/>
+            <a:endParaRPr b="0" lang="en-US" sz="4400" spc="-1" strike="noStrike">
               <a:solidFill>
                 <a:srgbClr val="000000"/>
               </a:solidFill>
@@ -2827,7 +2843,7 @@
         <p:txBody>
           <a:bodyPr lIns="0" rIns="0" tIns="0" bIns="0"/>
           <a:p>
-            <a:endParaRPr b="0" lang="zh-CN" sz="2800" spc="-1" strike="noStrike">
+            <a:endParaRPr b="0" lang="en-US" sz="3200" spc="-1" strike="noStrike">
               <a:solidFill>
                 <a:srgbClr val="000000"/>
               </a:solidFill>
@@ -2885,7 +2901,8 @@
         <p:txBody>
           <a:bodyPr lIns="0" rIns="0" tIns="0" bIns="0" anchor="ctr"/>
           <a:p>
-            <a:endParaRPr b="0" lang="zh-CN" sz="1800" spc="-1" strike="noStrike">
+            <a:pPr algn="ctr"/>
+            <a:endParaRPr b="0" lang="en-US" sz="4400" spc="-1" strike="noStrike">
               <a:solidFill>
                 <a:srgbClr val="000000"/>
               </a:solidFill>
@@ -2921,7 +2938,7 @@
         <p:txBody>
           <a:bodyPr lIns="0" rIns="0" tIns="0" bIns="0"/>
           <a:p>
-            <a:endParaRPr b="0" lang="zh-CN" sz="2800" spc="-1" strike="noStrike">
+            <a:endParaRPr b="0" lang="en-US" sz="3200" spc="-1" strike="noStrike">
               <a:solidFill>
                 <a:srgbClr val="000000"/>
               </a:solidFill>
@@ -2957,7 +2974,7 @@
         <p:txBody>
           <a:bodyPr lIns="0" rIns="0" tIns="0" bIns="0"/>
           <a:p>
-            <a:endParaRPr b="0" lang="zh-CN" sz="2800" spc="-1" strike="noStrike">
+            <a:endParaRPr b="0" lang="en-US" sz="3200" spc="-1" strike="noStrike">
               <a:solidFill>
                 <a:srgbClr val="000000"/>
               </a:solidFill>
@@ -3015,7 +3032,8 @@
         <p:txBody>
           <a:bodyPr lIns="0" rIns="0" tIns="0" bIns="0" anchor="ctr"/>
           <a:p>
-            <a:endParaRPr b="0" lang="zh-CN" sz="1800" spc="-1" strike="noStrike">
+            <a:pPr algn="ctr"/>
+            <a:endParaRPr b="0" lang="en-US" sz="4400" spc="-1" strike="noStrike">
               <a:solidFill>
                 <a:srgbClr val="000000"/>
               </a:solidFill>
@@ -3073,7 +3091,8 @@
         <p:txBody>
           <a:bodyPr lIns="0" rIns="0" tIns="0" bIns="0" anchor="ctr"/>
           <a:p>
-            <a:endParaRPr b="0" lang="zh-CN" sz="1800" spc="-1" strike="noStrike">
+            <a:pPr algn="ctr"/>
+            <a:endParaRPr b="0" lang="en-US" sz="4400" spc="-1" strike="noStrike">
               <a:solidFill>
                 <a:srgbClr val="000000"/>
               </a:solidFill>
@@ -3109,7 +3128,7 @@
         <p:txBody>
           <a:bodyPr lIns="0" rIns="0" tIns="0" bIns="0"/>
           <a:p>
-            <a:endParaRPr b="0" lang="zh-CN" sz="2800" spc="-1" strike="noStrike">
+            <a:endParaRPr b="0" lang="en-US" sz="3200" spc="-1" strike="noStrike">
               <a:solidFill>
                 <a:srgbClr val="000000"/>
               </a:solidFill>
@@ -3226,7 +3245,8 @@
         <p:txBody>
           <a:bodyPr lIns="0" rIns="0" tIns="0" bIns="0" anchor="ctr"/>
           <a:p>
-            <a:endParaRPr b="0" lang="zh-CN" sz="1800" spc="-1" strike="noStrike">
+            <a:pPr algn="ctr"/>
+            <a:endParaRPr b="0" lang="en-US" sz="4400" spc="-1" strike="noStrike">
               <a:solidFill>
                 <a:srgbClr val="000000"/>
               </a:solidFill>
@@ -3262,7 +3282,7 @@
         <p:txBody>
           <a:bodyPr lIns="0" rIns="0" tIns="0" bIns="0"/>
           <a:p>
-            <a:endParaRPr b="0" lang="zh-CN" sz="2800" spc="-1" strike="noStrike">
+            <a:endParaRPr b="0" lang="en-US" sz="3200" spc="-1" strike="noStrike">
               <a:solidFill>
                 <a:srgbClr val="000000"/>
               </a:solidFill>
@@ -3298,7 +3318,7 @@
         <p:txBody>
           <a:bodyPr lIns="0" rIns="0" tIns="0" bIns="0"/>
           <a:p>
-            <a:endParaRPr b="0" lang="zh-CN" sz="2800" spc="-1" strike="noStrike">
+            <a:endParaRPr b="0" lang="en-US" sz="3200" spc="-1" strike="noStrike">
               <a:solidFill>
                 <a:srgbClr val="000000"/>
               </a:solidFill>
@@ -3334,7 +3354,7 @@
         <p:txBody>
           <a:bodyPr lIns="0" rIns="0" tIns="0" bIns="0"/>
           <a:p>
-            <a:endParaRPr b="0" lang="zh-CN" sz="2800" spc="-1" strike="noStrike">
+            <a:endParaRPr b="0" lang="en-US" sz="3200" spc="-1" strike="noStrike">
               <a:solidFill>
                 <a:srgbClr val="000000"/>
               </a:solidFill>
@@ -3392,7 +3412,8 @@
         <p:txBody>
           <a:bodyPr lIns="0" rIns="0" tIns="0" bIns="0" anchor="ctr"/>
           <a:p>
-            <a:endParaRPr b="0" lang="zh-CN" sz="1800" spc="-1" strike="noStrike">
+            <a:pPr algn="ctr"/>
+            <a:endParaRPr b="0" lang="en-US" sz="4400" spc="-1" strike="noStrike">
               <a:solidFill>
                 <a:srgbClr val="000000"/>
               </a:solidFill>
@@ -3428,7 +3449,7 @@
         <p:txBody>
           <a:bodyPr lIns="0" rIns="0" tIns="0" bIns="0"/>
           <a:p>
-            <a:endParaRPr b="0" lang="zh-CN" sz="2800" spc="-1" strike="noStrike">
+            <a:endParaRPr b="0" lang="en-US" sz="3200" spc="-1" strike="noStrike">
               <a:solidFill>
                 <a:srgbClr val="000000"/>
               </a:solidFill>
@@ -3464,7 +3485,7 @@
         <p:txBody>
           <a:bodyPr lIns="0" rIns="0" tIns="0" bIns="0"/>
           <a:p>
-            <a:endParaRPr b="0" lang="zh-CN" sz="2800" spc="-1" strike="noStrike">
+            <a:endParaRPr b="0" lang="en-US" sz="3200" spc="-1" strike="noStrike">
               <a:solidFill>
                 <a:srgbClr val="000000"/>
               </a:solidFill>
@@ -3500,7 +3521,7 @@
         <p:txBody>
           <a:bodyPr lIns="0" rIns="0" tIns="0" bIns="0"/>
           <a:p>
-            <a:endParaRPr b="0" lang="zh-CN" sz="2800" spc="-1" strike="noStrike">
+            <a:endParaRPr b="0" lang="en-US" sz="3200" spc="-1" strike="noStrike">
               <a:solidFill>
                 <a:srgbClr val="000000"/>
               </a:solidFill>
@@ -3558,7 +3579,8 @@
         <p:txBody>
           <a:bodyPr lIns="0" rIns="0" tIns="0" bIns="0" anchor="ctr"/>
           <a:p>
-            <a:endParaRPr b="0" lang="zh-CN" sz="1800" spc="-1" strike="noStrike">
+            <a:pPr algn="ctr"/>
+            <a:endParaRPr b="0" lang="en-US" sz="4400" spc="-1" strike="noStrike">
               <a:solidFill>
                 <a:srgbClr val="000000"/>
               </a:solidFill>
@@ -3594,7 +3616,7 @@
         <p:txBody>
           <a:bodyPr lIns="0" rIns="0" tIns="0" bIns="0"/>
           <a:p>
-            <a:endParaRPr b="0" lang="zh-CN" sz="2800" spc="-1" strike="noStrike">
+            <a:endParaRPr b="0" lang="en-US" sz="3200" spc="-1" strike="noStrike">
               <a:solidFill>
                 <a:srgbClr val="000000"/>
               </a:solidFill>
@@ -3630,7 +3652,7 @@
         <p:txBody>
           <a:bodyPr lIns="0" rIns="0" tIns="0" bIns="0"/>
           <a:p>
-            <a:endParaRPr b="0" lang="zh-CN" sz="2800" spc="-1" strike="noStrike">
+            <a:endParaRPr b="0" lang="en-US" sz="3200" spc="-1" strike="noStrike">
               <a:solidFill>
                 <a:srgbClr val="000000"/>
               </a:solidFill>
@@ -3666,7 +3688,7 @@
         <p:txBody>
           <a:bodyPr lIns="0" rIns="0" tIns="0" bIns="0"/>
           <a:p>
-            <a:endParaRPr b="0" lang="zh-CN" sz="2800" spc="-1" strike="noStrike">
+            <a:endParaRPr b="0" lang="en-US" sz="3200" spc="-1" strike="noStrike">
               <a:solidFill>
                 <a:srgbClr val="000000"/>
               </a:solidFill>
@@ -3724,7 +3746,8 @@
         <p:txBody>
           <a:bodyPr lIns="0" rIns="0" tIns="0" bIns="0" anchor="ctr"/>
           <a:p>
-            <a:endParaRPr b="0" lang="zh-CN" sz="1800" spc="-1" strike="noStrike">
+            <a:pPr algn="ctr"/>
+            <a:endParaRPr b="0" lang="en-US" sz="4400" spc="-1" strike="noStrike">
               <a:solidFill>
                 <a:srgbClr val="000000"/>
               </a:solidFill>
@@ -3760,7 +3783,7 @@
         <p:txBody>
           <a:bodyPr lIns="0" rIns="0" tIns="0" bIns="0"/>
           <a:p>
-            <a:endParaRPr b="0" lang="zh-CN" sz="2800" spc="-1" strike="noStrike">
+            <a:endParaRPr b="0" lang="en-US" sz="3200" spc="-1" strike="noStrike">
               <a:solidFill>
                 <a:srgbClr val="000000"/>
               </a:solidFill>
@@ -3796,7 +3819,7 @@
         <p:txBody>
           <a:bodyPr lIns="0" rIns="0" tIns="0" bIns="0"/>
           <a:p>
-            <a:endParaRPr b="0" lang="zh-CN" sz="2800" spc="-1" strike="noStrike">
+            <a:endParaRPr b="0" lang="en-US" sz="3200" spc="-1" strike="noStrike">
               <a:solidFill>
                 <a:srgbClr val="000000"/>
               </a:solidFill>
@@ -3854,7 +3877,8 @@
         <p:txBody>
           <a:bodyPr lIns="0" rIns="0" tIns="0" bIns="0" anchor="ctr"/>
           <a:p>
-            <a:endParaRPr b="0" lang="zh-CN" sz="1800" spc="-1" strike="noStrike">
+            <a:pPr algn="ctr"/>
+            <a:endParaRPr b="0" lang="en-US" sz="4400" spc="-1" strike="noStrike">
               <a:solidFill>
                 <a:srgbClr val="000000"/>
               </a:solidFill>
@@ -3890,7 +3914,7 @@
         <p:txBody>
           <a:bodyPr lIns="0" rIns="0" tIns="0" bIns="0"/>
           <a:p>
-            <a:endParaRPr b="0" lang="zh-CN" sz="2800" spc="-1" strike="noStrike">
+            <a:endParaRPr b="0" lang="en-US" sz="3200" spc="-1" strike="noStrike">
               <a:solidFill>
                 <a:srgbClr val="000000"/>
               </a:solidFill>
@@ -3926,7 +3950,7 @@
         <p:txBody>
           <a:bodyPr lIns="0" rIns="0" tIns="0" bIns="0"/>
           <a:p>
-            <a:endParaRPr b="0" lang="zh-CN" sz="2800" spc="-1" strike="noStrike">
+            <a:endParaRPr b="0" lang="en-US" sz="3200" spc="-1" strike="noStrike">
               <a:solidFill>
                 <a:srgbClr val="000000"/>
               </a:solidFill>
@@ -3962,7 +3986,7 @@
         <p:txBody>
           <a:bodyPr lIns="0" rIns="0" tIns="0" bIns="0"/>
           <a:p>
-            <a:endParaRPr b="0" lang="zh-CN" sz="2800" spc="-1" strike="noStrike">
+            <a:endParaRPr b="0" lang="en-US" sz="3200" spc="-1" strike="noStrike">
               <a:solidFill>
                 <a:srgbClr val="000000"/>
               </a:solidFill>
@@ -3998,7 +4022,7 @@
         <p:txBody>
           <a:bodyPr lIns="0" rIns="0" tIns="0" bIns="0"/>
           <a:p>
-            <a:endParaRPr b="0" lang="zh-CN" sz="2800" spc="-1" strike="noStrike">
+            <a:endParaRPr b="0" lang="en-US" sz="3200" spc="-1" strike="noStrike">
               <a:solidFill>
                 <a:srgbClr val="000000"/>
               </a:solidFill>
@@ -4056,7 +4080,8 @@
         <p:txBody>
           <a:bodyPr lIns="0" rIns="0" tIns="0" bIns="0" anchor="ctr"/>
           <a:p>
-            <a:endParaRPr b="0" lang="zh-CN" sz="1800" spc="-1" strike="noStrike">
+            <a:pPr algn="ctr"/>
+            <a:endParaRPr b="0" lang="en-US" sz="4400" spc="-1" strike="noStrike">
               <a:solidFill>
                 <a:srgbClr val="000000"/>
               </a:solidFill>
@@ -4092,7 +4117,7 @@
         <p:txBody>
           <a:bodyPr lIns="0" rIns="0" tIns="0" bIns="0"/>
           <a:p>
-            <a:endParaRPr b="0" lang="zh-CN" sz="2800" spc="-1" strike="noStrike">
+            <a:endParaRPr b="0" lang="en-US" sz="3200" spc="-1" strike="noStrike">
               <a:solidFill>
                 <a:srgbClr val="000000"/>
               </a:solidFill>
@@ -4128,7 +4153,7 @@
         <p:txBody>
           <a:bodyPr lIns="0" rIns="0" tIns="0" bIns="0"/>
           <a:p>
-            <a:endParaRPr b="0" lang="zh-CN" sz="2800" spc="-1" strike="noStrike">
+            <a:endParaRPr b="0" lang="en-US" sz="3200" spc="-1" strike="noStrike">
               <a:solidFill>
                 <a:srgbClr val="000000"/>
               </a:solidFill>
@@ -4232,7 +4257,8 @@
         <p:txBody>
           <a:bodyPr lIns="0" rIns="0" tIns="0" bIns="0" anchor="ctr"/>
           <a:p>
-            <a:endParaRPr b="0" lang="zh-CN" sz="1800" spc="-1" strike="noStrike">
+            <a:pPr algn="ctr"/>
+            <a:endParaRPr b="0" lang="en-US" sz="4400" spc="-1" strike="noStrike">
               <a:solidFill>
                 <a:srgbClr val="000000"/>
               </a:solidFill>
@@ -4268,7 +4294,7 @@
         <p:txBody>
           <a:bodyPr lIns="0" rIns="0" tIns="0" bIns="0"/>
           <a:p>
-            <a:endParaRPr b="0" lang="zh-CN" sz="2800" spc="-1" strike="noStrike">
+            <a:endParaRPr b="0" lang="en-US" sz="3200" spc="-1" strike="noStrike">
               <a:solidFill>
                 <a:srgbClr val="000000"/>
               </a:solidFill>
@@ -4304,7 +4330,7 @@
         <p:txBody>
           <a:bodyPr lIns="0" rIns="0" tIns="0" bIns="0"/>
           <a:p>
-            <a:endParaRPr b="0" lang="zh-CN" sz="2800" spc="-1" strike="noStrike">
+            <a:endParaRPr b="0" lang="en-US" sz="3200" spc="-1" strike="noStrike">
               <a:solidFill>
                 <a:srgbClr val="000000"/>
               </a:solidFill>
@@ -4362,7 +4388,8 @@
         <p:txBody>
           <a:bodyPr lIns="0" rIns="0" tIns="0" bIns="0" anchor="ctr"/>
           <a:p>
-            <a:endParaRPr b="0" lang="zh-CN" sz="1800" spc="-1" strike="noStrike">
+            <a:pPr algn="ctr"/>
+            <a:endParaRPr b="0" lang="en-US" sz="4400" spc="-1" strike="noStrike">
               <a:solidFill>
                 <a:srgbClr val="000000"/>
               </a:solidFill>
@@ -4479,7 +4506,8 @@
         <p:txBody>
           <a:bodyPr lIns="0" rIns="0" tIns="0" bIns="0" anchor="ctr"/>
           <a:p>
-            <a:endParaRPr b="0" lang="zh-CN" sz="1800" spc="-1" strike="noStrike">
+            <a:pPr algn="ctr"/>
+            <a:endParaRPr b="0" lang="en-US" sz="4400" spc="-1" strike="noStrike">
               <a:solidFill>
                 <a:srgbClr val="000000"/>
               </a:solidFill>
@@ -4515,7 +4543,7 @@
         <p:txBody>
           <a:bodyPr lIns="0" rIns="0" tIns="0" bIns="0"/>
           <a:p>
-            <a:endParaRPr b="0" lang="zh-CN" sz="2800" spc="-1" strike="noStrike">
+            <a:endParaRPr b="0" lang="en-US" sz="3200" spc="-1" strike="noStrike">
               <a:solidFill>
                 <a:srgbClr val="000000"/>
               </a:solidFill>
@@ -4551,7 +4579,7 @@
         <p:txBody>
           <a:bodyPr lIns="0" rIns="0" tIns="0" bIns="0"/>
           <a:p>
-            <a:endParaRPr b="0" lang="zh-CN" sz="2800" spc="-1" strike="noStrike">
+            <a:endParaRPr b="0" lang="en-US" sz="3200" spc="-1" strike="noStrike">
               <a:solidFill>
                 <a:srgbClr val="000000"/>
               </a:solidFill>
@@ -4587,7 +4615,7 @@
         <p:txBody>
           <a:bodyPr lIns="0" rIns="0" tIns="0" bIns="0"/>
           <a:p>
-            <a:endParaRPr b="0" lang="zh-CN" sz="2800" spc="-1" strike="noStrike">
+            <a:endParaRPr b="0" lang="en-US" sz="3200" spc="-1" strike="noStrike">
               <a:solidFill>
                 <a:srgbClr val="000000"/>
               </a:solidFill>
@@ -4645,7 +4673,8 @@
         <p:txBody>
           <a:bodyPr lIns="0" rIns="0" tIns="0" bIns="0" anchor="ctr"/>
           <a:p>
-            <a:endParaRPr b="0" lang="zh-CN" sz="1800" spc="-1" strike="noStrike">
+            <a:pPr algn="ctr"/>
+            <a:endParaRPr b="0" lang="en-US" sz="4400" spc="-1" strike="noStrike">
               <a:solidFill>
                 <a:srgbClr val="000000"/>
               </a:solidFill>
@@ -4681,7 +4710,7 @@
         <p:txBody>
           <a:bodyPr lIns="0" rIns="0" tIns="0" bIns="0"/>
           <a:p>
-            <a:endParaRPr b="0" lang="zh-CN" sz="2800" spc="-1" strike="noStrike">
+            <a:endParaRPr b="0" lang="en-US" sz="3200" spc="-1" strike="noStrike">
               <a:solidFill>
                 <a:srgbClr val="000000"/>
               </a:solidFill>
@@ -4717,7 +4746,7 @@
         <p:txBody>
           <a:bodyPr lIns="0" rIns="0" tIns="0" bIns="0"/>
           <a:p>
-            <a:endParaRPr b="0" lang="zh-CN" sz="2800" spc="-1" strike="noStrike">
+            <a:endParaRPr b="0" lang="en-US" sz="3200" spc="-1" strike="noStrike">
               <a:solidFill>
                 <a:srgbClr val="000000"/>
               </a:solidFill>
@@ -4753,7 +4782,7 @@
         <p:txBody>
           <a:bodyPr lIns="0" rIns="0" tIns="0" bIns="0"/>
           <a:p>
-            <a:endParaRPr b="0" lang="zh-CN" sz="2800" spc="-1" strike="noStrike">
+            <a:endParaRPr b="0" lang="en-US" sz="3200" spc="-1" strike="noStrike">
               <a:solidFill>
                 <a:srgbClr val="000000"/>
               </a:solidFill>
@@ -4811,7 +4840,8 @@
         <p:txBody>
           <a:bodyPr lIns="0" rIns="0" tIns="0" bIns="0" anchor="ctr"/>
           <a:p>
-            <a:endParaRPr b="0" lang="zh-CN" sz="1800" spc="-1" strike="noStrike">
+            <a:pPr algn="ctr"/>
+            <a:endParaRPr b="0" lang="en-US" sz="4400" spc="-1" strike="noStrike">
               <a:solidFill>
                 <a:srgbClr val="000000"/>
               </a:solidFill>
@@ -4847,7 +4877,7 @@
         <p:txBody>
           <a:bodyPr lIns="0" rIns="0" tIns="0" bIns="0"/>
           <a:p>
-            <a:endParaRPr b="0" lang="zh-CN" sz="2800" spc="-1" strike="noStrike">
+            <a:endParaRPr b="0" lang="en-US" sz="3200" spc="-1" strike="noStrike">
               <a:solidFill>
                 <a:srgbClr val="000000"/>
               </a:solidFill>
@@ -4883,7 +4913,7 @@
         <p:txBody>
           <a:bodyPr lIns="0" rIns="0" tIns="0" bIns="0"/>
           <a:p>
-            <a:endParaRPr b="0" lang="zh-CN" sz="2800" spc="-1" strike="noStrike">
+            <a:endParaRPr b="0" lang="en-US" sz="3200" spc="-1" strike="noStrike">
               <a:solidFill>
                 <a:srgbClr val="000000"/>
               </a:solidFill>
@@ -4919,7 +4949,7 @@
         <p:txBody>
           <a:bodyPr lIns="0" rIns="0" tIns="0" bIns="0"/>
           <a:p>
-            <a:endParaRPr b="0" lang="zh-CN" sz="2800" spc="-1" strike="noStrike">
+            <a:endParaRPr b="0" lang="en-US" sz="3200" spc="-1" strike="noStrike">
               <a:solidFill>
                 <a:srgbClr val="000000"/>
               </a:solidFill>
@@ -4975,7 +5005,7 @@
         <p:spPr>
           <a:xfrm>
             <a:off x="457200" y="205200"/>
-            <a:ext cx="8228880" cy="858240"/>
+            <a:ext cx="8229240" cy="858600"/>
           </a:xfrm>
           <a:prstGeom prst="rect">
             <a:avLst/>
@@ -4984,7 +5014,22 @@
         <p:txBody>
           <a:bodyPr lIns="0" rIns="0" tIns="0" bIns="0" anchor="ctr"/>
           <a:p>
-            <a:endParaRPr b="0" lang="zh-CN" sz="1800" spc="-1" strike="noStrike">
+            <a:pPr algn="ctr"/>
+            <a:r>
+              <a:rPr b="0" lang="en-US" sz="4400" spc="-1" strike="noStrike">
+                <a:solidFill>
+                  <a:srgbClr val="000000"/>
+                </a:solidFill>
+                <a:uFill>
+                  <a:solidFill>
+                    <a:srgbClr val="ffffff"/>
+                  </a:solidFill>
+                </a:uFill>
+                <a:latin typeface="Arial"/>
+              </a:rPr>
+              <a:t>Click to edit the title text format</a:t>
+            </a:r>
+            <a:endParaRPr b="0" lang="en-US" sz="4400" spc="-1" strike="noStrike">
               <a:solidFill>
                 <a:srgbClr val="000000"/>
               </a:solidFill>
@@ -5011,7 +5056,7 @@
         <p:spPr>
           <a:xfrm>
             <a:off x="457200" y="1203480"/>
-            <a:ext cx="8228880" cy="2982600"/>
+            <a:ext cx="8229240" cy="2982960"/>
           </a:xfrm>
           <a:prstGeom prst="rect">
             <a:avLst/>
@@ -5029,7 +5074,7 @@
               <a:buChar char=""/>
             </a:pPr>
             <a:r>
-              <a:rPr b="0" lang="zh-CN" sz="2800" spc="-1" strike="noStrike">
+              <a:rPr b="0" lang="en-US" sz="3200" spc="-1" strike="noStrike">
                 <a:solidFill>
                   <a:srgbClr val="000000"/>
                 </a:solidFill>
@@ -5042,7 +5087,7 @@
               </a:rPr>
               <a:t>Click to edit the outline text format</a:t>
             </a:r>
-            <a:endParaRPr b="0" lang="zh-CN" sz="2800" spc="-1" strike="noStrike">
+            <a:endParaRPr b="0" lang="en-US" sz="3200" spc="-1" strike="noStrike">
               <a:solidFill>
                 <a:srgbClr val="000000"/>
               </a:solidFill>
@@ -5064,7 +5109,7 @@
               <a:buChar char=""/>
             </a:pPr>
             <a:r>
-              <a:rPr b="0" lang="zh-CN" sz="2800" spc="-1" strike="noStrike">
+              <a:rPr b="0" lang="en-US" sz="2800" spc="-1" strike="noStrike">
                 <a:solidFill>
                   <a:srgbClr val="000000"/>
                 </a:solidFill>
@@ -5077,7 +5122,7 @@
               </a:rPr>
               <a:t>Second Outline Level</a:t>
             </a:r>
-            <a:endParaRPr b="0" lang="zh-CN" sz="2800" spc="-1" strike="noStrike">
+            <a:endParaRPr b="0" lang="en-US" sz="2800" spc="-1" strike="noStrike">
               <a:solidFill>
                 <a:srgbClr val="000000"/>
               </a:solidFill>
@@ -5099,7 +5144,7 @@
               <a:buChar char=""/>
             </a:pPr>
             <a:r>
-              <a:rPr b="0" lang="zh-CN" sz="2800" spc="-1" strike="noStrike">
+              <a:rPr b="0" lang="en-US" sz="2400" spc="-1" strike="noStrike">
                 <a:solidFill>
                   <a:srgbClr val="000000"/>
                 </a:solidFill>
@@ -5112,7 +5157,7 @@
               </a:rPr>
               <a:t>Third Outline Level</a:t>
             </a:r>
-            <a:endParaRPr b="0" lang="zh-CN" sz="2800" spc="-1" strike="noStrike">
+            <a:endParaRPr b="0" lang="en-US" sz="2400" spc="-1" strike="noStrike">
               <a:solidFill>
                 <a:srgbClr val="000000"/>
               </a:solidFill>
@@ -5134,7 +5179,7 @@
               <a:buChar char=""/>
             </a:pPr>
             <a:r>
-              <a:rPr b="0" lang="zh-CN" sz="2800" spc="-1" strike="noStrike">
+              <a:rPr b="0" lang="en-US" sz="2000" spc="-1" strike="noStrike">
                 <a:solidFill>
                   <a:srgbClr val="000000"/>
                 </a:solidFill>
@@ -5147,7 +5192,7 @@
               </a:rPr>
               <a:t>Fourth Outline Level</a:t>
             </a:r>
-            <a:endParaRPr b="0" lang="zh-CN" sz="2800" spc="-1" strike="noStrike">
+            <a:endParaRPr b="0" lang="en-US" sz="2000" spc="-1" strike="noStrike">
               <a:solidFill>
                 <a:srgbClr val="000000"/>
               </a:solidFill>
@@ -5169,7 +5214,7 @@
               <a:buChar char=""/>
             </a:pPr>
             <a:r>
-              <a:rPr b="0" lang="zh-CN" sz="2800" spc="-1" strike="noStrike">
+              <a:rPr b="0" lang="en-US" sz="2000" spc="-1" strike="noStrike">
                 <a:solidFill>
                   <a:srgbClr val="000000"/>
                 </a:solidFill>
@@ -5182,7 +5227,7 @@
               </a:rPr>
               <a:t>Fifth Outline Level</a:t>
             </a:r>
-            <a:endParaRPr b="0" lang="zh-CN" sz="2800" spc="-1" strike="noStrike">
+            <a:endParaRPr b="0" lang="en-US" sz="2000" spc="-1" strike="noStrike">
               <a:solidFill>
                 <a:srgbClr val="000000"/>
               </a:solidFill>
@@ -5204,7 +5249,7 @@
               <a:buChar char=""/>
             </a:pPr>
             <a:r>
-              <a:rPr b="0" lang="zh-CN" sz="2800" spc="-1" strike="noStrike">
+              <a:rPr b="0" lang="en-US" sz="2000" spc="-1" strike="noStrike">
                 <a:solidFill>
                   <a:srgbClr val="000000"/>
                 </a:solidFill>
@@ -5217,7 +5262,7 @@
               </a:rPr>
               <a:t>Sixth Outline Level</a:t>
             </a:r>
-            <a:endParaRPr b="0" lang="zh-CN" sz="2800" spc="-1" strike="noStrike">
+            <a:endParaRPr b="0" lang="en-US" sz="2000" spc="-1" strike="noStrike">
               <a:solidFill>
                 <a:srgbClr val="000000"/>
               </a:solidFill>
@@ -5239,7 +5284,7 @@
               <a:buChar char=""/>
             </a:pPr>
             <a:r>
-              <a:rPr b="0" lang="zh-CN" sz="2800" spc="-1" strike="noStrike">
+              <a:rPr b="0" lang="en-US" sz="2000" spc="-1" strike="noStrike">
                 <a:solidFill>
                   <a:srgbClr val="000000"/>
                 </a:solidFill>
@@ -5252,7 +5297,7 @@
               </a:rPr>
               <a:t>Seventh Outline Level</a:t>
             </a:r>
-            <a:endParaRPr b="0" lang="zh-CN" sz="2800" spc="-1" strike="noStrike">
+            <a:endParaRPr b="0" lang="en-US" sz="2000" spc="-1" strike="noStrike">
               <a:solidFill>
                 <a:srgbClr val="000000"/>
               </a:solidFill>
@@ -5332,8 +5377,9 @@
         <p:txBody>
           <a:bodyPr lIns="0" rIns="0" tIns="0" bIns="0" anchor="ctr"/>
           <a:p>
-            <a:r>
-              <a:rPr b="0" lang="zh-CN" sz="1800" spc="-1" strike="noStrike">
+            <a:pPr algn="ctr"/>
+            <a:r>
+              <a:rPr b="0" lang="en-US" sz="4400" spc="-1" strike="noStrike">
                 <a:solidFill>
                   <a:srgbClr val="000000"/>
                 </a:solidFill>
@@ -5346,7 +5392,7 @@
               </a:rPr>
               <a:t>Click to edit the title text format</a:t>
             </a:r>
-            <a:endParaRPr b="0" lang="zh-CN" sz="1800" spc="-1" strike="noStrike">
+            <a:endParaRPr b="0" lang="en-US" sz="4400" spc="-1" strike="noStrike">
               <a:solidFill>
                 <a:srgbClr val="000000"/>
               </a:solidFill>
@@ -5391,7 +5437,7 @@
               <a:buChar char=""/>
             </a:pPr>
             <a:r>
-              <a:rPr b="0" lang="zh-CN" sz="2800" spc="-1" strike="noStrike">
+              <a:rPr b="0" lang="en-US" sz="3200" spc="-1" strike="noStrike">
                 <a:solidFill>
                   <a:srgbClr val="000000"/>
                 </a:solidFill>
@@ -5404,7 +5450,7 @@
               </a:rPr>
               <a:t>Click to edit the outline text format</a:t>
             </a:r>
-            <a:endParaRPr b="0" lang="zh-CN" sz="2800" spc="-1" strike="noStrike">
+            <a:endParaRPr b="0" lang="en-US" sz="3200" spc="-1" strike="noStrike">
               <a:solidFill>
                 <a:srgbClr val="000000"/>
               </a:solidFill>
@@ -5426,7 +5472,7 @@
               <a:buChar char=""/>
             </a:pPr>
             <a:r>
-              <a:rPr b="0" lang="zh-CN" sz="2000" spc="-1" strike="noStrike">
+              <a:rPr b="0" lang="en-US" sz="2800" spc="-1" strike="noStrike">
                 <a:solidFill>
                   <a:srgbClr val="000000"/>
                 </a:solidFill>
@@ -5439,7 +5485,7 @@
               </a:rPr>
               <a:t>Second Outline Level</a:t>
             </a:r>
-            <a:endParaRPr b="0" lang="zh-CN" sz="2000" spc="-1" strike="noStrike">
+            <a:endParaRPr b="0" lang="en-US" sz="2800" spc="-1" strike="noStrike">
               <a:solidFill>
                 <a:srgbClr val="000000"/>
               </a:solidFill>
@@ -5461,7 +5507,7 @@
               <a:buChar char=""/>
             </a:pPr>
             <a:r>
-              <a:rPr b="0" lang="zh-CN" sz="1800" spc="-1" strike="noStrike">
+              <a:rPr b="0" lang="en-US" sz="2400" spc="-1" strike="noStrike">
                 <a:solidFill>
                   <a:srgbClr val="000000"/>
                 </a:solidFill>
@@ -5474,7 +5520,7 @@
               </a:rPr>
               <a:t>Third Outline Level</a:t>
             </a:r>
-            <a:endParaRPr b="0" lang="zh-CN" sz="1800" spc="-1" strike="noStrike">
+            <a:endParaRPr b="0" lang="en-US" sz="2400" spc="-1" strike="noStrike">
               <a:solidFill>
                 <a:srgbClr val="000000"/>
               </a:solidFill>
@@ -5496,7 +5542,7 @@
               <a:buChar char=""/>
             </a:pPr>
             <a:r>
-              <a:rPr b="0" lang="zh-CN" sz="1800" spc="-1" strike="noStrike">
+              <a:rPr b="0" lang="en-US" sz="2000" spc="-1" strike="noStrike">
                 <a:solidFill>
                   <a:srgbClr val="000000"/>
                 </a:solidFill>
@@ -5509,7 +5555,7 @@
               </a:rPr>
               <a:t>Fourth Outline Level</a:t>
             </a:r>
-            <a:endParaRPr b="0" lang="zh-CN" sz="1800" spc="-1" strike="noStrike">
+            <a:endParaRPr b="0" lang="en-US" sz="2000" spc="-1" strike="noStrike">
               <a:solidFill>
                 <a:srgbClr val="000000"/>
               </a:solidFill>
@@ -5531,7 +5577,7 @@
               <a:buChar char=""/>
             </a:pPr>
             <a:r>
-              <a:rPr b="0" lang="zh-CN" sz="2000" spc="-1" strike="noStrike">
+              <a:rPr b="0" lang="en-US" sz="2000" spc="-1" strike="noStrike">
                 <a:solidFill>
                   <a:srgbClr val="000000"/>
                 </a:solidFill>
@@ -5544,7 +5590,7 @@
               </a:rPr>
               <a:t>Fifth Outline Level</a:t>
             </a:r>
-            <a:endParaRPr b="0" lang="zh-CN" sz="2000" spc="-1" strike="noStrike">
+            <a:endParaRPr b="0" lang="en-US" sz="2000" spc="-1" strike="noStrike">
               <a:solidFill>
                 <a:srgbClr val="000000"/>
               </a:solidFill>
@@ -5566,7 +5612,7 @@
               <a:buChar char=""/>
             </a:pPr>
             <a:r>
-              <a:rPr b="0" lang="zh-CN" sz="2000" spc="-1" strike="noStrike">
+              <a:rPr b="0" lang="en-US" sz="2000" spc="-1" strike="noStrike">
                 <a:solidFill>
                   <a:srgbClr val="000000"/>
                 </a:solidFill>
@@ -5579,7 +5625,7 @@
               </a:rPr>
               <a:t>Sixth Outline Level</a:t>
             </a:r>
-            <a:endParaRPr b="0" lang="zh-CN" sz="2000" spc="-1" strike="noStrike">
+            <a:endParaRPr b="0" lang="en-US" sz="2000" spc="-1" strike="noStrike">
               <a:solidFill>
                 <a:srgbClr val="000000"/>
               </a:solidFill>
@@ -5601,7 +5647,7 @@
               <a:buChar char=""/>
             </a:pPr>
             <a:r>
-              <a:rPr b="0" lang="zh-CN" sz="2000" spc="-1" strike="noStrike">
+              <a:rPr b="0" lang="en-US" sz="2000" spc="-1" strike="noStrike">
                 <a:solidFill>
                   <a:srgbClr val="000000"/>
                 </a:solidFill>
@@ -5614,7 +5660,7 @@
               </a:rPr>
               <a:t>Seventh Outline Level</a:t>
             </a:r>
-            <a:endParaRPr b="0" lang="zh-CN" sz="2000" spc="-1" strike="noStrike">
+            <a:endParaRPr b="0" lang="en-US" sz="2000" spc="-1" strike="noStrike">
               <a:solidFill>
                 <a:srgbClr val="000000"/>
               </a:solidFill>
@@ -5694,8 +5740,9 @@
         <p:txBody>
           <a:bodyPr lIns="0" rIns="0" tIns="0" bIns="0" anchor="ctr"/>
           <a:p>
-            <a:r>
-              <a:rPr b="0" lang="zh-CN" sz="1800" spc="-1" strike="noStrike">
+            <a:pPr algn="ctr"/>
+            <a:r>
+              <a:rPr b="0" lang="en-US" sz="4400" spc="-1" strike="noStrike">
                 <a:solidFill>
                   <a:srgbClr val="000000"/>
                 </a:solidFill>
@@ -5708,7 +5755,7 @@
               </a:rPr>
               <a:t>Click to edit the title text format</a:t>
             </a:r>
-            <a:endParaRPr b="0" lang="zh-CN" sz="1800" spc="-1" strike="noStrike">
+            <a:endParaRPr b="0" lang="en-US" sz="4400" spc="-1" strike="noStrike">
               <a:solidFill>
                 <a:srgbClr val="000000"/>
               </a:solidFill>
@@ -5753,7 +5800,7 @@
               <a:buChar char=""/>
             </a:pPr>
             <a:r>
-              <a:rPr b="0" lang="zh-CN" sz="2800" spc="-1" strike="noStrike">
+              <a:rPr b="0" lang="en-US" sz="3200" spc="-1" strike="noStrike">
                 <a:solidFill>
                   <a:srgbClr val="000000"/>
                 </a:solidFill>
@@ -5766,7 +5813,7 @@
               </a:rPr>
               <a:t>Click to edit the outline text format</a:t>
             </a:r>
-            <a:endParaRPr b="0" lang="zh-CN" sz="2800" spc="-1" strike="noStrike">
+            <a:endParaRPr b="0" lang="en-US" sz="3200" spc="-1" strike="noStrike">
               <a:solidFill>
                 <a:srgbClr val="000000"/>
               </a:solidFill>
@@ -5788,7 +5835,7 @@
               <a:buChar char=""/>
             </a:pPr>
             <a:r>
-              <a:rPr b="0" lang="zh-CN" sz="2000" spc="-1" strike="noStrike">
+              <a:rPr b="0" lang="en-US" sz="2800" spc="-1" strike="noStrike">
                 <a:solidFill>
                   <a:srgbClr val="000000"/>
                 </a:solidFill>
@@ -5801,7 +5848,7 @@
               </a:rPr>
               <a:t>Second Outline Level</a:t>
             </a:r>
-            <a:endParaRPr b="0" lang="zh-CN" sz="2000" spc="-1" strike="noStrike">
+            <a:endParaRPr b="0" lang="en-US" sz="2800" spc="-1" strike="noStrike">
               <a:solidFill>
                 <a:srgbClr val="000000"/>
               </a:solidFill>
@@ -5823,7 +5870,7 @@
               <a:buChar char=""/>
             </a:pPr>
             <a:r>
-              <a:rPr b="0" lang="zh-CN" sz="1800" spc="-1" strike="noStrike">
+              <a:rPr b="0" lang="en-US" sz="2400" spc="-1" strike="noStrike">
                 <a:solidFill>
                   <a:srgbClr val="000000"/>
                 </a:solidFill>
@@ -5836,7 +5883,7 @@
               </a:rPr>
               <a:t>Third Outline Level</a:t>
             </a:r>
-            <a:endParaRPr b="0" lang="zh-CN" sz="1800" spc="-1" strike="noStrike">
+            <a:endParaRPr b="0" lang="en-US" sz="2400" spc="-1" strike="noStrike">
               <a:solidFill>
                 <a:srgbClr val="000000"/>
               </a:solidFill>
@@ -5858,7 +5905,7 @@
               <a:buChar char=""/>
             </a:pPr>
             <a:r>
-              <a:rPr b="0" lang="zh-CN" sz="1800" spc="-1" strike="noStrike">
+              <a:rPr b="0" lang="en-US" sz="2000" spc="-1" strike="noStrike">
                 <a:solidFill>
                   <a:srgbClr val="000000"/>
                 </a:solidFill>
@@ -5871,7 +5918,7 @@
               </a:rPr>
               <a:t>Fourth Outline Level</a:t>
             </a:r>
-            <a:endParaRPr b="0" lang="zh-CN" sz="1800" spc="-1" strike="noStrike">
+            <a:endParaRPr b="0" lang="en-US" sz="2000" spc="-1" strike="noStrike">
               <a:solidFill>
                 <a:srgbClr val="000000"/>
               </a:solidFill>
@@ -5893,7 +5940,7 @@
               <a:buChar char=""/>
             </a:pPr>
             <a:r>
-              <a:rPr b="0" lang="zh-CN" sz="2000" spc="-1" strike="noStrike">
+              <a:rPr b="0" lang="en-US" sz="2000" spc="-1" strike="noStrike">
                 <a:solidFill>
                   <a:srgbClr val="000000"/>
                 </a:solidFill>
@@ -5906,7 +5953,7 @@
               </a:rPr>
               <a:t>Fifth Outline Level</a:t>
             </a:r>
-            <a:endParaRPr b="0" lang="zh-CN" sz="2000" spc="-1" strike="noStrike">
+            <a:endParaRPr b="0" lang="en-US" sz="2000" spc="-1" strike="noStrike">
               <a:solidFill>
                 <a:srgbClr val="000000"/>
               </a:solidFill>
@@ -5928,7 +5975,7 @@
               <a:buChar char=""/>
             </a:pPr>
             <a:r>
-              <a:rPr b="0" lang="zh-CN" sz="2000" spc="-1" strike="noStrike">
+              <a:rPr b="0" lang="en-US" sz="2000" spc="-1" strike="noStrike">
                 <a:solidFill>
                   <a:srgbClr val="000000"/>
                 </a:solidFill>
@@ -5941,7 +5988,7 @@
               </a:rPr>
               <a:t>Sixth Outline Level</a:t>
             </a:r>
-            <a:endParaRPr b="0" lang="zh-CN" sz="2000" spc="-1" strike="noStrike">
+            <a:endParaRPr b="0" lang="en-US" sz="2000" spc="-1" strike="noStrike">
               <a:solidFill>
                 <a:srgbClr val="000000"/>
               </a:solidFill>
@@ -5963,7 +6010,7 @@
               <a:buChar char=""/>
             </a:pPr>
             <a:r>
-              <a:rPr b="0" lang="zh-CN" sz="2000" spc="-1" strike="noStrike">
+              <a:rPr b="0" lang="en-US" sz="2000" spc="-1" strike="noStrike">
                 <a:solidFill>
                   <a:srgbClr val="000000"/>
                 </a:solidFill>
@@ -5976,7 +6023,7 @@
               </a:rPr>
               <a:t>Seventh Outline Level</a:t>
             </a:r>
-            <a:endParaRPr b="0" lang="zh-CN" sz="2000" spc="-1" strike="noStrike">
+            <a:endParaRPr b="0" lang="en-US" sz="2000" spc="-1" strike="noStrike">
               <a:solidFill>
                 <a:srgbClr val="000000"/>
               </a:solidFill>
@@ -6036,7 +6083,7 @@
         <p:spPr>
           <a:xfrm>
             <a:off x="1060920" y="1501200"/>
-            <a:ext cx="5447880" cy="577080"/>
+            <a:ext cx="5447520" cy="576720"/>
           </a:xfrm>
           <a:prstGeom prst="rect">
             <a:avLst/>
@@ -6113,7 +6160,7 @@
         <p:spPr>
           <a:xfrm>
             <a:off x="2350080" y="3408480"/>
-            <a:ext cx="716400" cy="302760"/>
+            <a:ext cx="716040" cy="302400"/>
           </a:xfrm>
           <a:prstGeom prst="rect">
             <a:avLst/>
@@ -6139,7 +6186,7 @@
         <p:spPr>
           <a:xfrm>
             <a:off x="1149120" y="3204000"/>
-            <a:ext cx="2325960" cy="1366560"/>
+            <a:ext cx="2325600" cy="1366200"/>
           </a:xfrm>
           <a:prstGeom prst="rect">
             <a:avLst/>
@@ -6489,7 +6536,7 @@
         <p:spPr>
           <a:xfrm>
             <a:off x="4190760" y="2492640"/>
-            <a:ext cx="2666520" cy="1895760"/>
+            <a:ext cx="2666160" cy="1895400"/>
           </a:xfrm>
           <a:prstGeom prst="rect">
             <a:avLst/>
@@ -6519,7 +6566,7 @@
         <p:spPr>
           <a:xfrm>
             <a:off x="5115600" y="457200"/>
-            <a:ext cx="3312720" cy="3291120"/>
+            <a:ext cx="3312360" cy="3290760"/>
           </a:xfrm>
           <a:prstGeom prst="rect">
             <a:avLst/>
@@ -6538,7 +6585,7 @@
         <p:spPr>
           <a:xfrm>
             <a:off x="1188720" y="2194560"/>
-            <a:ext cx="4388760" cy="360"/>
+            <a:ext cx="4388400" cy="360"/>
           </a:xfrm>
           <a:custGeom>
             <a:avLst/>
@@ -6582,7 +6629,7 @@
         <p:spPr>
           <a:xfrm>
             <a:off x="7955280" y="2194560"/>
-            <a:ext cx="1188360" cy="360"/>
+            <a:ext cx="1188000" cy="360"/>
           </a:xfrm>
           <a:custGeom>
             <a:avLst/>
@@ -6668,7 +6715,7 @@
       </p:grpSpPr>
       <p:sp>
         <p:nvSpPr>
-          <p:cNvPr id="154" name="Line 1"/>
+          <p:cNvPr id="155" name="Line 1"/>
           <p:cNvSpPr/>
           <p:nvPr/>
         </p:nvSpPr>
@@ -6696,7 +6743,7 @@
       </p:sp>
       <p:sp>
         <p:nvSpPr>
-          <p:cNvPr id="155" name="Line 2"/>
+          <p:cNvPr id="156" name="Line 2"/>
           <p:cNvSpPr/>
           <p:nvPr/>
         </p:nvSpPr>
@@ -6724,14 +6771,14 @@
       </p:sp>
       <p:sp>
         <p:nvSpPr>
-          <p:cNvPr id="156" name="CustomShape 3"/>
+          <p:cNvPr id="157" name="CustomShape 3"/>
           <p:cNvSpPr/>
           <p:nvPr/>
         </p:nvSpPr>
         <p:spPr>
           <a:xfrm>
             <a:off x="342000" y="174240"/>
-            <a:ext cx="4435560" cy="975600"/>
+            <a:ext cx="4435200" cy="975240"/>
           </a:xfrm>
           <a:prstGeom prst="rect">
             <a:avLst/>
@@ -6801,7 +6848,7 @@
       </p:sp>
       <p:pic>
         <p:nvPicPr>
-          <p:cNvPr id="157" name="图片 142" descr=""/>
+          <p:cNvPr id="158" name="图片 142" descr=""/>
           <p:cNvPicPr/>
           <p:nvPr/>
         </p:nvPicPr>
@@ -6812,7 +6859,7 @@
         <p:spPr>
           <a:xfrm>
             <a:off x="7132680" y="174240"/>
-            <a:ext cx="1855080" cy="730800"/>
+            <a:ext cx="1854720" cy="730440"/>
           </a:xfrm>
           <a:prstGeom prst="rect">
             <a:avLst/>
@@ -6824,14 +6871,14 @@
       </p:pic>
       <p:sp>
         <p:nvSpPr>
-          <p:cNvPr id="158" name="TextShape 4"/>
-          <p:cNvSpPr txBox="1"/>
+          <p:cNvPr id="159" name="CustomShape 4"/>
+          <p:cNvSpPr/>
           <p:nvPr/>
         </p:nvSpPr>
         <p:spPr>
           <a:xfrm>
             <a:off x="2854080" y="2720520"/>
-            <a:ext cx="3446640" cy="925560"/>
+            <a:ext cx="3446280" cy="925200"/>
           </a:xfrm>
           <a:prstGeom prst="rect">
             <a:avLst/>
@@ -6841,6 +6888,12 @@
             <a:noFill/>
           </a:ln>
         </p:spPr>
+        <p:style>
+          <a:lnRef idx="0"/>
+          <a:fillRef idx="0"/>
+          <a:effectRef idx="0"/>
+          <a:fontRef idx="minor"/>
+        </p:style>
         <p:txBody>
           <a:bodyPr lIns="90000" rIns="90000" tIns="45000" bIns="45000"/>
           <a:p>
@@ -7124,14 +7177,14 @@
       </p:grpSpPr>
       <p:sp>
         <p:nvSpPr>
-          <p:cNvPr id="159" name="CustomShape 1"/>
+          <p:cNvPr id="160" name="CustomShape 1"/>
           <p:cNvSpPr/>
           <p:nvPr/>
         </p:nvSpPr>
         <p:spPr>
           <a:xfrm>
             <a:off x="623880" y="637920"/>
-            <a:ext cx="7885800" cy="2138760"/>
+            <a:ext cx="7885440" cy="2138400"/>
           </a:xfrm>
           <a:prstGeom prst="rect">
             <a:avLst/>
@@ -7216,14 +7269,14 @@
       </p:sp>
       <p:sp>
         <p:nvSpPr>
-          <p:cNvPr id="160" name="CustomShape 2"/>
+          <p:cNvPr id="161" name="CustomShape 2"/>
           <p:cNvSpPr/>
           <p:nvPr/>
         </p:nvSpPr>
         <p:spPr>
           <a:xfrm>
             <a:off x="623880" y="2772360"/>
-            <a:ext cx="7885800" cy="56880"/>
+            <a:ext cx="7885440" cy="56520"/>
           </a:xfrm>
           <a:prstGeom prst="rect">
             <a:avLst/>
@@ -7293,7 +7346,7 @@
       </p:grpSpPr>
       <p:sp>
         <p:nvSpPr>
-          <p:cNvPr id="161" name="Line 1"/>
+          <p:cNvPr id="162" name="Line 1"/>
           <p:cNvSpPr/>
           <p:nvPr/>
         </p:nvSpPr>
@@ -7321,7 +7374,7 @@
       </p:sp>
       <p:sp>
         <p:nvSpPr>
-          <p:cNvPr id="162" name="Line 2"/>
+          <p:cNvPr id="163" name="Line 2"/>
           <p:cNvSpPr/>
           <p:nvPr/>
         </p:nvSpPr>
@@ -7349,14 +7402,14 @@
       </p:sp>
       <p:sp>
         <p:nvSpPr>
-          <p:cNvPr id="163" name="CustomShape 3"/>
+          <p:cNvPr id="164" name="CustomShape 3"/>
           <p:cNvSpPr/>
           <p:nvPr/>
         </p:nvSpPr>
         <p:spPr>
           <a:xfrm>
             <a:off x="342000" y="174240"/>
-            <a:ext cx="8228520" cy="975600"/>
+            <a:ext cx="8228160" cy="975240"/>
           </a:xfrm>
           <a:prstGeom prst="rect">
             <a:avLst/>
@@ -7426,14 +7479,14 @@
       </p:sp>
       <p:sp>
         <p:nvSpPr>
-          <p:cNvPr id="164" name="CustomShape 4"/>
+          <p:cNvPr id="165" name="CustomShape 4"/>
           <p:cNvSpPr/>
           <p:nvPr/>
         </p:nvSpPr>
         <p:spPr>
           <a:xfrm>
             <a:off x="202320" y="1357560"/>
-            <a:ext cx="8228520" cy="3784680"/>
+            <a:ext cx="8228160" cy="3784320"/>
           </a:xfrm>
           <a:prstGeom prst="rect">
             <a:avLst/>
@@ -7452,7 +7505,7 @@
         <p:txBody>
           <a:bodyPr lIns="90000" rIns="90000" tIns="45000" bIns="45000"/>
           <a:p>
-            <a:pPr marL="514440" indent="-513360">
+            <a:pPr marL="514440" indent="-513000">
               <a:lnSpc>
                 <a:spcPct val="125000"/>
               </a:lnSpc>
@@ -7493,7 +7546,7 @@
       </p:sp>
       <p:pic>
         <p:nvPicPr>
-          <p:cNvPr id="165" name="图片 149" descr=""/>
+          <p:cNvPr id="166" name="图片 149" descr=""/>
           <p:cNvPicPr/>
           <p:nvPr/>
         </p:nvPicPr>
@@ -7504,7 +7557,7 @@
         <p:spPr>
           <a:xfrm>
             <a:off x="7132680" y="174240"/>
-            <a:ext cx="1855080" cy="730800"/>
+            <a:ext cx="1854720" cy="730440"/>
           </a:xfrm>
           <a:prstGeom prst="rect">
             <a:avLst/>
@@ -7565,14 +7618,14 @@
       </p:grpSpPr>
       <p:sp>
         <p:nvSpPr>
-          <p:cNvPr id="166" name="CustomShape 1"/>
+          <p:cNvPr id="167" name="CustomShape 1"/>
           <p:cNvSpPr/>
           <p:nvPr/>
         </p:nvSpPr>
         <p:spPr>
           <a:xfrm>
             <a:off x="623880" y="637920"/>
-            <a:ext cx="7885800" cy="2138760"/>
+            <a:ext cx="7885440" cy="2138400"/>
           </a:xfrm>
           <a:prstGeom prst="rect">
             <a:avLst/>
@@ -7702,14 +7755,14 @@
       </p:sp>
       <p:sp>
         <p:nvSpPr>
-          <p:cNvPr id="167" name="CustomShape 2"/>
+          <p:cNvPr id="168" name="CustomShape 2"/>
           <p:cNvSpPr/>
           <p:nvPr/>
         </p:nvSpPr>
         <p:spPr>
           <a:xfrm>
             <a:off x="623880" y="2772360"/>
-            <a:ext cx="7885800" cy="56880"/>
+            <a:ext cx="7885440" cy="56520"/>
           </a:xfrm>
           <a:prstGeom prst="rect">
             <a:avLst/>
@@ -7779,14 +7832,14 @@
       </p:grpSpPr>
       <p:sp>
         <p:nvSpPr>
-          <p:cNvPr id="168" name="CustomShape 1"/>
+          <p:cNvPr id="169" name="CustomShape 1"/>
           <p:cNvSpPr/>
           <p:nvPr/>
         </p:nvSpPr>
         <p:spPr>
           <a:xfrm>
             <a:off x="2433240" y="731520"/>
-            <a:ext cx="4275720" cy="3442320"/>
+            <a:ext cx="4275360" cy="3441960"/>
           </a:xfrm>
           <a:prstGeom prst="rect">
             <a:avLst/>
@@ -7841,14 +7894,14 @@
       </p:sp>
       <p:sp>
         <p:nvSpPr>
-          <p:cNvPr id="169" name="CustomShape 2"/>
+          <p:cNvPr id="170" name="CustomShape 2"/>
           <p:cNvSpPr/>
           <p:nvPr/>
         </p:nvSpPr>
         <p:spPr>
           <a:xfrm>
             <a:off x="2433240" y="1873080"/>
-            <a:ext cx="4275720" cy="1308600"/>
+            <a:ext cx="4275360" cy="1308240"/>
           </a:xfrm>
           <a:prstGeom prst="rect">
             <a:avLst/>
@@ -7933,7 +7986,7 @@
       </p:sp>
       <p:sp>
         <p:nvSpPr>
-          <p:cNvPr id="170" name="Line 3"/>
+          <p:cNvPr id="171" name="Line 3"/>
           <p:cNvSpPr/>
           <p:nvPr/>
         </p:nvSpPr>
@@ -7961,7 +8014,7 @@
       </p:sp>
       <p:sp>
         <p:nvSpPr>
-          <p:cNvPr id="171" name="Line 4"/>
+          <p:cNvPr id="172" name="Line 4"/>
           <p:cNvSpPr/>
           <p:nvPr/>
         </p:nvSpPr>
@@ -7989,14 +8042,14 @@
       </p:sp>
       <p:sp>
         <p:nvSpPr>
-          <p:cNvPr id="172" name="CustomShape 5"/>
+          <p:cNvPr id="173" name="CustomShape 5"/>
           <p:cNvSpPr/>
           <p:nvPr/>
         </p:nvSpPr>
         <p:spPr>
           <a:xfrm>
             <a:off x="342000" y="174240"/>
-            <a:ext cx="8228520" cy="975600"/>
+            <a:ext cx="8228160" cy="975240"/>
           </a:xfrm>
           <a:prstGeom prst="rect">
             <a:avLst/>
@@ -8100,14 +8153,14 @@
       </p:grpSpPr>
       <p:sp>
         <p:nvSpPr>
-          <p:cNvPr id="173" name="CustomShape 1"/>
+          <p:cNvPr id="174" name="CustomShape 1"/>
           <p:cNvSpPr/>
           <p:nvPr/>
         </p:nvSpPr>
         <p:spPr>
           <a:xfrm>
             <a:off x="3031560" y="2038320"/>
-            <a:ext cx="3321360" cy="607320"/>
+            <a:ext cx="3321000" cy="606960"/>
           </a:xfrm>
           <a:prstGeom prst="rect">
             <a:avLst/>
@@ -8162,14 +8215,14 @@
       </p:sp>
       <p:sp>
         <p:nvSpPr>
-          <p:cNvPr id="174" name="CustomShape 2"/>
+          <p:cNvPr id="175" name="CustomShape 2"/>
           <p:cNvSpPr/>
           <p:nvPr/>
         </p:nvSpPr>
         <p:spPr>
           <a:xfrm>
             <a:off x="3108240" y="2615400"/>
-            <a:ext cx="3450960" cy="394560"/>
+            <a:ext cx="3450600" cy="394200"/>
           </a:xfrm>
           <a:prstGeom prst="rect">
             <a:avLst/>
@@ -8224,14 +8277,14 @@
       </p:sp>
       <p:sp>
         <p:nvSpPr>
-          <p:cNvPr id="175" name="CustomShape 3"/>
+          <p:cNvPr id="176" name="CustomShape 3"/>
           <p:cNvSpPr/>
           <p:nvPr/>
         </p:nvSpPr>
         <p:spPr>
           <a:xfrm rot="840000">
-            <a:off x="5421600" y="1953000"/>
-            <a:ext cx="1894320" cy="1308600"/>
+            <a:off x="5421600" y="1952640"/>
+            <a:ext cx="1893960" cy="1308240"/>
           </a:xfrm>
           <a:prstGeom prst="rect">
             <a:avLst/>
@@ -8398,7 +8451,7 @@
         <p:spPr>
           <a:xfrm>
             <a:off x="342000" y="174240"/>
-            <a:ext cx="8228520" cy="975600"/>
+            <a:ext cx="8228160" cy="975240"/>
           </a:xfrm>
           <a:prstGeom prst="rect">
             <a:avLst/>
@@ -8460,7 +8513,7 @@
         <p:spPr>
           <a:xfrm>
             <a:off x="342000" y="1228680"/>
-            <a:ext cx="8228520" cy="3784680"/>
+            <a:ext cx="8228160" cy="3784320"/>
           </a:xfrm>
           <a:prstGeom prst="rect">
             <a:avLst/>
@@ -8481,9 +8534,9 @@
         <p:txBody>
           <a:bodyPr lIns="90000" rIns="90000" tIns="45000" bIns="45000"/>
           <a:p>
-            <a:pPr marL="514440" indent="-513360">
+            <a:pPr marL="514440" indent="-513000">
               <a:lnSpc>
-                <a:spcPts val="1129"/>
+                <a:spcPts val="398"/>
               </a:lnSpc>
               <a:buClr>
                 <a:srgbClr val="6f1b1b"/>
@@ -8551,7 +8604,7 @@
           <a:p>
             <a:pPr>
               <a:lnSpc>
-                <a:spcPts val="1129"/>
+                <a:spcPts val="398"/>
               </a:lnSpc>
             </a:pPr>
             <a:r>
@@ -8674,7 +8727,7 @@
           <a:p>
             <a:pPr marL="720">
               <a:lnSpc>
-                <a:spcPts val="1129"/>
+                <a:spcPts val="398"/>
               </a:lnSpc>
             </a:pPr>
             <a:r>
@@ -8737,7 +8790,7 @@
           <a:p>
             <a:pPr marL="720">
               <a:lnSpc>
-                <a:spcPts val="1129"/>
+                <a:spcPts val="398"/>
               </a:lnSpc>
             </a:pPr>
             <a:r>
@@ -8873,9 +8926,9 @@
             </a:endParaRPr>
           </a:p>
           <a:p>
-            <a:pPr>
+            <a:pPr marL="720">
               <a:lnSpc>
-                <a:spcPts val="1129"/>
+                <a:spcPts val="398"/>
               </a:lnSpc>
             </a:pPr>
             <a:r>
@@ -8936,9 +8989,9 @@
             </a:endParaRPr>
           </a:p>
           <a:p>
-            <a:pPr>
+            <a:pPr marL="720">
               <a:lnSpc>
-                <a:spcPts val="1129"/>
+                <a:spcPts val="398"/>
               </a:lnSpc>
             </a:pPr>
             <a:r>
@@ -9074,9 +9127,9 @@
             </a:endParaRPr>
           </a:p>
           <a:p>
-            <a:pPr>
+            <a:pPr marL="720">
               <a:lnSpc>
-                <a:spcPts val="1129"/>
+                <a:spcPts val="398"/>
               </a:lnSpc>
             </a:pPr>
             <a:r>
@@ -9154,7 +9207,7 @@
           <a:p>
             <a:pPr marL="720">
               <a:lnSpc>
-                <a:spcPts val="1129"/>
+                <a:spcPts val="398"/>
               </a:lnSpc>
             </a:pPr>
             <a:r>
@@ -9275,9 +9328,9 @@
             </a:endParaRPr>
           </a:p>
           <a:p>
-            <a:pPr>
+            <a:pPr marL="720">
               <a:lnSpc>
-                <a:spcPts val="1129"/>
+                <a:spcPts val="398"/>
               </a:lnSpc>
             </a:pPr>
             <a:r>
@@ -9502,7 +9555,7 @@
         <p:spPr>
           <a:xfrm>
             <a:off x="7132320" y="174240"/>
-            <a:ext cx="1855080" cy="730800"/>
+            <a:ext cx="1854720" cy="730440"/>
           </a:xfrm>
           <a:prstGeom prst="rect">
             <a:avLst/>
@@ -9570,7 +9623,7 @@
         <p:spPr>
           <a:xfrm>
             <a:off x="623880" y="637920"/>
-            <a:ext cx="7885800" cy="2138760"/>
+            <a:ext cx="7885440" cy="2138400"/>
           </a:xfrm>
           <a:prstGeom prst="rect">
             <a:avLst/>
@@ -9677,7 +9730,7 @@
         <p:spPr>
           <a:xfrm>
             <a:off x="623880" y="2772360"/>
-            <a:ext cx="7885800" cy="56880"/>
+            <a:ext cx="7885440" cy="56520"/>
           </a:xfrm>
           <a:prstGeom prst="rect">
             <a:avLst/>
@@ -9810,7 +9863,7 @@
         <p:spPr>
           <a:xfrm>
             <a:off x="342000" y="174240"/>
-            <a:ext cx="8228520" cy="975600"/>
+            <a:ext cx="8228160" cy="975240"/>
           </a:xfrm>
           <a:prstGeom prst="rect">
             <a:avLst/>
@@ -9917,7 +9970,7 @@
         <p:spPr>
           <a:xfrm>
             <a:off x="202320" y="1357560"/>
-            <a:ext cx="8228520" cy="3784680"/>
+            <a:ext cx="8228160" cy="3784320"/>
           </a:xfrm>
           <a:prstGeom prst="rect">
             <a:avLst/>
@@ -9936,7 +9989,7 @@
         <p:txBody>
           <a:bodyPr lIns="90000" rIns="90000" tIns="45000" bIns="45000"/>
           <a:p>
-            <a:pPr marL="343080" indent="-342720">
+            <a:pPr marL="343080" indent="-342360">
               <a:lnSpc>
                 <a:spcPct val="150000"/>
               </a:lnSpc>
@@ -10187,7 +10240,7 @@
             </a:endParaRPr>
           </a:p>
           <a:p>
-            <a:pPr marL="343080" indent="-342720">
+            <a:pPr marL="343080" indent="-342360">
               <a:lnSpc>
                 <a:spcPct val="150000"/>
               </a:lnSpc>
@@ -10240,7 +10293,7 @@
             </a:endParaRPr>
           </a:p>
           <a:p>
-            <a:pPr marL="285840" indent="-285480">
+            <a:pPr marL="285840" indent="-285120">
               <a:lnSpc>
                 <a:spcPct val="150000"/>
               </a:lnSpc>
@@ -10338,7 +10391,7 @@
             </a:endParaRPr>
           </a:p>
           <a:p>
-            <a:pPr marL="285840" indent="-285480">
+            <a:pPr marL="285840" indent="-285120">
               <a:lnSpc>
                 <a:spcPct val="150000"/>
               </a:lnSpc>
@@ -10466,7 +10519,7 @@
             </a:endParaRPr>
           </a:p>
           <a:p>
-            <a:pPr marL="285840" indent="-285480">
+            <a:pPr marL="285840" indent="-285120">
               <a:lnSpc>
                 <a:spcPct val="150000"/>
               </a:lnSpc>
@@ -10564,7 +10617,7 @@
             </a:endParaRPr>
           </a:p>
           <a:p>
-            <a:pPr marL="285840" indent="-285480">
+            <a:pPr marL="285840" indent="-285120">
               <a:lnSpc>
                 <a:spcPct val="150000"/>
               </a:lnSpc>
@@ -10796,7 +10849,7 @@
         <p:spPr>
           <a:xfrm>
             <a:off x="7132680" y="174240"/>
-            <a:ext cx="1855080" cy="730800"/>
+            <a:ext cx="1854720" cy="730440"/>
           </a:xfrm>
           <a:prstGeom prst="rect">
             <a:avLst/>
@@ -10920,7 +10973,7 @@
         <p:spPr>
           <a:xfrm>
             <a:off x="342000" y="174240"/>
-            <a:ext cx="8228520" cy="975600"/>
+            <a:ext cx="8228160" cy="975240"/>
           </a:xfrm>
           <a:prstGeom prst="rect">
             <a:avLst/>
@@ -11027,7 +11080,7 @@
         <p:spPr>
           <a:xfrm>
             <a:off x="202320" y="1150200"/>
-            <a:ext cx="8443440" cy="3784680"/>
+            <a:ext cx="8443080" cy="3784320"/>
           </a:xfrm>
           <a:prstGeom prst="rect">
             <a:avLst/>
@@ -11046,7 +11099,7 @@
         <p:txBody>
           <a:bodyPr lIns="90000" rIns="90000" tIns="45000" bIns="45000"/>
           <a:p>
-            <a:pPr marL="343080" indent="-342720">
+            <a:pPr marL="343080" indent="-342360">
               <a:lnSpc>
                 <a:spcPct val="125000"/>
               </a:lnSpc>
@@ -11099,7 +11152,7 @@
             </a:endParaRPr>
           </a:p>
           <a:p>
-            <a:pPr marL="343080" indent="-342720">
+            <a:pPr marL="343080" indent="-342360">
               <a:lnSpc>
                 <a:spcPct val="150000"/>
               </a:lnSpc>
@@ -11137,7 +11190,7 @@
             </a:endParaRPr>
           </a:p>
           <a:p>
-            <a:pPr marL="285840" indent="-285480">
+            <a:pPr marL="285840" indent="-285120">
               <a:lnSpc>
                 <a:spcPct val="150000"/>
               </a:lnSpc>
@@ -11205,7 +11258,7 @@
             </a:endParaRPr>
           </a:p>
           <a:p>
-            <a:pPr marL="343080" indent="-342720">
+            <a:pPr marL="343080" indent="-342360">
               <a:lnSpc>
                 <a:spcPct val="150000"/>
               </a:lnSpc>
@@ -11243,7 +11296,7 @@
             </a:endParaRPr>
           </a:p>
           <a:p>
-            <a:pPr marL="285840" indent="-285480">
+            <a:pPr marL="285840" indent="-285120">
               <a:lnSpc>
                 <a:spcPct val="150000"/>
               </a:lnSpc>
@@ -11386,7 +11439,7 @@
             </a:endParaRPr>
           </a:p>
           <a:p>
-            <a:pPr marL="285840" indent="-285480">
+            <a:pPr marL="285840" indent="-285120">
               <a:lnSpc>
                 <a:spcPct val="150000"/>
               </a:lnSpc>
@@ -11544,7 +11597,7 @@
             </a:endParaRPr>
           </a:p>
           <a:p>
-            <a:pPr marL="285840" indent="-285480">
+            <a:pPr marL="285840" indent="-285120">
               <a:lnSpc>
                 <a:spcPct val="150000"/>
               </a:lnSpc>
@@ -11582,7 +11635,7 @@
             </a:endParaRPr>
           </a:p>
           <a:p>
-            <a:pPr marL="285840" indent="-285480">
+            <a:pPr marL="285840" indent="-285120">
               <a:lnSpc>
                 <a:spcPct val="150000"/>
               </a:lnSpc>
@@ -11755,7 +11808,7 @@
             </a:endParaRPr>
           </a:p>
           <a:p>
-            <a:pPr marL="285840" indent="-285480">
+            <a:pPr marL="285840" indent="-285120">
               <a:lnSpc>
                 <a:spcPct val="150000"/>
               </a:lnSpc>
@@ -11823,7 +11876,7 @@
             </a:endParaRPr>
           </a:p>
           <a:p>
-            <a:pPr marL="285840" indent="-285480">
+            <a:pPr marL="285840" indent="-285120">
               <a:lnSpc>
                 <a:spcPct val="150000"/>
               </a:lnSpc>
@@ -11995,7 +12048,7 @@
         <p:spPr>
           <a:xfrm>
             <a:off x="7132680" y="174240"/>
-            <a:ext cx="1855080" cy="730800"/>
+            <a:ext cx="1854720" cy="730440"/>
           </a:xfrm>
           <a:prstGeom prst="rect">
             <a:avLst/>
@@ -12119,7 +12172,7 @@
         <p:spPr>
           <a:xfrm>
             <a:off x="342000" y="174240"/>
-            <a:ext cx="8228520" cy="975600"/>
+            <a:ext cx="8228160" cy="975240"/>
           </a:xfrm>
           <a:prstGeom prst="rect">
             <a:avLst/>
@@ -12226,7 +12279,7 @@
         <p:spPr>
           <a:xfrm>
             <a:off x="202320" y="1150200"/>
-            <a:ext cx="8443440" cy="3784680"/>
+            <a:ext cx="8443080" cy="3784320"/>
           </a:xfrm>
           <a:prstGeom prst="rect">
             <a:avLst/>
@@ -12245,7 +12298,7 @@
         <p:txBody>
           <a:bodyPr lIns="90000" rIns="90000" tIns="45000" bIns="45000"/>
           <a:p>
-            <a:pPr marL="343080" indent="-342720">
+            <a:pPr marL="343080" indent="-342360">
               <a:lnSpc>
                 <a:spcPct val="125000"/>
               </a:lnSpc>
@@ -12298,7 +12351,7 @@
             </a:endParaRPr>
           </a:p>
           <a:p>
-            <a:pPr marL="343080" indent="-342720">
+            <a:pPr marL="343080" indent="-342360">
               <a:lnSpc>
                 <a:spcPct val="150000"/>
               </a:lnSpc>
@@ -12336,7 +12389,7 @@
             </a:endParaRPr>
           </a:p>
           <a:p>
-            <a:pPr marL="285840" indent="-285480">
+            <a:pPr marL="285840" indent="-285120">
               <a:lnSpc>
                 <a:spcPct val="150000"/>
               </a:lnSpc>
@@ -12479,7 +12532,7 @@
             </a:endParaRPr>
           </a:p>
           <a:p>
-            <a:pPr marL="285840" indent="-285480">
+            <a:pPr marL="285840" indent="-285120">
               <a:lnSpc>
                 <a:spcPct val="150000"/>
               </a:lnSpc>
@@ -12532,7 +12585,7 @@
             </a:endParaRPr>
           </a:p>
           <a:p>
-            <a:pPr marL="285840" indent="-285480">
+            <a:pPr marL="285840" indent="-285120">
               <a:lnSpc>
                 <a:spcPct val="150000"/>
               </a:lnSpc>
@@ -12674,7 +12727,7 @@
         <p:spPr>
           <a:xfrm>
             <a:off x="7132680" y="174240"/>
-            <a:ext cx="1855080" cy="730800"/>
+            <a:ext cx="1854720" cy="730440"/>
           </a:xfrm>
           <a:prstGeom prst="rect">
             <a:avLst/>
@@ -12742,7 +12795,7 @@
         <p:spPr>
           <a:xfrm>
             <a:off x="623880" y="637920"/>
-            <a:ext cx="7885800" cy="2138760"/>
+            <a:ext cx="7885440" cy="2138400"/>
           </a:xfrm>
           <a:prstGeom prst="rect">
             <a:avLst/>
@@ -12834,7 +12887,7 @@
         <p:spPr>
           <a:xfrm>
             <a:off x="623880" y="2772360"/>
-            <a:ext cx="7885800" cy="56880"/>
+            <a:ext cx="7885440" cy="56520"/>
           </a:xfrm>
           <a:prstGeom prst="rect">
             <a:avLst/>
@@ -12967,7 +13020,7 @@
         <p:spPr>
           <a:xfrm>
             <a:off x="342000" y="174240"/>
-            <a:ext cx="4435560" cy="975600"/>
+            <a:ext cx="4435200" cy="975240"/>
           </a:xfrm>
           <a:prstGeom prst="rect">
             <a:avLst/>
@@ -13048,7 +13101,7 @@
         <p:spPr>
           <a:xfrm>
             <a:off x="7132680" y="174240"/>
-            <a:ext cx="1855080" cy="730800"/>
+            <a:ext cx="1854720" cy="730440"/>
           </a:xfrm>
           <a:prstGeom prst="rect">
             <a:avLst/>
@@ -13071,7 +13124,7 @@
         <p:spPr>
           <a:xfrm>
             <a:off x="342000" y="1217160"/>
-            <a:ext cx="6752160" cy="3825720"/>
+            <a:ext cx="6751800" cy="3825360"/>
           </a:xfrm>
           <a:prstGeom prst="rect">
             <a:avLst/>
@@ -13081,6 +13134,140 @@
           </a:ln>
         </p:spPr>
       </p:pic>
+      <p:sp>
+        <p:nvSpPr>
+          <p:cNvPr id="149" name="TextShape 4"/>
+          <p:cNvSpPr txBox="1"/>
+          <p:nvPr/>
+        </p:nvSpPr>
+        <p:spPr>
+          <a:xfrm>
+            <a:off x="7093800" y="1737720"/>
+            <a:ext cx="1920240" cy="3474360"/>
+          </a:xfrm>
+          <a:prstGeom prst="rect">
+            <a:avLst/>
+          </a:prstGeom>
+          <a:noFill/>
+          <a:ln>
+            <a:noFill/>
+          </a:ln>
+        </p:spPr>
+        <p:txBody>
+          <a:bodyPr lIns="90000" rIns="90000" tIns="45000" bIns="45000"/>
+          <a:p>
+            <a:r>
+              <a:rPr b="0" lang="en-US" sz="1800" spc="-1" strike="noStrike">
+                <a:solidFill>
+                  <a:srgbClr val="000000"/>
+                </a:solidFill>
+                <a:uFill>
+                  <a:solidFill>
+                    <a:srgbClr val="ffffff"/>
+                  </a:solidFill>
+                </a:uFill>
+                <a:latin typeface="Arial"/>
+              </a:rPr>
+              <a:t>变量使用</a:t>
+            </a:r>
+            <a:r>
+              <a:rPr b="0" lang="en-US" sz="1800" spc="-1" strike="noStrike">
+                <a:solidFill>
+                  <a:srgbClr val="000000"/>
+                </a:solidFill>
+                <a:uFill>
+                  <a:solidFill>
+                    <a:srgbClr val="ffffff"/>
+                  </a:solidFill>
+                </a:uFill>
+                <a:latin typeface="Arial"/>
+              </a:rPr>
+              <a:t>${}</a:t>
+            </a:r>
+            <a:r>
+              <a:rPr b="0" lang="en-US" sz="1800" spc="-1" strike="noStrike">
+                <a:solidFill>
+                  <a:srgbClr val="000000"/>
+                </a:solidFill>
+                <a:uFill>
+                  <a:solidFill>
+                    <a:srgbClr val="ffffff"/>
+                  </a:solidFill>
+                </a:uFill>
+                <a:latin typeface="Arial"/>
+              </a:rPr>
+              <a:t>方式取值</a:t>
+            </a:r>
+            <a:r>
+              <a:rPr b="0" lang="en-US" sz="1800" spc="-1" strike="noStrike">
+                <a:solidFill>
+                  <a:srgbClr val="000000"/>
+                </a:solidFill>
+                <a:uFill>
+                  <a:solidFill>
+                    <a:srgbClr val="ffffff"/>
+                  </a:solidFill>
+                </a:uFill>
+                <a:latin typeface="Arial"/>
+              </a:rPr>
+              <a:t>,</a:t>
+            </a:r>
+            <a:r>
+              <a:rPr b="0" lang="en-US" sz="1800" spc="-1" strike="noStrike">
+                <a:solidFill>
+                  <a:srgbClr val="000000"/>
+                </a:solidFill>
+                <a:uFill>
+                  <a:solidFill>
+                    <a:srgbClr val="ffffff"/>
+                  </a:solidFill>
+                </a:uFill>
+                <a:latin typeface="Arial"/>
+              </a:rPr>
+              <a:t>但是在 </a:t>
+            </a:r>
+            <a:r>
+              <a:rPr b="0" lang="en-US" sz="1800" spc="-1" strike="noStrike">
+                <a:solidFill>
+                  <a:srgbClr val="000000"/>
+                </a:solidFill>
+                <a:uFill>
+                  <a:solidFill>
+                    <a:srgbClr val="ffffff"/>
+                  </a:solidFill>
+                </a:uFill>
+                <a:latin typeface="Arial"/>
+              </a:rPr>
+              <a:t>IF </a:t>
+            </a:r>
+            <a:r>
+              <a:rPr b="0" lang="en-US" sz="1800" spc="-1" strike="noStrike">
+                <a:solidFill>
+                  <a:srgbClr val="000000"/>
+                </a:solidFill>
+                <a:uFill>
+                  <a:solidFill>
+                    <a:srgbClr val="ffffff"/>
+                  </a:solidFill>
+                </a:uFill>
+                <a:latin typeface="Arial"/>
+              </a:rPr>
+              <a:t>控制语句中是直接使用变量名</a:t>
+            </a:r>
+            <a:endParaRPr b="0" lang="en-US" sz="1800" spc="-1" strike="noStrike">
+              <a:solidFill>
+                <a:srgbClr val="000000"/>
+              </a:solidFill>
+              <a:uFill>
+                <a:solidFill>
+                  <a:srgbClr val="ffffff"/>
+                </a:solidFill>
+              </a:uFill>
+              <a:latin typeface="Arial"/>
+            </a:endParaRPr>
+          </a:p>
+        </p:txBody>
+      </p:sp>
     </p:spTree>
   </p:cSld>
   <p:timing>
@@ -13132,7 +13319,7 @@
       </p:grpSpPr>
       <p:sp>
         <p:nvSpPr>
-          <p:cNvPr id="149" name="Line 1"/>
+          <p:cNvPr id="150" name="Line 1"/>
           <p:cNvSpPr/>
           <p:nvPr/>
         </p:nvSpPr>
@@ -13160,7 +13347,7 @@
       </p:sp>
       <p:sp>
         <p:nvSpPr>
-          <p:cNvPr id="150" name="Line 2"/>
+          <p:cNvPr id="151" name="Line 2"/>
           <p:cNvSpPr/>
           <p:nvPr/>
         </p:nvSpPr>
@@ -13188,14 +13375,14 @@
       </p:sp>
       <p:sp>
         <p:nvSpPr>
-          <p:cNvPr id="151" name="CustomShape 3"/>
+          <p:cNvPr id="152" name="CustomShape 3"/>
           <p:cNvSpPr/>
           <p:nvPr/>
         </p:nvSpPr>
         <p:spPr>
           <a:xfrm>
             <a:off x="342000" y="174240"/>
-            <a:ext cx="4435560" cy="975600"/>
+            <a:ext cx="4435200" cy="975240"/>
           </a:xfrm>
           <a:prstGeom prst="rect">
             <a:avLst/>
@@ -13265,7 +13452,7 @@
       </p:sp>
       <p:pic>
         <p:nvPicPr>
-          <p:cNvPr id="152" name="图片 142" descr=""/>
+          <p:cNvPr id="153" name="图片 142" descr=""/>
           <p:cNvPicPr/>
           <p:nvPr/>
         </p:nvPicPr>
@@ -13276,7 +13463,7 @@
         <p:spPr>
           <a:xfrm>
             <a:off x="7132680" y="174240"/>
-            <a:ext cx="1855080" cy="730800"/>
+            <a:ext cx="1854720" cy="730440"/>
           </a:xfrm>
           <a:prstGeom prst="rect">
             <a:avLst/>
@@ -13288,7 +13475,7 @@
       </p:pic>
       <p:pic>
         <p:nvPicPr>
-          <p:cNvPr id="153" name="图片 1" descr=""/>
+          <p:cNvPr id="154" name="图片 1" descr=""/>
           <p:cNvPicPr/>
           <p:nvPr/>
         </p:nvPicPr>
@@ -13299,7 +13486,7 @@
         <p:spPr>
           <a:xfrm>
             <a:off x="342000" y="1262880"/>
-            <a:ext cx="6012720" cy="3645720"/>
+            <a:ext cx="6012360" cy="3645360"/>
           </a:xfrm>
           <a:prstGeom prst="rect">
             <a:avLst/>
